--- a/src/DomainModeling/DomainModelingGraphics.pptx
+++ b/src/DomainModeling/DomainModelingGraphics.pptx
@@ -8,6 +8,7 @@
     <p:sldId id="256" r:id="rId2"/>
     <p:sldId id="258" r:id="rId3"/>
     <p:sldId id="257" r:id="rId4"/>
+    <p:sldId id="259" r:id="rId5"/>
   </p:sldIdLst>
   <p:sldSz cx="12192000" cy="6858000"/>
   <p:notesSz cx="6858000" cy="9144000"/>
@@ -896,6 +897,788 @@
 </dgm:colorsDef>
 </file>
 
+<file path=ppt/diagrams/colors10.xml><?xml version="1.0" encoding="utf-8"?>
+<dgm:colorsDef xmlns:dgm="http://schemas.openxmlformats.org/drawingml/2006/diagram" xmlns:a="http://schemas.openxmlformats.org/drawingml/2006/main" uniqueId="urn:microsoft.com/office/officeart/2005/8/colors/colorful3">
+  <dgm:title val=""/>
+  <dgm:desc val=""/>
+  <dgm:catLst>
+    <dgm:cat type="colorful" pri="10300"/>
+  </dgm:catLst>
+  <dgm:styleLbl name="node0">
+    <dgm:fillClrLst meth="repeat">
+      <a:schemeClr val="accent2"/>
+    </dgm:fillClrLst>
+    <dgm:linClrLst meth="repeat">
+      <a:schemeClr val="lt1"/>
+    </dgm:linClrLst>
+    <dgm:effectClrLst/>
+    <dgm:txLinClrLst/>
+    <dgm:txFillClrLst/>
+    <dgm:txEffectClrLst/>
+  </dgm:styleLbl>
+  <dgm:styleLbl name="node1">
+    <dgm:fillClrLst>
+      <a:schemeClr val="accent3"/>
+      <a:schemeClr val="accent4"/>
+    </dgm:fillClrLst>
+    <dgm:linClrLst meth="repeat">
+      <a:schemeClr val="lt1"/>
+    </dgm:linClrLst>
+    <dgm:effectClrLst/>
+    <dgm:txLinClrLst/>
+    <dgm:txFillClrLst/>
+    <dgm:txEffectClrLst/>
+  </dgm:styleLbl>
+  <dgm:styleLbl name="alignNode1">
+    <dgm:fillClrLst>
+      <a:schemeClr val="accent3"/>
+      <a:schemeClr val="accent4"/>
+    </dgm:fillClrLst>
+    <dgm:linClrLst>
+      <a:schemeClr val="accent3"/>
+      <a:schemeClr val="accent4"/>
+    </dgm:linClrLst>
+    <dgm:effectClrLst/>
+    <dgm:txLinClrLst/>
+    <dgm:txFillClrLst/>
+    <dgm:txEffectClrLst/>
+  </dgm:styleLbl>
+  <dgm:styleLbl name="lnNode1">
+    <dgm:fillClrLst>
+      <a:schemeClr val="accent3"/>
+      <a:schemeClr val="accent4"/>
+    </dgm:fillClrLst>
+    <dgm:linClrLst meth="repeat">
+      <a:schemeClr val="lt1"/>
+    </dgm:linClrLst>
+    <dgm:effectClrLst/>
+    <dgm:txLinClrLst/>
+    <dgm:txFillClrLst/>
+    <dgm:txEffectClrLst/>
+  </dgm:styleLbl>
+  <dgm:styleLbl name="vennNode1">
+    <dgm:fillClrLst>
+      <a:schemeClr val="accent3">
+        <a:alpha val="50000"/>
+      </a:schemeClr>
+      <a:schemeClr val="accent4">
+        <a:alpha val="50000"/>
+      </a:schemeClr>
+    </dgm:fillClrLst>
+    <dgm:linClrLst meth="repeat">
+      <a:schemeClr val="lt1"/>
+    </dgm:linClrLst>
+    <dgm:effectClrLst/>
+    <dgm:txLinClrLst/>
+    <dgm:txFillClrLst/>
+    <dgm:txEffectClrLst/>
+  </dgm:styleLbl>
+  <dgm:styleLbl name="node2">
+    <dgm:fillClrLst>
+      <a:schemeClr val="accent4"/>
+    </dgm:fillClrLst>
+    <dgm:linClrLst meth="repeat">
+      <a:schemeClr val="lt1"/>
+    </dgm:linClrLst>
+    <dgm:effectClrLst/>
+    <dgm:txLinClrLst/>
+    <dgm:txFillClrLst/>
+    <dgm:txEffectClrLst/>
+  </dgm:styleLbl>
+  <dgm:styleLbl name="node3">
+    <dgm:fillClrLst>
+      <a:schemeClr val="accent5"/>
+    </dgm:fillClrLst>
+    <dgm:linClrLst meth="repeat">
+      <a:schemeClr val="lt1"/>
+    </dgm:linClrLst>
+    <dgm:effectClrLst/>
+    <dgm:txLinClrLst/>
+    <dgm:txFillClrLst/>
+    <dgm:txEffectClrLst/>
+  </dgm:styleLbl>
+  <dgm:styleLbl name="node4">
+    <dgm:fillClrLst>
+      <a:schemeClr val="accent6"/>
+    </dgm:fillClrLst>
+    <dgm:linClrLst meth="repeat">
+      <a:schemeClr val="lt1"/>
+    </dgm:linClrLst>
+    <dgm:effectClrLst/>
+    <dgm:txLinClrLst/>
+    <dgm:txFillClrLst/>
+    <dgm:txEffectClrLst/>
+  </dgm:styleLbl>
+  <dgm:styleLbl name="fgImgPlace1">
+    <dgm:fillClrLst>
+      <a:schemeClr val="accent3">
+        <a:tint val="50000"/>
+      </a:schemeClr>
+      <a:schemeClr val="accent4">
+        <a:tint val="50000"/>
+      </a:schemeClr>
+    </dgm:fillClrLst>
+    <dgm:linClrLst meth="repeat">
+      <a:schemeClr val="lt1"/>
+    </dgm:linClrLst>
+    <dgm:effectClrLst/>
+    <dgm:txLinClrLst/>
+    <dgm:txFillClrLst meth="repeat">
+      <a:schemeClr val="lt1"/>
+    </dgm:txFillClrLst>
+    <dgm:txEffectClrLst/>
+  </dgm:styleLbl>
+  <dgm:styleLbl name="alignImgPlace1">
+    <dgm:fillClrLst>
+      <a:schemeClr val="accent3">
+        <a:tint val="50000"/>
+      </a:schemeClr>
+      <a:schemeClr val="accent4">
+        <a:tint val="20000"/>
+      </a:schemeClr>
+    </dgm:fillClrLst>
+    <dgm:linClrLst meth="repeat">
+      <a:schemeClr val="lt1"/>
+    </dgm:linClrLst>
+    <dgm:effectClrLst/>
+    <dgm:txLinClrLst/>
+    <dgm:txFillClrLst meth="repeat">
+      <a:schemeClr val="lt1"/>
+    </dgm:txFillClrLst>
+    <dgm:txEffectClrLst/>
+  </dgm:styleLbl>
+  <dgm:styleLbl name="bgImgPlace1">
+    <dgm:fillClrLst>
+      <a:schemeClr val="accent3">
+        <a:tint val="50000"/>
+      </a:schemeClr>
+      <a:schemeClr val="accent4">
+        <a:tint val="20000"/>
+      </a:schemeClr>
+    </dgm:fillClrLst>
+    <dgm:linClrLst meth="repeat">
+      <a:schemeClr val="lt1"/>
+    </dgm:linClrLst>
+    <dgm:effectClrLst/>
+    <dgm:txLinClrLst/>
+    <dgm:txFillClrLst meth="repeat">
+      <a:schemeClr val="lt1"/>
+    </dgm:txFillClrLst>
+    <dgm:txEffectClrLst/>
+  </dgm:styleLbl>
+  <dgm:styleLbl name="sibTrans2D1">
+    <dgm:fillClrLst>
+      <a:schemeClr val="accent3"/>
+      <a:schemeClr val="accent4"/>
+    </dgm:fillClrLst>
+    <dgm:linClrLst meth="repeat">
+      <a:schemeClr val="lt1"/>
+    </dgm:linClrLst>
+    <dgm:effectClrLst/>
+    <dgm:txLinClrLst/>
+    <dgm:txFillClrLst/>
+    <dgm:txEffectClrLst/>
+  </dgm:styleLbl>
+  <dgm:styleLbl name="fgSibTrans2D1">
+    <dgm:fillClrLst>
+      <a:schemeClr val="accent3"/>
+      <a:schemeClr val="accent4"/>
+    </dgm:fillClrLst>
+    <dgm:linClrLst meth="repeat">
+      <a:schemeClr val="lt1"/>
+    </dgm:linClrLst>
+    <dgm:effectClrLst/>
+    <dgm:txLinClrLst/>
+    <dgm:txFillClrLst meth="repeat">
+      <a:schemeClr val="lt1"/>
+    </dgm:txFillClrLst>
+    <dgm:txEffectClrLst/>
+  </dgm:styleLbl>
+  <dgm:styleLbl name="bgSibTrans2D1">
+    <dgm:fillClrLst>
+      <a:schemeClr val="accent3"/>
+      <a:schemeClr val="accent4"/>
+    </dgm:fillClrLst>
+    <dgm:linClrLst meth="repeat">
+      <a:schemeClr val="lt1"/>
+    </dgm:linClrLst>
+    <dgm:effectClrLst/>
+    <dgm:txLinClrLst/>
+    <dgm:txFillClrLst meth="repeat">
+      <a:schemeClr val="lt1"/>
+    </dgm:txFillClrLst>
+    <dgm:txEffectClrLst/>
+  </dgm:styleLbl>
+  <dgm:styleLbl name="sibTrans1D1">
+    <dgm:fillClrLst/>
+    <dgm:linClrLst>
+      <a:schemeClr val="accent3"/>
+      <a:schemeClr val="accent4"/>
+    </dgm:linClrLst>
+    <dgm:effectClrLst/>
+    <dgm:txLinClrLst/>
+    <dgm:txFillClrLst meth="repeat">
+      <a:schemeClr val="tx1"/>
+    </dgm:txFillClrLst>
+    <dgm:txEffectClrLst/>
+  </dgm:styleLbl>
+  <dgm:styleLbl name="callout">
+    <dgm:fillClrLst meth="repeat">
+      <a:schemeClr val="accent3"/>
+    </dgm:fillClrLst>
+    <dgm:linClrLst meth="repeat">
+      <a:schemeClr val="accent3">
+        <a:tint val="50000"/>
+      </a:schemeClr>
+    </dgm:linClrLst>
+    <dgm:effectClrLst/>
+    <dgm:txLinClrLst/>
+    <dgm:txFillClrLst meth="repeat">
+      <a:schemeClr val="tx1"/>
+    </dgm:txFillClrLst>
+    <dgm:txEffectClrLst/>
+  </dgm:styleLbl>
+  <dgm:styleLbl name="asst0">
+    <dgm:fillClrLst meth="repeat">
+      <a:schemeClr val="accent3"/>
+    </dgm:fillClrLst>
+    <dgm:linClrLst meth="repeat">
+      <a:schemeClr val="lt1">
+        <a:shade val="80000"/>
+      </a:schemeClr>
+    </dgm:linClrLst>
+    <dgm:effectClrLst/>
+    <dgm:txLinClrLst/>
+    <dgm:txFillClrLst/>
+    <dgm:txEffectClrLst/>
+  </dgm:styleLbl>
+  <dgm:styleLbl name="asst1">
+    <dgm:fillClrLst meth="repeat">
+      <a:schemeClr val="accent4"/>
+    </dgm:fillClrLst>
+    <dgm:linClrLst meth="repeat">
+      <a:schemeClr val="lt1">
+        <a:shade val="80000"/>
+      </a:schemeClr>
+    </dgm:linClrLst>
+    <dgm:effectClrLst/>
+    <dgm:txLinClrLst/>
+    <dgm:txFillClrLst/>
+    <dgm:txEffectClrLst/>
+  </dgm:styleLbl>
+  <dgm:styleLbl name="asst2">
+    <dgm:fillClrLst>
+      <a:schemeClr val="accent5"/>
+    </dgm:fillClrLst>
+    <dgm:linClrLst meth="repeat">
+      <a:schemeClr val="lt1"/>
+    </dgm:linClrLst>
+    <dgm:effectClrLst/>
+    <dgm:txLinClrLst/>
+    <dgm:txFillClrLst/>
+    <dgm:txEffectClrLst/>
+  </dgm:styleLbl>
+  <dgm:styleLbl name="asst3">
+    <dgm:fillClrLst>
+      <a:schemeClr val="accent6"/>
+    </dgm:fillClrLst>
+    <dgm:linClrLst meth="repeat">
+      <a:schemeClr val="lt1"/>
+    </dgm:linClrLst>
+    <dgm:effectClrLst/>
+    <dgm:txLinClrLst/>
+    <dgm:txFillClrLst/>
+    <dgm:txEffectClrLst/>
+  </dgm:styleLbl>
+  <dgm:styleLbl name="asst4">
+    <dgm:fillClrLst>
+      <a:schemeClr val="accent1"/>
+    </dgm:fillClrLst>
+    <dgm:linClrLst meth="repeat">
+      <a:schemeClr val="lt1"/>
+    </dgm:linClrLst>
+    <dgm:effectClrLst/>
+    <dgm:txLinClrLst/>
+    <dgm:txFillClrLst/>
+    <dgm:txEffectClrLst/>
+  </dgm:styleLbl>
+  <dgm:styleLbl name="parChTrans2D1">
+    <dgm:fillClrLst meth="repeat">
+      <a:schemeClr val="accent2"/>
+    </dgm:fillClrLst>
+    <dgm:linClrLst meth="repeat">
+      <a:schemeClr val="lt1"/>
+    </dgm:linClrLst>
+    <dgm:effectClrLst/>
+    <dgm:txLinClrLst/>
+    <dgm:txFillClrLst meth="repeat">
+      <a:schemeClr val="lt1"/>
+    </dgm:txFillClrLst>
+    <dgm:txEffectClrLst/>
+  </dgm:styleLbl>
+  <dgm:styleLbl name="parChTrans2D2">
+    <dgm:fillClrLst meth="repeat">
+      <a:schemeClr val="accent3"/>
+    </dgm:fillClrLst>
+    <dgm:linClrLst meth="repeat">
+      <a:schemeClr val="lt1"/>
+    </dgm:linClrLst>
+    <dgm:effectClrLst/>
+    <dgm:txLinClrLst/>
+    <dgm:txFillClrLst/>
+    <dgm:txEffectClrLst/>
+  </dgm:styleLbl>
+  <dgm:styleLbl name="parChTrans2D3">
+    <dgm:fillClrLst meth="repeat">
+      <a:schemeClr val="accent4"/>
+    </dgm:fillClrLst>
+    <dgm:linClrLst meth="repeat">
+      <a:schemeClr val="lt1"/>
+    </dgm:linClrLst>
+    <dgm:effectClrLst/>
+    <dgm:txLinClrLst/>
+    <dgm:txFillClrLst/>
+    <dgm:txEffectClrLst/>
+  </dgm:styleLbl>
+  <dgm:styleLbl name="parChTrans2D4">
+    <dgm:fillClrLst meth="repeat">
+      <a:schemeClr val="accent5"/>
+    </dgm:fillClrLst>
+    <dgm:linClrLst meth="repeat">
+      <a:schemeClr val="lt1"/>
+    </dgm:linClrLst>
+    <dgm:effectClrLst/>
+    <dgm:txLinClrLst/>
+    <dgm:txFillClrLst meth="repeat">
+      <a:schemeClr val="lt1"/>
+    </dgm:txFillClrLst>
+    <dgm:txEffectClrLst/>
+  </dgm:styleLbl>
+  <dgm:styleLbl name="parChTrans1D1">
+    <dgm:fillClrLst meth="repeat">
+      <a:schemeClr val="accent3"/>
+    </dgm:fillClrLst>
+    <dgm:linClrLst meth="repeat">
+      <a:schemeClr val="accent3"/>
+    </dgm:linClrLst>
+    <dgm:effectClrLst/>
+    <dgm:txLinClrLst/>
+    <dgm:txFillClrLst meth="repeat">
+      <a:schemeClr val="tx1"/>
+    </dgm:txFillClrLst>
+    <dgm:txEffectClrLst/>
+  </dgm:styleLbl>
+  <dgm:styleLbl name="parChTrans1D2">
+    <dgm:fillClrLst meth="repeat">
+      <a:schemeClr val="accent2">
+        <a:tint val="90000"/>
+      </a:schemeClr>
+    </dgm:fillClrLst>
+    <dgm:linClrLst meth="repeat">
+      <a:schemeClr val="accent4"/>
+    </dgm:linClrLst>
+    <dgm:effectClrLst/>
+    <dgm:txLinClrLst/>
+    <dgm:txFillClrLst meth="repeat">
+      <a:schemeClr val="tx1"/>
+    </dgm:txFillClrLst>
+    <dgm:txEffectClrLst/>
+  </dgm:styleLbl>
+  <dgm:styleLbl name="parChTrans1D3">
+    <dgm:fillClrLst meth="repeat">
+      <a:schemeClr val="accent2">
+        <a:tint val="70000"/>
+      </a:schemeClr>
+    </dgm:fillClrLst>
+    <dgm:linClrLst meth="repeat">
+      <a:schemeClr val="accent5"/>
+    </dgm:linClrLst>
+    <dgm:effectClrLst/>
+    <dgm:txLinClrLst/>
+    <dgm:txFillClrLst meth="repeat">
+      <a:schemeClr val="tx1"/>
+    </dgm:txFillClrLst>
+    <dgm:txEffectClrLst/>
+  </dgm:styleLbl>
+  <dgm:styleLbl name="parChTrans1D4">
+    <dgm:fillClrLst meth="repeat">
+      <a:schemeClr val="accent6">
+        <a:tint val="50000"/>
+      </a:schemeClr>
+    </dgm:fillClrLst>
+    <dgm:linClrLst meth="repeat">
+      <a:schemeClr val="accent6"/>
+    </dgm:linClrLst>
+    <dgm:effectClrLst/>
+    <dgm:txLinClrLst/>
+    <dgm:txFillClrLst meth="repeat">
+      <a:schemeClr val="tx1"/>
+    </dgm:txFillClrLst>
+    <dgm:txEffectClrLst/>
+  </dgm:styleLbl>
+  <dgm:styleLbl name="fgAcc1">
+    <dgm:fillClrLst meth="repeat">
+      <a:schemeClr val="lt1">
+        <a:alpha val="90000"/>
+      </a:schemeClr>
+    </dgm:fillClrLst>
+    <dgm:linClrLst>
+      <a:schemeClr val="accent3"/>
+      <a:schemeClr val="accent4"/>
+    </dgm:linClrLst>
+    <dgm:effectClrLst/>
+    <dgm:txLinClrLst/>
+    <dgm:txFillClrLst meth="repeat">
+      <a:schemeClr val="dk1"/>
+    </dgm:txFillClrLst>
+    <dgm:txEffectClrLst/>
+  </dgm:styleLbl>
+  <dgm:styleLbl name="conFgAcc1">
+    <dgm:fillClrLst meth="repeat">
+      <a:schemeClr val="lt1">
+        <a:alpha val="90000"/>
+      </a:schemeClr>
+    </dgm:fillClrLst>
+    <dgm:linClrLst>
+      <a:schemeClr val="accent3"/>
+      <a:schemeClr val="accent4"/>
+    </dgm:linClrLst>
+    <dgm:effectClrLst/>
+    <dgm:txLinClrLst/>
+    <dgm:txFillClrLst meth="repeat">
+      <a:schemeClr val="dk1"/>
+    </dgm:txFillClrLst>
+    <dgm:txEffectClrLst/>
+  </dgm:styleLbl>
+  <dgm:styleLbl name="alignAcc1">
+    <dgm:fillClrLst meth="repeat">
+      <a:schemeClr val="lt1">
+        <a:alpha val="90000"/>
+      </a:schemeClr>
+    </dgm:fillClrLst>
+    <dgm:linClrLst>
+      <a:schemeClr val="accent3"/>
+      <a:schemeClr val="accent4"/>
+    </dgm:linClrLst>
+    <dgm:effectClrLst/>
+    <dgm:txLinClrLst/>
+    <dgm:txFillClrLst meth="repeat">
+      <a:schemeClr val="dk1"/>
+    </dgm:txFillClrLst>
+    <dgm:txEffectClrLst/>
+  </dgm:styleLbl>
+  <dgm:styleLbl name="trAlignAcc1">
+    <dgm:fillClrLst meth="repeat">
+      <a:schemeClr val="lt1">
+        <a:alpha val="40000"/>
+      </a:schemeClr>
+    </dgm:fillClrLst>
+    <dgm:linClrLst meth="repeat">
+      <a:schemeClr val="accent2"/>
+    </dgm:linClrLst>
+    <dgm:effectClrLst/>
+    <dgm:txLinClrLst/>
+    <dgm:txFillClrLst meth="repeat">
+      <a:schemeClr val="dk1"/>
+    </dgm:txFillClrLst>
+    <dgm:txEffectClrLst/>
+  </dgm:styleLbl>
+  <dgm:styleLbl name="bgAcc1">
+    <dgm:fillClrLst meth="repeat">
+      <a:schemeClr val="lt1">
+        <a:alpha val="90000"/>
+      </a:schemeClr>
+    </dgm:fillClrLst>
+    <dgm:linClrLst>
+      <a:schemeClr val="accent3"/>
+      <a:schemeClr val="accent4"/>
+    </dgm:linClrLst>
+    <dgm:effectClrLst/>
+    <dgm:txLinClrLst/>
+    <dgm:txFillClrLst meth="repeat">
+      <a:schemeClr val="dk1"/>
+    </dgm:txFillClrLst>
+    <dgm:txEffectClrLst/>
+  </dgm:styleLbl>
+  <dgm:styleLbl name="solidFgAcc1">
+    <dgm:fillClrLst meth="repeat">
+      <a:schemeClr val="lt1"/>
+    </dgm:fillClrLst>
+    <dgm:linClrLst>
+      <a:schemeClr val="accent3"/>
+      <a:schemeClr val="accent4"/>
+    </dgm:linClrLst>
+    <dgm:effectClrLst/>
+    <dgm:txLinClrLst/>
+    <dgm:txFillClrLst meth="repeat">
+      <a:schemeClr val="dk1"/>
+    </dgm:txFillClrLst>
+    <dgm:txEffectClrLst/>
+  </dgm:styleLbl>
+  <dgm:styleLbl name="solidAlignAcc1">
+    <dgm:fillClrLst meth="repeat">
+      <a:schemeClr val="lt1"/>
+    </dgm:fillClrLst>
+    <dgm:linClrLst>
+      <a:schemeClr val="accent3"/>
+      <a:schemeClr val="accent4"/>
+    </dgm:linClrLst>
+    <dgm:effectClrLst/>
+    <dgm:txLinClrLst/>
+    <dgm:txFillClrLst meth="repeat">
+      <a:schemeClr val="dk1"/>
+    </dgm:txFillClrLst>
+    <dgm:txEffectClrLst/>
+  </dgm:styleLbl>
+  <dgm:styleLbl name="solidBgAcc1">
+    <dgm:fillClrLst meth="repeat">
+      <a:schemeClr val="lt1"/>
+    </dgm:fillClrLst>
+    <dgm:linClrLst>
+      <a:schemeClr val="accent3"/>
+      <a:schemeClr val="accent4"/>
+    </dgm:linClrLst>
+    <dgm:effectClrLst/>
+    <dgm:txLinClrLst/>
+    <dgm:txFillClrLst meth="repeat">
+      <a:schemeClr val="dk1"/>
+    </dgm:txFillClrLst>
+    <dgm:txEffectClrLst/>
+  </dgm:styleLbl>
+  <dgm:styleLbl name="fgAccFollowNode1">
+    <dgm:fillClrLst>
+      <a:schemeClr val="accent3">
+        <a:tint val="40000"/>
+        <a:alpha val="90000"/>
+      </a:schemeClr>
+      <a:schemeClr val="accent4">
+        <a:tint val="40000"/>
+        <a:alpha val="90000"/>
+      </a:schemeClr>
+    </dgm:fillClrLst>
+    <dgm:linClrLst>
+      <a:schemeClr val="accent3">
+        <a:tint val="40000"/>
+        <a:alpha val="90000"/>
+      </a:schemeClr>
+      <a:schemeClr val="accent4">
+        <a:tint val="40000"/>
+        <a:alpha val="90000"/>
+      </a:schemeClr>
+    </dgm:linClrLst>
+    <dgm:effectClrLst/>
+    <dgm:txLinClrLst/>
+    <dgm:txFillClrLst meth="repeat">
+      <a:schemeClr val="dk1"/>
+    </dgm:txFillClrLst>
+    <dgm:txEffectClrLst/>
+  </dgm:styleLbl>
+  <dgm:styleLbl name="alignAccFollowNode1">
+    <dgm:fillClrLst>
+      <a:schemeClr val="accent3">
+        <a:tint val="40000"/>
+        <a:alpha val="90000"/>
+      </a:schemeClr>
+      <a:schemeClr val="accent4">
+        <a:tint val="40000"/>
+        <a:alpha val="90000"/>
+      </a:schemeClr>
+    </dgm:fillClrLst>
+    <dgm:linClrLst>
+      <a:schemeClr val="accent3">
+        <a:tint val="40000"/>
+        <a:alpha val="90000"/>
+      </a:schemeClr>
+      <a:schemeClr val="accent4">
+        <a:tint val="40000"/>
+        <a:alpha val="90000"/>
+      </a:schemeClr>
+    </dgm:linClrLst>
+    <dgm:effectClrLst/>
+    <dgm:txLinClrLst/>
+    <dgm:txFillClrLst meth="repeat">
+      <a:schemeClr val="dk1"/>
+    </dgm:txFillClrLst>
+    <dgm:txEffectClrLst/>
+  </dgm:styleLbl>
+  <dgm:styleLbl name="bgAccFollowNode1">
+    <dgm:fillClrLst>
+      <a:schemeClr val="accent3">
+        <a:tint val="40000"/>
+        <a:alpha val="90000"/>
+      </a:schemeClr>
+      <a:schemeClr val="accent4">
+        <a:tint val="40000"/>
+        <a:alpha val="90000"/>
+      </a:schemeClr>
+    </dgm:fillClrLst>
+    <dgm:linClrLst>
+      <a:schemeClr val="accent3">
+        <a:tint val="40000"/>
+        <a:alpha val="90000"/>
+      </a:schemeClr>
+      <a:schemeClr val="accent4">
+        <a:tint val="40000"/>
+        <a:alpha val="90000"/>
+      </a:schemeClr>
+    </dgm:linClrLst>
+    <dgm:effectClrLst/>
+    <dgm:txLinClrLst/>
+    <dgm:txFillClrLst meth="repeat">
+      <a:schemeClr val="dk1"/>
+    </dgm:txFillClrLst>
+    <dgm:txEffectClrLst/>
+  </dgm:styleLbl>
+  <dgm:styleLbl name="fgAcc0">
+    <dgm:fillClrLst meth="repeat">
+      <a:schemeClr val="lt1">
+        <a:alpha val="90000"/>
+      </a:schemeClr>
+    </dgm:fillClrLst>
+    <dgm:linClrLst>
+      <a:schemeClr val="accent2"/>
+    </dgm:linClrLst>
+    <dgm:effectClrLst/>
+    <dgm:txLinClrLst/>
+    <dgm:txFillClrLst meth="repeat">
+      <a:schemeClr val="dk1"/>
+    </dgm:txFillClrLst>
+    <dgm:txEffectClrLst/>
+  </dgm:styleLbl>
+  <dgm:styleLbl name="fgAcc2">
+    <dgm:fillClrLst meth="repeat">
+      <a:schemeClr val="lt1">
+        <a:alpha val="90000"/>
+      </a:schemeClr>
+    </dgm:fillClrLst>
+    <dgm:linClrLst>
+      <a:schemeClr val="accent4"/>
+    </dgm:linClrLst>
+    <dgm:effectClrLst/>
+    <dgm:txLinClrLst/>
+    <dgm:txFillClrLst meth="repeat">
+      <a:schemeClr val="dk1"/>
+    </dgm:txFillClrLst>
+    <dgm:txEffectClrLst/>
+  </dgm:styleLbl>
+  <dgm:styleLbl name="fgAcc3">
+    <dgm:fillClrLst meth="repeat">
+      <a:schemeClr val="lt1">
+        <a:alpha val="90000"/>
+      </a:schemeClr>
+    </dgm:fillClrLst>
+    <dgm:linClrLst>
+      <a:schemeClr val="accent5"/>
+    </dgm:linClrLst>
+    <dgm:effectClrLst/>
+    <dgm:txLinClrLst/>
+    <dgm:txFillClrLst meth="repeat">
+      <a:schemeClr val="dk1"/>
+    </dgm:txFillClrLst>
+    <dgm:txEffectClrLst/>
+  </dgm:styleLbl>
+  <dgm:styleLbl name="fgAcc4">
+    <dgm:fillClrLst meth="repeat">
+      <a:schemeClr val="lt1">
+        <a:alpha val="90000"/>
+      </a:schemeClr>
+    </dgm:fillClrLst>
+    <dgm:linClrLst>
+      <a:schemeClr val="accent6"/>
+    </dgm:linClrLst>
+    <dgm:effectClrLst/>
+    <dgm:txLinClrLst/>
+    <dgm:txFillClrLst meth="repeat">
+      <a:schemeClr val="dk1"/>
+    </dgm:txFillClrLst>
+    <dgm:txEffectClrLst/>
+  </dgm:styleLbl>
+  <dgm:styleLbl name="bgShp">
+    <dgm:fillClrLst meth="repeat">
+      <a:schemeClr val="accent3">
+        <a:tint val="40000"/>
+      </a:schemeClr>
+    </dgm:fillClrLst>
+    <dgm:linClrLst meth="repeat">
+      <a:schemeClr val="dk1"/>
+    </dgm:linClrLst>
+    <dgm:effectClrLst/>
+    <dgm:txLinClrLst/>
+    <dgm:txFillClrLst meth="repeat">
+      <a:schemeClr val="dk1"/>
+    </dgm:txFillClrLst>
+    <dgm:txEffectClrLst/>
+  </dgm:styleLbl>
+  <dgm:styleLbl name="dkBgShp">
+    <dgm:fillClrLst meth="repeat">
+      <a:schemeClr val="accent3">
+        <a:shade val="90000"/>
+      </a:schemeClr>
+    </dgm:fillClrLst>
+    <dgm:linClrLst meth="repeat">
+      <a:schemeClr val="dk1"/>
+    </dgm:linClrLst>
+    <dgm:effectClrLst/>
+    <dgm:txLinClrLst/>
+    <dgm:txFillClrLst meth="repeat">
+      <a:schemeClr val="lt1"/>
+    </dgm:txFillClrLst>
+    <dgm:txEffectClrLst/>
+  </dgm:styleLbl>
+  <dgm:styleLbl name="trBgShp">
+    <dgm:fillClrLst meth="repeat">
+      <a:schemeClr val="accent2">
+        <a:tint val="50000"/>
+        <a:alpha val="40000"/>
+      </a:schemeClr>
+    </dgm:fillClrLst>
+    <dgm:linClrLst meth="repeat">
+      <a:schemeClr val="accent3"/>
+    </dgm:linClrLst>
+    <dgm:effectClrLst/>
+    <dgm:txLinClrLst/>
+    <dgm:txFillClrLst meth="repeat">
+      <a:schemeClr val="lt1"/>
+    </dgm:txFillClrLst>
+    <dgm:txEffectClrLst/>
+  </dgm:styleLbl>
+  <dgm:styleLbl name="fgShp">
+    <dgm:fillClrLst meth="repeat">
+      <a:schemeClr val="accent3">
+        <a:tint val="40000"/>
+      </a:schemeClr>
+    </dgm:fillClrLst>
+    <dgm:linClrLst meth="repeat">
+      <a:schemeClr val="lt1"/>
+    </dgm:linClrLst>
+    <dgm:effectClrLst/>
+    <dgm:txLinClrLst/>
+    <dgm:txFillClrLst meth="repeat">
+      <a:schemeClr val="dk1"/>
+    </dgm:txFillClrLst>
+    <dgm:txEffectClrLst/>
+  </dgm:styleLbl>
+  <dgm:styleLbl name="revTx">
+    <dgm:fillClrLst meth="repeat">
+      <a:schemeClr val="lt1">
+        <a:alpha val="0"/>
+      </a:schemeClr>
+    </dgm:fillClrLst>
+    <dgm:linClrLst meth="repeat">
+      <a:schemeClr val="dk1">
+        <a:alpha val="0"/>
+      </a:schemeClr>
+    </dgm:linClrLst>
+    <dgm:effectClrLst/>
+    <dgm:txLinClrLst/>
+    <dgm:txFillClrLst meth="repeat">
+      <a:schemeClr val="tx1"/>
+    </dgm:txFillClrLst>
+    <dgm:txEffectClrLst/>
+  </dgm:styleLbl>
+</dgm:colorsDef>
+</file>
+
 <file path=ppt/diagrams/colors2.xml><?xml version="1.0" encoding="utf-8"?>
 <dgm:colorsDef xmlns:dgm="http://schemas.openxmlformats.org/drawingml/2006/diagram" xmlns:a="http://schemas.openxmlformats.org/drawingml/2006/main" uniqueId="urn:microsoft.com/office/officeart/2005/8/colors/colorful3">
   <dgm:title val=""/>
@@ -5785,6 +6568,788 @@
 </file>
 
 <file path=ppt/diagrams/colors8.xml><?xml version="1.0" encoding="utf-8"?>
+<dgm:colorsDef xmlns:dgm="http://schemas.openxmlformats.org/drawingml/2006/diagram" xmlns:a="http://schemas.openxmlformats.org/drawingml/2006/main" uniqueId="urn:microsoft.com/office/officeart/2005/8/colors/colorful3">
+  <dgm:title val=""/>
+  <dgm:desc val=""/>
+  <dgm:catLst>
+    <dgm:cat type="colorful" pri="10300"/>
+  </dgm:catLst>
+  <dgm:styleLbl name="node0">
+    <dgm:fillClrLst meth="repeat">
+      <a:schemeClr val="accent2"/>
+    </dgm:fillClrLst>
+    <dgm:linClrLst meth="repeat">
+      <a:schemeClr val="lt1"/>
+    </dgm:linClrLst>
+    <dgm:effectClrLst/>
+    <dgm:txLinClrLst/>
+    <dgm:txFillClrLst/>
+    <dgm:txEffectClrLst/>
+  </dgm:styleLbl>
+  <dgm:styleLbl name="node1">
+    <dgm:fillClrLst>
+      <a:schemeClr val="accent3"/>
+      <a:schemeClr val="accent4"/>
+    </dgm:fillClrLst>
+    <dgm:linClrLst meth="repeat">
+      <a:schemeClr val="lt1"/>
+    </dgm:linClrLst>
+    <dgm:effectClrLst/>
+    <dgm:txLinClrLst/>
+    <dgm:txFillClrLst/>
+    <dgm:txEffectClrLst/>
+  </dgm:styleLbl>
+  <dgm:styleLbl name="alignNode1">
+    <dgm:fillClrLst>
+      <a:schemeClr val="accent3"/>
+      <a:schemeClr val="accent4"/>
+    </dgm:fillClrLst>
+    <dgm:linClrLst>
+      <a:schemeClr val="accent3"/>
+      <a:schemeClr val="accent4"/>
+    </dgm:linClrLst>
+    <dgm:effectClrLst/>
+    <dgm:txLinClrLst/>
+    <dgm:txFillClrLst/>
+    <dgm:txEffectClrLst/>
+  </dgm:styleLbl>
+  <dgm:styleLbl name="lnNode1">
+    <dgm:fillClrLst>
+      <a:schemeClr val="accent3"/>
+      <a:schemeClr val="accent4"/>
+    </dgm:fillClrLst>
+    <dgm:linClrLst meth="repeat">
+      <a:schemeClr val="lt1"/>
+    </dgm:linClrLst>
+    <dgm:effectClrLst/>
+    <dgm:txLinClrLst/>
+    <dgm:txFillClrLst/>
+    <dgm:txEffectClrLst/>
+  </dgm:styleLbl>
+  <dgm:styleLbl name="vennNode1">
+    <dgm:fillClrLst>
+      <a:schemeClr val="accent3">
+        <a:alpha val="50000"/>
+      </a:schemeClr>
+      <a:schemeClr val="accent4">
+        <a:alpha val="50000"/>
+      </a:schemeClr>
+    </dgm:fillClrLst>
+    <dgm:linClrLst meth="repeat">
+      <a:schemeClr val="lt1"/>
+    </dgm:linClrLst>
+    <dgm:effectClrLst/>
+    <dgm:txLinClrLst/>
+    <dgm:txFillClrLst/>
+    <dgm:txEffectClrLst/>
+  </dgm:styleLbl>
+  <dgm:styleLbl name="node2">
+    <dgm:fillClrLst>
+      <a:schemeClr val="accent4"/>
+    </dgm:fillClrLst>
+    <dgm:linClrLst meth="repeat">
+      <a:schemeClr val="lt1"/>
+    </dgm:linClrLst>
+    <dgm:effectClrLst/>
+    <dgm:txLinClrLst/>
+    <dgm:txFillClrLst/>
+    <dgm:txEffectClrLst/>
+  </dgm:styleLbl>
+  <dgm:styleLbl name="node3">
+    <dgm:fillClrLst>
+      <a:schemeClr val="accent5"/>
+    </dgm:fillClrLst>
+    <dgm:linClrLst meth="repeat">
+      <a:schemeClr val="lt1"/>
+    </dgm:linClrLst>
+    <dgm:effectClrLst/>
+    <dgm:txLinClrLst/>
+    <dgm:txFillClrLst/>
+    <dgm:txEffectClrLst/>
+  </dgm:styleLbl>
+  <dgm:styleLbl name="node4">
+    <dgm:fillClrLst>
+      <a:schemeClr val="accent6"/>
+    </dgm:fillClrLst>
+    <dgm:linClrLst meth="repeat">
+      <a:schemeClr val="lt1"/>
+    </dgm:linClrLst>
+    <dgm:effectClrLst/>
+    <dgm:txLinClrLst/>
+    <dgm:txFillClrLst/>
+    <dgm:txEffectClrLst/>
+  </dgm:styleLbl>
+  <dgm:styleLbl name="fgImgPlace1">
+    <dgm:fillClrLst>
+      <a:schemeClr val="accent3">
+        <a:tint val="50000"/>
+      </a:schemeClr>
+      <a:schemeClr val="accent4">
+        <a:tint val="50000"/>
+      </a:schemeClr>
+    </dgm:fillClrLst>
+    <dgm:linClrLst meth="repeat">
+      <a:schemeClr val="lt1"/>
+    </dgm:linClrLst>
+    <dgm:effectClrLst/>
+    <dgm:txLinClrLst/>
+    <dgm:txFillClrLst meth="repeat">
+      <a:schemeClr val="lt1"/>
+    </dgm:txFillClrLst>
+    <dgm:txEffectClrLst/>
+  </dgm:styleLbl>
+  <dgm:styleLbl name="alignImgPlace1">
+    <dgm:fillClrLst>
+      <a:schemeClr val="accent3">
+        <a:tint val="50000"/>
+      </a:schemeClr>
+      <a:schemeClr val="accent4">
+        <a:tint val="20000"/>
+      </a:schemeClr>
+    </dgm:fillClrLst>
+    <dgm:linClrLst meth="repeat">
+      <a:schemeClr val="lt1"/>
+    </dgm:linClrLst>
+    <dgm:effectClrLst/>
+    <dgm:txLinClrLst/>
+    <dgm:txFillClrLst meth="repeat">
+      <a:schemeClr val="lt1"/>
+    </dgm:txFillClrLst>
+    <dgm:txEffectClrLst/>
+  </dgm:styleLbl>
+  <dgm:styleLbl name="bgImgPlace1">
+    <dgm:fillClrLst>
+      <a:schemeClr val="accent3">
+        <a:tint val="50000"/>
+      </a:schemeClr>
+      <a:schemeClr val="accent4">
+        <a:tint val="20000"/>
+      </a:schemeClr>
+    </dgm:fillClrLst>
+    <dgm:linClrLst meth="repeat">
+      <a:schemeClr val="lt1"/>
+    </dgm:linClrLst>
+    <dgm:effectClrLst/>
+    <dgm:txLinClrLst/>
+    <dgm:txFillClrLst meth="repeat">
+      <a:schemeClr val="lt1"/>
+    </dgm:txFillClrLst>
+    <dgm:txEffectClrLst/>
+  </dgm:styleLbl>
+  <dgm:styleLbl name="sibTrans2D1">
+    <dgm:fillClrLst>
+      <a:schemeClr val="accent3"/>
+      <a:schemeClr val="accent4"/>
+    </dgm:fillClrLst>
+    <dgm:linClrLst meth="repeat">
+      <a:schemeClr val="lt1"/>
+    </dgm:linClrLst>
+    <dgm:effectClrLst/>
+    <dgm:txLinClrLst/>
+    <dgm:txFillClrLst/>
+    <dgm:txEffectClrLst/>
+  </dgm:styleLbl>
+  <dgm:styleLbl name="fgSibTrans2D1">
+    <dgm:fillClrLst>
+      <a:schemeClr val="accent3"/>
+      <a:schemeClr val="accent4"/>
+    </dgm:fillClrLst>
+    <dgm:linClrLst meth="repeat">
+      <a:schemeClr val="lt1"/>
+    </dgm:linClrLst>
+    <dgm:effectClrLst/>
+    <dgm:txLinClrLst/>
+    <dgm:txFillClrLst meth="repeat">
+      <a:schemeClr val="lt1"/>
+    </dgm:txFillClrLst>
+    <dgm:txEffectClrLst/>
+  </dgm:styleLbl>
+  <dgm:styleLbl name="bgSibTrans2D1">
+    <dgm:fillClrLst>
+      <a:schemeClr val="accent3"/>
+      <a:schemeClr val="accent4"/>
+    </dgm:fillClrLst>
+    <dgm:linClrLst meth="repeat">
+      <a:schemeClr val="lt1"/>
+    </dgm:linClrLst>
+    <dgm:effectClrLst/>
+    <dgm:txLinClrLst/>
+    <dgm:txFillClrLst meth="repeat">
+      <a:schemeClr val="lt1"/>
+    </dgm:txFillClrLst>
+    <dgm:txEffectClrLst/>
+  </dgm:styleLbl>
+  <dgm:styleLbl name="sibTrans1D1">
+    <dgm:fillClrLst/>
+    <dgm:linClrLst>
+      <a:schemeClr val="accent3"/>
+      <a:schemeClr val="accent4"/>
+    </dgm:linClrLst>
+    <dgm:effectClrLst/>
+    <dgm:txLinClrLst/>
+    <dgm:txFillClrLst meth="repeat">
+      <a:schemeClr val="tx1"/>
+    </dgm:txFillClrLst>
+    <dgm:txEffectClrLst/>
+  </dgm:styleLbl>
+  <dgm:styleLbl name="callout">
+    <dgm:fillClrLst meth="repeat">
+      <a:schemeClr val="accent3"/>
+    </dgm:fillClrLst>
+    <dgm:linClrLst meth="repeat">
+      <a:schemeClr val="accent3">
+        <a:tint val="50000"/>
+      </a:schemeClr>
+    </dgm:linClrLst>
+    <dgm:effectClrLst/>
+    <dgm:txLinClrLst/>
+    <dgm:txFillClrLst meth="repeat">
+      <a:schemeClr val="tx1"/>
+    </dgm:txFillClrLst>
+    <dgm:txEffectClrLst/>
+  </dgm:styleLbl>
+  <dgm:styleLbl name="asst0">
+    <dgm:fillClrLst meth="repeat">
+      <a:schemeClr val="accent3"/>
+    </dgm:fillClrLst>
+    <dgm:linClrLst meth="repeat">
+      <a:schemeClr val="lt1">
+        <a:shade val="80000"/>
+      </a:schemeClr>
+    </dgm:linClrLst>
+    <dgm:effectClrLst/>
+    <dgm:txLinClrLst/>
+    <dgm:txFillClrLst/>
+    <dgm:txEffectClrLst/>
+  </dgm:styleLbl>
+  <dgm:styleLbl name="asst1">
+    <dgm:fillClrLst meth="repeat">
+      <a:schemeClr val="accent4"/>
+    </dgm:fillClrLst>
+    <dgm:linClrLst meth="repeat">
+      <a:schemeClr val="lt1">
+        <a:shade val="80000"/>
+      </a:schemeClr>
+    </dgm:linClrLst>
+    <dgm:effectClrLst/>
+    <dgm:txLinClrLst/>
+    <dgm:txFillClrLst/>
+    <dgm:txEffectClrLst/>
+  </dgm:styleLbl>
+  <dgm:styleLbl name="asst2">
+    <dgm:fillClrLst>
+      <a:schemeClr val="accent5"/>
+    </dgm:fillClrLst>
+    <dgm:linClrLst meth="repeat">
+      <a:schemeClr val="lt1"/>
+    </dgm:linClrLst>
+    <dgm:effectClrLst/>
+    <dgm:txLinClrLst/>
+    <dgm:txFillClrLst/>
+    <dgm:txEffectClrLst/>
+  </dgm:styleLbl>
+  <dgm:styleLbl name="asst3">
+    <dgm:fillClrLst>
+      <a:schemeClr val="accent6"/>
+    </dgm:fillClrLst>
+    <dgm:linClrLst meth="repeat">
+      <a:schemeClr val="lt1"/>
+    </dgm:linClrLst>
+    <dgm:effectClrLst/>
+    <dgm:txLinClrLst/>
+    <dgm:txFillClrLst/>
+    <dgm:txEffectClrLst/>
+  </dgm:styleLbl>
+  <dgm:styleLbl name="asst4">
+    <dgm:fillClrLst>
+      <a:schemeClr val="accent1"/>
+    </dgm:fillClrLst>
+    <dgm:linClrLst meth="repeat">
+      <a:schemeClr val="lt1"/>
+    </dgm:linClrLst>
+    <dgm:effectClrLst/>
+    <dgm:txLinClrLst/>
+    <dgm:txFillClrLst/>
+    <dgm:txEffectClrLst/>
+  </dgm:styleLbl>
+  <dgm:styleLbl name="parChTrans2D1">
+    <dgm:fillClrLst meth="repeat">
+      <a:schemeClr val="accent2"/>
+    </dgm:fillClrLst>
+    <dgm:linClrLst meth="repeat">
+      <a:schemeClr val="lt1"/>
+    </dgm:linClrLst>
+    <dgm:effectClrLst/>
+    <dgm:txLinClrLst/>
+    <dgm:txFillClrLst meth="repeat">
+      <a:schemeClr val="lt1"/>
+    </dgm:txFillClrLst>
+    <dgm:txEffectClrLst/>
+  </dgm:styleLbl>
+  <dgm:styleLbl name="parChTrans2D2">
+    <dgm:fillClrLst meth="repeat">
+      <a:schemeClr val="accent3"/>
+    </dgm:fillClrLst>
+    <dgm:linClrLst meth="repeat">
+      <a:schemeClr val="lt1"/>
+    </dgm:linClrLst>
+    <dgm:effectClrLst/>
+    <dgm:txLinClrLst/>
+    <dgm:txFillClrLst/>
+    <dgm:txEffectClrLst/>
+  </dgm:styleLbl>
+  <dgm:styleLbl name="parChTrans2D3">
+    <dgm:fillClrLst meth="repeat">
+      <a:schemeClr val="accent4"/>
+    </dgm:fillClrLst>
+    <dgm:linClrLst meth="repeat">
+      <a:schemeClr val="lt1"/>
+    </dgm:linClrLst>
+    <dgm:effectClrLst/>
+    <dgm:txLinClrLst/>
+    <dgm:txFillClrLst/>
+    <dgm:txEffectClrLst/>
+  </dgm:styleLbl>
+  <dgm:styleLbl name="parChTrans2D4">
+    <dgm:fillClrLst meth="repeat">
+      <a:schemeClr val="accent5"/>
+    </dgm:fillClrLst>
+    <dgm:linClrLst meth="repeat">
+      <a:schemeClr val="lt1"/>
+    </dgm:linClrLst>
+    <dgm:effectClrLst/>
+    <dgm:txLinClrLst/>
+    <dgm:txFillClrLst meth="repeat">
+      <a:schemeClr val="lt1"/>
+    </dgm:txFillClrLst>
+    <dgm:txEffectClrLst/>
+  </dgm:styleLbl>
+  <dgm:styleLbl name="parChTrans1D1">
+    <dgm:fillClrLst meth="repeat">
+      <a:schemeClr val="accent3"/>
+    </dgm:fillClrLst>
+    <dgm:linClrLst meth="repeat">
+      <a:schemeClr val="accent3"/>
+    </dgm:linClrLst>
+    <dgm:effectClrLst/>
+    <dgm:txLinClrLst/>
+    <dgm:txFillClrLst meth="repeat">
+      <a:schemeClr val="tx1"/>
+    </dgm:txFillClrLst>
+    <dgm:txEffectClrLst/>
+  </dgm:styleLbl>
+  <dgm:styleLbl name="parChTrans1D2">
+    <dgm:fillClrLst meth="repeat">
+      <a:schemeClr val="accent2">
+        <a:tint val="90000"/>
+      </a:schemeClr>
+    </dgm:fillClrLst>
+    <dgm:linClrLst meth="repeat">
+      <a:schemeClr val="accent4"/>
+    </dgm:linClrLst>
+    <dgm:effectClrLst/>
+    <dgm:txLinClrLst/>
+    <dgm:txFillClrLst meth="repeat">
+      <a:schemeClr val="tx1"/>
+    </dgm:txFillClrLst>
+    <dgm:txEffectClrLst/>
+  </dgm:styleLbl>
+  <dgm:styleLbl name="parChTrans1D3">
+    <dgm:fillClrLst meth="repeat">
+      <a:schemeClr val="accent2">
+        <a:tint val="70000"/>
+      </a:schemeClr>
+    </dgm:fillClrLst>
+    <dgm:linClrLst meth="repeat">
+      <a:schemeClr val="accent5"/>
+    </dgm:linClrLst>
+    <dgm:effectClrLst/>
+    <dgm:txLinClrLst/>
+    <dgm:txFillClrLst meth="repeat">
+      <a:schemeClr val="tx1"/>
+    </dgm:txFillClrLst>
+    <dgm:txEffectClrLst/>
+  </dgm:styleLbl>
+  <dgm:styleLbl name="parChTrans1D4">
+    <dgm:fillClrLst meth="repeat">
+      <a:schemeClr val="accent6">
+        <a:tint val="50000"/>
+      </a:schemeClr>
+    </dgm:fillClrLst>
+    <dgm:linClrLst meth="repeat">
+      <a:schemeClr val="accent6"/>
+    </dgm:linClrLst>
+    <dgm:effectClrLst/>
+    <dgm:txLinClrLst/>
+    <dgm:txFillClrLst meth="repeat">
+      <a:schemeClr val="tx1"/>
+    </dgm:txFillClrLst>
+    <dgm:txEffectClrLst/>
+  </dgm:styleLbl>
+  <dgm:styleLbl name="fgAcc1">
+    <dgm:fillClrLst meth="repeat">
+      <a:schemeClr val="lt1">
+        <a:alpha val="90000"/>
+      </a:schemeClr>
+    </dgm:fillClrLst>
+    <dgm:linClrLst>
+      <a:schemeClr val="accent3"/>
+      <a:schemeClr val="accent4"/>
+    </dgm:linClrLst>
+    <dgm:effectClrLst/>
+    <dgm:txLinClrLst/>
+    <dgm:txFillClrLst meth="repeat">
+      <a:schemeClr val="dk1"/>
+    </dgm:txFillClrLst>
+    <dgm:txEffectClrLst/>
+  </dgm:styleLbl>
+  <dgm:styleLbl name="conFgAcc1">
+    <dgm:fillClrLst meth="repeat">
+      <a:schemeClr val="lt1">
+        <a:alpha val="90000"/>
+      </a:schemeClr>
+    </dgm:fillClrLst>
+    <dgm:linClrLst>
+      <a:schemeClr val="accent3"/>
+      <a:schemeClr val="accent4"/>
+    </dgm:linClrLst>
+    <dgm:effectClrLst/>
+    <dgm:txLinClrLst/>
+    <dgm:txFillClrLst meth="repeat">
+      <a:schemeClr val="dk1"/>
+    </dgm:txFillClrLst>
+    <dgm:txEffectClrLst/>
+  </dgm:styleLbl>
+  <dgm:styleLbl name="alignAcc1">
+    <dgm:fillClrLst meth="repeat">
+      <a:schemeClr val="lt1">
+        <a:alpha val="90000"/>
+      </a:schemeClr>
+    </dgm:fillClrLst>
+    <dgm:linClrLst>
+      <a:schemeClr val="accent3"/>
+      <a:schemeClr val="accent4"/>
+    </dgm:linClrLst>
+    <dgm:effectClrLst/>
+    <dgm:txLinClrLst/>
+    <dgm:txFillClrLst meth="repeat">
+      <a:schemeClr val="dk1"/>
+    </dgm:txFillClrLst>
+    <dgm:txEffectClrLst/>
+  </dgm:styleLbl>
+  <dgm:styleLbl name="trAlignAcc1">
+    <dgm:fillClrLst meth="repeat">
+      <a:schemeClr val="lt1">
+        <a:alpha val="40000"/>
+      </a:schemeClr>
+    </dgm:fillClrLst>
+    <dgm:linClrLst meth="repeat">
+      <a:schemeClr val="accent2"/>
+    </dgm:linClrLst>
+    <dgm:effectClrLst/>
+    <dgm:txLinClrLst/>
+    <dgm:txFillClrLst meth="repeat">
+      <a:schemeClr val="dk1"/>
+    </dgm:txFillClrLst>
+    <dgm:txEffectClrLst/>
+  </dgm:styleLbl>
+  <dgm:styleLbl name="bgAcc1">
+    <dgm:fillClrLst meth="repeat">
+      <a:schemeClr val="lt1">
+        <a:alpha val="90000"/>
+      </a:schemeClr>
+    </dgm:fillClrLst>
+    <dgm:linClrLst>
+      <a:schemeClr val="accent3"/>
+      <a:schemeClr val="accent4"/>
+    </dgm:linClrLst>
+    <dgm:effectClrLst/>
+    <dgm:txLinClrLst/>
+    <dgm:txFillClrLst meth="repeat">
+      <a:schemeClr val="dk1"/>
+    </dgm:txFillClrLst>
+    <dgm:txEffectClrLst/>
+  </dgm:styleLbl>
+  <dgm:styleLbl name="solidFgAcc1">
+    <dgm:fillClrLst meth="repeat">
+      <a:schemeClr val="lt1"/>
+    </dgm:fillClrLst>
+    <dgm:linClrLst>
+      <a:schemeClr val="accent3"/>
+      <a:schemeClr val="accent4"/>
+    </dgm:linClrLst>
+    <dgm:effectClrLst/>
+    <dgm:txLinClrLst/>
+    <dgm:txFillClrLst meth="repeat">
+      <a:schemeClr val="dk1"/>
+    </dgm:txFillClrLst>
+    <dgm:txEffectClrLst/>
+  </dgm:styleLbl>
+  <dgm:styleLbl name="solidAlignAcc1">
+    <dgm:fillClrLst meth="repeat">
+      <a:schemeClr val="lt1"/>
+    </dgm:fillClrLst>
+    <dgm:linClrLst>
+      <a:schemeClr val="accent3"/>
+      <a:schemeClr val="accent4"/>
+    </dgm:linClrLst>
+    <dgm:effectClrLst/>
+    <dgm:txLinClrLst/>
+    <dgm:txFillClrLst meth="repeat">
+      <a:schemeClr val="dk1"/>
+    </dgm:txFillClrLst>
+    <dgm:txEffectClrLst/>
+  </dgm:styleLbl>
+  <dgm:styleLbl name="solidBgAcc1">
+    <dgm:fillClrLst meth="repeat">
+      <a:schemeClr val="lt1"/>
+    </dgm:fillClrLst>
+    <dgm:linClrLst>
+      <a:schemeClr val="accent3"/>
+      <a:schemeClr val="accent4"/>
+    </dgm:linClrLst>
+    <dgm:effectClrLst/>
+    <dgm:txLinClrLst/>
+    <dgm:txFillClrLst meth="repeat">
+      <a:schemeClr val="dk1"/>
+    </dgm:txFillClrLst>
+    <dgm:txEffectClrLst/>
+  </dgm:styleLbl>
+  <dgm:styleLbl name="fgAccFollowNode1">
+    <dgm:fillClrLst>
+      <a:schemeClr val="accent3">
+        <a:tint val="40000"/>
+        <a:alpha val="90000"/>
+      </a:schemeClr>
+      <a:schemeClr val="accent4">
+        <a:tint val="40000"/>
+        <a:alpha val="90000"/>
+      </a:schemeClr>
+    </dgm:fillClrLst>
+    <dgm:linClrLst>
+      <a:schemeClr val="accent3">
+        <a:tint val="40000"/>
+        <a:alpha val="90000"/>
+      </a:schemeClr>
+      <a:schemeClr val="accent4">
+        <a:tint val="40000"/>
+        <a:alpha val="90000"/>
+      </a:schemeClr>
+    </dgm:linClrLst>
+    <dgm:effectClrLst/>
+    <dgm:txLinClrLst/>
+    <dgm:txFillClrLst meth="repeat">
+      <a:schemeClr val="dk1"/>
+    </dgm:txFillClrLst>
+    <dgm:txEffectClrLst/>
+  </dgm:styleLbl>
+  <dgm:styleLbl name="alignAccFollowNode1">
+    <dgm:fillClrLst>
+      <a:schemeClr val="accent3">
+        <a:tint val="40000"/>
+        <a:alpha val="90000"/>
+      </a:schemeClr>
+      <a:schemeClr val="accent4">
+        <a:tint val="40000"/>
+        <a:alpha val="90000"/>
+      </a:schemeClr>
+    </dgm:fillClrLst>
+    <dgm:linClrLst>
+      <a:schemeClr val="accent3">
+        <a:tint val="40000"/>
+        <a:alpha val="90000"/>
+      </a:schemeClr>
+      <a:schemeClr val="accent4">
+        <a:tint val="40000"/>
+        <a:alpha val="90000"/>
+      </a:schemeClr>
+    </dgm:linClrLst>
+    <dgm:effectClrLst/>
+    <dgm:txLinClrLst/>
+    <dgm:txFillClrLst meth="repeat">
+      <a:schemeClr val="dk1"/>
+    </dgm:txFillClrLst>
+    <dgm:txEffectClrLst/>
+  </dgm:styleLbl>
+  <dgm:styleLbl name="bgAccFollowNode1">
+    <dgm:fillClrLst>
+      <a:schemeClr val="accent3">
+        <a:tint val="40000"/>
+        <a:alpha val="90000"/>
+      </a:schemeClr>
+      <a:schemeClr val="accent4">
+        <a:tint val="40000"/>
+        <a:alpha val="90000"/>
+      </a:schemeClr>
+    </dgm:fillClrLst>
+    <dgm:linClrLst>
+      <a:schemeClr val="accent3">
+        <a:tint val="40000"/>
+        <a:alpha val="90000"/>
+      </a:schemeClr>
+      <a:schemeClr val="accent4">
+        <a:tint val="40000"/>
+        <a:alpha val="90000"/>
+      </a:schemeClr>
+    </dgm:linClrLst>
+    <dgm:effectClrLst/>
+    <dgm:txLinClrLst/>
+    <dgm:txFillClrLst meth="repeat">
+      <a:schemeClr val="dk1"/>
+    </dgm:txFillClrLst>
+    <dgm:txEffectClrLst/>
+  </dgm:styleLbl>
+  <dgm:styleLbl name="fgAcc0">
+    <dgm:fillClrLst meth="repeat">
+      <a:schemeClr val="lt1">
+        <a:alpha val="90000"/>
+      </a:schemeClr>
+    </dgm:fillClrLst>
+    <dgm:linClrLst>
+      <a:schemeClr val="accent2"/>
+    </dgm:linClrLst>
+    <dgm:effectClrLst/>
+    <dgm:txLinClrLst/>
+    <dgm:txFillClrLst meth="repeat">
+      <a:schemeClr val="dk1"/>
+    </dgm:txFillClrLst>
+    <dgm:txEffectClrLst/>
+  </dgm:styleLbl>
+  <dgm:styleLbl name="fgAcc2">
+    <dgm:fillClrLst meth="repeat">
+      <a:schemeClr val="lt1">
+        <a:alpha val="90000"/>
+      </a:schemeClr>
+    </dgm:fillClrLst>
+    <dgm:linClrLst>
+      <a:schemeClr val="accent4"/>
+    </dgm:linClrLst>
+    <dgm:effectClrLst/>
+    <dgm:txLinClrLst/>
+    <dgm:txFillClrLst meth="repeat">
+      <a:schemeClr val="dk1"/>
+    </dgm:txFillClrLst>
+    <dgm:txEffectClrLst/>
+  </dgm:styleLbl>
+  <dgm:styleLbl name="fgAcc3">
+    <dgm:fillClrLst meth="repeat">
+      <a:schemeClr val="lt1">
+        <a:alpha val="90000"/>
+      </a:schemeClr>
+    </dgm:fillClrLst>
+    <dgm:linClrLst>
+      <a:schemeClr val="accent5"/>
+    </dgm:linClrLst>
+    <dgm:effectClrLst/>
+    <dgm:txLinClrLst/>
+    <dgm:txFillClrLst meth="repeat">
+      <a:schemeClr val="dk1"/>
+    </dgm:txFillClrLst>
+    <dgm:txEffectClrLst/>
+  </dgm:styleLbl>
+  <dgm:styleLbl name="fgAcc4">
+    <dgm:fillClrLst meth="repeat">
+      <a:schemeClr val="lt1">
+        <a:alpha val="90000"/>
+      </a:schemeClr>
+    </dgm:fillClrLst>
+    <dgm:linClrLst>
+      <a:schemeClr val="accent6"/>
+    </dgm:linClrLst>
+    <dgm:effectClrLst/>
+    <dgm:txLinClrLst/>
+    <dgm:txFillClrLst meth="repeat">
+      <a:schemeClr val="dk1"/>
+    </dgm:txFillClrLst>
+    <dgm:txEffectClrLst/>
+  </dgm:styleLbl>
+  <dgm:styleLbl name="bgShp">
+    <dgm:fillClrLst meth="repeat">
+      <a:schemeClr val="accent3">
+        <a:tint val="40000"/>
+      </a:schemeClr>
+    </dgm:fillClrLst>
+    <dgm:linClrLst meth="repeat">
+      <a:schemeClr val="dk1"/>
+    </dgm:linClrLst>
+    <dgm:effectClrLst/>
+    <dgm:txLinClrLst/>
+    <dgm:txFillClrLst meth="repeat">
+      <a:schemeClr val="dk1"/>
+    </dgm:txFillClrLst>
+    <dgm:txEffectClrLst/>
+  </dgm:styleLbl>
+  <dgm:styleLbl name="dkBgShp">
+    <dgm:fillClrLst meth="repeat">
+      <a:schemeClr val="accent3">
+        <a:shade val="90000"/>
+      </a:schemeClr>
+    </dgm:fillClrLst>
+    <dgm:linClrLst meth="repeat">
+      <a:schemeClr val="dk1"/>
+    </dgm:linClrLst>
+    <dgm:effectClrLst/>
+    <dgm:txLinClrLst/>
+    <dgm:txFillClrLst meth="repeat">
+      <a:schemeClr val="lt1"/>
+    </dgm:txFillClrLst>
+    <dgm:txEffectClrLst/>
+  </dgm:styleLbl>
+  <dgm:styleLbl name="trBgShp">
+    <dgm:fillClrLst meth="repeat">
+      <a:schemeClr val="accent2">
+        <a:tint val="50000"/>
+        <a:alpha val="40000"/>
+      </a:schemeClr>
+    </dgm:fillClrLst>
+    <dgm:linClrLst meth="repeat">
+      <a:schemeClr val="accent3"/>
+    </dgm:linClrLst>
+    <dgm:effectClrLst/>
+    <dgm:txLinClrLst/>
+    <dgm:txFillClrLst meth="repeat">
+      <a:schemeClr val="lt1"/>
+    </dgm:txFillClrLst>
+    <dgm:txEffectClrLst/>
+  </dgm:styleLbl>
+  <dgm:styleLbl name="fgShp">
+    <dgm:fillClrLst meth="repeat">
+      <a:schemeClr val="accent3">
+        <a:tint val="40000"/>
+      </a:schemeClr>
+    </dgm:fillClrLst>
+    <dgm:linClrLst meth="repeat">
+      <a:schemeClr val="lt1"/>
+    </dgm:linClrLst>
+    <dgm:effectClrLst/>
+    <dgm:txLinClrLst/>
+    <dgm:txFillClrLst meth="repeat">
+      <a:schemeClr val="dk1"/>
+    </dgm:txFillClrLst>
+    <dgm:txEffectClrLst/>
+  </dgm:styleLbl>
+  <dgm:styleLbl name="revTx">
+    <dgm:fillClrLst meth="repeat">
+      <a:schemeClr val="lt1">
+        <a:alpha val="0"/>
+      </a:schemeClr>
+    </dgm:fillClrLst>
+    <dgm:linClrLst meth="repeat">
+      <a:schemeClr val="dk1">
+        <a:alpha val="0"/>
+      </a:schemeClr>
+    </dgm:linClrLst>
+    <dgm:effectClrLst/>
+    <dgm:txLinClrLst/>
+    <dgm:txFillClrLst meth="repeat">
+      <a:schemeClr val="tx1"/>
+    </dgm:txFillClrLst>
+    <dgm:txEffectClrLst/>
+  </dgm:styleLbl>
+</dgm:colorsDef>
+</file>
+
+<file path=ppt/diagrams/colors9.xml><?xml version="1.0" encoding="utf-8"?>
 <dgm:colorsDef xmlns:dgm="http://schemas.openxmlformats.org/drawingml/2006/diagram" xmlns:a="http://schemas.openxmlformats.org/drawingml/2006/main" uniqueId="urn:microsoft.com/office/officeart/2005/8/colors/colorful3">
   <dgm:title val=""/>
   <dgm:desc val=""/>
@@ -7121,6 +8686,566 @@
   <dgm:extLst>
     <a:ext uri="http://schemas.microsoft.com/office/drawing/2008/diagram">
       <dsp:dataModelExt xmlns:dsp="http://schemas.microsoft.com/office/drawing/2008/diagram" relId="rId6" minVer="http://schemas.openxmlformats.org/drawingml/2006/diagram"/>
+    </a:ext>
+  </dgm:extLst>
+</dgm:dataModel>
+</file>
+
+<file path=ppt/diagrams/data10.xml><?xml version="1.0" encoding="utf-8"?>
+<dgm:dataModel xmlns:dgm="http://schemas.openxmlformats.org/drawingml/2006/diagram" xmlns:a="http://schemas.openxmlformats.org/drawingml/2006/main">
+  <dgm:ptLst>
+    <dgm:pt modelId="{5CD6EE36-BB0F-4305-A635-C2AEE05DF3B6}" type="doc">
+      <dgm:prSet loTypeId="urn:microsoft.com/office/officeart/2005/8/layout/orgChart1" loCatId="hierarchy" qsTypeId="urn:microsoft.com/office/officeart/2005/8/quickstyle/simple1" qsCatId="simple" csTypeId="urn:microsoft.com/office/officeart/2005/8/colors/colorful3" csCatId="colorful" phldr="1"/>
+      <dgm:spPr/>
+      <dgm:t>
+        <a:bodyPr/>
+        <a:lstStyle/>
+        <a:p>
+          <a:endParaRPr lang="en-US"/>
+        </a:p>
+      </dgm:t>
+    </dgm:pt>
+    <dgm:pt modelId="{E0C605CD-CF0C-4C9B-A87E-4BC4D356A21F}">
+      <dgm:prSet phldrT="[Text]"/>
+      <dgm:spPr/>
+      <dgm:t>
+        <a:bodyPr/>
+        <a:lstStyle/>
+        <a:p>
+          <a:r>
+            <a:rPr lang="en-US" smtClean="0"/>
+            <a:t> </a:t>
+          </a:r>
+          <a:endParaRPr lang="en-US"/>
+        </a:p>
+      </dgm:t>
+    </dgm:pt>
+    <dgm:pt modelId="{6983BF6D-1D80-417E-8ED1-A1DF5D5B2E1E}" type="parTrans" cxnId="{2BFE0C14-7874-4A8D-A07F-122A9625F0B3}">
+      <dgm:prSet/>
+      <dgm:spPr/>
+      <dgm:t>
+        <a:bodyPr/>
+        <a:lstStyle/>
+        <a:p>
+          <a:endParaRPr lang="en-US"/>
+        </a:p>
+      </dgm:t>
+    </dgm:pt>
+    <dgm:pt modelId="{9CD3DFB9-087F-42D2-ABB1-99F2A9A2C875}" type="sibTrans" cxnId="{2BFE0C14-7874-4A8D-A07F-122A9625F0B3}">
+      <dgm:prSet/>
+      <dgm:spPr/>
+      <dgm:t>
+        <a:bodyPr/>
+        <a:lstStyle/>
+        <a:p>
+          <a:endParaRPr lang="en-US"/>
+        </a:p>
+      </dgm:t>
+    </dgm:pt>
+    <dgm:pt modelId="{029D4ADE-ED8D-4EA1-B9D4-89C7D7A1CDF1}" type="asst">
+      <dgm:prSet phldrT="[Text]"/>
+      <dgm:spPr/>
+      <dgm:t>
+        <a:bodyPr/>
+        <a:lstStyle/>
+        <a:p>
+          <a:r>
+            <a:rPr lang="en-US" dirty="0" smtClean="0"/>
+            <a:t> </a:t>
+          </a:r>
+          <a:endParaRPr lang="en-US" dirty="0"/>
+        </a:p>
+      </dgm:t>
+    </dgm:pt>
+    <dgm:pt modelId="{AF16EA6B-7353-4053-A135-07D5836EE08B}" type="parTrans" cxnId="{589FA468-510D-41CB-8F3C-E90CF2074B53}">
+      <dgm:prSet/>
+      <dgm:spPr/>
+      <dgm:t>
+        <a:bodyPr/>
+        <a:lstStyle/>
+        <a:p>
+          <a:endParaRPr lang="en-US"/>
+        </a:p>
+      </dgm:t>
+    </dgm:pt>
+    <dgm:pt modelId="{E5E6B07E-DFD2-4A52-A3C7-23294CB3EE12}" type="sibTrans" cxnId="{589FA468-510D-41CB-8F3C-E90CF2074B53}">
+      <dgm:prSet/>
+      <dgm:spPr/>
+      <dgm:t>
+        <a:bodyPr/>
+        <a:lstStyle/>
+        <a:p>
+          <a:endParaRPr lang="en-US"/>
+        </a:p>
+      </dgm:t>
+    </dgm:pt>
+    <dgm:pt modelId="{160A9CD8-29DE-4ADF-9B27-7AD569DBEA9A}">
+      <dgm:prSet phldrT="[Text]"/>
+      <dgm:spPr/>
+      <dgm:t>
+        <a:bodyPr/>
+        <a:lstStyle/>
+        <a:p>
+          <a:r>
+            <a:rPr lang="en-US" dirty="0" smtClean="0"/>
+            <a:t> </a:t>
+          </a:r>
+          <a:endParaRPr lang="en-US" dirty="0"/>
+        </a:p>
+      </dgm:t>
+    </dgm:pt>
+    <dgm:pt modelId="{1660B795-AC76-42B9-97AF-E76912E5E9F6}" type="parTrans" cxnId="{81F14BB1-5649-47E2-B4C8-1B2204C7660B}">
+      <dgm:prSet/>
+      <dgm:spPr/>
+      <dgm:t>
+        <a:bodyPr/>
+        <a:lstStyle/>
+        <a:p>
+          <a:endParaRPr lang="en-US"/>
+        </a:p>
+      </dgm:t>
+    </dgm:pt>
+    <dgm:pt modelId="{EBC58C13-B814-478D-96A0-FACB09FCE087}" type="sibTrans" cxnId="{81F14BB1-5649-47E2-B4C8-1B2204C7660B}">
+      <dgm:prSet/>
+      <dgm:spPr/>
+      <dgm:t>
+        <a:bodyPr/>
+        <a:lstStyle/>
+        <a:p>
+          <a:endParaRPr lang="en-US"/>
+        </a:p>
+      </dgm:t>
+    </dgm:pt>
+    <dgm:pt modelId="{395FDB1D-246A-45B3-948C-1C5D437152BB}">
+      <dgm:prSet phldrT="[Text]"/>
+      <dgm:spPr/>
+      <dgm:t>
+        <a:bodyPr/>
+        <a:lstStyle/>
+        <a:p>
+          <a:r>
+            <a:rPr lang="en-US" dirty="0" smtClean="0"/>
+            <a:t> </a:t>
+          </a:r>
+          <a:endParaRPr lang="en-US" dirty="0"/>
+        </a:p>
+      </dgm:t>
+    </dgm:pt>
+    <dgm:pt modelId="{76B7127C-A954-4D6D-8E78-16A76AF5BD01}" type="parTrans" cxnId="{D47216B1-DE18-4BFA-8024-D5CF748FEB25}">
+      <dgm:prSet/>
+      <dgm:spPr/>
+      <dgm:t>
+        <a:bodyPr/>
+        <a:lstStyle/>
+        <a:p>
+          <a:endParaRPr lang="en-US"/>
+        </a:p>
+      </dgm:t>
+    </dgm:pt>
+    <dgm:pt modelId="{67820084-1D12-47AC-B14A-69883D458AD2}" type="sibTrans" cxnId="{D47216B1-DE18-4BFA-8024-D5CF748FEB25}">
+      <dgm:prSet/>
+      <dgm:spPr/>
+      <dgm:t>
+        <a:bodyPr/>
+        <a:lstStyle/>
+        <a:p>
+          <a:endParaRPr lang="en-US"/>
+        </a:p>
+      </dgm:t>
+    </dgm:pt>
+    <dgm:pt modelId="{78EA2BC9-6CD8-4B48-AF0B-C37E5AC58610}">
+      <dgm:prSet phldrT="[Text]"/>
+      <dgm:spPr/>
+      <dgm:t>
+        <a:bodyPr/>
+        <a:lstStyle/>
+        <a:p>
+          <a:r>
+            <a:rPr lang="en-US" dirty="0" smtClean="0"/>
+            <a:t> </a:t>
+          </a:r>
+          <a:endParaRPr lang="en-US" dirty="0"/>
+        </a:p>
+      </dgm:t>
+    </dgm:pt>
+    <dgm:pt modelId="{5713D143-9C47-4964-892D-3632FD3CF851}" type="parTrans" cxnId="{147009AC-4734-47FB-B00F-2A7D4941CDD6}">
+      <dgm:prSet/>
+      <dgm:spPr/>
+      <dgm:t>
+        <a:bodyPr/>
+        <a:lstStyle/>
+        <a:p>
+          <a:endParaRPr lang="en-US"/>
+        </a:p>
+      </dgm:t>
+    </dgm:pt>
+    <dgm:pt modelId="{D571796E-6393-4786-B5D3-A77C01EA273A}" type="sibTrans" cxnId="{147009AC-4734-47FB-B00F-2A7D4941CDD6}">
+      <dgm:prSet/>
+      <dgm:spPr/>
+      <dgm:t>
+        <a:bodyPr/>
+        <a:lstStyle/>
+        <a:p>
+          <a:endParaRPr lang="en-US"/>
+        </a:p>
+      </dgm:t>
+    </dgm:pt>
+    <dgm:pt modelId="{F4595A86-4A99-4355-B61E-798C3365A643}" type="pres">
+      <dgm:prSet presAssocID="{5CD6EE36-BB0F-4305-A635-C2AEE05DF3B6}" presName="hierChild1" presStyleCnt="0">
+        <dgm:presLayoutVars>
+          <dgm:orgChart val="1"/>
+          <dgm:chPref val="1"/>
+          <dgm:dir/>
+          <dgm:animOne val="branch"/>
+          <dgm:animLvl val="lvl"/>
+          <dgm:resizeHandles/>
+        </dgm:presLayoutVars>
+      </dgm:prSet>
+      <dgm:spPr/>
+      <dgm:t>
+        <a:bodyPr/>
+        <a:lstStyle/>
+        <a:p>
+          <a:endParaRPr lang="en-US"/>
+        </a:p>
+      </dgm:t>
+    </dgm:pt>
+    <dgm:pt modelId="{1B5782E8-6011-41D4-9713-F9B87E5E343E}" type="pres">
+      <dgm:prSet presAssocID="{E0C605CD-CF0C-4C9B-A87E-4BC4D356A21F}" presName="hierRoot1" presStyleCnt="0">
+        <dgm:presLayoutVars>
+          <dgm:hierBranch val="init"/>
+        </dgm:presLayoutVars>
+      </dgm:prSet>
+      <dgm:spPr/>
+    </dgm:pt>
+    <dgm:pt modelId="{3E853BBC-796D-4608-8571-2B2F13A7461D}" type="pres">
+      <dgm:prSet presAssocID="{E0C605CD-CF0C-4C9B-A87E-4BC4D356A21F}" presName="rootComposite1" presStyleCnt="0"/>
+      <dgm:spPr/>
+    </dgm:pt>
+    <dgm:pt modelId="{20299A4B-1C69-4B86-8EDE-B88B470CE39C}" type="pres">
+      <dgm:prSet presAssocID="{E0C605CD-CF0C-4C9B-A87E-4BC4D356A21F}" presName="rootText1" presStyleLbl="node0" presStyleIdx="0" presStyleCnt="1">
+        <dgm:presLayoutVars>
+          <dgm:chPref val="3"/>
+        </dgm:presLayoutVars>
+      </dgm:prSet>
+      <dgm:spPr/>
+      <dgm:t>
+        <a:bodyPr/>
+        <a:lstStyle/>
+        <a:p>
+          <a:endParaRPr lang="en-US"/>
+        </a:p>
+      </dgm:t>
+    </dgm:pt>
+    <dgm:pt modelId="{3CA0AE3A-B7AE-45BB-91D9-3E7112C11563}" type="pres">
+      <dgm:prSet presAssocID="{E0C605CD-CF0C-4C9B-A87E-4BC4D356A21F}" presName="rootConnector1" presStyleLbl="node1" presStyleIdx="0" presStyleCnt="0"/>
+      <dgm:spPr/>
+      <dgm:t>
+        <a:bodyPr/>
+        <a:lstStyle/>
+        <a:p>
+          <a:endParaRPr lang="en-US"/>
+        </a:p>
+      </dgm:t>
+    </dgm:pt>
+    <dgm:pt modelId="{9ED4AEF1-FB6E-49CA-AD4A-3EBB0BD1B555}" type="pres">
+      <dgm:prSet presAssocID="{E0C605CD-CF0C-4C9B-A87E-4BC4D356A21F}" presName="hierChild2" presStyleCnt="0"/>
+      <dgm:spPr/>
+    </dgm:pt>
+    <dgm:pt modelId="{C4CBC522-70EC-4DAD-9ABB-7FBBFD02DC42}" type="pres">
+      <dgm:prSet presAssocID="{1660B795-AC76-42B9-97AF-E76912E5E9F6}" presName="Name37" presStyleLbl="parChTrans1D2" presStyleIdx="0" presStyleCnt="4"/>
+      <dgm:spPr/>
+      <dgm:t>
+        <a:bodyPr/>
+        <a:lstStyle/>
+        <a:p>
+          <a:endParaRPr lang="en-US"/>
+        </a:p>
+      </dgm:t>
+    </dgm:pt>
+    <dgm:pt modelId="{A8003B99-B9EE-4C53-8B05-60EF723CF6BB}" type="pres">
+      <dgm:prSet presAssocID="{160A9CD8-29DE-4ADF-9B27-7AD569DBEA9A}" presName="hierRoot2" presStyleCnt="0">
+        <dgm:presLayoutVars>
+          <dgm:hierBranch val="init"/>
+        </dgm:presLayoutVars>
+      </dgm:prSet>
+      <dgm:spPr/>
+    </dgm:pt>
+    <dgm:pt modelId="{FFE4C4D1-8F9F-4224-B3C3-83DBBCD6D7ED}" type="pres">
+      <dgm:prSet presAssocID="{160A9CD8-29DE-4ADF-9B27-7AD569DBEA9A}" presName="rootComposite" presStyleCnt="0"/>
+      <dgm:spPr/>
+    </dgm:pt>
+    <dgm:pt modelId="{0B59B7D1-BFCB-4752-A954-4AE6C033913E}" type="pres">
+      <dgm:prSet presAssocID="{160A9CD8-29DE-4ADF-9B27-7AD569DBEA9A}" presName="rootText" presStyleLbl="node2" presStyleIdx="0" presStyleCnt="3">
+        <dgm:presLayoutVars>
+          <dgm:chPref val="3"/>
+        </dgm:presLayoutVars>
+      </dgm:prSet>
+      <dgm:spPr/>
+      <dgm:t>
+        <a:bodyPr/>
+        <a:lstStyle/>
+        <a:p>
+          <a:endParaRPr lang="en-US"/>
+        </a:p>
+      </dgm:t>
+    </dgm:pt>
+    <dgm:pt modelId="{C074D779-DF8B-481C-B825-FAE2E925B78C}" type="pres">
+      <dgm:prSet presAssocID="{160A9CD8-29DE-4ADF-9B27-7AD569DBEA9A}" presName="rootConnector" presStyleLbl="node2" presStyleIdx="0" presStyleCnt="3"/>
+      <dgm:spPr/>
+      <dgm:t>
+        <a:bodyPr/>
+        <a:lstStyle/>
+        <a:p>
+          <a:endParaRPr lang="en-US"/>
+        </a:p>
+      </dgm:t>
+    </dgm:pt>
+    <dgm:pt modelId="{22C0C3AE-0FE5-4EAD-8B34-F322420E387D}" type="pres">
+      <dgm:prSet presAssocID="{160A9CD8-29DE-4ADF-9B27-7AD569DBEA9A}" presName="hierChild4" presStyleCnt="0"/>
+      <dgm:spPr/>
+    </dgm:pt>
+    <dgm:pt modelId="{A64530F5-0B77-4DC8-8D7D-25535F5EFE3C}" type="pres">
+      <dgm:prSet presAssocID="{160A9CD8-29DE-4ADF-9B27-7AD569DBEA9A}" presName="hierChild5" presStyleCnt="0"/>
+      <dgm:spPr/>
+    </dgm:pt>
+    <dgm:pt modelId="{68D7B0CB-B276-4213-8E97-7EF993DB122A}" type="pres">
+      <dgm:prSet presAssocID="{76B7127C-A954-4D6D-8E78-16A76AF5BD01}" presName="Name37" presStyleLbl="parChTrans1D2" presStyleIdx="1" presStyleCnt="4"/>
+      <dgm:spPr/>
+      <dgm:t>
+        <a:bodyPr/>
+        <a:lstStyle/>
+        <a:p>
+          <a:endParaRPr lang="en-US"/>
+        </a:p>
+      </dgm:t>
+    </dgm:pt>
+    <dgm:pt modelId="{B798C1C3-E9DC-4B5B-AF7A-F5C0F3190E58}" type="pres">
+      <dgm:prSet presAssocID="{395FDB1D-246A-45B3-948C-1C5D437152BB}" presName="hierRoot2" presStyleCnt="0">
+        <dgm:presLayoutVars>
+          <dgm:hierBranch val="init"/>
+        </dgm:presLayoutVars>
+      </dgm:prSet>
+      <dgm:spPr/>
+    </dgm:pt>
+    <dgm:pt modelId="{74AD10BE-AFC3-4EE6-B87D-172E4553A08B}" type="pres">
+      <dgm:prSet presAssocID="{395FDB1D-246A-45B3-948C-1C5D437152BB}" presName="rootComposite" presStyleCnt="0"/>
+      <dgm:spPr/>
+    </dgm:pt>
+    <dgm:pt modelId="{97DAA86D-408A-46F2-8645-08155275A9BD}" type="pres">
+      <dgm:prSet presAssocID="{395FDB1D-246A-45B3-948C-1C5D437152BB}" presName="rootText" presStyleLbl="node2" presStyleIdx="1" presStyleCnt="3">
+        <dgm:presLayoutVars>
+          <dgm:chPref val="3"/>
+        </dgm:presLayoutVars>
+      </dgm:prSet>
+      <dgm:spPr/>
+      <dgm:t>
+        <a:bodyPr/>
+        <a:lstStyle/>
+        <a:p>
+          <a:endParaRPr lang="en-US"/>
+        </a:p>
+      </dgm:t>
+    </dgm:pt>
+    <dgm:pt modelId="{24DDB095-FDEE-41F1-A6F8-2C94B55D2D06}" type="pres">
+      <dgm:prSet presAssocID="{395FDB1D-246A-45B3-948C-1C5D437152BB}" presName="rootConnector" presStyleLbl="node2" presStyleIdx="1" presStyleCnt="3"/>
+      <dgm:spPr/>
+      <dgm:t>
+        <a:bodyPr/>
+        <a:lstStyle/>
+        <a:p>
+          <a:endParaRPr lang="en-US"/>
+        </a:p>
+      </dgm:t>
+    </dgm:pt>
+    <dgm:pt modelId="{911D93DB-26DA-4EBD-BC4B-A48C05A113CA}" type="pres">
+      <dgm:prSet presAssocID="{395FDB1D-246A-45B3-948C-1C5D437152BB}" presName="hierChild4" presStyleCnt="0"/>
+      <dgm:spPr/>
+    </dgm:pt>
+    <dgm:pt modelId="{7D4E5427-FCD1-44A3-A7AC-3F0B688F5914}" type="pres">
+      <dgm:prSet presAssocID="{395FDB1D-246A-45B3-948C-1C5D437152BB}" presName="hierChild5" presStyleCnt="0"/>
+      <dgm:spPr/>
+    </dgm:pt>
+    <dgm:pt modelId="{EF82E21C-3DC8-4557-B814-29CE3E8DA8F5}" type="pres">
+      <dgm:prSet presAssocID="{5713D143-9C47-4964-892D-3632FD3CF851}" presName="Name37" presStyleLbl="parChTrans1D2" presStyleIdx="2" presStyleCnt="4"/>
+      <dgm:spPr/>
+      <dgm:t>
+        <a:bodyPr/>
+        <a:lstStyle/>
+        <a:p>
+          <a:endParaRPr lang="en-US"/>
+        </a:p>
+      </dgm:t>
+    </dgm:pt>
+    <dgm:pt modelId="{2EE8C3E2-3AB8-46F6-8C72-37184D3C6050}" type="pres">
+      <dgm:prSet presAssocID="{78EA2BC9-6CD8-4B48-AF0B-C37E5AC58610}" presName="hierRoot2" presStyleCnt="0">
+        <dgm:presLayoutVars>
+          <dgm:hierBranch val="init"/>
+        </dgm:presLayoutVars>
+      </dgm:prSet>
+      <dgm:spPr/>
+    </dgm:pt>
+    <dgm:pt modelId="{60086449-6DB5-45D1-BD1E-159F7E3DF8C6}" type="pres">
+      <dgm:prSet presAssocID="{78EA2BC9-6CD8-4B48-AF0B-C37E5AC58610}" presName="rootComposite" presStyleCnt="0"/>
+      <dgm:spPr/>
+    </dgm:pt>
+    <dgm:pt modelId="{C37B43C8-CE5E-4803-8D3D-CAA4FA77884B}" type="pres">
+      <dgm:prSet presAssocID="{78EA2BC9-6CD8-4B48-AF0B-C37E5AC58610}" presName="rootText" presStyleLbl="node2" presStyleIdx="2" presStyleCnt="3">
+        <dgm:presLayoutVars>
+          <dgm:chPref val="3"/>
+        </dgm:presLayoutVars>
+      </dgm:prSet>
+      <dgm:spPr/>
+      <dgm:t>
+        <a:bodyPr/>
+        <a:lstStyle/>
+        <a:p>
+          <a:endParaRPr lang="en-US"/>
+        </a:p>
+      </dgm:t>
+    </dgm:pt>
+    <dgm:pt modelId="{1DBE5C34-578E-4FAC-A8A3-EB01CBEC9231}" type="pres">
+      <dgm:prSet presAssocID="{78EA2BC9-6CD8-4B48-AF0B-C37E5AC58610}" presName="rootConnector" presStyleLbl="node2" presStyleIdx="2" presStyleCnt="3"/>
+      <dgm:spPr/>
+      <dgm:t>
+        <a:bodyPr/>
+        <a:lstStyle/>
+        <a:p>
+          <a:endParaRPr lang="en-US"/>
+        </a:p>
+      </dgm:t>
+    </dgm:pt>
+    <dgm:pt modelId="{D536B39C-FCE4-4282-BC3D-4B822664CE9D}" type="pres">
+      <dgm:prSet presAssocID="{78EA2BC9-6CD8-4B48-AF0B-C37E5AC58610}" presName="hierChild4" presStyleCnt="0"/>
+      <dgm:spPr/>
+    </dgm:pt>
+    <dgm:pt modelId="{91DFBC37-6BF5-40CF-A882-4449A966B44D}" type="pres">
+      <dgm:prSet presAssocID="{78EA2BC9-6CD8-4B48-AF0B-C37E5AC58610}" presName="hierChild5" presStyleCnt="0"/>
+      <dgm:spPr/>
+    </dgm:pt>
+    <dgm:pt modelId="{E6BDC327-05A1-4EAB-B455-50603B3021BD}" type="pres">
+      <dgm:prSet presAssocID="{E0C605CD-CF0C-4C9B-A87E-4BC4D356A21F}" presName="hierChild3" presStyleCnt="0"/>
+      <dgm:spPr/>
+    </dgm:pt>
+    <dgm:pt modelId="{D82AF006-7F10-44F4-A3F3-6DA0C2FBB56E}" type="pres">
+      <dgm:prSet presAssocID="{AF16EA6B-7353-4053-A135-07D5836EE08B}" presName="Name111" presStyleLbl="parChTrans1D2" presStyleIdx="3" presStyleCnt="4"/>
+      <dgm:spPr/>
+      <dgm:t>
+        <a:bodyPr/>
+        <a:lstStyle/>
+        <a:p>
+          <a:endParaRPr lang="en-US"/>
+        </a:p>
+      </dgm:t>
+    </dgm:pt>
+    <dgm:pt modelId="{C2D01FE5-50E0-4324-BB45-D927C0DDCBEF}" type="pres">
+      <dgm:prSet presAssocID="{029D4ADE-ED8D-4EA1-B9D4-89C7D7A1CDF1}" presName="hierRoot3" presStyleCnt="0">
+        <dgm:presLayoutVars>
+          <dgm:hierBranch val="init"/>
+        </dgm:presLayoutVars>
+      </dgm:prSet>
+      <dgm:spPr/>
+    </dgm:pt>
+    <dgm:pt modelId="{BEF88C7D-505D-4AC8-85BC-5EBCA0504401}" type="pres">
+      <dgm:prSet presAssocID="{029D4ADE-ED8D-4EA1-B9D4-89C7D7A1CDF1}" presName="rootComposite3" presStyleCnt="0"/>
+      <dgm:spPr/>
+    </dgm:pt>
+    <dgm:pt modelId="{FB5FBBDF-B528-46EF-93B5-58A27D0E33BC}" type="pres">
+      <dgm:prSet presAssocID="{029D4ADE-ED8D-4EA1-B9D4-89C7D7A1CDF1}" presName="rootText3" presStyleLbl="asst1" presStyleIdx="0" presStyleCnt="1">
+        <dgm:presLayoutVars>
+          <dgm:chPref val="3"/>
+        </dgm:presLayoutVars>
+      </dgm:prSet>
+      <dgm:spPr/>
+      <dgm:t>
+        <a:bodyPr/>
+        <a:lstStyle/>
+        <a:p>
+          <a:endParaRPr lang="en-US"/>
+        </a:p>
+      </dgm:t>
+    </dgm:pt>
+    <dgm:pt modelId="{AF24FF39-2FE8-4743-BD11-A67934916A9B}" type="pres">
+      <dgm:prSet presAssocID="{029D4ADE-ED8D-4EA1-B9D4-89C7D7A1CDF1}" presName="rootConnector3" presStyleLbl="asst1" presStyleIdx="0" presStyleCnt="1"/>
+      <dgm:spPr/>
+      <dgm:t>
+        <a:bodyPr/>
+        <a:lstStyle/>
+        <a:p>
+          <a:endParaRPr lang="en-US"/>
+        </a:p>
+      </dgm:t>
+    </dgm:pt>
+    <dgm:pt modelId="{315A28DC-7677-4295-A20C-2318467AA795}" type="pres">
+      <dgm:prSet presAssocID="{029D4ADE-ED8D-4EA1-B9D4-89C7D7A1CDF1}" presName="hierChild6" presStyleCnt="0"/>
+      <dgm:spPr/>
+    </dgm:pt>
+    <dgm:pt modelId="{A89554F1-5437-490D-9D1C-DE6F3CB11607}" type="pres">
+      <dgm:prSet presAssocID="{029D4ADE-ED8D-4EA1-B9D4-89C7D7A1CDF1}" presName="hierChild7" presStyleCnt="0"/>
+      <dgm:spPr/>
+    </dgm:pt>
+  </dgm:ptLst>
+  <dgm:cxnLst>
+    <dgm:cxn modelId="{02B6F750-652E-43EB-BC73-60DD6D6AAFA1}" type="presOf" srcId="{76B7127C-A954-4D6D-8E78-16A76AF5BD01}" destId="{68D7B0CB-B276-4213-8E97-7EF993DB122A}" srcOrd="0" destOrd="0" presId="urn:microsoft.com/office/officeart/2005/8/layout/orgChart1"/>
+    <dgm:cxn modelId="{4784228B-4A76-466B-BF4C-951F53B18AFE}" type="presOf" srcId="{029D4ADE-ED8D-4EA1-B9D4-89C7D7A1CDF1}" destId="{FB5FBBDF-B528-46EF-93B5-58A27D0E33BC}" srcOrd="0" destOrd="0" presId="urn:microsoft.com/office/officeart/2005/8/layout/orgChart1"/>
+    <dgm:cxn modelId="{7C2B6467-B561-4F13-B229-3687889CEAF2}" type="presOf" srcId="{E0C605CD-CF0C-4C9B-A87E-4BC4D356A21F}" destId="{20299A4B-1C69-4B86-8EDE-B88B470CE39C}" srcOrd="0" destOrd="0" presId="urn:microsoft.com/office/officeart/2005/8/layout/orgChart1"/>
+    <dgm:cxn modelId="{81CA0C0B-7BB2-4640-B240-37FAE8F26BBC}" type="presOf" srcId="{5CD6EE36-BB0F-4305-A635-C2AEE05DF3B6}" destId="{F4595A86-4A99-4355-B61E-798C3365A643}" srcOrd="0" destOrd="0" presId="urn:microsoft.com/office/officeart/2005/8/layout/orgChart1"/>
+    <dgm:cxn modelId="{589FA468-510D-41CB-8F3C-E90CF2074B53}" srcId="{E0C605CD-CF0C-4C9B-A87E-4BC4D356A21F}" destId="{029D4ADE-ED8D-4EA1-B9D4-89C7D7A1CDF1}" srcOrd="0" destOrd="0" parTransId="{AF16EA6B-7353-4053-A135-07D5836EE08B}" sibTransId="{E5E6B07E-DFD2-4A52-A3C7-23294CB3EE12}"/>
+    <dgm:cxn modelId="{2BFE0C14-7874-4A8D-A07F-122A9625F0B3}" srcId="{5CD6EE36-BB0F-4305-A635-C2AEE05DF3B6}" destId="{E0C605CD-CF0C-4C9B-A87E-4BC4D356A21F}" srcOrd="0" destOrd="0" parTransId="{6983BF6D-1D80-417E-8ED1-A1DF5D5B2E1E}" sibTransId="{9CD3DFB9-087F-42D2-ABB1-99F2A9A2C875}"/>
+    <dgm:cxn modelId="{04C7D9EC-737F-4D8A-A1FD-51683358D3C3}" type="presOf" srcId="{5713D143-9C47-4964-892D-3632FD3CF851}" destId="{EF82E21C-3DC8-4557-B814-29CE3E8DA8F5}" srcOrd="0" destOrd="0" presId="urn:microsoft.com/office/officeart/2005/8/layout/orgChart1"/>
+    <dgm:cxn modelId="{7381BD28-9710-4E21-97DC-D789FBEE763F}" type="presOf" srcId="{395FDB1D-246A-45B3-948C-1C5D437152BB}" destId="{24DDB095-FDEE-41F1-A6F8-2C94B55D2D06}" srcOrd="1" destOrd="0" presId="urn:microsoft.com/office/officeart/2005/8/layout/orgChart1"/>
+    <dgm:cxn modelId="{78645725-E35B-41CA-B6B0-B24853644587}" type="presOf" srcId="{AF16EA6B-7353-4053-A135-07D5836EE08B}" destId="{D82AF006-7F10-44F4-A3F3-6DA0C2FBB56E}" srcOrd="0" destOrd="0" presId="urn:microsoft.com/office/officeart/2005/8/layout/orgChart1"/>
+    <dgm:cxn modelId="{81F14BB1-5649-47E2-B4C8-1B2204C7660B}" srcId="{E0C605CD-CF0C-4C9B-A87E-4BC4D356A21F}" destId="{160A9CD8-29DE-4ADF-9B27-7AD569DBEA9A}" srcOrd="1" destOrd="0" parTransId="{1660B795-AC76-42B9-97AF-E76912E5E9F6}" sibTransId="{EBC58C13-B814-478D-96A0-FACB09FCE087}"/>
+    <dgm:cxn modelId="{CE342535-2BD2-408F-B5EE-1814801A0AE4}" type="presOf" srcId="{78EA2BC9-6CD8-4B48-AF0B-C37E5AC58610}" destId="{1DBE5C34-578E-4FAC-A8A3-EB01CBEC9231}" srcOrd="1" destOrd="0" presId="urn:microsoft.com/office/officeart/2005/8/layout/orgChart1"/>
+    <dgm:cxn modelId="{A3880A31-3478-42C9-9A92-C19D8A56FF13}" type="presOf" srcId="{029D4ADE-ED8D-4EA1-B9D4-89C7D7A1CDF1}" destId="{AF24FF39-2FE8-4743-BD11-A67934916A9B}" srcOrd="1" destOrd="0" presId="urn:microsoft.com/office/officeart/2005/8/layout/orgChart1"/>
+    <dgm:cxn modelId="{BE528FF5-4877-4DA2-9559-FA6C366D8B4A}" type="presOf" srcId="{395FDB1D-246A-45B3-948C-1C5D437152BB}" destId="{97DAA86D-408A-46F2-8645-08155275A9BD}" srcOrd="0" destOrd="0" presId="urn:microsoft.com/office/officeart/2005/8/layout/orgChart1"/>
+    <dgm:cxn modelId="{02C12F23-8264-4669-AFA0-E8A415A09E5E}" type="presOf" srcId="{160A9CD8-29DE-4ADF-9B27-7AD569DBEA9A}" destId="{0B59B7D1-BFCB-4752-A954-4AE6C033913E}" srcOrd="0" destOrd="0" presId="urn:microsoft.com/office/officeart/2005/8/layout/orgChart1"/>
+    <dgm:cxn modelId="{8F9F81DB-E335-4C96-9BAC-9EC1630F9B38}" type="presOf" srcId="{1660B795-AC76-42B9-97AF-E76912E5E9F6}" destId="{C4CBC522-70EC-4DAD-9ABB-7FBBFD02DC42}" srcOrd="0" destOrd="0" presId="urn:microsoft.com/office/officeart/2005/8/layout/orgChart1"/>
+    <dgm:cxn modelId="{0C32404E-DD9E-4E33-83D0-980733EDDD71}" type="presOf" srcId="{E0C605CD-CF0C-4C9B-A87E-4BC4D356A21F}" destId="{3CA0AE3A-B7AE-45BB-91D9-3E7112C11563}" srcOrd="1" destOrd="0" presId="urn:microsoft.com/office/officeart/2005/8/layout/orgChart1"/>
+    <dgm:cxn modelId="{D47216B1-DE18-4BFA-8024-D5CF748FEB25}" srcId="{E0C605CD-CF0C-4C9B-A87E-4BC4D356A21F}" destId="{395FDB1D-246A-45B3-948C-1C5D437152BB}" srcOrd="2" destOrd="0" parTransId="{76B7127C-A954-4D6D-8E78-16A76AF5BD01}" sibTransId="{67820084-1D12-47AC-B14A-69883D458AD2}"/>
+    <dgm:cxn modelId="{1C6048EF-F9EB-4474-844E-D54C2F2DBC87}" type="presOf" srcId="{160A9CD8-29DE-4ADF-9B27-7AD569DBEA9A}" destId="{C074D779-DF8B-481C-B825-FAE2E925B78C}" srcOrd="1" destOrd="0" presId="urn:microsoft.com/office/officeart/2005/8/layout/orgChart1"/>
+    <dgm:cxn modelId="{147009AC-4734-47FB-B00F-2A7D4941CDD6}" srcId="{E0C605CD-CF0C-4C9B-A87E-4BC4D356A21F}" destId="{78EA2BC9-6CD8-4B48-AF0B-C37E5AC58610}" srcOrd="3" destOrd="0" parTransId="{5713D143-9C47-4964-892D-3632FD3CF851}" sibTransId="{D571796E-6393-4786-B5D3-A77C01EA273A}"/>
+    <dgm:cxn modelId="{98C507E6-8F72-4A52-B1EF-93BD86AEBBB6}" type="presOf" srcId="{78EA2BC9-6CD8-4B48-AF0B-C37E5AC58610}" destId="{C37B43C8-CE5E-4803-8D3D-CAA4FA77884B}" srcOrd="0" destOrd="0" presId="urn:microsoft.com/office/officeart/2005/8/layout/orgChart1"/>
+    <dgm:cxn modelId="{1CA6EF82-AA57-4508-B0C1-D4822DF8B1AB}" type="presParOf" srcId="{F4595A86-4A99-4355-B61E-798C3365A643}" destId="{1B5782E8-6011-41D4-9713-F9B87E5E343E}" srcOrd="0" destOrd="0" presId="urn:microsoft.com/office/officeart/2005/8/layout/orgChart1"/>
+    <dgm:cxn modelId="{C1A8227D-88BC-42EC-92AA-9F103216D0B2}" type="presParOf" srcId="{1B5782E8-6011-41D4-9713-F9B87E5E343E}" destId="{3E853BBC-796D-4608-8571-2B2F13A7461D}" srcOrd="0" destOrd="0" presId="urn:microsoft.com/office/officeart/2005/8/layout/orgChart1"/>
+    <dgm:cxn modelId="{6AEEA513-DC79-4F07-9B2B-A497620CB003}" type="presParOf" srcId="{3E853BBC-796D-4608-8571-2B2F13A7461D}" destId="{20299A4B-1C69-4B86-8EDE-B88B470CE39C}" srcOrd="0" destOrd="0" presId="urn:microsoft.com/office/officeart/2005/8/layout/orgChart1"/>
+    <dgm:cxn modelId="{A198DC80-C2B4-46E1-BA5A-2D7639D7E01A}" type="presParOf" srcId="{3E853BBC-796D-4608-8571-2B2F13A7461D}" destId="{3CA0AE3A-B7AE-45BB-91D9-3E7112C11563}" srcOrd="1" destOrd="0" presId="urn:microsoft.com/office/officeart/2005/8/layout/orgChart1"/>
+    <dgm:cxn modelId="{8E55E8E2-7E27-4E98-B4AB-F7337F746757}" type="presParOf" srcId="{1B5782E8-6011-41D4-9713-F9B87E5E343E}" destId="{9ED4AEF1-FB6E-49CA-AD4A-3EBB0BD1B555}" srcOrd="1" destOrd="0" presId="urn:microsoft.com/office/officeart/2005/8/layout/orgChart1"/>
+    <dgm:cxn modelId="{0FA1D940-1D43-4627-8270-22A6BA371A63}" type="presParOf" srcId="{9ED4AEF1-FB6E-49CA-AD4A-3EBB0BD1B555}" destId="{C4CBC522-70EC-4DAD-9ABB-7FBBFD02DC42}" srcOrd="0" destOrd="0" presId="urn:microsoft.com/office/officeart/2005/8/layout/orgChart1"/>
+    <dgm:cxn modelId="{BC0C54D1-74F6-4FF9-B6AA-41A0D832C569}" type="presParOf" srcId="{9ED4AEF1-FB6E-49CA-AD4A-3EBB0BD1B555}" destId="{A8003B99-B9EE-4C53-8B05-60EF723CF6BB}" srcOrd="1" destOrd="0" presId="urn:microsoft.com/office/officeart/2005/8/layout/orgChart1"/>
+    <dgm:cxn modelId="{4D486973-0200-481A-8175-F82DD7C06E1F}" type="presParOf" srcId="{A8003B99-B9EE-4C53-8B05-60EF723CF6BB}" destId="{FFE4C4D1-8F9F-4224-B3C3-83DBBCD6D7ED}" srcOrd="0" destOrd="0" presId="urn:microsoft.com/office/officeart/2005/8/layout/orgChart1"/>
+    <dgm:cxn modelId="{A03BA6AD-7D58-43C2-BF96-CA07F7364B35}" type="presParOf" srcId="{FFE4C4D1-8F9F-4224-B3C3-83DBBCD6D7ED}" destId="{0B59B7D1-BFCB-4752-A954-4AE6C033913E}" srcOrd="0" destOrd="0" presId="urn:microsoft.com/office/officeart/2005/8/layout/orgChart1"/>
+    <dgm:cxn modelId="{71F3EFEB-A4BA-4789-B8E3-48A2633C76DF}" type="presParOf" srcId="{FFE4C4D1-8F9F-4224-B3C3-83DBBCD6D7ED}" destId="{C074D779-DF8B-481C-B825-FAE2E925B78C}" srcOrd="1" destOrd="0" presId="urn:microsoft.com/office/officeart/2005/8/layout/orgChart1"/>
+    <dgm:cxn modelId="{280C4ACD-EF8A-49EF-992B-8A5E9DAF4CBC}" type="presParOf" srcId="{A8003B99-B9EE-4C53-8B05-60EF723CF6BB}" destId="{22C0C3AE-0FE5-4EAD-8B34-F322420E387D}" srcOrd="1" destOrd="0" presId="urn:microsoft.com/office/officeart/2005/8/layout/orgChart1"/>
+    <dgm:cxn modelId="{34BEDB74-92F3-4DBF-9BA2-8AE162D23347}" type="presParOf" srcId="{A8003B99-B9EE-4C53-8B05-60EF723CF6BB}" destId="{A64530F5-0B77-4DC8-8D7D-25535F5EFE3C}" srcOrd="2" destOrd="0" presId="urn:microsoft.com/office/officeart/2005/8/layout/orgChart1"/>
+    <dgm:cxn modelId="{484D5473-9A11-4EF3-8057-33286C0C5A06}" type="presParOf" srcId="{9ED4AEF1-FB6E-49CA-AD4A-3EBB0BD1B555}" destId="{68D7B0CB-B276-4213-8E97-7EF993DB122A}" srcOrd="2" destOrd="0" presId="urn:microsoft.com/office/officeart/2005/8/layout/orgChart1"/>
+    <dgm:cxn modelId="{E6C45E42-27CC-4BC3-850A-F6C5A7773F19}" type="presParOf" srcId="{9ED4AEF1-FB6E-49CA-AD4A-3EBB0BD1B555}" destId="{B798C1C3-E9DC-4B5B-AF7A-F5C0F3190E58}" srcOrd="3" destOrd="0" presId="urn:microsoft.com/office/officeart/2005/8/layout/orgChart1"/>
+    <dgm:cxn modelId="{92A962A3-5C50-4509-BA57-E31C0995B913}" type="presParOf" srcId="{B798C1C3-E9DC-4B5B-AF7A-F5C0F3190E58}" destId="{74AD10BE-AFC3-4EE6-B87D-172E4553A08B}" srcOrd="0" destOrd="0" presId="urn:microsoft.com/office/officeart/2005/8/layout/orgChart1"/>
+    <dgm:cxn modelId="{4A9887BD-7E50-472F-BE9C-773EFB9915F8}" type="presParOf" srcId="{74AD10BE-AFC3-4EE6-B87D-172E4553A08B}" destId="{97DAA86D-408A-46F2-8645-08155275A9BD}" srcOrd="0" destOrd="0" presId="urn:microsoft.com/office/officeart/2005/8/layout/orgChart1"/>
+    <dgm:cxn modelId="{BFC6E0C3-0031-4F9D-95F5-EA185D9DDD28}" type="presParOf" srcId="{74AD10BE-AFC3-4EE6-B87D-172E4553A08B}" destId="{24DDB095-FDEE-41F1-A6F8-2C94B55D2D06}" srcOrd="1" destOrd="0" presId="urn:microsoft.com/office/officeart/2005/8/layout/orgChart1"/>
+    <dgm:cxn modelId="{769D7526-C620-42AA-91E4-F72AA5C57AEF}" type="presParOf" srcId="{B798C1C3-E9DC-4B5B-AF7A-F5C0F3190E58}" destId="{911D93DB-26DA-4EBD-BC4B-A48C05A113CA}" srcOrd="1" destOrd="0" presId="urn:microsoft.com/office/officeart/2005/8/layout/orgChart1"/>
+    <dgm:cxn modelId="{B6780F94-9095-4649-9F80-8CCD1B99CBEE}" type="presParOf" srcId="{B798C1C3-E9DC-4B5B-AF7A-F5C0F3190E58}" destId="{7D4E5427-FCD1-44A3-A7AC-3F0B688F5914}" srcOrd="2" destOrd="0" presId="urn:microsoft.com/office/officeart/2005/8/layout/orgChart1"/>
+    <dgm:cxn modelId="{97531203-71B2-4A89-83FA-9259A670614D}" type="presParOf" srcId="{9ED4AEF1-FB6E-49CA-AD4A-3EBB0BD1B555}" destId="{EF82E21C-3DC8-4557-B814-29CE3E8DA8F5}" srcOrd="4" destOrd="0" presId="urn:microsoft.com/office/officeart/2005/8/layout/orgChart1"/>
+    <dgm:cxn modelId="{9C9232E8-6152-42B5-BE40-C90910E3D932}" type="presParOf" srcId="{9ED4AEF1-FB6E-49CA-AD4A-3EBB0BD1B555}" destId="{2EE8C3E2-3AB8-46F6-8C72-37184D3C6050}" srcOrd="5" destOrd="0" presId="urn:microsoft.com/office/officeart/2005/8/layout/orgChart1"/>
+    <dgm:cxn modelId="{0AA91D0F-FBFE-4EBA-B5AA-1B086E6C11C2}" type="presParOf" srcId="{2EE8C3E2-3AB8-46F6-8C72-37184D3C6050}" destId="{60086449-6DB5-45D1-BD1E-159F7E3DF8C6}" srcOrd="0" destOrd="0" presId="urn:microsoft.com/office/officeart/2005/8/layout/orgChart1"/>
+    <dgm:cxn modelId="{C6F2FB16-8AD3-44B1-A677-659B8F7597A0}" type="presParOf" srcId="{60086449-6DB5-45D1-BD1E-159F7E3DF8C6}" destId="{C37B43C8-CE5E-4803-8D3D-CAA4FA77884B}" srcOrd="0" destOrd="0" presId="urn:microsoft.com/office/officeart/2005/8/layout/orgChart1"/>
+    <dgm:cxn modelId="{DDC173B2-D95C-4EE4-B98F-C2EF74ECD48F}" type="presParOf" srcId="{60086449-6DB5-45D1-BD1E-159F7E3DF8C6}" destId="{1DBE5C34-578E-4FAC-A8A3-EB01CBEC9231}" srcOrd="1" destOrd="0" presId="urn:microsoft.com/office/officeart/2005/8/layout/orgChart1"/>
+    <dgm:cxn modelId="{77987A42-2DDD-49FE-92AC-9EC7F22C214A}" type="presParOf" srcId="{2EE8C3E2-3AB8-46F6-8C72-37184D3C6050}" destId="{D536B39C-FCE4-4282-BC3D-4B822664CE9D}" srcOrd="1" destOrd="0" presId="urn:microsoft.com/office/officeart/2005/8/layout/orgChart1"/>
+    <dgm:cxn modelId="{2168A1E9-E31B-475B-A666-433E73119710}" type="presParOf" srcId="{2EE8C3E2-3AB8-46F6-8C72-37184D3C6050}" destId="{91DFBC37-6BF5-40CF-A882-4449A966B44D}" srcOrd="2" destOrd="0" presId="urn:microsoft.com/office/officeart/2005/8/layout/orgChart1"/>
+    <dgm:cxn modelId="{69D3902D-BDD5-4413-9A55-5EE15129A120}" type="presParOf" srcId="{1B5782E8-6011-41D4-9713-F9B87E5E343E}" destId="{E6BDC327-05A1-4EAB-B455-50603B3021BD}" srcOrd="2" destOrd="0" presId="urn:microsoft.com/office/officeart/2005/8/layout/orgChart1"/>
+    <dgm:cxn modelId="{01E865E6-33D1-4D80-BBF7-5AFE5B38A19E}" type="presParOf" srcId="{E6BDC327-05A1-4EAB-B455-50603B3021BD}" destId="{D82AF006-7F10-44F4-A3F3-6DA0C2FBB56E}" srcOrd="0" destOrd="0" presId="urn:microsoft.com/office/officeart/2005/8/layout/orgChart1"/>
+    <dgm:cxn modelId="{52DE8E74-A0A7-4042-B4C9-37CDF713D72B}" type="presParOf" srcId="{E6BDC327-05A1-4EAB-B455-50603B3021BD}" destId="{C2D01FE5-50E0-4324-BB45-D927C0DDCBEF}" srcOrd="1" destOrd="0" presId="urn:microsoft.com/office/officeart/2005/8/layout/orgChart1"/>
+    <dgm:cxn modelId="{78CEBBAD-07D3-45A2-8DE9-03B6793174BB}" type="presParOf" srcId="{C2D01FE5-50E0-4324-BB45-D927C0DDCBEF}" destId="{BEF88C7D-505D-4AC8-85BC-5EBCA0504401}" srcOrd="0" destOrd="0" presId="urn:microsoft.com/office/officeart/2005/8/layout/orgChart1"/>
+    <dgm:cxn modelId="{D28AE1B2-0EA8-4DC3-8CD6-26549D78EF44}" type="presParOf" srcId="{BEF88C7D-505D-4AC8-85BC-5EBCA0504401}" destId="{FB5FBBDF-B528-46EF-93B5-58A27D0E33BC}" srcOrd="0" destOrd="0" presId="urn:microsoft.com/office/officeart/2005/8/layout/orgChart1"/>
+    <dgm:cxn modelId="{9B196FF8-0F0F-46AA-B676-74F7F2FFB1B6}" type="presParOf" srcId="{BEF88C7D-505D-4AC8-85BC-5EBCA0504401}" destId="{AF24FF39-2FE8-4743-BD11-A67934916A9B}" srcOrd="1" destOrd="0" presId="urn:microsoft.com/office/officeart/2005/8/layout/orgChart1"/>
+    <dgm:cxn modelId="{8C0F5F02-D264-495D-9EFE-C4C5CF4B745E}" type="presParOf" srcId="{C2D01FE5-50E0-4324-BB45-D927C0DDCBEF}" destId="{315A28DC-7677-4295-A20C-2318467AA795}" srcOrd="1" destOrd="0" presId="urn:microsoft.com/office/officeart/2005/8/layout/orgChart1"/>
+    <dgm:cxn modelId="{528329DC-84B7-4D88-A387-4127675C69C4}" type="presParOf" srcId="{C2D01FE5-50E0-4324-BB45-D927C0DDCBEF}" destId="{A89554F1-5437-490D-9D1C-DE6F3CB11607}" srcOrd="2" destOrd="0" presId="urn:microsoft.com/office/officeart/2005/8/layout/orgChart1"/>
+  </dgm:cxnLst>
+  <dgm:bg/>
+  <dgm:whole/>
+  <dgm:extLst>
+    <a:ext uri="http://schemas.microsoft.com/office/drawing/2008/diagram">
+      <dsp:dataModelExt xmlns:dsp="http://schemas.microsoft.com/office/drawing/2008/diagram" relId="rId11" minVer="http://schemas.openxmlformats.org/drawingml/2006/diagram"/>
     </a:ext>
   </dgm:extLst>
 </dgm:dataModel>
@@ -11046,7 +13171,1205 @@
 </dgm:dataModel>
 </file>
 
+<file path=ppt/diagrams/data9.xml><?xml version="1.0" encoding="utf-8"?>
+<dgm:dataModel xmlns:dgm="http://schemas.openxmlformats.org/drawingml/2006/diagram" xmlns:a="http://schemas.openxmlformats.org/drawingml/2006/main">
+  <dgm:ptLst>
+    <dgm:pt modelId="{5CD6EE36-BB0F-4305-A635-C2AEE05DF3B6}" type="doc">
+      <dgm:prSet loTypeId="urn:microsoft.com/office/officeart/2005/8/layout/orgChart1" loCatId="hierarchy" qsTypeId="urn:microsoft.com/office/officeart/2005/8/quickstyle/simple1" qsCatId="simple" csTypeId="urn:microsoft.com/office/officeart/2005/8/colors/colorful3" csCatId="colorful" phldr="1"/>
+      <dgm:spPr/>
+      <dgm:t>
+        <a:bodyPr/>
+        <a:lstStyle/>
+        <a:p>
+          <a:endParaRPr lang="en-US"/>
+        </a:p>
+      </dgm:t>
+    </dgm:pt>
+    <dgm:pt modelId="{E0C605CD-CF0C-4C9B-A87E-4BC4D356A21F}">
+      <dgm:prSet phldrT="[Text]"/>
+      <dgm:spPr/>
+      <dgm:t>
+        <a:bodyPr/>
+        <a:lstStyle/>
+        <a:p>
+          <a:r>
+            <a:rPr lang="en-US" smtClean="0"/>
+            <a:t> </a:t>
+          </a:r>
+          <a:endParaRPr lang="en-US"/>
+        </a:p>
+      </dgm:t>
+    </dgm:pt>
+    <dgm:pt modelId="{6983BF6D-1D80-417E-8ED1-A1DF5D5B2E1E}" type="parTrans" cxnId="{2BFE0C14-7874-4A8D-A07F-122A9625F0B3}">
+      <dgm:prSet/>
+      <dgm:spPr/>
+      <dgm:t>
+        <a:bodyPr/>
+        <a:lstStyle/>
+        <a:p>
+          <a:endParaRPr lang="en-US"/>
+        </a:p>
+      </dgm:t>
+    </dgm:pt>
+    <dgm:pt modelId="{9CD3DFB9-087F-42D2-ABB1-99F2A9A2C875}" type="sibTrans" cxnId="{2BFE0C14-7874-4A8D-A07F-122A9625F0B3}">
+      <dgm:prSet/>
+      <dgm:spPr/>
+      <dgm:t>
+        <a:bodyPr/>
+        <a:lstStyle/>
+        <a:p>
+          <a:endParaRPr lang="en-US"/>
+        </a:p>
+      </dgm:t>
+    </dgm:pt>
+    <dgm:pt modelId="{029D4ADE-ED8D-4EA1-B9D4-89C7D7A1CDF1}" type="asst">
+      <dgm:prSet phldrT="[Text]"/>
+      <dgm:spPr/>
+      <dgm:t>
+        <a:bodyPr/>
+        <a:lstStyle/>
+        <a:p>
+          <a:r>
+            <a:rPr lang="en-US" dirty="0" smtClean="0"/>
+            <a:t> </a:t>
+          </a:r>
+          <a:endParaRPr lang="en-US" dirty="0"/>
+        </a:p>
+      </dgm:t>
+    </dgm:pt>
+    <dgm:pt modelId="{AF16EA6B-7353-4053-A135-07D5836EE08B}" type="parTrans" cxnId="{589FA468-510D-41CB-8F3C-E90CF2074B53}">
+      <dgm:prSet/>
+      <dgm:spPr/>
+      <dgm:t>
+        <a:bodyPr/>
+        <a:lstStyle/>
+        <a:p>
+          <a:endParaRPr lang="en-US"/>
+        </a:p>
+      </dgm:t>
+    </dgm:pt>
+    <dgm:pt modelId="{E5E6B07E-DFD2-4A52-A3C7-23294CB3EE12}" type="sibTrans" cxnId="{589FA468-510D-41CB-8F3C-E90CF2074B53}">
+      <dgm:prSet/>
+      <dgm:spPr/>
+      <dgm:t>
+        <a:bodyPr/>
+        <a:lstStyle/>
+        <a:p>
+          <a:endParaRPr lang="en-US"/>
+        </a:p>
+      </dgm:t>
+    </dgm:pt>
+    <dgm:pt modelId="{160A9CD8-29DE-4ADF-9B27-7AD569DBEA9A}">
+      <dgm:prSet phldrT="[Text]"/>
+      <dgm:spPr/>
+      <dgm:t>
+        <a:bodyPr/>
+        <a:lstStyle/>
+        <a:p>
+          <a:r>
+            <a:rPr lang="en-US" dirty="0" smtClean="0"/>
+            <a:t> </a:t>
+          </a:r>
+          <a:endParaRPr lang="en-US" dirty="0"/>
+        </a:p>
+      </dgm:t>
+    </dgm:pt>
+    <dgm:pt modelId="{1660B795-AC76-42B9-97AF-E76912E5E9F6}" type="parTrans" cxnId="{81F14BB1-5649-47E2-B4C8-1B2204C7660B}">
+      <dgm:prSet/>
+      <dgm:spPr/>
+      <dgm:t>
+        <a:bodyPr/>
+        <a:lstStyle/>
+        <a:p>
+          <a:endParaRPr lang="en-US"/>
+        </a:p>
+      </dgm:t>
+    </dgm:pt>
+    <dgm:pt modelId="{EBC58C13-B814-478D-96A0-FACB09FCE087}" type="sibTrans" cxnId="{81F14BB1-5649-47E2-B4C8-1B2204C7660B}">
+      <dgm:prSet/>
+      <dgm:spPr/>
+      <dgm:t>
+        <a:bodyPr/>
+        <a:lstStyle/>
+        <a:p>
+          <a:endParaRPr lang="en-US"/>
+        </a:p>
+      </dgm:t>
+    </dgm:pt>
+    <dgm:pt modelId="{395FDB1D-246A-45B3-948C-1C5D437152BB}">
+      <dgm:prSet phldrT="[Text]"/>
+      <dgm:spPr/>
+      <dgm:t>
+        <a:bodyPr/>
+        <a:lstStyle/>
+        <a:p>
+          <a:r>
+            <a:rPr lang="en-US" dirty="0" smtClean="0"/>
+            <a:t> </a:t>
+          </a:r>
+          <a:endParaRPr lang="en-US" dirty="0"/>
+        </a:p>
+      </dgm:t>
+    </dgm:pt>
+    <dgm:pt modelId="{76B7127C-A954-4D6D-8E78-16A76AF5BD01}" type="parTrans" cxnId="{D47216B1-DE18-4BFA-8024-D5CF748FEB25}">
+      <dgm:prSet/>
+      <dgm:spPr/>
+      <dgm:t>
+        <a:bodyPr/>
+        <a:lstStyle/>
+        <a:p>
+          <a:endParaRPr lang="en-US"/>
+        </a:p>
+      </dgm:t>
+    </dgm:pt>
+    <dgm:pt modelId="{67820084-1D12-47AC-B14A-69883D458AD2}" type="sibTrans" cxnId="{D47216B1-DE18-4BFA-8024-D5CF748FEB25}">
+      <dgm:prSet/>
+      <dgm:spPr/>
+      <dgm:t>
+        <a:bodyPr/>
+        <a:lstStyle/>
+        <a:p>
+          <a:endParaRPr lang="en-US"/>
+        </a:p>
+      </dgm:t>
+    </dgm:pt>
+    <dgm:pt modelId="{78EA2BC9-6CD8-4B48-AF0B-C37E5AC58610}">
+      <dgm:prSet phldrT="[Text]"/>
+      <dgm:spPr/>
+      <dgm:t>
+        <a:bodyPr/>
+        <a:lstStyle/>
+        <a:p>
+          <a:r>
+            <a:rPr lang="en-US" dirty="0" smtClean="0"/>
+            <a:t> </a:t>
+          </a:r>
+          <a:endParaRPr lang="en-US" dirty="0"/>
+        </a:p>
+      </dgm:t>
+    </dgm:pt>
+    <dgm:pt modelId="{5713D143-9C47-4964-892D-3632FD3CF851}" type="parTrans" cxnId="{147009AC-4734-47FB-B00F-2A7D4941CDD6}">
+      <dgm:prSet/>
+      <dgm:spPr/>
+      <dgm:t>
+        <a:bodyPr/>
+        <a:lstStyle/>
+        <a:p>
+          <a:endParaRPr lang="en-US"/>
+        </a:p>
+      </dgm:t>
+    </dgm:pt>
+    <dgm:pt modelId="{D571796E-6393-4786-B5D3-A77C01EA273A}" type="sibTrans" cxnId="{147009AC-4734-47FB-B00F-2A7D4941CDD6}">
+      <dgm:prSet/>
+      <dgm:spPr/>
+      <dgm:t>
+        <a:bodyPr/>
+        <a:lstStyle/>
+        <a:p>
+          <a:endParaRPr lang="en-US"/>
+        </a:p>
+      </dgm:t>
+    </dgm:pt>
+    <dgm:pt modelId="{F4595A86-4A99-4355-B61E-798C3365A643}" type="pres">
+      <dgm:prSet presAssocID="{5CD6EE36-BB0F-4305-A635-C2AEE05DF3B6}" presName="hierChild1" presStyleCnt="0">
+        <dgm:presLayoutVars>
+          <dgm:orgChart val="1"/>
+          <dgm:chPref val="1"/>
+          <dgm:dir/>
+          <dgm:animOne val="branch"/>
+          <dgm:animLvl val="lvl"/>
+          <dgm:resizeHandles/>
+        </dgm:presLayoutVars>
+      </dgm:prSet>
+      <dgm:spPr/>
+      <dgm:t>
+        <a:bodyPr/>
+        <a:lstStyle/>
+        <a:p>
+          <a:endParaRPr lang="en-US"/>
+        </a:p>
+      </dgm:t>
+    </dgm:pt>
+    <dgm:pt modelId="{1B5782E8-6011-41D4-9713-F9B87E5E343E}" type="pres">
+      <dgm:prSet presAssocID="{E0C605CD-CF0C-4C9B-A87E-4BC4D356A21F}" presName="hierRoot1" presStyleCnt="0">
+        <dgm:presLayoutVars>
+          <dgm:hierBranch val="init"/>
+        </dgm:presLayoutVars>
+      </dgm:prSet>
+      <dgm:spPr/>
+    </dgm:pt>
+    <dgm:pt modelId="{3E853BBC-796D-4608-8571-2B2F13A7461D}" type="pres">
+      <dgm:prSet presAssocID="{E0C605CD-CF0C-4C9B-A87E-4BC4D356A21F}" presName="rootComposite1" presStyleCnt="0"/>
+      <dgm:spPr/>
+    </dgm:pt>
+    <dgm:pt modelId="{20299A4B-1C69-4B86-8EDE-B88B470CE39C}" type="pres">
+      <dgm:prSet presAssocID="{E0C605CD-CF0C-4C9B-A87E-4BC4D356A21F}" presName="rootText1" presStyleLbl="node0" presStyleIdx="0" presStyleCnt="1">
+        <dgm:presLayoutVars>
+          <dgm:chPref val="3"/>
+        </dgm:presLayoutVars>
+      </dgm:prSet>
+      <dgm:spPr/>
+      <dgm:t>
+        <a:bodyPr/>
+        <a:lstStyle/>
+        <a:p>
+          <a:endParaRPr lang="en-US"/>
+        </a:p>
+      </dgm:t>
+    </dgm:pt>
+    <dgm:pt modelId="{3CA0AE3A-B7AE-45BB-91D9-3E7112C11563}" type="pres">
+      <dgm:prSet presAssocID="{E0C605CD-CF0C-4C9B-A87E-4BC4D356A21F}" presName="rootConnector1" presStyleLbl="node1" presStyleIdx="0" presStyleCnt="0"/>
+      <dgm:spPr/>
+      <dgm:t>
+        <a:bodyPr/>
+        <a:lstStyle/>
+        <a:p>
+          <a:endParaRPr lang="en-US"/>
+        </a:p>
+      </dgm:t>
+    </dgm:pt>
+    <dgm:pt modelId="{9ED4AEF1-FB6E-49CA-AD4A-3EBB0BD1B555}" type="pres">
+      <dgm:prSet presAssocID="{E0C605CD-CF0C-4C9B-A87E-4BC4D356A21F}" presName="hierChild2" presStyleCnt="0"/>
+      <dgm:spPr/>
+    </dgm:pt>
+    <dgm:pt modelId="{C4CBC522-70EC-4DAD-9ABB-7FBBFD02DC42}" type="pres">
+      <dgm:prSet presAssocID="{1660B795-AC76-42B9-97AF-E76912E5E9F6}" presName="Name37" presStyleLbl="parChTrans1D2" presStyleIdx="0" presStyleCnt="4"/>
+      <dgm:spPr/>
+      <dgm:t>
+        <a:bodyPr/>
+        <a:lstStyle/>
+        <a:p>
+          <a:endParaRPr lang="en-US"/>
+        </a:p>
+      </dgm:t>
+    </dgm:pt>
+    <dgm:pt modelId="{A8003B99-B9EE-4C53-8B05-60EF723CF6BB}" type="pres">
+      <dgm:prSet presAssocID="{160A9CD8-29DE-4ADF-9B27-7AD569DBEA9A}" presName="hierRoot2" presStyleCnt="0">
+        <dgm:presLayoutVars>
+          <dgm:hierBranch val="init"/>
+        </dgm:presLayoutVars>
+      </dgm:prSet>
+      <dgm:spPr/>
+    </dgm:pt>
+    <dgm:pt modelId="{FFE4C4D1-8F9F-4224-B3C3-83DBBCD6D7ED}" type="pres">
+      <dgm:prSet presAssocID="{160A9CD8-29DE-4ADF-9B27-7AD569DBEA9A}" presName="rootComposite" presStyleCnt="0"/>
+      <dgm:spPr/>
+    </dgm:pt>
+    <dgm:pt modelId="{0B59B7D1-BFCB-4752-A954-4AE6C033913E}" type="pres">
+      <dgm:prSet presAssocID="{160A9CD8-29DE-4ADF-9B27-7AD569DBEA9A}" presName="rootText" presStyleLbl="node2" presStyleIdx="0" presStyleCnt="3">
+        <dgm:presLayoutVars>
+          <dgm:chPref val="3"/>
+        </dgm:presLayoutVars>
+      </dgm:prSet>
+      <dgm:spPr/>
+      <dgm:t>
+        <a:bodyPr/>
+        <a:lstStyle/>
+        <a:p>
+          <a:endParaRPr lang="en-US"/>
+        </a:p>
+      </dgm:t>
+    </dgm:pt>
+    <dgm:pt modelId="{C074D779-DF8B-481C-B825-FAE2E925B78C}" type="pres">
+      <dgm:prSet presAssocID="{160A9CD8-29DE-4ADF-9B27-7AD569DBEA9A}" presName="rootConnector" presStyleLbl="node2" presStyleIdx="0" presStyleCnt="3"/>
+      <dgm:spPr/>
+      <dgm:t>
+        <a:bodyPr/>
+        <a:lstStyle/>
+        <a:p>
+          <a:endParaRPr lang="en-US"/>
+        </a:p>
+      </dgm:t>
+    </dgm:pt>
+    <dgm:pt modelId="{22C0C3AE-0FE5-4EAD-8B34-F322420E387D}" type="pres">
+      <dgm:prSet presAssocID="{160A9CD8-29DE-4ADF-9B27-7AD569DBEA9A}" presName="hierChild4" presStyleCnt="0"/>
+      <dgm:spPr/>
+    </dgm:pt>
+    <dgm:pt modelId="{A64530F5-0B77-4DC8-8D7D-25535F5EFE3C}" type="pres">
+      <dgm:prSet presAssocID="{160A9CD8-29DE-4ADF-9B27-7AD569DBEA9A}" presName="hierChild5" presStyleCnt="0"/>
+      <dgm:spPr/>
+    </dgm:pt>
+    <dgm:pt modelId="{68D7B0CB-B276-4213-8E97-7EF993DB122A}" type="pres">
+      <dgm:prSet presAssocID="{76B7127C-A954-4D6D-8E78-16A76AF5BD01}" presName="Name37" presStyleLbl="parChTrans1D2" presStyleIdx="1" presStyleCnt="4"/>
+      <dgm:spPr/>
+      <dgm:t>
+        <a:bodyPr/>
+        <a:lstStyle/>
+        <a:p>
+          <a:endParaRPr lang="en-US"/>
+        </a:p>
+      </dgm:t>
+    </dgm:pt>
+    <dgm:pt modelId="{B798C1C3-E9DC-4B5B-AF7A-F5C0F3190E58}" type="pres">
+      <dgm:prSet presAssocID="{395FDB1D-246A-45B3-948C-1C5D437152BB}" presName="hierRoot2" presStyleCnt="0">
+        <dgm:presLayoutVars>
+          <dgm:hierBranch val="init"/>
+        </dgm:presLayoutVars>
+      </dgm:prSet>
+      <dgm:spPr/>
+    </dgm:pt>
+    <dgm:pt modelId="{74AD10BE-AFC3-4EE6-B87D-172E4553A08B}" type="pres">
+      <dgm:prSet presAssocID="{395FDB1D-246A-45B3-948C-1C5D437152BB}" presName="rootComposite" presStyleCnt="0"/>
+      <dgm:spPr/>
+    </dgm:pt>
+    <dgm:pt modelId="{97DAA86D-408A-46F2-8645-08155275A9BD}" type="pres">
+      <dgm:prSet presAssocID="{395FDB1D-246A-45B3-948C-1C5D437152BB}" presName="rootText" presStyleLbl="node2" presStyleIdx="1" presStyleCnt="3">
+        <dgm:presLayoutVars>
+          <dgm:chPref val="3"/>
+        </dgm:presLayoutVars>
+      </dgm:prSet>
+      <dgm:spPr/>
+      <dgm:t>
+        <a:bodyPr/>
+        <a:lstStyle/>
+        <a:p>
+          <a:endParaRPr lang="en-US"/>
+        </a:p>
+      </dgm:t>
+    </dgm:pt>
+    <dgm:pt modelId="{24DDB095-FDEE-41F1-A6F8-2C94B55D2D06}" type="pres">
+      <dgm:prSet presAssocID="{395FDB1D-246A-45B3-948C-1C5D437152BB}" presName="rootConnector" presStyleLbl="node2" presStyleIdx="1" presStyleCnt="3"/>
+      <dgm:spPr/>
+      <dgm:t>
+        <a:bodyPr/>
+        <a:lstStyle/>
+        <a:p>
+          <a:endParaRPr lang="en-US"/>
+        </a:p>
+      </dgm:t>
+    </dgm:pt>
+    <dgm:pt modelId="{911D93DB-26DA-4EBD-BC4B-A48C05A113CA}" type="pres">
+      <dgm:prSet presAssocID="{395FDB1D-246A-45B3-948C-1C5D437152BB}" presName="hierChild4" presStyleCnt="0"/>
+      <dgm:spPr/>
+    </dgm:pt>
+    <dgm:pt modelId="{7D4E5427-FCD1-44A3-A7AC-3F0B688F5914}" type="pres">
+      <dgm:prSet presAssocID="{395FDB1D-246A-45B3-948C-1C5D437152BB}" presName="hierChild5" presStyleCnt="0"/>
+      <dgm:spPr/>
+    </dgm:pt>
+    <dgm:pt modelId="{EF82E21C-3DC8-4557-B814-29CE3E8DA8F5}" type="pres">
+      <dgm:prSet presAssocID="{5713D143-9C47-4964-892D-3632FD3CF851}" presName="Name37" presStyleLbl="parChTrans1D2" presStyleIdx="2" presStyleCnt="4"/>
+      <dgm:spPr/>
+      <dgm:t>
+        <a:bodyPr/>
+        <a:lstStyle/>
+        <a:p>
+          <a:endParaRPr lang="en-US"/>
+        </a:p>
+      </dgm:t>
+    </dgm:pt>
+    <dgm:pt modelId="{2EE8C3E2-3AB8-46F6-8C72-37184D3C6050}" type="pres">
+      <dgm:prSet presAssocID="{78EA2BC9-6CD8-4B48-AF0B-C37E5AC58610}" presName="hierRoot2" presStyleCnt="0">
+        <dgm:presLayoutVars>
+          <dgm:hierBranch val="init"/>
+        </dgm:presLayoutVars>
+      </dgm:prSet>
+      <dgm:spPr/>
+    </dgm:pt>
+    <dgm:pt modelId="{60086449-6DB5-45D1-BD1E-159F7E3DF8C6}" type="pres">
+      <dgm:prSet presAssocID="{78EA2BC9-6CD8-4B48-AF0B-C37E5AC58610}" presName="rootComposite" presStyleCnt="0"/>
+      <dgm:spPr/>
+    </dgm:pt>
+    <dgm:pt modelId="{C37B43C8-CE5E-4803-8D3D-CAA4FA77884B}" type="pres">
+      <dgm:prSet presAssocID="{78EA2BC9-6CD8-4B48-AF0B-C37E5AC58610}" presName="rootText" presStyleLbl="node2" presStyleIdx="2" presStyleCnt="3">
+        <dgm:presLayoutVars>
+          <dgm:chPref val="3"/>
+        </dgm:presLayoutVars>
+      </dgm:prSet>
+      <dgm:spPr/>
+      <dgm:t>
+        <a:bodyPr/>
+        <a:lstStyle/>
+        <a:p>
+          <a:endParaRPr lang="en-US"/>
+        </a:p>
+      </dgm:t>
+    </dgm:pt>
+    <dgm:pt modelId="{1DBE5C34-578E-4FAC-A8A3-EB01CBEC9231}" type="pres">
+      <dgm:prSet presAssocID="{78EA2BC9-6CD8-4B48-AF0B-C37E5AC58610}" presName="rootConnector" presStyleLbl="node2" presStyleIdx="2" presStyleCnt="3"/>
+      <dgm:spPr/>
+      <dgm:t>
+        <a:bodyPr/>
+        <a:lstStyle/>
+        <a:p>
+          <a:endParaRPr lang="en-US"/>
+        </a:p>
+      </dgm:t>
+    </dgm:pt>
+    <dgm:pt modelId="{D536B39C-FCE4-4282-BC3D-4B822664CE9D}" type="pres">
+      <dgm:prSet presAssocID="{78EA2BC9-6CD8-4B48-AF0B-C37E5AC58610}" presName="hierChild4" presStyleCnt="0"/>
+      <dgm:spPr/>
+    </dgm:pt>
+    <dgm:pt modelId="{91DFBC37-6BF5-40CF-A882-4449A966B44D}" type="pres">
+      <dgm:prSet presAssocID="{78EA2BC9-6CD8-4B48-AF0B-C37E5AC58610}" presName="hierChild5" presStyleCnt="0"/>
+      <dgm:spPr/>
+    </dgm:pt>
+    <dgm:pt modelId="{E6BDC327-05A1-4EAB-B455-50603B3021BD}" type="pres">
+      <dgm:prSet presAssocID="{E0C605CD-CF0C-4C9B-A87E-4BC4D356A21F}" presName="hierChild3" presStyleCnt="0"/>
+      <dgm:spPr/>
+    </dgm:pt>
+    <dgm:pt modelId="{D82AF006-7F10-44F4-A3F3-6DA0C2FBB56E}" type="pres">
+      <dgm:prSet presAssocID="{AF16EA6B-7353-4053-A135-07D5836EE08B}" presName="Name111" presStyleLbl="parChTrans1D2" presStyleIdx="3" presStyleCnt="4"/>
+      <dgm:spPr/>
+      <dgm:t>
+        <a:bodyPr/>
+        <a:lstStyle/>
+        <a:p>
+          <a:endParaRPr lang="en-US"/>
+        </a:p>
+      </dgm:t>
+    </dgm:pt>
+    <dgm:pt modelId="{C2D01FE5-50E0-4324-BB45-D927C0DDCBEF}" type="pres">
+      <dgm:prSet presAssocID="{029D4ADE-ED8D-4EA1-B9D4-89C7D7A1CDF1}" presName="hierRoot3" presStyleCnt="0">
+        <dgm:presLayoutVars>
+          <dgm:hierBranch val="init"/>
+        </dgm:presLayoutVars>
+      </dgm:prSet>
+      <dgm:spPr/>
+    </dgm:pt>
+    <dgm:pt modelId="{BEF88C7D-505D-4AC8-85BC-5EBCA0504401}" type="pres">
+      <dgm:prSet presAssocID="{029D4ADE-ED8D-4EA1-B9D4-89C7D7A1CDF1}" presName="rootComposite3" presStyleCnt="0"/>
+      <dgm:spPr/>
+    </dgm:pt>
+    <dgm:pt modelId="{FB5FBBDF-B528-46EF-93B5-58A27D0E33BC}" type="pres">
+      <dgm:prSet presAssocID="{029D4ADE-ED8D-4EA1-B9D4-89C7D7A1CDF1}" presName="rootText3" presStyleLbl="asst1" presStyleIdx="0" presStyleCnt="1">
+        <dgm:presLayoutVars>
+          <dgm:chPref val="3"/>
+        </dgm:presLayoutVars>
+      </dgm:prSet>
+      <dgm:spPr/>
+      <dgm:t>
+        <a:bodyPr/>
+        <a:lstStyle/>
+        <a:p>
+          <a:endParaRPr lang="en-US"/>
+        </a:p>
+      </dgm:t>
+    </dgm:pt>
+    <dgm:pt modelId="{AF24FF39-2FE8-4743-BD11-A67934916A9B}" type="pres">
+      <dgm:prSet presAssocID="{029D4ADE-ED8D-4EA1-B9D4-89C7D7A1CDF1}" presName="rootConnector3" presStyleLbl="asst1" presStyleIdx="0" presStyleCnt="1"/>
+      <dgm:spPr/>
+      <dgm:t>
+        <a:bodyPr/>
+        <a:lstStyle/>
+        <a:p>
+          <a:endParaRPr lang="en-US"/>
+        </a:p>
+      </dgm:t>
+    </dgm:pt>
+    <dgm:pt modelId="{315A28DC-7677-4295-A20C-2318467AA795}" type="pres">
+      <dgm:prSet presAssocID="{029D4ADE-ED8D-4EA1-B9D4-89C7D7A1CDF1}" presName="hierChild6" presStyleCnt="0"/>
+      <dgm:spPr/>
+    </dgm:pt>
+    <dgm:pt modelId="{A89554F1-5437-490D-9D1C-DE6F3CB11607}" type="pres">
+      <dgm:prSet presAssocID="{029D4ADE-ED8D-4EA1-B9D4-89C7D7A1CDF1}" presName="hierChild7" presStyleCnt="0"/>
+      <dgm:spPr/>
+    </dgm:pt>
+  </dgm:ptLst>
+  <dgm:cxnLst>
+    <dgm:cxn modelId="{02B6F750-652E-43EB-BC73-60DD6D6AAFA1}" type="presOf" srcId="{76B7127C-A954-4D6D-8E78-16A76AF5BD01}" destId="{68D7B0CB-B276-4213-8E97-7EF993DB122A}" srcOrd="0" destOrd="0" presId="urn:microsoft.com/office/officeart/2005/8/layout/orgChart1"/>
+    <dgm:cxn modelId="{4784228B-4A76-466B-BF4C-951F53B18AFE}" type="presOf" srcId="{029D4ADE-ED8D-4EA1-B9D4-89C7D7A1CDF1}" destId="{FB5FBBDF-B528-46EF-93B5-58A27D0E33BC}" srcOrd="0" destOrd="0" presId="urn:microsoft.com/office/officeart/2005/8/layout/orgChart1"/>
+    <dgm:cxn modelId="{7C2B6467-B561-4F13-B229-3687889CEAF2}" type="presOf" srcId="{E0C605CD-CF0C-4C9B-A87E-4BC4D356A21F}" destId="{20299A4B-1C69-4B86-8EDE-B88B470CE39C}" srcOrd="0" destOrd="0" presId="urn:microsoft.com/office/officeart/2005/8/layout/orgChart1"/>
+    <dgm:cxn modelId="{81CA0C0B-7BB2-4640-B240-37FAE8F26BBC}" type="presOf" srcId="{5CD6EE36-BB0F-4305-A635-C2AEE05DF3B6}" destId="{F4595A86-4A99-4355-B61E-798C3365A643}" srcOrd="0" destOrd="0" presId="urn:microsoft.com/office/officeart/2005/8/layout/orgChart1"/>
+    <dgm:cxn modelId="{589FA468-510D-41CB-8F3C-E90CF2074B53}" srcId="{E0C605CD-CF0C-4C9B-A87E-4BC4D356A21F}" destId="{029D4ADE-ED8D-4EA1-B9D4-89C7D7A1CDF1}" srcOrd="0" destOrd="0" parTransId="{AF16EA6B-7353-4053-A135-07D5836EE08B}" sibTransId="{E5E6B07E-DFD2-4A52-A3C7-23294CB3EE12}"/>
+    <dgm:cxn modelId="{2BFE0C14-7874-4A8D-A07F-122A9625F0B3}" srcId="{5CD6EE36-BB0F-4305-A635-C2AEE05DF3B6}" destId="{E0C605CD-CF0C-4C9B-A87E-4BC4D356A21F}" srcOrd="0" destOrd="0" parTransId="{6983BF6D-1D80-417E-8ED1-A1DF5D5B2E1E}" sibTransId="{9CD3DFB9-087F-42D2-ABB1-99F2A9A2C875}"/>
+    <dgm:cxn modelId="{04C7D9EC-737F-4D8A-A1FD-51683358D3C3}" type="presOf" srcId="{5713D143-9C47-4964-892D-3632FD3CF851}" destId="{EF82E21C-3DC8-4557-B814-29CE3E8DA8F5}" srcOrd="0" destOrd="0" presId="urn:microsoft.com/office/officeart/2005/8/layout/orgChart1"/>
+    <dgm:cxn modelId="{7381BD28-9710-4E21-97DC-D789FBEE763F}" type="presOf" srcId="{395FDB1D-246A-45B3-948C-1C5D437152BB}" destId="{24DDB095-FDEE-41F1-A6F8-2C94B55D2D06}" srcOrd="1" destOrd="0" presId="urn:microsoft.com/office/officeart/2005/8/layout/orgChart1"/>
+    <dgm:cxn modelId="{78645725-E35B-41CA-B6B0-B24853644587}" type="presOf" srcId="{AF16EA6B-7353-4053-A135-07D5836EE08B}" destId="{D82AF006-7F10-44F4-A3F3-6DA0C2FBB56E}" srcOrd="0" destOrd="0" presId="urn:microsoft.com/office/officeart/2005/8/layout/orgChart1"/>
+    <dgm:cxn modelId="{81F14BB1-5649-47E2-B4C8-1B2204C7660B}" srcId="{E0C605CD-CF0C-4C9B-A87E-4BC4D356A21F}" destId="{160A9CD8-29DE-4ADF-9B27-7AD569DBEA9A}" srcOrd="1" destOrd="0" parTransId="{1660B795-AC76-42B9-97AF-E76912E5E9F6}" sibTransId="{EBC58C13-B814-478D-96A0-FACB09FCE087}"/>
+    <dgm:cxn modelId="{CE342535-2BD2-408F-B5EE-1814801A0AE4}" type="presOf" srcId="{78EA2BC9-6CD8-4B48-AF0B-C37E5AC58610}" destId="{1DBE5C34-578E-4FAC-A8A3-EB01CBEC9231}" srcOrd="1" destOrd="0" presId="urn:microsoft.com/office/officeart/2005/8/layout/orgChart1"/>
+    <dgm:cxn modelId="{A3880A31-3478-42C9-9A92-C19D8A56FF13}" type="presOf" srcId="{029D4ADE-ED8D-4EA1-B9D4-89C7D7A1CDF1}" destId="{AF24FF39-2FE8-4743-BD11-A67934916A9B}" srcOrd="1" destOrd="0" presId="urn:microsoft.com/office/officeart/2005/8/layout/orgChart1"/>
+    <dgm:cxn modelId="{BE528FF5-4877-4DA2-9559-FA6C366D8B4A}" type="presOf" srcId="{395FDB1D-246A-45B3-948C-1C5D437152BB}" destId="{97DAA86D-408A-46F2-8645-08155275A9BD}" srcOrd="0" destOrd="0" presId="urn:microsoft.com/office/officeart/2005/8/layout/orgChart1"/>
+    <dgm:cxn modelId="{02C12F23-8264-4669-AFA0-E8A415A09E5E}" type="presOf" srcId="{160A9CD8-29DE-4ADF-9B27-7AD569DBEA9A}" destId="{0B59B7D1-BFCB-4752-A954-4AE6C033913E}" srcOrd="0" destOrd="0" presId="urn:microsoft.com/office/officeart/2005/8/layout/orgChart1"/>
+    <dgm:cxn modelId="{8F9F81DB-E335-4C96-9BAC-9EC1630F9B38}" type="presOf" srcId="{1660B795-AC76-42B9-97AF-E76912E5E9F6}" destId="{C4CBC522-70EC-4DAD-9ABB-7FBBFD02DC42}" srcOrd="0" destOrd="0" presId="urn:microsoft.com/office/officeart/2005/8/layout/orgChart1"/>
+    <dgm:cxn modelId="{0C32404E-DD9E-4E33-83D0-980733EDDD71}" type="presOf" srcId="{E0C605CD-CF0C-4C9B-A87E-4BC4D356A21F}" destId="{3CA0AE3A-B7AE-45BB-91D9-3E7112C11563}" srcOrd="1" destOrd="0" presId="urn:microsoft.com/office/officeart/2005/8/layout/orgChart1"/>
+    <dgm:cxn modelId="{D47216B1-DE18-4BFA-8024-D5CF748FEB25}" srcId="{E0C605CD-CF0C-4C9B-A87E-4BC4D356A21F}" destId="{395FDB1D-246A-45B3-948C-1C5D437152BB}" srcOrd="2" destOrd="0" parTransId="{76B7127C-A954-4D6D-8E78-16A76AF5BD01}" sibTransId="{67820084-1D12-47AC-B14A-69883D458AD2}"/>
+    <dgm:cxn modelId="{1C6048EF-F9EB-4474-844E-D54C2F2DBC87}" type="presOf" srcId="{160A9CD8-29DE-4ADF-9B27-7AD569DBEA9A}" destId="{C074D779-DF8B-481C-B825-FAE2E925B78C}" srcOrd="1" destOrd="0" presId="urn:microsoft.com/office/officeart/2005/8/layout/orgChart1"/>
+    <dgm:cxn modelId="{147009AC-4734-47FB-B00F-2A7D4941CDD6}" srcId="{E0C605CD-CF0C-4C9B-A87E-4BC4D356A21F}" destId="{78EA2BC9-6CD8-4B48-AF0B-C37E5AC58610}" srcOrd="3" destOrd="0" parTransId="{5713D143-9C47-4964-892D-3632FD3CF851}" sibTransId="{D571796E-6393-4786-B5D3-A77C01EA273A}"/>
+    <dgm:cxn modelId="{98C507E6-8F72-4A52-B1EF-93BD86AEBBB6}" type="presOf" srcId="{78EA2BC9-6CD8-4B48-AF0B-C37E5AC58610}" destId="{C37B43C8-CE5E-4803-8D3D-CAA4FA77884B}" srcOrd="0" destOrd="0" presId="urn:microsoft.com/office/officeart/2005/8/layout/orgChart1"/>
+    <dgm:cxn modelId="{1CA6EF82-AA57-4508-B0C1-D4822DF8B1AB}" type="presParOf" srcId="{F4595A86-4A99-4355-B61E-798C3365A643}" destId="{1B5782E8-6011-41D4-9713-F9B87E5E343E}" srcOrd="0" destOrd="0" presId="urn:microsoft.com/office/officeart/2005/8/layout/orgChart1"/>
+    <dgm:cxn modelId="{C1A8227D-88BC-42EC-92AA-9F103216D0B2}" type="presParOf" srcId="{1B5782E8-6011-41D4-9713-F9B87E5E343E}" destId="{3E853BBC-796D-4608-8571-2B2F13A7461D}" srcOrd="0" destOrd="0" presId="urn:microsoft.com/office/officeart/2005/8/layout/orgChart1"/>
+    <dgm:cxn modelId="{6AEEA513-DC79-4F07-9B2B-A497620CB003}" type="presParOf" srcId="{3E853BBC-796D-4608-8571-2B2F13A7461D}" destId="{20299A4B-1C69-4B86-8EDE-B88B470CE39C}" srcOrd="0" destOrd="0" presId="urn:microsoft.com/office/officeart/2005/8/layout/orgChart1"/>
+    <dgm:cxn modelId="{A198DC80-C2B4-46E1-BA5A-2D7639D7E01A}" type="presParOf" srcId="{3E853BBC-796D-4608-8571-2B2F13A7461D}" destId="{3CA0AE3A-B7AE-45BB-91D9-3E7112C11563}" srcOrd="1" destOrd="0" presId="urn:microsoft.com/office/officeart/2005/8/layout/orgChart1"/>
+    <dgm:cxn modelId="{8E55E8E2-7E27-4E98-B4AB-F7337F746757}" type="presParOf" srcId="{1B5782E8-6011-41D4-9713-F9B87E5E343E}" destId="{9ED4AEF1-FB6E-49CA-AD4A-3EBB0BD1B555}" srcOrd="1" destOrd="0" presId="urn:microsoft.com/office/officeart/2005/8/layout/orgChart1"/>
+    <dgm:cxn modelId="{0FA1D940-1D43-4627-8270-22A6BA371A63}" type="presParOf" srcId="{9ED4AEF1-FB6E-49CA-AD4A-3EBB0BD1B555}" destId="{C4CBC522-70EC-4DAD-9ABB-7FBBFD02DC42}" srcOrd="0" destOrd="0" presId="urn:microsoft.com/office/officeart/2005/8/layout/orgChart1"/>
+    <dgm:cxn modelId="{BC0C54D1-74F6-4FF9-B6AA-41A0D832C569}" type="presParOf" srcId="{9ED4AEF1-FB6E-49CA-AD4A-3EBB0BD1B555}" destId="{A8003B99-B9EE-4C53-8B05-60EF723CF6BB}" srcOrd="1" destOrd="0" presId="urn:microsoft.com/office/officeart/2005/8/layout/orgChart1"/>
+    <dgm:cxn modelId="{4D486973-0200-481A-8175-F82DD7C06E1F}" type="presParOf" srcId="{A8003B99-B9EE-4C53-8B05-60EF723CF6BB}" destId="{FFE4C4D1-8F9F-4224-B3C3-83DBBCD6D7ED}" srcOrd="0" destOrd="0" presId="urn:microsoft.com/office/officeart/2005/8/layout/orgChart1"/>
+    <dgm:cxn modelId="{A03BA6AD-7D58-43C2-BF96-CA07F7364B35}" type="presParOf" srcId="{FFE4C4D1-8F9F-4224-B3C3-83DBBCD6D7ED}" destId="{0B59B7D1-BFCB-4752-A954-4AE6C033913E}" srcOrd="0" destOrd="0" presId="urn:microsoft.com/office/officeart/2005/8/layout/orgChart1"/>
+    <dgm:cxn modelId="{71F3EFEB-A4BA-4789-B8E3-48A2633C76DF}" type="presParOf" srcId="{FFE4C4D1-8F9F-4224-B3C3-83DBBCD6D7ED}" destId="{C074D779-DF8B-481C-B825-FAE2E925B78C}" srcOrd="1" destOrd="0" presId="urn:microsoft.com/office/officeart/2005/8/layout/orgChart1"/>
+    <dgm:cxn modelId="{280C4ACD-EF8A-49EF-992B-8A5E9DAF4CBC}" type="presParOf" srcId="{A8003B99-B9EE-4C53-8B05-60EF723CF6BB}" destId="{22C0C3AE-0FE5-4EAD-8B34-F322420E387D}" srcOrd="1" destOrd="0" presId="urn:microsoft.com/office/officeart/2005/8/layout/orgChart1"/>
+    <dgm:cxn modelId="{34BEDB74-92F3-4DBF-9BA2-8AE162D23347}" type="presParOf" srcId="{A8003B99-B9EE-4C53-8B05-60EF723CF6BB}" destId="{A64530F5-0B77-4DC8-8D7D-25535F5EFE3C}" srcOrd="2" destOrd="0" presId="urn:microsoft.com/office/officeart/2005/8/layout/orgChart1"/>
+    <dgm:cxn modelId="{484D5473-9A11-4EF3-8057-33286C0C5A06}" type="presParOf" srcId="{9ED4AEF1-FB6E-49CA-AD4A-3EBB0BD1B555}" destId="{68D7B0CB-B276-4213-8E97-7EF993DB122A}" srcOrd="2" destOrd="0" presId="urn:microsoft.com/office/officeart/2005/8/layout/orgChart1"/>
+    <dgm:cxn modelId="{E6C45E42-27CC-4BC3-850A-F6C5A7773F19}" type="presParOf" srcId="{9ED4AEF1-FB6E-49CA-AD4A-3EBB0BD1B555}" destId="{B798C1C3-E9DC-4B5B-AF7A-F5C0F3190E58}" srcOrd="3" destOrd="0" presId="urn:microsoft.com/office/officeart/2005/8/layout/orgChart1"/>
+    <dgm:cxn modelId="{92A962A3-5C50-4509-BA57-E31C0995B913}" type="presParOf" srcId="{B798C1C3-E9DC-4B5B-AF7A-F5C0F3190E58}" destId="{74AD10BE-AFC3-4EE6-B87D-172E4553A08B}" srcOrd="0" destOrd="0" presId="urn:microsoft.com/office/officeart/2005/8/layout/orgChart1"/>
+    <dgm:cxn modelId="{4A9887BD-7E50-472F-BE9C-773EFB9915F8}" type="presParOf" srcId="{74AD10BE-AFC3-4EE6-B87D-172E4553A08B}" destId="{97DAA86D-408A-46F2-8645-08155275A9BD}" srcOrd="0" destOrd="0" presId="urn:microsoft.com/office/officeart/2005/8/layout/orgChart1"/>
+    <dgm:cxn modelId="{BFC6E0C3-0031-4F9D-95F5-EA185D9DDD28}" type="presParOf" srcId="{74AD10BE-AFC3-4EE6-B87D-172E4553A08B}" destId="{24DDB095-FDEE-41F1-A6F8-2C94B55D2D06}" srcOrd="1" destOrd="0" presId="urn:microsoft.com/office/officeart/2005/8/layout/orgChart1"/>
+    <dgm:cxn modelId="{769D7526-C620-42AA-91E4-F72AA5C57AEF}" type="presParOf" srcId="{B798C1C3-E9DC-4B5B-AF7A-F5C0F3190E58}" destId="{911D93DB-26DA-4EBD-BC4B-A48C05A113CA}" srcOrd="1" destOrd="0" presId="urn:microsoft.com/office/officeart/2005/8/layout/orgChart1"/>
+    <dgm:cxn modelId="{B6780F94-9095-4649-9F80-8CCD1B99CBEE}" type="presParOf" srcId="{B798C1C3-E9DC-4B5B-AF7A-F5C0F3190E58}" destId="{7D4E5427-FCD1-44A3-A7AC-3F0B688F5914}" srcOrd="2" destOrd="0" presId="urn:microsoft.com/office/officeart/2005/8/layout/orgChart1"/>
+    <dgm:cxn modelId="{97531203-71B2-4A89-83FA-9259A670614D}" type="presParOf" srcId="{9ED4AEF1-FB6E-49CA-AD4A-3EBB0BD1B555}" destId="{EF82E21C-3DC8-4557-B814-29CE3E8DA8F5}" srcOrd="4" destOrd="0" presId="urn:microsoft.com/office/officeart/2005/8/layout/orgChart1"/>
+    <dgm:cxn modelId="{9C9232E8-6152-42B5-BE40-C90910E3D932}" type="presParOf" srcId="{9ED4AEF1-FB6E-49CA-AD4A-3EBB0BD1B555}" destId="{2EE8C3E2-3AB8-46F6-8C72-37184D3C6050}" srcOrd="5" destOrd="0" presId="urn:microsoft.com/office/officeart/2005/8/layout/orgChart1"/>
+    <dgm:cxn modelId="{0AA91D0F-FBFE-4EBA-B5AA-1B086E6C11C2}" type="presParOf" srcId="{2EE8C3E2-3AB8-46F6-8C72-37184D3C6050}" destId="{60086449-6DB5-45D1-BD1E-159F7E3DF8C6}" srcOrd="0" destOrd="0" presId="urn:microsoft.com/office/officeart/2005/8/layout/orgChart1"/>
+    <dgm:cxn modelId="{C6F2FB16-8AD3-44B1-A677-659B8F7597A0}" type="presParOf" srcId="{60086449-6DB5-45D1-BD1E-159F7E3DF8C6}" destId="{C37B43C8-CE5E-4803-8D3D-CAA4FA77884B}" srcOrd="0" destOrd="0" presId="urn:microsoft.com/office/officeart/2005/8/layout/orgChart1"/>
+    <dgm:cxn modelId="{DDC173B2-D95C-4EE4-B98F-C2EF74ECD48F}" type="presParOf" srcId="{60086449-6DB5-45D1-BD1E-159F7E3DF8C6}" destId="{1DBE5C34-578E-4FAC-A8A3-EB01CBEC9231}" srcOrd="1" destOrd="0" presId="urn:microsoft.com/office/officeart/2005/8/layout/orgChart1"/>
+    <dgm:cxn modelId="{77987A42-2DDD-49FE-92AC-9EC7F22C214A}" type="presParOf" srcId="{2EE8C3E2-3AB8-46F6-8C72-37184D3C6050}" destId="{D536B39C-FCE4-4282-BC3D-4B822664CE9D}" srcOrd="1" destOrd="0" presId="urn:microsoft.com/office/officeart/2005/8/layout/orgChart1"/>
+    <dgm:cxn modelId="{2168A1E9-E31B-475B-A666-433E73119710}" type="presParOf" srcId="{2EE8C3E2-3AB8-46F6-8C72-37184D3C6050}" destId="{91DFBC37-6BF5-40CF-A882-4449A966B44D}" srcOrd="2" destOrd="0" presId="urn:microsoft.com/office/officeart/2005/8/layout/orgChart1"/>
+    <dgm:cxn modelId="{69D3902D-BDD5-4413-9A55-5EE15129A120}" type="presParOf" srcId="{1B5782E8-6011-41D4-9713-F9B87E5E343E}" destId="{E6BDC327-05A1-4EAB-B455-50603B3021BD}" srcOrd="2" destOrd="0" presId="urn:microsoft.com/office/officeart/2005/8/layout/orgChart1"/>
+    <dgm:cxn modelId="{01E865E6-33D1-4D80-BBF7-5AFE5B38A19E}" type="presParOf" srcId="{E6BDC327-05A1-4EAB-B455-50603B3021BD}" destId="{D82AF006-7F10-44F4-A3F3-6DA0C2FBB56E}" srcOrd="0" destOrd="0" presId="urn:microsoft.com/office/officeart/2005/8/layout/orgChart1"/>
+    <dgm:cxn modelId="{52DE8E74-A0A7-4042-B4C9-37CDF713D72B}" type="presParOf" srcId="{E6BDC327-05A1-4EAB-B455-50603B3021BD}" destId="{C2D01FE5-50E0-4324-BB45-D927C0DDCBEF}" srcOrd="1" destOrd="0" presId="urn:microsoft.com/office/officeart/2005/8/layout/orgChart1"/>
+    <dgm:cxn modelId="{78CEBBAD-07D3-45A2-8DE9-03B6793174BB}" type="presParOf" srcId="{C2D01FE5-50E0-4324-BB45-D927C0DDCBEF}" destId="{BEF88C7D-505D-4AC8-85BC-5EBCA0504401}" srcOrd="0" destOrd="0" presId="urn:microsoft.com/office/officeart/2005/8/layout/orgChart1"/>
+    <dgm:cxn modelId="{D28AE1B2-0EA8-4DC3-8CD6-26549D78EF44}" type="presParOf" srcId="{BEF88C7D-505D-4AC8-85BC-5EBCA0504401}" destId="{FB5FBBDF-B528-46EF-93B5-58A27D0E33BC}" srcOrd="0" destOrd="0" presId="urn:microsoft.com/office/officeart/2005/8/layout/orgChart1"/>
+    <dgm:cxn modelId="{9B196FF8-0F0F-46AA-B676-74F7F2FFB1B6}" type="presParOf" srcId="{BEF88C7D-505D-4AC8-85BC-5EBCA0504401}" destId="{AF24FF39-2FE8-4743-BD11-A67934916A9B}" srcOrd="1" destOrd="0" presId="urn:microsoft.com/office/officeart/2005/8/layout/orgChart1"/>
+    <dgm:cxn modelId="{8C0F5F02-D264-495D-9EFE-C4C5CF4B745E}" type="presParOf" srcId="{C2D01FE5-50E0-4324-BB45-D927C0DDCBEF}" destId="{315A28DC-7677-4295-A20C-2318467AA795}" srcOrd="1" destOrd="0" presId="urn:microsoft.com/office/officeart/2005/8/layout/orgChart1"/>
+    <dgm:cxn modelId="{528329DC-84B7-4D88-A387-4127675C69C4}" type="presParOf" srcId="{C2D01FE5-50E0-4324-BB45-D927C0DDCBEF}" destId="{A89554F1-5437-490D-9D1C-DE6F3CB11607}" srcOrd="2" destOrd="0" presId="urn:microsoft.com/office/officeart/2005/8/layout/orgChart1"/>
+  </dgm:cxnLst>
+  <dgm:bg/>
+  <dgm:whole/>
+  <dgm:extLst>
+    <a:ext uri="http://schemas.microsoft.com/office/drawing/2008/diagram">
+      <dsp:dataModelExt xmlns:dsp="http://schemas.microsoft.com/office/drawing/2008/diagram" relId="rId6" minVer="http://schemas.openxmlformats.org/drawingml/2006/diagram"/>
+    </a:ext>
+  </dgm:extLst>
+</dgm:dataModel>
+</file>
+
 <file path=ppt/diagrams/drawing1.xml><?xml version="1.0" encoding="utf-8"?>
+<dsp:drawing xmlns:dgm="http://schemas.openxmlformats.org/drawingml/2006/diagram" xmlns:dsp="http://schemas.microsoft.com/office/drawing/2008/diagram" xmlns:a="http://schemas.openxmlformats.org/drawingml/2006/main">
+  <dsp:spTree>
+    <dsp:nvGrpSpPr>
+      <dsp:cNvPr id="0" name=""/>
+      <dsp:cNvGrpSpPr/>
+    </dsp:nvGrpSpPr>
+    <dsp:grpSpPr/>
+    <dsp:sp modelId="{D82AF006-7F10-44F4-A3F3-6DA0C2FBB56E}">
+      <dsp:nvSpPr>
+        <dsp:cNvPr id="0" name=""/>
+        <dsp:cNvSpPr/>
+      </dsp:nvSpPr>
+      <dsp:spPr>
+        <a:xfrm>
+          <a:off x="481981" y="350592"/>
+          <a:ext cx="91440" cy="151219"/>
+        </a:xfrm>
+        <a:custGeom>
+          <a:avLst/>
+          <a:gdLst/>
+          <a:ahLst/>
+          <a:cxnLst/>
+          <a:rect l="0" t="0" r="0" b="0"/>
+          <a:pathLst>
+            <a:path>
+              <a:moveTo>
+                <a:pt x="80237" y="0"/>
+              </a:moveTo>
+              <a:lnTo>
+                <a:pt x="80237" y="151219"/>
+              </a:lnTo>
+              <a:lnTo>
+                <a:pt x="45720" y="151219"/>
+              </a:lnTo>
+            </a:path>
+          </a:pathLst>
+        </a:custGeom>
+        <a:noFill/>
+        <a:ln w="12700" cap="flat" cmpd="sng" algn="ctr">
+          <a:solidFill>
+            <a:schemeClr val="accent4">
+              <a:hueOff val="0"/>
+              <a:satOff val="0"/>
+              <a:lumOff val="0"/>
+              <a:alphaOff val="0"/>
+            </a:schemeClr>
+          </a:solidFill>
+          <a:prstDash val="solid"/>
+          <a:miter lim="800000"/>
+        </a:ln>
+        <a:effectLst/>
+      </dsp:spPr>
+      <dsp:style>
+        <a:lnRef idx="2">
+          <a:scrgbClr r="0" g="0" b="0"/>
+        </a:lnRef>
+        <a:fillRef idx="0">
+          <a:scrgbClr r="0" g="0" b="0"/>
+        </a:fillRef>
+        <a:effectRef idx="0">
+          <a:scrgbClr r="0" g="0" b="0"/>
+        </a:effectRef>
+        <a:fontRef idx="minor"/>
+      </dsp:style>
+    </dsp:sp>
+    <dsp:sp modelId="{EF82E21C-3DC8-4557-B814-29CE3E8DA8F5}">
+      <dsp:nvSpPr>
+        <dsp:cNvPr id="0" name=""/>
+        <dsp:cNvSpPr/>
+      </dsp:nvSpPr>
+      <dsp:spPr>
+        <a:xfrm>
+          <a:off x="562219" y="350592"/>
+          <a:ext cx="397774" cy="302439"/>
+        </a:xfrm>
+        <a:custGeom>
+          <a:avLst/>
+          <a:gdLst/>
+          <a:ahLst/>
+          <a:cxnLst/>
+          <a:rect l="0" t="0" r="0" b="0"/>
+          <a:pathLst>
+            <a:path>
+              <a:moveTo>
+                <a:pt x="0" y="0"/>
+              </a:moveTo>
+              <a:lnTo>
+                <a:pt x="0" y="267922"/>
+              </a:lnTo>
+              <a:lnTo>
+                <a:pt x="397774" y="267922"/>
+              </a:lnTo>
+              <a:lnTo>
+                <a:pt x="397774" y="302439"/>
+              </a:lnTo>
+            </a:path>
+          </a:pathLst>
+        </a:custGeom>
+        <a:noFill/>
+        <a:ln w="12700" cap="flat" cmpd="sng" algn="ctr">
+          <a:solidFill>
+            <a:schemeClr val="accent4">
+              <a:hueOff val="0"/>
+              <a:satOff val="0"/>
+              <a:lumOff val="0"/>
+              <a:alphaOff val="0"/>
+            </a:schemeClr>
+          </a:solidFill>
+          <a:prstDash val="solid"/>
+          <a:miter lim="800000"/>
+        </a:ln>
+        <a:effectLst/>
+      </dsp:spPr>
+      <dsp:style>
+        <a:lnRef idx="2">
+          <a:scrgbClr r="0" g="0" b="0"/>
+        </a:lnRef>
+        <a:fillRef idx="0">
+          <a:scrgbClr r="0" g="0" b="0"/>
+        </a:fillRef>
+        <a:effectRef idx="0">
+          <a:scrgbClr r="0" g="0" b="0"/>
+        </a:effectRef>
+        <a:fontRef idx="minor"/>
+      </dsp:style>
+    </dsp:sp>
+    <dsp:sp modelId="{68D7B0CB-B276-4213-8E97-7EF993DB122A}">
+      <dsp:nvSpPr>
+        <dsp:cNvPr id="0" name=""/>
+        <dsp:cNvSpPr/>
+      </dsp:nvSpPr>
+      <dsp:spPr>
+        <a:xfrm>
+          <a:off x="516499" y="350592"/>
+          <a:ext cx="91440" cy="302439"/>
+        </a:xfrm>
+        <a:custGeom>
+          <a:avLst/>
+          <a:gdLst/>
+          <a:ahLst/>
+          <a:cxnLst/>
+          <a:rect l="0" t="0" r="0" b="0"/>
+          <a:pathLst>
+            <a:path>
+              <a:moveTo>
+                <a:pt x="45720" y="0"/>
+              </a:moveTo>
+              <a:lnTo>
+                <a:pt x="45720" y="302439"/>
+              </a:lnTo>
+            </a:path>
+          </a:pathLst>
+        </a:custGeom>
+        <a:noFill/>
+        <a:ln w="12700" cap="flat" cmpd="sng" algn="ctr">
+          <a:solidFill>
+            <a:schemeClr val="accent4">
+              <a:hueOff val="0"/>
+              <a:satOff val="0"/>
+              <a:lumOff val="0"/>
+              <a:alphaOff val="0"/>
+            </a:schemeClr>
+          </a:solidFill>
+          <a:prstDash val="solid"/>
+          <a:miter lim="800000"/>
+        </a:ln>
+        <a:effectLst/>
+      </dsp:spPr>
+      <dsp:style>
+        <a:lnRef idx="2">
+          <a:scrgbClr r="0" g="0" b="0"/>
+        </a:lnRef>
+        <a:fillRef idx="0">
+          <a:scrgbClr r="0" g="0" b="0"/>
+        </a:fillRef>
+        <a:effectRef idx="0">
+          <a:scrgbClr r="0" g="0" b="0"/>
+        </a:effectRef>
+        <a:fontRef idx="minor"/>
+      </dsp:style>
+    </dsp:sp>
+    <dsp:sp modelId="{C4CBC522-70EC-4DAD-9ABB-7FBBFD02DC42}">
+      <dsp:nvSpPr>
+        <dsp:cNvPr id="0" name=""/>
+        <dsp:cNvSpPr/>
+      </dsp:nvSpPr>
+      <dsp:spPr>
+        <a:xfrm>
+          <a:off x="164444" y="350592"/>
+          <a:ext cx="397774" cy="302439"/>
+        </a:xfrm>
+        <a:custGeom>
+          <a:avLst/>
+          <a:gdLst/>
+          <a:ahLst/>
+          <a:cxnLst/>
+          <a:rect l="0" t="0" r="0" b="0"/>
+          <a:pathLst>
+            <a:path>
+              <a:moveTo>
+                <a:pt x="397774" y="0"/>
+              </a:moveTo>
+              <a:lnTo>
+                <a:pt x="397774" y="267922"/>
+              </a:lnTo>
+              <a:lnTo>
+                <a:pt x="0" y="267922"/>
+              </a:lnTo>
+              <a:lnTo>
+                <a:pt x="0" y="302439"/>
+              </a:lnTo>
+            </a:path>
+          </a:pathLst>
+        </a:custGeom>
+        <a:noFill/>
+        <a:ln w="12700" cap="flat" cmpd="sng" algn="ctr">
+          <a:solidFill>
+            <a:schemeClr val="accent4">
+              <a:hueOff val="0"/>
+              <a:satOff val="0"/>
+              <a:lumOff val="0"/>
+              <a:alphaOff val="0"/>
+            </a:schemeClr>
+          </a:solidFill>
+          <a:prstDash val="solid"/>
+          <a:miter lim="800000"/>
+        </a:ln>
+        <a:effectLst/>
+      </dsp:spPr>
+      <dsp:style>
+        <a:lnRef idx="2">
+          <a:scrgbClr r="0" g="0" b="0"/>
+        </a:lnRef>
+        <a:fillRef idx="0">
+          <a:scrgbClr r="0" g="0" b="0"/>
+        </a:fillRef>
+        <a:effectRef idx="0">
+          <a:scrgbClr r="0" g="0" b="0"/>
+        </a:effectRef>
+        <a:fontRef idx="minor"/>
+      </dsp:style>
+    </dsp:sp>
+    <dsp:sp modelId="{20299A4B-1C69-4B86-8EDE-B88B470CE39C}">
+      <dsp:nvSpPr>
+        <dsp:cNvPr id="0" name=""/>
+        <dsp:cNvSpPr/>
+      </dsp:nvSpPr>
+      <dsp:spPr>
+        <a:xfrm>
+          <a:off x="397849" y="186223"/>
+          <a:ext cx="328738" cy="164369"/>
+        </a:xfrm>
+        <a:prstGeom prst="rect">
+          <a:avLst/>
+        </a:prstGeom>
+        <a:solidFill>
+          <a:schemeClr val="accent2">
+            <a:hueOff val="0"/>
+            <a:satOff val="0"/>
+            <a:lumOff val="0"/>
+            <a:alphaOff val="0"/>
+          </a:schemeClr>
+        </a:solidFill>
+        <a:ln w="12700" cap="flat" cmpd="sng" algn="ctr">
+          <a:solidFill>
+            <a:schemeClr val="lt1">
+              <a:hueOff val="0"/>
+              <a:satOff val="0"/>
+              <a:lumOff val="0"/>
+              <a:alphaOff val="0"/>
+            </a:schemeClr>
+          </a:solidFill>
+          <a:prstDash val="solid"/>
+          <a:miter lim="800000"/>
+        </a:ln>
+        <a:effectLst/>
+      </dsp:spPr>
+      <dsp:style>
+        <a:lnRef idx="2">
+          <a:scrgbClr r="0" g="0" b="0"/>
+        </a:lnRef>
+        <a:fillRef idx="1">
+          <a:scrgbClr r="0" g="0" b="0"/>
+        </a:fillRef>
+        <a:effectRef idx="0">
+          <a:scrgbClr r="0" g="0" b="0"/>
+        </a:effectRef>
+        <a:fontRef idx="minor">
+          <a:schemeClr val="lt1"/>
+        </a:fontRef>
+      </dsp:style>
+      <dsp:txBody>
+        <a:bodyPr spcFirstLastPara="0" vert="horz" wrap="square" lIns="6350" tIns="6350" rIns="6350" bIns="6350" numCol="1" spcCol="1270" anchor="ctr" anchorCtr="0">
+          <a:noAutofit/>
+        </a:bodyPr>
+        <a:lstStyle/>
+        <a:p>
+          <a:pPr lvl="0" algn="ctr" defTabSz="444500">
+            <a:lnSpc>
+              <a:spcPct val="90000"/>
+            </a:lnSpc>
+            <a:spcBef>
+              <a:spcPct val="0"/>
+            </a:spcBef>
+            <a:spcAft>
+              <a:spcPct val="35000"/>
+            </a:spcAft>
+          </a:pPr>
+          <a:r>
+            <a:rPr lang="en-US" sz="1000" kern="1200" smtClean="0"/>
+            <a:t> </a:t>
+          </a:r>
+          <a:endParaRPr lang="en-US" sz="1000" kern="1200"/>
+        </a:p>
+      </dsp:txBody>
+      <dsp:txXfrm>
+        <a:off x="397849" y="186223"/>
+        <a:ext cx="328738" cy="164369"/>
+      </dsp:txXfrm>
+    </dsp:sp>
+    <dsp:sp modelId="{0B59B7D1-BFCB-4752-A954-4AE6C033913E}">
+      <dsp:nvSpPr>
+        <dsp:cNvPr id="0" name=""/>
+        <dsp:cNvSpPr/>
+      </dsp:nvSpPr>
+      <dsp:spPr>
+        <a:xfrm>
+          <a:off x="75" y="653032"/>
+          <a:ext cx="328738" cy="164369"/>
+        </a:xfrm>
+        <a:prstGeom prst="rect">
+          <a:avLst/>
+        </a:prstGeom>
+        <a:solidFill>
+          <a:schemeClr val="accent4">
+            <a:hueOff val="0"/>
+            <a:satOff val="0"/>
+            <a:lumOff val="0"/>
+            <a:alphaOff val="0"/>
+          </a:schemeClr>
+        </a:solidFill>
+        <a:ln w="12700" cap="flat" cmpd="sng" algn="ctr">
+          <a:solidFill>
+            <a:schemeClr val="lt1">
+              <a:hueOff val="0"/>
+              <a:satOff val="0"/>
+              <a:lumOff val="0"/>
+              <a:alphaOff val="0"/>
+            </a:schemeClr>
+          </a:solidFill>
+          <a:prstDash val="solid"/>
+          <a:miter lim="800000"/>
+        </a:ln>
+        <a:effectLst/>
+      </dsp:spPr>
+      <dsp:style>
+        <a:lnRef idx="2">
+          <a:scrgbClr r="0" g="0" b="0"/>
+        </a:lnRef>
+        <a:fillRef idx="1">
+          <a:scrgbClr r="0" g="0" b="0"/>
+        </a:fillRef>
+        <a:effectRef idx="0">
+          <a:scrgbClr r="0" g="0" b="0"/>
+        </a:effectRef>
+        <a:fontRef idx="minor">
+          <a:schemeClr val="lt1"/>
+        </a:fontRef>
+      </dsp:style>
+      <dsp:txBody>
+        <a:bodyPr spcFirstLastPara="0" vert="horz" wrap="square" lIns="6350" tIns="6350" rIns="6350" bIns="6350" numCol="1" spcCol="1270" anchor="ctr" anchorCtr="0">
+          <a:noAutofit/>
+        </a:bodyPr>
+        <a:lstStyle/>
+        <a:p>
+          <a:pPr lvl="0" algn="ctr" defTabSz="444500">
+            <a:lnSpc>
+              <a:spcPct val="90000"/>
+            </a:lnSpc>
+            <a:spcBef>
+              <a:spcPct val="0"/>
+            </a:spcBef>
+            <a:spcAft>
+              <a:spcPct val="35000"/>
+            </a:spcAft>
+          </a:pPr>
+          <a:r>
+            <a:rPr lang="en-US" sz="1000" kern="1200" dirty="0" smtClean="0"/>
+            <a:t> </a:t>
+          </a:r>
+          <a:endParaRPr lang="en-US" sz="1000" kern="1200" dirty="0"/>
+        </a:p>
+      </dsp:txBody>
+      <dsp:txXfrm>
+        <a:off x="75" y="653032"/>
+        <a:ext cx="328738" cy="164369"/>
+      </dsp:txXfrm>
+    </dsp:sp>
+    <dsp:sp modelId="{97DAA86D-408A-46F2-8645-08155275A9BD}">
+      <dsp:nvSpPr>
+        <dsp:cNvPr id="0" name=""/>
+        <dsp:cNvSpPr/>
+      </dsp:nvSpPr>
+      <dsp:spPr>
+        <a:xfrm>
+          <a:off x="397849" y="653032"/>
+          <a:ext cx="328738" cy="164369"/>
+        </a:xfrm>
+        <a:prstGeom prst="rect">
+          <a:avLst/>
+        </a:prstGeom>
+        <a:solidFill>
+          <a:schemeClr val="accent4">
+            <a:hueOff val="0"/>
+            <a:satOff val="0"/>
+            <a:lumOff val="0"/>
+            <a:alphaOff val="0"/>
+          </a:schemeClr>
+        </a:solidFill>
+        <a:ln w="12700" cap="flat" cmpd="sng" algn="ctr">
+          <a:solidFill>
+            <a:schemeClr val="lt1">
+              <a:hueOff val="0"/>
+              <a:satOff val="0"/>
+              <a:lumOff val="0"/>
+              <a:alphaOff val="0"/>
+            </a:schemeClr>
+          </a:solidFill>
+          <a:prstDash val="solid"/>
+          <a:miter lim="800000"/>
+        </a:ln>
+        <a:effectLst/>
+      </dsp:spPr>
+      <dsp:style>
+        <a:lnRef idx="2">
+          <a:scrgbClr r="0" g="0" b="0"/>
+        </a:lnRef>
+        <a:fillRef idx="1">
+          <a:scrgbClr r="0" g="0" b="0"/>
+        </a:fillRef>
+        <a:effectRef idx="0">
+          <a:scrgbClr r="0" g="0" b="0"/>
+        </a:effectRef>
+        <a:fontRef idx="minor">
+          <a:schemeClr val="lt1"/>
+        </a:fontRef>
+      </dsp:style>
+      <dsp:txBody>
+        <a:bodyPr spcFirstLastPara="0" vert="horz" wrap="square" lIns="6350" tIns="6350" rIns="6350" bIns="6350" numCol="1" spcCol="1270" anchor="ctr" anchorCtr="0">
+          <a:noAutofit/>
+        </a:bodyPr>
+        <a:lstStyle/>
+        <a:p>
+          <a:pPr lvl="0" algn="ctr" defTabSz="444500">
+            <a:lnSpc>
+              <a:spcPct val="90000"/>
+            </a:lnSpc>
+            <a:spcBef>
+              <a:spcPct val="0"/>
+            </a:spcBef>
+            <a:spcAft>
+              <a:spcPct val="35000"/>
+            </a:spcAft>
+          </a:pPr>
+          <a:r>
+            <a:rPr lang="en-US" sz="1000" kern="1200" dirty="0" smtClean="0"/>
+            <a:t> </a:t>
+          </a:r>
+          <a:endParaRPr lang="en-US" sz="1000" kern="1200" dirty="0"/>
+        </a:p>
+      </dsp:txBody>
+      <dsp:txXfrm>
+        <a:off x="397849" y="653032"/>
+        <a:ext cx="328738" cy="164369"/>
+      </dsp:txXfrm>
+    </dsp:sp>
+    <dsp:sp modelId="{C37B43C8-CE5E-4803-8D3D-CAA4FA77884B}">
+      <dsp:nvSpPr>
+        <dsp:cNvPr id="0" name=""/>
+        <dsp:cNvSpPr/>
+      </dsp:nvSpPr>
+      <dsp:spPr>
+        <a:xfrm>
+          <a:off x="795623" y="653032"/>
+          <a:ext cx="328738" cy="164369"/>
+        </a:xfrm>
+        <a:prstGeom prst="rect">
+          <a:avLst/>
+        </a:prstGeom>
+        <a:solidFill>
+          <a:schemeClr val="accent4">
+            <a:hueOff val="0"/>
+            <a:satOff val="0"/>
+            <a:lumOff val="0"/>
+            <a:alphaOff val="0"/>
+          </a:schemeClr>
+        </a:solidFill>
+        <a:ln w="12700" cap="flat" cmpd="sng" algn="ctr">
+          <a:solidFill>
+            <a:schemeClr val="lt1">
+              <a:hueOff val="0"/>
+              <a:satOff val="0"/>
+              <a:lumOff val="0"/>
+              <a:alphaOff val="0"/>
+            </a:schemeClr>
+          </a:solidFill>
+          <a:prstDash val="solid"/>
+          <a:miter lim="800000"/>
+        </a:ln>
+        <a:effectLst/>
+      </dsp:spPr>
+      <dsp:style>
+        <a:lnRef idx="2">
+          <a:scrgbClr r="0" g="0" b="0"/>
+        </a:lnRef>
+        <a:fillRef idx="1">
+          <a:scrgbClr r="0" g="0" b="0"/>
+        </a:fillRef>
+        <a:effectRef idx="0">
+          <a:scrgbClr r="0" g="0" b="0"/>
+        </a:effectRef>
+        <a:fontRef idx="minor">
+          <a:schemeClr val="lt1"/>
+        </a:fontRef>
+      </dsp:style>
+      <dsp:txBody>
+        <a:bodyPr spcFirstLastPara="0" vert="horz" wrap="square" lIns="6350" tIns="6350" rIns="6350" bIns="6350" numCol="1" spcCol="1270" anchor="ctr" anchorCtr="0">
+          <a:noAutofit/>
+        </a:bodyPr>
+        <a:lstStyle/>
+        <a:p>
+          <a:pPr lvl="0" algn="ctr" defTabSz="444500">
+            <a:lnSpc>
+              <a:spcPct val="90000"/>
+            </a:lnSpc>
+            <a:spcBef>
+              <a:spcPct val="0"/>
+            </a:spcBef>
+            <a:spcAft>
+              <a:spcPct val="35000"/>
+            </a:spcAft>
+          </a:pPr>
+          <a:r>
+            <a:rPr lang="en-US" sz="1000" kern="1200" dirty="0" smtClean="0"/>
+            <a:t> </a:t>
+          </a:r>
+          <a:endParaRPr lang="en-US" sz="1000" kern="1200" dirty="0"/>
+        </a:p>
+      </dsp:txBody>
+      <dsp:txXfrm>
+        <a:off x="795623" y="653032"/>
+        <a:ext cx="328738" cy="164369"/>
+      </dsp:txXfrm>
+    </dsp:sp>
+    <dsp:sp modelId="{FB5FBBDF-B528-46EF-93B5-58A27D0E33BC}">
+      <dsp:nvSpPr>
+        <dsp:cNvPr id="0" name=""/>
+        <dsp:cNvSpPr/>
+      </dsp:nvSpPr>
+      <dsp:spPr>
+        <a:xfrm>
+          <a:off x="198962" y="419627"/>
+          <a:ext cx="328738" cy="164369"/>
+        </a:xfrm>
+        <a:prstGeom prst="rect">
+          <a:avLst/>
+        </a:prstGeom>
+        <a:solidFill>
+          <a:schemeClr val="accent4">
+            <a:hueOff val="0"/>
+            <a:satOff val="0"/>
+            <a:lumOff val="0"/>
+            <a:alphaOff val="0"/>
+          </a:schemeClr>
+        </a:solidFill>
+        <a:ln w="12700" cap="flat" cmpd="sng" algn="ctr">
+          <a:solidFill>
+            <a:schemeClr val="lt1">
+              <a:shade val="80000"/>
+              <a:hueOff val="0"/>
+              <a:satOff val="0"/>
+              <a:lumOff val="0"/>
+              <a:alphaOff val="0"/>
+            </a:schemeClr>
+          </a:solidFill>
+          <a:prstDash val="solid"/>
+          <a:miter lim="800000"/>
+        </a:ln>
+        <a:effectLst/>
+      </dsp:spPr>
+      <dsp:style>
+        <a:lnRef idx="2">
+          <a:scrgbClr r="0" g="0" b="0"/>
+        </a:lnRef>
+        <a:fillRef idx="1">
+          <a:scrgbClr r="0" g="0" b="0"/>
+        </a:fillRef>
+        <a:effectRef idx="0">
+          <a:scrgbClr r="0" g="0" b="0"/>
+        </a:effectRef>
+        <a:fontRef idx="minor">
+          <a:schemeClr val="lt1"/>
+        </a:fontRef>
+      </dsp:style>
+      <dsp:txBody>
+        <a:bodyPr spcFirstLastPara="0" vert="horz" wrap="square" lIns="6350" tIns="6350" rIns="6350" bIns="6350" numCol="1" spcCol="1270" anchor="ctr" anchorCtr="0">
+          <a:noAutofit/>
+        </a:bodyPr>
+        <a:lstStyle/>
+        <a:p>
+          <a:pPr lvl="0" algn="ctr" defTabSz="444500">
+            <a:lnSpc>
+              <a:spcPct val="90000"/>
+            </a:lnSpc>
+            <a:spcBef>
+              <a:spcPct val="0"/>
+            </a:spcBef>
+            <a:spcAft>
+              <a:spcPct val="35000"/>
+            </a:spcAft>
+          </a:pPr>
+          <a:r>
+            <a:rPr lang="en-US" sz="1000" kern="1200" dirty="0" smtClean="0"/>
+            <a:t> </a:t>
+          </a:r>
+          <a:endParaRPr lang="en-US" sz="1000" kern="1200" dirty="0"/>
+        </a:p>
+      </dsp:txBody>
+      <dsp:txXfrm>
+        <a:off x="198962" y="419627"/>
+        <a:ext cx="328738" cy="164369"/>
+      </dsp:txXfrm>
+    </dsp:sp>
+  </dsp:spTree>
+</dsp:drawing>
+</file>
+
+<file path=ppt/diagrams/drawing10.xml><?xml version="1.0" encoding="utf-8"?>
 <dsp:drawing xmlns:dgm="http://schemas.openxmlformats.org/drawingml/2006/diagram" xmlns:dsp="http://schemas.microsoft.com/office/drawing/2008/diagram" xmlns:a="http://schemas.openxmlformats.org/drawingml/2006/main">
   <dsp:spTree>
     <dsp:nvGrpSpPr>
@@ -16166,7 +19489,1791 @@
 </dsp:drawing>
 </file>
 
+<file path=ppt/diagrams/drawing9.xml><?xml version="1.0" encoding="utf-8"?>
+<dsp:drawing xmlns:dgm="http://schemas.openxmlformats.org/drawingml/2006/diagram" xmlns:dsp="http://schemas.microsoft.com/office/drawing/2008/diagram" xmlns:a="http://schemas.openxmlformats.org/drawingml/2006/main">
+  <dsp:spTree>
+    <dsp:nvGrpSpPr>
+      <dsp:cNvPr id="0" name=""/>
+      <dsp:cNvGrpSpPr/>
+    </dsp:nvGrpSpPr>
+    <dsp:grpSpPr/>
+    <dsp:sp modelId="{D82AF006-7F10-44F4-A3F3-6DA0C2FBB56E}">
+      <dsp:nvSpPr>
+        <dsp:cNvPr id="0" name=""/>
+        <dsp:cNvSpPr/>
+      </dsp:nvSpPr>
+      <dsp:spPr>
+        <a:xfrm>
+          <a:off x="481981" y="350592"/>
+          <a:ext cx="91440" cy="151219"/>
+        </a:xfrm>
+        <a:custGeom>
+          <a:avLst/>
+          <a:gdLst/>
+          <a:ahLst/>
+          <a:cxnLst/>
+          <a:rect l="0" t="0" r="0" b="0"/>
+          <a:pathLst>
+            <a:path>
+              <a:moveTo>
+                <a:pt x="80237" y="0"/>
+              </a:moveTo>
+              <a:lnTo>
+                <a:pt x="80237" y="151219"/>
+              </a:lnTo>
+              <a:lnTo>
+                <a:pt x="45720" y="151219"/>
+              </a:lnTo>
+            </a:path>
+          </a:pathLst>
+        </a:custGeom>
+        <a:noFill/>
+        <a:ln w="12700" cap="flat" cmpd="sng" algn="ctr">
+          <a:solidFill>
+            <a:schemeClr val="accent4">
+              <a:hueOff val="0"/>
+              <a:satOff val="0"/>
+              <a:lumOff val="0"/>
+              <a:alphaOff val="0"/>
+            </a:schemeClr>
+          </a:solidFill>
+          <a:prstDash val="solid"/>
+          <a:miter lim="800000"/>
+        </a:ln>
+        <a:effectLst/>
+      </dsp:spPr>
+      <dsp:style>
+        <a:lnRef idx="2">
+          <a:scrgbClr r="0" g="0" b="0"/>
+        </a:lnRef>
+        <a:fillRef idx="0">
+          <a:scrgbClr r="0" g="0" b="0"/>
+        </a:fillRef>
+        <a:effectRef idx="0">
+          <a:scrgbClr r="0" g="0" b="0"/>
+        </a:effectRef>
+        <a:fontRef idx="minor"/>
+      </dsp:style>
+    </dsp:sp>
+    <dsp:sp modelId="{EF82E21C-3DC8-4557-B814-29CE3E8DA8F5}">
+      <dsp:nvSpPr>
+        <dsp:cNvPr id="0" name=""/>
+        <dsp:cNvSpPr/>
+      </dsp:nvSpPr>
+      <dsp:spPr>
+        <a:xfrm>
+          <a:off x="562219" y="350592"/>
+          <a:ext cx="397774" cy="302439"/>
+        </a:xfrm>
+        <a:custGeom>
+          <a:avLst/>
+          <a:gdLst/>
+          <a:ahLst/>
+          <a:cxnLst/>
+          <a:rect l="0" t="0" r="0" b="0"/>
+          <a:pathLst>
+            <a:path>
+              <a:moveTo>
+                <a:pt x="0" y="0"/>
+              </a:moveTo>
+              <a:lnTo>
+                <a:pt x="0" y="267922"/>
+              </a:lnTo>
+              <a:lnTo>
+                <a:pt x="397774" y="267922"/>
+              </a:lnTo>
+              <a:lnTo>
+                <a:pt x="397774" y="302439"/>
+              </a:lnTo>
+            </a:path>
+          </a:pathLst>
+        </a:custGeom>
+        <a:noFill/>
+        <a:ln w="12700" cap="flat" cmpd="sng" algn="ctr">
+          <a:solidFill>
+            <a:schemeClr val="accent4">
+              <a:hueOff val="0"/>
+              <a:satOff val="0"/>
+              <a:lumOff val="0"/>
+              <a:alphaOff val="0"/>
+            </a:schemeClr>
+          </a:solidFill>
+          <a:prstDash val="solid"/>
+          <a:miter lim="800000"/>
+        </a:ln>
+        <a:effectLst/>
+      </dsp:spPr>
+      <dsp:style>
+        <a:lnRef idx="2">
+          <a:scrgbClr r="0" g="0" b="0"/>
+        </a:lnRef>
+        <a:fillRef idx="0">
+          <a:scrgbClr r="0" g="0" b="0"/>
+        </a:fillRef>
+        <a:effectRef idx="0">
+          <a:scrgbClr r="0" g="0" b="0"/>
+        </a:effectRef>
+        <a:fontRef idx="minor"/>
+      </dsp:style>
+    </dsp:sp>
+    <dsp:sp modelId="{68D7B0CB-B276-4213-8E97-7EF993DB122A}">
+      <dsp:nvSpPr>
+        <dsp:cNvPr id="0" name=""/>
+        <dsp:cNvSpPr/>
+      </dsp:nvSpPr>
+      <dsp:spPr>
+        <a:xfrm>
+          <a:off x="516499" y="350592"/>
+          <a:ext cx="91440" cy="302439"/>
+        </a:xfrm>
+        <a:custGeom>
+          <a:avLst/>
+          <a:gdLst/>
+          <a:ahLst/>
+          <a:cxnLst/>
+          <a:rect l="0" t="0" r="0" b="0"/>
+          <a:pathLst>
+            <a:path>
+              <a:moveTo>
+                <a:pt x="45720" y="0"/>
+              </a:moveTo>
+              <a:lnTo>
+                <a:pt x="45720" y="302439"/>
+              </a:lnTo>
+            </a:path>
+          </a:pathLst>
+        </a:custGeom>
+        <a:noFill/>
+        <a:ln w="12700" cap="flat" cmpd="sng" algn="ctr">
+          <a:solidFill>
+            <a:schemeClr val="accent4">
+              <a:hueOff val="0"/>
+              <a:satOff val="0"/>
+              <a:lumOff val="0"/>
+              <a:alphaOff val="0"/>
+            </a:schemeClr>
+          </a:solidFill>
+          <a:prstDash val="solid"/>
+          <a:miter lim="800000"/>
+        </a:ln>
+        <a:effectLst/>
+      </dsp:spPr>
+      <dsp:style>
+        <a:lnRef idx="2">
+          <a:scrgbClr r="0" g="0" b="0"/>
+        </a:lnRef>
+        <a:fillRef idx="0">
+          <a:scrgbClr r="0" g="0" b="0"/>
+        </a:fillRef>
+        <a:effectRef idx="0">
+          <a:scrgbClr r="0" g="0" b="0"/>
+        </a:effectRef>
+        <a:fontRef idx="minor"/>
+      </dsp:style>
+    </dsp:sp>
+    <dsp:sp modelId="{C4CBC522-70EC-4DAD-9ABB-7FBBFD02DC42}">
+      <dsp:nvSpPr>
+        <dsp:cNvPr id="0" name=""/>
+        <dsp:cNvSpPr/>
+      </dsp:nvSpPr>
+      <dsp:spPr>
+        <a:xfrm>
+          <a:off x="164444" y="350592"/>
+          <a:ext cx="397774" cy="302439"/>
+        </a:xfrm>
+        <a:custGeom>
+          <a:avLst/>
+          <a:gdLst/>
+          <a:ahLst/>
+          <a:cxnLst/>
+          <a:rect l="0" t="0" r="0" b="0"/>
+          <a:pathLst>
+            <a:path>
+              <a:moveTo>
+                <a:pt x="397774" y="0"/>
+              </a:moveTo>
+              <a:lnTo>
+                <a:pt x="397774" y="267922"/>
+              </a:lnTo>
+              <a:lnTo>
+                <a:pt x="0" y="267922"/>
+              </a:lnTo>
+              <a:lnTo>
+                <a:pt x="0" y="302439"/>
+              </a:lnTo>
+            </a:path>
+          </a:pathLst>
+        </a:custGeom>
+        <a:noFill/>
+        <a:ln w="12700" cap="flat" cmpd="sng" algn="ctr">
+          <a:solidFill>
+            <a:schemeClr val="accent4">
+              <a:hueOff val="0"/>
+              <a:satOff val="0"/>
+              <a:lumOff val="0"/>
+              <a:alphaOff val="0"/>
+            </a:schemeClr>
+          </a:solidFill>
+          <a:prstDash val="solid"/>
+          <a:miter lim="800000"/>
+        </a:ln>
+        <a:effectLst/>
+      </dsp:spPr>
+      <dsp:style>
+        <a:lnRef idx="2">
+          <a:scrgbClr r="0" g="0" b="0"/>
+        </a:lnRef>
+        <a:fillRef idx="0">
+          <a:scrgbClr r="0" g="0" b="0"/>
+        </a:fillRef>
+        <a:effectRef idx="0">
+          <a:scrgbClr r="0" g="0" b="0"/>
+        </a:effectRef>
+        <a:fontRef idx="minor"/>
+      </dsp:style>
+    </dsp:sp>
+    <dsp:sp modelId="{20299A4B-1C69-4B86-8EDE-B88B470CE39C}">
+      <dsp:nvSpPr>
+        <dsp:cNvPr id="0" name=""/>
+        <dsp:cNvSpPr/>
+      </dsp:nvSpPr>
+      <dsp:spPr>
+        <a:xfrm>
+          <a:off x="397849" y="186223"/>
+          <a:ext cx="328738" cy="164369"/>
+        </a:xfrm>
+        <a:prstGeom prst="rect">
+          <a:avLst/>
+        </a:prstGeom>
+        <a:solidFill>
+          <a:schemeClr val="accent2">
+            <a:hueOff val="0"/>
+            <a:satOff val="0"/>
+            <a:lumOff val="0"/>
+            <a:alphaOff val="0"/>
+          </a:schemeClr>
+        </a:solidFill>
+        <a:ln w="12700" cap="flat" cmpd="sng" algn="ctr">
+          <a:solidFill>
+            <a:schemeClr val="lt1">
+              <a:hueOff val="0"/>
+              <a:satOff val="0"/>
+              <a:lumOff val="0"/>
+              <a:alphaOff val="0"/>
+            </a:schemeClr>
+          </a:solidFill>
+          <a:prstDash val="solid"/>
+          <a:miter lim="800000"/>
+        </a:ln>
+        <a:effectLst/>
+      </dsp:spPr>
+      <dsp:style>
+        <a:lnRef idx="2">
+          <a:scrgbClr r="0" g="0" b="0"/>
+        </a:lnRef>
+        <a:fillRef idx="1">
+          <a:scrgbClr r="0" g="0" b="0"/>
+        </a:fillRef>
+        <a:effectRef idx="0">
+          <a:scrgbClr r="0" g="0" b="0"/>
+        </a:effectRef>
+        <a:fontRef idx="minor">
+          <a:schemeClr val="lt1"/>
+        </a:fontRef>
+      </dsp:style>
+      <dsp:txBody>
+        <a:bodyPr spcFirstLastPara="0" vert="horz" wrap="square" lIns="6350" tIns="6350" rIns="6350" bIns="6350" numCol="1" spcCol="1270" anchor="ctr" anchorCtr="0">
+          <a:noAutofit/>
+        </a:bodyPr>
+        <a:lstStyle/>
+        <a:p>
+          <a:pPr lvl="0" algn="ctr" defTabSz="444500">
+            <a:lnSpc>
+              <a:spcPct val="90000"/>
+            </a:lnSpc>
+            <a:spcBef>
+              <a:spcPct val="0"/>
+            </a:spcBef>
+            <a:spcAft>
+              <a:spcPct val="35000"/>
+            </a:spcAft>
+          </a:pPr>
+          <a:r>
+            <a:rPr lang="en-US" sz="1000" kern="1200" smtClean="0"/>
+            <a:t> </a:t>
+          </a:r>
+          <a:endParaRPr lang="en-US" sz="1000" kern="1200"/>
+        </a:p>
+      </dsp:txBody>
+      <dsp:txXfrm>
+        <a:off x="397849" y="186223"/>
+        <a:ext cx="328738" cy="164369"/>
+      </dsp:txXfrm>
+    </dsp:sp>
+    <dsp:sp modelId="{0B59B7D1-BFCB-4752-A954-4AE6C033913E}">
+      <dsp:nvSpPr>
+        <dsp:cNvPr id="0" name=""/>
+        <dsp:cNvSpPr/>
+      </dsp:nvSpPr>
+      <dsp:spPr>
+        <a:xfrm>
+          <a:off x="75" y="653032"/>
+          <a:ext cx="328738" cy="164369"/>
+        </a:xfrm>
+        <a:prstGeom prst="rect">
+          <a:avLst/>
+        </a:prstGeom>
+        <a:solidFill>
+          <a:schemeClr val="accent4">
+            <a:hueOff val="0"/>
+            <a:satOff val="0"/>
+            <a:lumOff val="0"/>
+            <a:alphaOff val="0"/>
+          </a:schemeClr>
+        </a:solidFill>
+        <a:ln w="12700" cap="flat" cmpd="sng" algn="ctr">
+          <a:solidFill>
+            <a:schemeClr val="lt1">
+              <a:hueOff val="0"/>
+              <a:satOff val="0"/>
+              <a:lumOff val="0"/>
+              <a:alphaOff val="0"/>
+            </a:schemeClr>
+          </a:solidFill>
+          <a:prstDash val="solid"/>
+          <a:miter lim="800000"/>
+        </a:ln>
+        <a:effectLst/>
+      </dsp:spPr>
+      <dsp:style>
+        <a:lnRef idx="2">
+          <a:scrgbClr r="0" g="0" b="0"/>
+        </a:lnRef>
+        <a:fillRef idx="1">
+          <a:scrgbClr r="0" g="0" b="0"/>
+        </a:fillRef>
+        <a:effectRef idx="0">
+          <a:scrgbClr r="0" g="0" b="0"/>
+        </a:effectRef>
+        <a:fontRef idx="minor">
+          <a:schemeClr val="lt1"/>
+        </a:fontRef>
+      </dsp:style>
+      <dsp:txBody>
+        <a:bodyPr spcFirstLastPara="0" vert="horz" wrap="square" lIns="6350" tIns="6350" rIns="6350" bIns="6350" numCol="1" spcCol="1270" anchor="ctr" anchorCtr="0">
+          <a:noAutofit/>
+        </a:bodyPr>
+        <a:lstStyle/>
+        <a:p>
+          <a:pPr lvl="0" algn="ctr" defTabSz="444500">
+            <a:lnSpc>
+              <a:spcPct val="90000"/>
+            </a:lnSpc>
+            <a:spcBef>
+              <a:spcPct val="0"/>
+            </a:spcBef>
+            <a:spcAft>
+              <a:spcPct val="35000"/>
+            </a:spcAft>
+          </a:pPr>
+          <a:r>
+            <a:rPr lang="en-US" sz="1000" kern="1200" dirty="0" smtClean="0"/>
+            <a:t> </a:t>
+          </a:r>
+          <a:endParaRPr lang="en-US" sz="1000" kern="1200" dirty="0"/>
+        </a:p>
+      </dsp:txBody>
+      <dsp:txXfrm>
+        <a:off x="75" y="653032"/>
+        <a:ext cx="328738" cy="164369"/>
+      </dsp:txXfrm>
+    </dsp:sp>
+    <dsp:sp modelId="{97DAA86D-408A-46F2-8645-08155275A9BD}">
+      <dsp:nvSpPr>
+        <dsp:cNvPr id="0" name=""/>
+        <dsp:cNvSpPr/>
+      </dsp:nvSpPr>
+      <dsp:spPr>
+        <a:xfrm>
+          <a:off x="397849" y="653032"/>
+          <a:ext cx="328738" cy="164369"/>
+        </a:xfrm>
+        <a:prstGeom prst="rect">
+          <a:avLst/>
+        </a:prstGeom>
+        <a:solidFill>
+          <a:schemeClr val="accent4">
+            <a:hueOff val="0"/>
+            <a:satOff val="0"/>
+            <a:lumOff val="0"/>
+            <a:alphaOff val="0"/>
+          </a:schemeClr>
+        </a:solidFill>
+        <a:ln w="12700" cap="flat" cmpd="sng" algn="ctr">
+          <a:solidFill>
+            <a:schemeClr val="lt1">
+              <a:hueOff val="0"/>
+              <a:satOff val="0"/>
+              <a:lumOff val="0"/>
+              <a:alphaOff val="0"/>
+            </a:schemeClr>
+          </a:solidFill>
+          <a:prstDash val="solid"/>
+          <a:miter lim="800000"/>
+        </a:ln>
+        <a:effectLst/>
+      </dsp:spPr>
+      <dsp:style>
+        <a:lnRef idx="2">
+          <a:scrgbClr r="0" g="0" b="0"/>
+        </a:lnRef>
+        <a:fillRef idx="1">
+          <a:scrgbClr r="0" g="0" b="0"/>
+        </a:fillRef>
+        <a:effectRef idx="0">
+          <a:scrgbClr r="0" g="0" b="0"/>
+        </a:effectRef>
+        <a:fontRef idx="minor">
+          <a:schemeClr val="lt1"/>
+        </a:fontRef>
+      </dsp:style>
+      <dsp:txBody>
+        <a:bodyPr spcFirstLastPara="0" vert="horz" wrap="square" lIns="6350" tIns="6350" rIns="6350" bIns="6350" numCol="1" spcCol="1270" anchor="ctr" anchorCtr="0">
+          <a:noAutofit/>
+        </a:bodyPr>
+        <a:lstStyle/>
+        <a:p>
+          <a:pPr lvl="0" algn="ctr" defTabSz="444500">
+            <a:lnSpc>
+              <a:spcPct val="90000"/>
+            </a:lnSpc>
+            <a:spcBef>
+              <a:spcPct val="0"/>
+            </a:spcBef>
+            <a:spcAft>
+              <a:spcPct val="35000"/>
+            </a:spcAft>
+          </a:pPr>
+          <a:r>
+            <a:rPr lang="en-US" sz="1000" kern="1200" dirty="0" smtClean="0"/>
+            <a:t> </a:t>
+          </a:r>
+          <a:endParaRPr lang="en-US" sz="1000" kern="1200" dirty="0"/>
+        </a:p>
+      </dsp:txBody>
+      <dsp:txXfrm>
+        <a:off x="397849" y="653032"/>
+        <a:ext cx="328738" cy="164369"/>
+      </dsp:txXfrm>
+    </dsp:sp>
+    <dsp:sp modelId="{C37B43C8-CE5E-4803-8D3D-CAA4FA77884B}">
+      <dsp:nvSpPr>
+        <dsp:cNvPr id="0" name=""/>
+        <dsp:cNvSpPr/>
+      </dsp:nvSpPr>
+      <dsp:spPr>
+        <a:xfrm>
+          <a:off x="795623" y="653032"/>
+          <a:ext cx="328738" cy="164369"/>
+        </a:xfrm>
+        <a:prstGeom prst="rect">
+          <a:avLst/>
+        </a:prstGeom>
+        <a:solidFill>
+          <a:schemeClr val="accent4">
+            <a:hueOff val="0"/>
+            <a:satOff val="0"/>
+            <a:lumOff val="0"/>
+            <a:alphaOff val="0"/>
+          </a:schemeClr>
+        </a:solidFill>
+        <a:ln w="12700" cap="flat" cmpd="sng" algn="ctr">
+          <a:solidFill>
+            <a:schemeClr val="lt1">
+              <a:hueOff val="0"/>
+              <a:satOff val="0"/>
+              <a:lumOff val="0"/>
+              <a:alphaOff val="0"/>
+            </a:schemeClr>
+          </a:solidFill>
+          <a:prstDash val="solid"/>
+          <a:miter lim="800000"/>
+        </a:ln>
+        <a:effectLst/>
+      </dsp:spPr>
+      <dsp:style>
+        <a:lnRef idx="2">
+          <a:scrgbClr r="0" g="0" b="0"/>
+        </a:lnRef>
+        <a:fillRef idx="1">
+          <a:scrgbClr r="0" g="0" b="0"/>
+        </a:fillRef>
+        <a:effectRef idx="0">
+          <a:scrgbClr r="0" g="0" b="0"/>
+        </a:effectRef>
+        <a:fontRef idx="minor">
+          <a:schemeClr val="lt1"/>
+        </a:fontRef>
+      </dsp:style>
+      <dsp:txBody>
+        <a:bodyPr spcFirstLastPara="0" vert="horz" wrap="square" lIns="6350" tIns="6350" rIns="6350" bIns="6350" numCol="1" spcCol="1270" anchor="ctr" anchorCtr="0">
+          <a:noAutofit/>
+        </a:bodyPr>
+        <a:lstStyle/>
+        <a:p>
+          <a:pPr lvl="0" algn="ctr" defTabSz="444500">
+            <a:lnSpc>
+              <a:spcPct val="90000"/>
+            </a:lnSpc>
+            <a:spcBef>
+              <a:spcPct val="0"/>
+            </a:spcBef>
+            <a:spcAft>
+              <a:spcPct val="35000"/>
+            </a:spcAft>
+          </a:pPr>
+          <a:r>
+            <a:rPr lang="en-US" sz="1000" kern="1200" dirty="0" smtClean="0"/>
+            <a:t> </a:t>
+          </a:r>
+          <a:endParaRPr lang="en-US" sz="1000" kern="1200" dirty="0"/>
+        </a:p>
+      </dsp:txBody>
+      <dsp:txXfrm>
+        <a:off x="795623" y="653032"/>
+        <a:ext cx="328738" cy="164369"/>
+      </dsp:txXfrm>
+    </dsp:sp>
+    <dsp:sp modelId="{FB5FBBDF-B528-46EF-93B5-58A27D0E33BC}">
+      <dsp:nvSpPr>
+        <dsp:cNvPr id="0" name=""/>
+        <dsp:cNvSpPr/>
+      </dsp:nvSpPr>
+      <dsp:spPr>
+        <a:xfrm>
+          <a:off x="198962" y="419627"/>
+          <a:ext cx="328738" cy="164369"/>
+        </a:xfrm>
+        <a:prstGeom prst="rect">
+          <a:avLst/>
+        </a:prstGeom>
+        <a:solidFill>
+          <a:schemeClr val="accent4">
+            <a:hueOff val="0"/>
+            <a:satOff val="0"/>
+            <a:lumOff val="0"/>
+            <a:alphaOff val="0"/>
+          </a:schemeClr>
+        </a:solidFill>
+        <a:ln w="12700" cap="flat" cmpd="sng" algn="ctr">
+          <a:solidFill>
+            <a:schemeClr val="lt1">
+              <a:shade val="80000"/>
+              <a:hueOff val="0"/>
+              <a:satOff val="0"/>
+              <a:lumOff val="0"/>
+              <a:alphaOff val="0"/>
+            </a:schemeClr>
+          </a:solidFill>
+          <a:prstDash val="solid"/>
+          <a:miter lim="800000"/>
+        </a:ln>
+        <a:effectLst/>
+      </dsp:spPr>
+      <dsp:style>
+        <a:lnRef idx="2">
+          <a:scrgbClr r="0" g="0" b="0"/>
+        </a:lnRef>
+        <a:fillRef idx="1">
+          <a:scrgbClr r="0" g="0" b="0"/>
+        </a:fillRef>
+        <a:effectRef idx="0">
+          <a:scrgbClr r="0" g="0" b="0"/>
+        </a:effectRef>
+        <a:fontRef idx="minor">
+          <a:schemeClr val="lt1"/>
+        </a:fontRef>
+      </dsp:style>
+      <dsp:txBody>
+        <a:bodyPr spcFirstLastPara="0" vert="horz" wrap="square" lIns="6350" tIns="6350" rIns="6350" bIns="6350" numCol="1" spcCol="1270" anchor="ctr" anchorCtr="0">
+          <a:noAutofit/>
+        </a:bodyPr>
+        <a:lstStyle/>
+        <a:p>
+          <a:pPr lvl="0" algn="ctr" defTabSz="444500">
+            <a:lnSpc>
+              <a:spcPct val="90000"/>
+            </a:lnSpc>
+            <a:spcBef>
+              <a:spcPct val="0"/>
+            </a:spcBef>
+            <a:spcAft>
+              <a:spcPct val="35000"/>
+            </a:spcAft>
+          </a:pPr>
+          <a:r>
+            <a:rPr lang="en-US" sz="1000" kern="1200" dirty="0" smtClean="0"/>
+            <a:t> </a:t>
+          </a:r>
+          <a:endParaRPr lang="en-US" sz="1000" kern="1200" dirty="0"/>
+        </a:p>
+      </dsp:txBody>
+      <dsp:txXfrm>
+        <a:off x="198962" y="419627"/>
+        <a:ext cx="328738" cy="164369"/>
+      </dsp:txXfrm>
+    </dsp:sp>
+  </dsp:spTree>
+</dsp:drawing>
+</file>
+
 <file path=ppt/diagrams/layout1.xml><?xml version="1.0" encoding="utf-8"?>
+<dgm:layoutDef xmlns:dgm="http://schemas.openxmlformats.org/drawingml/2006/diagram" xmlns:a="http://schemas.openxmlformats.org/drawingml/2006/main" uniqueId="urn:microsoft.com/office/officeart/2005/8/layout/orgChart1">
+  <dgm:title val=""/>
+  <dgm:desc val=""/>
+  <dgm:catLst>
+    <dgm:cat type="hierarchy" pri="1000"/>
+    <dgm:cat type="convert" pri="6000"/>
+  </dgm:catLst>
+  <dgm:sampData>
+    <dgm:dataModel>
+      <dgm:ptLst>
+        <dgm:pt modelId="0" type="doc"/>
+        <dgm:pt modelId="1">
+          <dgm:prSet phldr="1"/>
+        </dgm:pt>
+        <dgm:pt modelId="2" type="asst">
+          <dgm:prSet phldr="1"/>
+        </dgm:pt>
+        <dgm:pt modelId="3">
+          <dgm:prSet phldr="1"/>
+        </dgm:pt>
+        <dgm:pt modelId="4">
+          <dgm:prSet phldr="1"/>
+        </dgm:pt>
+        <dgm:pt modelId="5">
+          <dgm:prSet phldr="1"/>
+        </dgm:pt>
+      </dgm:ptLst>
+      <dgm:cxnLst>
+        <dgm:cxn modelId="5" srcId="0" destId="1" srcOrd="0" destOrd="0"/>
+        <dgm:cxn modelId="6" srcId="1" destId="2" srcOrd="0" destOrd="0"/>
+        <dgm:cxn modelId="7" srcId="1" destId="3" srcOrd="1" destOrd="0"/>
+        <dgm:cxn modelId="8" srcId="1" destId="4" srcOrd="2" destOrd="0"/>
+        <dgm:cxn modelId="9" srcId="1" destId="5" srcOrd="3" destOrd="0"/>
+      </dgm:cxnLst>
+      <dgm:bg/>
+      <dgm:whole/>
+    </dgm:dataModel>
+  </dgm:sampData>
+  <dgm:styleData>
+    <dgm:dataModel>
+      <dgm:ptLst>
+        <dgm:pt modelId="0" type="doc"/>
+        <dgm:pt modelId="1"/>
+        <dgm:pt modelId="12"/>
+        <dgm:pt modelId="13"/>
+      </dgm:ptLst>
+      <dgm:cxnLst>
+        <dgm:cxn modelId="2" srcId="0" destId="1" srcOrd="0" destOrd="0"/>
+        <dgm:cxn modelId="16" srcId="1" destId="12" srcOrd="1" destOrd="0"/>
+        <dgm:cxn modelId="17" srcId="1" destId="13" srcOrd="2" destOrd="0"/>
+      </dgm:cxnLst>
+      <dgm:bg/>
+      <dgm:whole/>
+    </dgm:dataModel>
+  </dgm:styleData>
+  <dgm:clrData>
+    <dgm:dataModel>
+      <dgm:ptLst>
+        <dgm:pt modelId="0" type="doc"/>
+        <dgm:pt modelId="1"/>
+        <dgm:pt modelId="11" type="asst"/>
+        <dgm:pt modelId="12"/>
+        <dgm:pt modelId="13"/>
+        <dgm:pt modelId="14"/>
+      </dgm:ptLst>
+      <dgm:cxnLst>
+        <dgm:cxn modelId="2" srcId="0" destId="1" srcOrd="0" destOrd="0"/>
+        <dgm:cxn modelId="15" srcId="1" destId="11" srcOrd="0" destOrd="0"/>
+        <dgm:cxn modelId="16" srcId="1" destId="12" srcOrd="1" destOrd="0"/>
+        <dgm:cxn modelId="17" srcId="1" destId="13" srcOrd="2" destOrd="0"/>
+        <dgm:cxn modelId="18" srcId="1" destId="14" srcOrd="2" destOrd="0"/>
+      </dgm:cxnLst>
+      <dgm:bg/>
+      <dgm:whole/>
+    </dgm:dataModel>
+  </dgm:clrData>
+  <dgm:layoutNode name="hierChild1">
+    <dgm:varLst>
+      <dgm:orgChart val="1"/>
+      <dgm:chPref val="1"/>
+      <dgm:dir/>
+      <dgm:animOne val="branch"/>
+      <dgm:animLvl val="lvl"/>
+      <dgm:resizeHandles/>
+    </dgm:varLst>
+    <dgm:choose name="Name0">
+      <dgm:if name="Name1" func="var" arg="dir" op="equ" val="norm">
+        <dgm:alg type="hierChild">
+          <dgm:param type="linDir" val="fromL"/>
+        </dgm:alg>
+      </dgm:if>
+      <dgm:else name="Name2">
+        <dgm:alg type="hierChild">
+          <dgm:param type="linDir" val="fromR"/>
+        </dgm:alg>
+      </dgm:else>
+    </dgm:choose>
+    <dgm:shape xmlns:r="http://schemas.openxmlformats.org/officeDocument/2006/relationships" r:blip="">
+      <dgm:adjLst/>
+    </dgm:shape>
+    <dgm:presOf/>
+    <dgm:constrLst>
+      <dgm:constr type="w" for="des" forName="rootComposite1" refType="w" fact="10"/>
+      <dgm:constr type="h" for="des" forName="rootComposite1" refType="w" refFor="des" refForName="rootComposite1" fact="0.5"/>
+      <dgm:constr type="w" for="des" forName="rootComposite" refType="w" fact="10"/>
+      <dgm:constr type="h" for="des" forName="rootComposite" refType="w" refFor="des" refForName="rootComposite1" fact="0.5"/>
+      <dgm:constr type="w" for="des" forName="rootComposite3" refType="w" fact="10"/>
+      <dgm:constr type="h" for="des" forName="rootComposite3" refType="w" refFor="des" refForName="rootComposite1" fact="0.5"/>
+      <dgm:constr type="primFontSz" for="des" ptType="node" op="equ"/>
+      <dgm:constr type="sp" for="des" op="equ"/>
+      <dgm:constr type="sp" for="des" forName="hierRoot1" refType="w" refFor="des" refForName="rootComposite1" fact="0.21"/>
+      <dgm:constr type="sp" for="des" forName="hierRoot2" refType="sp" refFor="des" refForName="hierRoot1"/>
+      <dgm:constr type="sp" for="des" forName="hierRoot3" refType="sp" refFor="des" refForName="hierRoot1"/>
+      <dgm:constr type="sibSp" refType="w" refFor="des" refForName="rootComposite1" fact="0.21"/>
+      <dgm:constr type="sibSp" for="des" forName="hierChild2" refType="sibSp"/>
+      <dgm:constr type="sibSp" for="des" forName="hierChild3" refType="sibSp"/>
+      <dgm:constr type="sibSp" for="des" forName="hierChild4" refType="sibSp"/>
+      <dgm:constr type="sibSp" for="des" forName="hierChild5" refType="sibSp"/>
+      <dgm:constr type="sibSp" for="des" forName="hierChild6" refType="sibSp"/>
+      <dgm:constr type="sibSp" for="des" forName="hierChild7" refType="sibSp"/>
+      <dgm:constr type="secSibSp" refType="w" refFor="des" refForName="rootComposite1" fact="0.21"/>
+      <dgm:constr type="secSibSp" for="des" forName="hierChild2" refType="secSibSp"/>
+      <dgm:constr type="secSibSp" for="des" forName="hierChild3" refType="secSibSp"/>
+      <dgm:constr type="secSibSp" for="des" forName="hierChild4" refType="secSibSp"/>
+      <dgm:constr type="secSibSp" for="des" forName="hierChild5" refType="secSibSp"/>
+      <dgm:constr type="secSibSp" for="des" forName="hierChild6" refType="secSibSp"/>
+      <dgm:constr type="secSibSp" for="des" forName="hierChild7" refType="secSibSp"/>
+    </dgm:constrLst>
+    <dgm:ruleLst/>
+    <dgm:forEach name="Name3" axis="ch">
+      <dgm:forEach name="Name4" axis="self" ptType="node">
+        <dgm:layoutNode name="hierRoot1">
+          <dgm:varLst>
+            <dgm:hierBranch val="init"/>
+          </dgm:varLst>
+          <dgm:choose name="Name5">
+            <dgm:if name="Name6" func="var" arg="hierBranch" op="equ" val="l">
+              <dgm:choose name="Name7">
+                <dgm:if name="Name8" axis="ch" ptType="asst" func="cnt" op="gte" val="1">
+                  <dgm:alg type="hierRoot">
+                    <dgm:param type="hierAlign" val="tR"/>
+                  </dgm:alg>
+                  <dgm:constrLst>
+                    <dgm:constr type="alignOff" val="0.65"/>
+                  </dgm:constrLst>
+                </dgm:if>
+                <dgm:else name="Name9">
+                  <dgm:alg type="hierRoot">
+                    <dgm:param type="hierAlign" val="tR"/>
+                  </dgm:alg>
+                  <dgm:constrLst>
+                    <dgm:constr type="alignOff" val="0.25"/>
+                  </dgm:constrLst>
+                </dgm:else>
+              </dgm:choose>
+            </dgm:if>
+            <dgm:if name="Name10" func="var" arg="hierBranch" op="equ" val="r">
+              <dgm:choose name="Name11">
+                <dgm:if name="Name12" axis="ch" ptType="asst" func="cnt" op="gte" val="1">
+                  <dgm:alg type="hierRoot">
+                    <dgm:param type="hierAlign" val="tL"/>
+                  </dgm:alg>
+                  <dgm:constrLst>
+                    <dgm:constr type="alignOff" val="0.65"/>
+                  </dgm:constrLst>
+                </dgm:if>
+                <dgm:else name="Name13">
+                  <dgm:alg type="hierRoot">
+                    <dgm:param type="hierAlign" val="tL"/>
+                  </dgm:alg>
+                  <dgm:constrLst>
+                    <dgm:constr type="alignOff" val="0.25"/>
+                  </dgm:constrLst>
+                </dgm:else>
+              </dgm:choose>
+            </dgm:if>
+            <dgm:if name="Name14" func="var" arg="hierBranch" op="equ" val="hang">
+              <dgm:alg type="hierRoot"/>
+              <dgm:constrLst>
+                <dgm:constr type="alignOff" val="0.65"/>
+              </dgm:constrLst>
+            </dgm:if>
+            <dgm:else name="Name15">
+              <dgm:alg type="hierRoot"/>
+              <dgm:constrLst>
+                <dgm:constr type="alignOff"/>
+                <dgm:constr type="bendDist" for="des" ptType="parTrans" refType="sp" fact="0.5"/>
+              </dgm:constrLst>
+            </dgm:else>
+          </dgm:choose>
+          <dgm:shape xmlns:r="http://schemas.openxmlformats.org/officeDocument/2006/relationships" r:blip="">
+            <dgm:adjLst/>
+          </dgm:shape>
+          <dgm:presOf/>
+          <dgm:ruleLst/>
+          <dgm:layoutNode name="rootComposite1">
+            <dgm:alg type="composite"/>
+            <dgm:shape xmlns:r="http://schemas.openxmlformats.org/officeDocument/2006/relationships" r:blip="">
+              <dgm:adjLst/>
+            </dgm:shape>
+            <dgm:presOf axis="self" ptType="node" cnt="1"/>
+            <dgm:choose name="Name16">
+              <dgm:if name="Name17" func="var" arg="hierBranch" op="equ" val="init">
+                <dgm:constrLst>
+                  <dgm:constr type="l" for="ch" forName="rootText1"/>
+                  <dgm:constr type="t" for="ch" forName="rootText1"/>
+                  <dgm:constr type="w" for="ch" forName="rootText1" refType="w"/>
+                  <dgm:constr type="h" for="ch" forName="rootText1" refType="h"/>
+                  <dgm:constr type="l" for="ch" forName="rootConnector1"/>
+                  <dgm:constr type="t" for="ch" forName="rootConnector1"/>
+                  <dgm:constr type="w" for="ch" forName="rootConnector1" refType="w" refFor="ch" refForName="rootText1" fact="0.2"/>
+                  <dgm:constr type="h" for="ch" forName="rootConnector1" refType="h" refFor="ch" refForName="rootText1"/>
+                </dgm:constrLst>
+              </dgm:if>
+              <dgm:if name="Name18" func="var" arg="hierBranch" op="equ" val="l">
+                <dgm:constrLst>
+                  <dgm:constr type="l" for="ch" forName="rootText1"/>
+                  <dgm:constr type="t" for="ch" forName="rootText1"/>
+                  <dgm:constr type="w" for="ch" forName="rootText1" refType="w"/>
+                  <dgm:constr type="h" for="ch" forName="rootText1" refType="h"/>
+                  <dgm:constr type="r" for="ch" forName="rootConnector1" refType="w"/>
+                  <dgm:constr type="t" for="ch" forName="rootConnector1"/>
+                  <dgm:constr type="w" for="ch" forName="rootConnector1" refType="w" refFor="ch" refForName="rootText1" fact="0.2"/>
+                  <dgm:constr type="h" for="ch" forName="rootConnector1" refType="h" refFor="ch" refForName="rootText1"/>
+                </dgm:constrLst>
+              </dgm:if>
+              <dgm:if name="Name19" func="var" arg="hierBranch" op="equ" val="r">
+                <dgm:constrLst>
+                  <dgm:constr type="l" for="ch" forName="rootText1"/>
+                  <dgm:constr type="t" for="ch" forName="rootText1"/>
+                  <dgm:constr type="w" for="ch" forName="rootText1" refType="w"/>
+                  <dgm:constr type="h" for="ch" forName="rootText1" refType="h"/>
+                  <dgm:constr type="l" for="ch" forName="rootConnector1"/>
+                  <dgm:constr type="t" for="ch" forName="rootConnector1"/>
+                  <dgm:constr type="w" for="ch" forName="rootConnector1" refType="w" refFor="ch" refForName="rootText1" fact="0.2"/>
+                  <dgm:constr type="h" for="ch" forName="rootConnector1" refType="h" refFor="ch" refForName="rootText1"/>
+                </dgm:constrLst>
+              </dgm:if>
+              <dgm:else name="Name20">
+                <dgm:constrLst>
+                  <dgm:constr type="l" for="ch" forName="rootText1"/>
+                  <dgm:constr type="t" for="ch" forName="rootText1"/>
+                  <dgm:constr type="w" for="ch" forName="rootText1" refType="w"/>
+                  <dgm:constr type="h" for="ch" forName="rootText1" refType="h"/>
+                  <dgm:constr type="r" for="ch" forName="rootConnector1" refType="w"/>
+                  <dgm:constr type="t" for="ch" forName="rootConnector1"/>
+                  <dgm:constr type="w" for="ch" forName="rootConnector1" refType="w" refFor="ch" refForName="rootText1" fact="0.2"/>
+                  <dgm:constr type="h" for="ch" forName="rootConnector1" refType="h" refFor="ch" refForName="rootText1"/>
+                </dgm:constrLst>
+              </dgm:else>
+            </dgm:choose>
+            <dgm:ruleLst/>
+            <dgm:layoutNode name="rootText1" styleLbl="node0">
+              <dgm:varLst>
+                <dgm:chPref val="3"/>
+              </dgm:varLst>
+              <dgm:alg type="tx"/>
+              <dgm:shape xmlns:r="http://schemas.openxmlformats.org/officeDocument/2006/relationships" type="rect" r:blip="">
+                <dgm:adjLst/>
+              </dgm:shape>
+              <dgm:presOf axis="self" ptType="node" cnt="1"/>
+              <dgm:constrLst>
+                <dgm:constr type="primFontSz" val="65"/>
+                <dgm:constr type="lMarg" refType="primFontSz" fact="0.05"/>
+                <dgm:constr type="rMarg" refType="primFontSz" fact="0.05"/>
+                <dgm:constr type="tMarg" refType="primFontSz" fact="0.05"/>
+                <dgm:constr type="bMarg" refType="primFontSz" fact="0.05"/>
+              </dgm:constrLst>
+              <dgm:ruleLst>
+                <dgm:rule type="primFontSz" val="5" fact="NaN" max="NaN"/>
+              </dgm:ruleLst>
+            </dgm:layoutNode>
+            <dgm:layoutNode name="rootConnector1" moveWith="rootText1">
+              <dgm:alg type="sp"/>
+              <dgm:shape xmlns:r="http://schemas.openxmlformats.org/officeDocument/2006/relationships" type="rect" r:blip="" hideGeom="1">
+                <dgm:adjLst/>
+              </dgm:shape>
+              <dgm:presOf axis="self" ptType="node" cnt="1"/>
+              <dgm:constrLst/>
+              <dgm:ruleLst/>
+            </dgm:layoutNode>
+          </dgm:layoutNode>
+          <dgm:layoutNode name="hierChild2">
+            <dgm:choose name="Name21">
+              <dgm:if name="Name22" func="var" arg="hierBranch" op="equ" val="l">
+                <dgm:alg type="hierChild">
+                  <dgm:param type="chAlign" val="r"/>
+                  <dgm:param type="linDir" val="fromT"/>
+                </dgm:alg>
+              </dgm:if>
+              <dgm:if name="Name23" func="var" arg="hierBranch" op="equ" val="r">
+                <dgm:alg type="hierChild">
+                  <dgm:param type="chAlign" val="l"/>
+                  <dgm:param type="linDir" val="fromT"/>
+                </dgm:alg>
+              </dgm:if>
+              <dgm:if name="Name24" func="var" arg="hierBranch" op="equ" val="hang">
+                <dgm:choose name="Name25">
+                  <dgm:if name="Name26" func="var" arg="dir" op="equ" val="norm">
+                    <dgm:alg type="hierChild">
+                      <dgm:param type="chAlign" val="l"/>
+                      <dgm:param type="linDir" val="fromL"/>
+                      <dgm:param type="secChAlign" val="t"/>
+                      <dgm:param type="secLinDir" val="fromT"/>
+                    </dgm:alg>
+                  </dgm:if>
+                  <dgm:else name="Name27">
+                    <dgm:alg type="hierChild">
+                      <dgm:param type="chAlign" val="l"/>
+                      <dgm:param type="linDir" val="fromR"/>
+                      <dgm:param type="secChAlign" val="t"/>
+                      <dgm:param type="secLinDir" val="fromT"/>
+                    </dgm:alg>
+                  </dgm:else>
+                </dgm:choose>
+              </dgm:if>
+              <dgm:else name="Name28">
+                <dgm:choose name="Name29">
+                  <dgm:if name="Name30" func="var" arg="dir" op="equ" val="norm">
+                    <dgm:alg type="hierChild"/>
+                  </dgm:if>
+                  <dgm:else name="Name31">
+                    <dgm:alg type="hierChild">
+                      <dgm:param type="linDir" val="fromR"/>
+                    </dgm:alg>
+                  </dgm:else>
+                </dgm:choose>
+              </dgm:else>
+            </dgm:choose>
+            <dgm:shape xmlns:r="http://schemas.openxmlformats.org/officeDocument/2006/relationships" r:blip="">
+              <dgm:adjLst/>
+            </dgm:shape>
+            <dgm:presOf/>
+            <dgm:constrLst/>
+            <dgm:ruleLst/>
+            <dgm:forEach name="rep2a" axis="ch" ptType="nonAsst">
+              <dgm:forEach name="Name32" axis="precedSib" ptType="parTrans" st="-1" cnt="1">
+                <dgm:choose name="Name33">
+                  <dgm:if name="Name34" func="var" arg="hierBranch" op="equ" val="std">
+                    <dgm:layoutNode name="Name35">
+                      <dgm:alg type="conn">
+                        <dgm:param type="connRout" val="bend"/>
+                        <dgm:param type="dim" val="1D"/>
+                        <dgm:param type="endSty" val="noArr"/>
+                        <dgm:param type="begPts" val="bCtr"/>
+                        <dgm:param type="endPts" val="tCtr"/>
+                        <dgm:param type="bendPt" val="end"/>
+                      </dgm:alg>
+                      <dgm:shape xmlns:r="http://schemas.openxmlformats.org/officeDocument/2006/relationships" type="conn" r:blip="" zOrderOff="-99999">
+                        <dgm:adjLst/>
+                      </dgm:shape>
+                      <dgm:presOf axis="self"/>
+                      <dgm:constrLst>
+                        <dgm:constr type="begPad"/>
+                        <dgm:constr type="endPad"/>
+                      </dgm:constrLst>
+                      <dgm:ruleLst/>
+                    </dgm:layoutNode>
+                  </dgm:if>
+                  <dgm:if name="Name36" func="var" arg="hierBranch" op="equ" val="init">
+                    <dgm:layoutNode name="Name37">
+                      <dgm:choose name="Name38">
+                        <dgm:if name="Name39" axis="self" func="depth" op="lte" val="2">
+                          <dgm:alg type="conn">
+                            <dgm:param type="connRout" val="bend"/>
+                            <dgm:param type="dim" val="1D"/>
+                            <dgm:param type="endSty" val="noArr"/>
+                            <dgm:param type="begPts" val="bCtr"/>
+                            <dgm:param type="endPts" val="tCtr"/>
+                            <dgm:param type="bendPt" val="end"/>
+                          </dgm:alg>
+                        </dgm:if>
+                        <dgm:else name="Name40">
+                          <dgm:choose name="Name41">
+                            <dgm:if name="Name42" axis="par des" func="maxDepth" op="lte" val="1">
+                              <dgm:choose name="Name43">
+                                <dgm:if name="Name44" axis="par ch" ptType="node asst" func="cnt" op="gte" val="1">
+                                  <dgm:alg type="conn">
+                                    <dgm:param type="connRout" val="bend"/>
+                                    <dgm:param type="dim" val="1D"/>
+                                    <dgm:param type="endSty" val="noArr"/>
+                                    <dgm:param type="begPts" val="bCtr"/>
+                                    <dgm:param type="endPts" val="midL midR"/>
+                                  </dgm:alg>
+                                </dgm:if>
+                                <dgm:else name="Name45">
+                                  <dgm:alg type="conn">
+                                    <dgm:param type="connRout" val="bend"/>
+                                    <dgm:param type="dim" val="1D"/>
+                                    <dgm:param type="endSty" val="noArr"/>
+                                    <dgm:param type="begPts" val="bCtr"/>
+                                    <dgm:param type="endPts" val="midL midR"/>
+                                    <dgm:param type="srcNode" val="rootConnector"/>
+                                  </dgm:alg>
+                                </dgm:else>
+                              </dgm:choose>
+                            </dgm:if>
+                            <dgm:else name="Name46">
+                              <dgm:alg type="conn">
+                                <dgm:param type="connRout" val="bend"/>
+                                <dgm:param type="dim" val="1D"/>
+                                <dgm:param type="endSty" val="noArr"/>
+                                <dgm:param type="begPts" val="bCtr"/>
+                                <dgm:param type="endPts" val="tCtr"/>
+                                <dgm:param type="bendPt" val="end"/>
+                              </dgm:alg>
+                            </dgm:else>
+                          </dgm:choose>
+                        </dgm:else>
+                      </dgm:choose>
+                      <dgm:shape xmlns:r="http://schemas.openxmlformats.org/officeDocument/2006/relationships" type="conn" r:blip="" zOrderOff="-99999">
+                        <dgm:adjLst/>
+                      </dgm:shape>
+                      <dgm:presOf axis="self"/>
+                      <dgm:constrLst>
+                        <dgm:constr type="begPad"/>
+                        <dgm:constr type="endPad"/>
+                      </dgm:constrLst>
+                      <dgm:ruleLst/>
+                    </dgm:layoutNode>
+                  </dgm:if>
+                  <dgm:if name="Name47" func="var" arg="hierBranch" op="equ" val="hang">
+                    <dgm:layoutNode name="Name48">
+                      <dgm:alg type="conn">
+                        <dgm:param type="connRout" val="bend"/>
+                        <dgm:param type="dim" val="1D"/>
+                        <dgm:param type="endSty" val="noArr"/>
+                        <dgm:param type="begPts" val="bCtr"/>
+                        <dgm:param type="endPts" val="midL midR"/>
+                      </dgm:alg>
+                      <dgm:shape xmlns:r="http://schemas.openxmlformats.org/officeDocument/2006/relationships" type="conn" r:blip="" zOrderOff="-99999">
+                        <dgm:adjLst/>
+                      </dgm:shape>
+                      <dgm:presOf axis="self"/>
+                      <dgm:constrLst>
+                        <dgm:constr type="begPad"/>
+                        <dgm:constr type="endPad"/>
+                      </dgm:constrLst>
+                      <dgm:ruleLst/>
+                    </dgm:layoutNode>
+                  </dgm:if>
+                  <dgm:else name="Name49">
+                    <dgm:layoutNode name="Name50">
+                      <dgm:choose name="Name51">
+                        <dgm:if name="Name52" axis="self" func="depth" op="lte" val="2">
+                          <dgm:choose name="Name53">
+                            <dgm:if name="Name54" axis="par ch" ptType="node asst" func="cnt" op="gte" val="1">
+                              <dgm:alg type="conn">
+                                <dgm:param type="connRout" val="bend"/>
+                                <dgm:param type="dim" val="1D"/>
+                                <dgm:param type="endSty" val="noArr"/>
+                                <dgm:param type="begPts" val="bCtr"/>
+                                <dgm:param type="endPts" val="midL midR"/>
+                              </dgm:alg>
+                            </dgm:if>
+                            <dgm:else name="Name55">
+                              <dgm:alg type="conn">
+                                <dgm:param type="connRout" val="bend"/>
+                                <dgm:param type="dim" val="1D"/>
+                                <dgm:param type="endSty" val="noArr"/>
+                                <dgm:param type="begPts" val="bCtr"/>
+                                <dgm:param type="endPts" val="midL midR"/>
+                                <dgm:param type="srcNode" val="rootConnector1"/>
+                              </dgm:alg>
+                            </dgm:else>
+                          </dgm:choose>
+                        </dgm:if>
+                        <dgm:else name="Name56">
+                          <dgm:choose name="Name57">
+                            <dgm:if name="Name58" axis="par ch" ptType="node asst" func="cnt" op="gte" val="1">
+                              <dgm:alg type="conn">
+                                <dgm:param type="connRout" val="bend"/>
+                                <dgm:param type="dim" val="1D"/>
+                                <dgm:param type="endSty" val="noArr"/>
+                                <dgm:param type="begPts" val="bCtr"/>
+                                <dgm:param type="endPts" val="midL midR"/>
+                              </dgm:alg>
+                            </dgm:if>
+                            <dgm:else name="Name59">
+                              <dgm:alg type="conn">
+                                <dgm:param type="connRout" val="bend"/>
+                                <dgm:param type="dim" val="1D"/>
+                                <dgm:param type="endSty" val="noArr"/>
+                                <dgm:param type="begPts" val="bCtr"/>
+                                <dgm:param type="endPts" val="midL midR"/>
+                                <dgm:param type="srcNode" val="rootConnector"/>
+                              </dgm:alg>
+                            </dgm:else>
+                          </dgm:choose>
+                        </dgm:else>
+                      </dgm:choose>
+                      <dgm:shape xmlns:r="http://schemas.openxmlformats.org/officeDocument/2006/relationships" type="conn" r:blip="" zOrderOff="-99999">
+                        <dgm:adjLst/>
+                      </dgm:shape>
+                      <dgm:presOf axis="self"/>
+                      <dgm:constrLst>
+                        <dgm:constr type="begPad"/>
+                        <dgm:constr type="endPad"/>
+                      </dgm:constrLst>
+                      <dgm:ruleLst/>
+                    </dgm:layoutNode>
+                  </dgm:else>
+                </dgm:choose>
+              </dgm:forEach>
+              <dgm:layoutNode name="hierRoot2">
+                <dgm:varLst>
+                  <dgm:hierBranch val="init"/>
+                </dgm:varLst>
+                <dgm:choose name="Name60">
+                  <dgm:if name="Name61" func="var" arg="hierBranch" op="equ" val="l">
+                    <dgm:choose name="Name62">
+                      <dgm:if name="Name63" axis="ch" ptType="asst" func="cnt" op="gte" val="1">
+                        <dgm:alg type="hierRoot">
+                          <dgm:param type="hierAlign" val="tR"/>
+                        </dgm:alg>
+                        <dgm:shape xmlns:r="http://schemas.openxmlformats.org/officeDocument/2006/relationships" r:blip="">
+                          <dgm:adjLst/>
+                        </dgm:shape>
+                        <dgm:presOf/>
+                        <dgm:constrLst>
+                          <dgm:constr type="alignOff" val="0.65"/>
+                        </dgm:constrLst>
+                      </dgm:if>
+                      <dgm:else name="Name64">
+                        <dgm:alg type="hierRoot">
+                          <dgm:param type="hierAlign" val="tR"/>
+                        </dgm:alg>
+                        <dgm:shape xmlns:r="http://schemas.openxmlformats.org/officeDocument/2006/relationships" r:blip="">
+                          <dgm:adjLst/>
+                        </dgm:shape>
+                        <dgm:presOf/>
+                        <dgm:constrLst>
+                          <dgm:constr type="alignOff" val="0.25"/>
+                        </dgm:constrLst>
+                      </dgm:else>
+                    </dgm:choose>
+                  </dgm:if>
+                  <dgm:if name="Name65" func="var" arg="hierBranch" op="equ" val="r">
+                    <dgm:choose name="Name66">
+                      <dgm:if name="Name67" axis="ch" ptType="asst" func="cnt" op="gte" val="1">
+                        <dgm:alg type="hierRoot">
+                          <dgm:param type="hierAlign" val="tL"/>
+                        </dgm:alg>
+                        <dgm:shape xmlns:r="http://schemas.openxmlformats.org/officeDocument/2006/relationships" r:blip="">
+                          <dgm:adjLst/>
+                        </dgm:shape>
+                        <dgm:presOf/>
+                        <dgm:constrLst>
+                          <dgm:constr type="alignOff" val="0.65"/>
+                        </dgm:constrLst>
+                      </dgm:if>
+                      <dgm:else name="Name68">
+                        <dgm:alg type="hierRoot">
+                          <dgm:param type="hierAlign" val="tL"/>
+                        </dgm:alg>
+                        <dgm:shape xmlns:r="http://schemas.openxmlformats.org/officeDocument/2006/relationships" r:blip="">
+                          <dgm:adjLst/>
+                        </dgm:shape>
+                        <dgm:presOf/>
+                        <dgm:constrLst>
+                          <dgm:constr type="alignOff" val="0.25"/>
+                        </dgm:constrLst>
+                      </dgm:else>
+                    </dgm:choose>
+                  </dgm:if>
+                  <dgm:if name="Name69" func="var" arg="hierBranch" op="equ" val="std">
+                    <dgm:alg type="hierRoot"/>
+                    <dgm:shape xmlns:r="http://schemas.openxmlformats.org/officeDocument/2006/relationships" r:blip="">
+                      <dgm:adjLst/>
+                    </dgm:shape>
+                    <dgm:presOf/>
+                    <dgm:constrLst>
+                      <dgm:constr type="alignOff"/>
+                      <dgm:constr type="bendDist" for="des" ptType="parTrans" refType="sp" fact="0.5"/>
+                    </dgm:constrLst>
+                  </dgm:if>
+                  <dgm:if name="Name70" func="var" arg="hierBranch" op="equ" val="init">
+                    <dgm:choose name="Name71">
+                      <dgm:if name="Name72" axis="des" func="maxDepth" op="lte" val="1">
+                        <dgm:choose name="Name73">
+                          <dgm:if name="Name74" axis="ch" ptType="asst" func="cnt" op="gte" val="1">
+                            <dgm:alg type="hierRoot">
+                              <dgm:param type="hierAlign" val="tL"/>
+                            </dgm:alg>
+                            <dgm:shape xmlns:r="http://schemas.openxmlformats.org/officeDocument/2006/relationships" r:blip="">
+                              <dgm:adjLst/>
+                            </dgm:shape>
+                            <dgm:presOf/>
+                            <dgm:constrLst>
+                              <dgm:constr type="alignOff" val="0.65"/>
+                            </dgm:constrLst>
+                          </dgm:if>
+                          <dgm:else name="Name75">
+                            <dgm:alg type="hierRoot">
+                              <dgm:param type="hierAlign" val="tL"/>
+                            </dgm:alg>
+                            <dgm:shape xmlns:r="http://schemas.openxmlformats.org/officeDocument/2006/relationships" r:blip="">
+                              <dgm:adjLst/>
+                            </dgm:shape>
+                            <dgm:presOf/>
+                            <dgm:constrLst>
+                              <dgm:constr type="alignOff" val="0.25"/>
+                            </dgm:constrLst>
+                          </dgm:else>
+                        </dgm:choose>
+                      </dgm:if>
+                      <dgm:else name="Name76">
+                        <dgm:alg type="hierRoot"/>
+                        <dgm:shape xmlns:r="http://schemas.openxmlformats.org/officeDocument/2006/relationships" r:blip="">
+                          <dgm:adjLst/>
+                        </dgm:shape>
+                        <dgm:presOf/>
+                        <dgm:constrLst>
+                          <dgm:constr type="alignOff"/>
+                          <dgm:constr type="bendDist" for="des" ptType="parTrans" refType="sp" fact="0.5"/>
+                        </dgm:constrLst>
+                      </dgm:else>
+                    </dgm:choose>
+                  </dgm:if>
+                  <dgm:else name="Name77">
+                    <dgm:alg type="hierRoot"/>
+                    <dgm:shape xmlns:r="http://schemas.openxmlformats.org/officeDocument/2006/relationships" r:blip="">
+                      <dgm:adjLst/>
+                    </dgm:shape>
+                    <dgm:presOf/>
+                    <dgm:constrLst>
+                      <dgm:constr type="alignOff" val="0.65"/>
+                    </dgm:constrLst>
+                  </dgm:else>
+                </dgm:choose>
+                <dgm:ruleLst/>
+                <dgm:layoutNode name="rootComposite">
+                  <dgm:alg type="composite"/>
+                  <dgm:shape xmlns:r="http://schemas.openxmlformats.org/officeDocument/2006/relationships" r:blip="">
+                    <dgm:adjLst/>
+                  </dgm:shape>
+                  <dgm:presOf axis="self" ptType="node" cnt="1"/>
+                  <dgm:choose name="Name78">
+                    <dgm:if name="Name79" func="var" arg="hierBranch" op="equ" val="init">
+                      <dgm:constrLst>
+                        <dgm:constr type="l" for="ch" forName="rootText"/>
+                        <dgm:constr type="t" for="ch" forName="rootText"/>
+                        <dgm:constr type="w" for="ch" forName="rootText" refType="w"/>
+                        <dgm:constr type="h" for="ch" forName="rootText" refType="h"/>
+                        <dgm:constr type="l" for="ch" forName="rootConnector"/>
+                        <dgm:constr type="t" for="ch" forName="rootConnector"/>
+                        <dgm:constr type="w" for="ch" forName="rootConnector" refType="w" refFor="ch" refForName="rootText" fact="0.2"/>
+                        <dgm:constr type="h" for="ch" forName="rootConnector" refType="h" refFor="ch" refForName="rootText"/>
+                      </dgm:constrLst>
+                    </dgm:if>
+                    <dgm:if name="Name80" func="var" arg="hierBranch" op="equ" val="l">
+                      <dgm:constrLst>
+                        <dgm:constr type="l" for="ch" forName="rootText"/>
+                        <dgm:constr type="t" for="ch" forName="rootText"/>
+                        <dgm:constr type="w" for="ch" forName="rootText" refType="w"/>
+                        <dgm:constr type="h" for="ch" forName="rootText" refType="h"/>
+                        <dgm:constr type="r" for="ch" forName="rootConnector" refType="w"/>
+                        <dgm:constr type="t" for="ch" forName="rootConnector"/>
+                        <dgm:constr type="w" for="ch" forName="rootConnector" refType="w" refFor="ch" refForName="rootText" fact="0.2"/>
+                        <dgm:constr type="h" for="ch" forName="rootConnector" refType="h" refFor="ch" refForName="rootText"/>
+                      </dgm:constrLst>
+                    </dgm:if>
+                    <dgm:if name="Name81" func="var" arg="hierBranch" op="equ" val="r">
+                      <dgm:constrLst>
+                        <dgm:constr type="l" for="ch" forName="rootText"/>
+                        <dgm:constr type="t" for="ch" forName="rootText"/>
+                        <dgm:constr type="w" for="ch" forName="rootText" refType="w"/>
+                        <dgm:constr type="h" for="ch" forName="rootText" refType="h"/>
+                        <dgm:constr type="l" for="ch" forName="rootConnector"/>
+                        <dgm:constr type="t" for="ch" forName="rootConnector"/>
+                        <dgm:constr type="w" for="ch" forName="rootConnector" refType="w" refFor="ch" refForName="rootText" fact="0.2"/>
+                        <dgm:constr type="h" for="ch" forName="rootConnector" refType="h" refFor="ch" refForName="rootText"/>
+                      </dgm:constrLst>
+                    </dgm:if>
+                    <dgm:else name="Name82">
+                      <dgm:constrLst>
+                        <dgm:constr type="l" for="ch" forName="rootText"/>
+                        <dgm:constr type="t" for="ch" forName="rootText"/>
+                        <dgm:constr type="w" for="ch" forName="rootText" refType="w"/>
+                        <dgm:constr type="h" for="ch" forName="rootText" refType="h"/>
+                        <dgm:constr type="r" for="ch" forName="rootConnector" refType="w"/>
+                        <dgm:constr type="t" for="ch" forName="rootConnector"/>
+                        <dgm:constr type="w" for="ch" forName="rootConnector" refType="w" refFor="ch" refForName="rootText" fact="0.2"/>
+                        <dgm:constr type="h" for="ch" forName="rootConnector" refType="h" refFor="ch" refForName="rootText"/>
+                      </dgm:constrLst>
+                    </dgm:else>
+                  </dgm:choose>
+                  <dgm:ruleLst/>
+                  <dgm:layoutNode name="rootText">
+                    <dgm:varLst>
+                      <dgm:chPref val="3"/>
+                    </dgm:varLst>
+                    <dgm:alg type="tx"/>
+                    <dgm:shape xmlns:r="http://schemas.openxmlformats.org/officeDocument/2006/relationships" type="rect" r:blip="">
+                      <dgm:adjLst/>
+                    </dgm:shape>
+                    <dgm:presOf axis="self" ptType="node" cnt="1"/>
+                    <dgm:constrLst>
+                      <dgm:constr type="primFontSz" val="65"/>
+                      <dgm:constr type="lMarg" refType="primFontSz" fact="0.05"/>
+                      <dgm:constr type="rMarg" refType="primFontSz" fact="0.05"/>
+                      <dgm:constr type="tMarg" refType="primFontSz" fact="0.05"/>
+                      <dgm:constr type="bMarg" refType="primFontSz" fact="0.05"/>
+                    </dgm:constrLst>
+                    <dgm:ruleLst>
+                      <dgm:rule type="primFontSz" val="5" fact="NaN" max="NaN"/>
+                    </dgm:ruleLst>
+                  </dgm:layoutNode>
+                  <dgm:layoutNode name="rootConnector" moveWith="rootText">
+                    <dgm:alg type="sp"/>
+                    <dgm:shape xmlns:r="http://schemas.openxmlformats.org/officeDocument/2006/relationships" type="rect" r:blip="" hideGeom="1">
+                      <dgm:adjLst/>
+                    </dgm:shape>
+                    <dgm:presOf axis="self" ptType="node" cnt="1"/>
+                    <dgm:constrLst/>
+                    <dgm:ruleLst/>
+                  </dgm:layoutNode>
+                </dgm:layoutNode>
+                <dgm:layoutNode name="hierChild4">
+                  <dgm:choose name="Name83">
+                    <dgm:if name="Name84" func="var" arg="hierBranch" op="equ" val="l">
+                      <dgm:alg type="hierChild">
+                        <dgm:param type="chAlign" val="r"/>
+                        <dgm:param type="linDir" val="fromT"/>
+                      </dgm:alg>
+                    </dgm:if>
+                    <dgm:if name="Name85" func="var" arg="hierBranch" op="equ" val="r">
+                      <dgm:alg type="hierChild">
+                        <dgm:param type="chAlign" val="l"/>
+                        <dgm:param type="linDir" val="fromT"/>
+                      </dgm:alg>
+                    </dgm:if>
+                    <dgm:if name="Name86" func="var" arg="hierBranch" op="equ" val="hang">
+                      <dgm:choose name="Name87">
+                        <dgm:if name="Name88" func="var" arg="dir" op="equ" val="norm">
+                          <dgm:alg type="hierChild">
+                            <dgm:param type="chAlign" val="l"/>
+                            <dgm:param type="linDir" val="fromL"/>
+                            <dgm:param type="secChAlign" val="t"/>
+                            <dgm:param type="secLinDir" val="fromT"/>
+                          </dgm:alg>
+                        </dgm:if>
+                        <dgm:else name="Name89">
+                          <dgm:alg type="hierChild">
+                            <dgm:param type="chAlign" val="l"/>
+                            <dgm:param type="linDir" val="fromR"/>
+                            <dgm:param type="secChAlign" val="t"/>
+                            <dgm:param type="secLinDir" val="fromT"/>
+                          </dgm:alg>
+                        </dgm:else>
+                      </dgm:choose>
+                    </dgm:if>
+                    <dgm:if name="Name90" func="var" arg="hierBranch" op="equ" val="std">
+                      <dgm:choose name="Name91">
+                        <dgm:if name="Name92" func="var" arg="dir" op="equ" val="norm">
+                          <dgm:alg type="hierChild"/>
+                        </dgm:if>
+                        <dgm:else name="Name93">
+                          <dgm:alg type="hierChild">
+                            <dgm:param type="linDir" val="fromR"/>
+                          </dgm:alg>
+                        </dgm:else>
+                      </dgm:choose>
+                    </dgm:if>
+                    <dgm:if name="Name94" func="var" arg="hierBranch" op="equ" val="init">
+                      <dgm:choose name="Name95">
+                        <dgm:if name="Name96" axis="des" func="maxDepth" op="lte" val="1">
+                          <dgm:alg type="hierChild">
+                            <dgm:param type="chAlign" val="l"/>
+                            <dgm:param type="linDir" val="fromT"/>
+                          </dgm:alg>
+                        </dgm:if>
+                        <dgm:else name="Name97">
+                          <dgm:choose name="Name98">
+                            <dgm:if name="Name99" func="var" arg="dir" op="equ" val="norm">
+                              <dgm:alg type="hierChild"/>
+                            </dgm:if>
+                            <dgm:else name="Name100">
+                              <dgm:alg type="hierChild">
+                                <dgm:param type="linDir" val="fromR"/>
+                              </dgm:alg>
+                            </dgm:else>
+                          </dgm:choose>
+                        </dgm:else>
+                      </dgm:choose>
+                    </dgm:if>
+                    <dgm:else name="Name101"/>
+                  </dgm:choose>
+                  <dgm:shape xmlns:r="http://schemas.openxmlformats.org/officeDocument/2006/relationships" r:blip="">
+                    <dgm:adjLst/>
+                  </dgm:shape>
+                  <dgm:presOf/>
+                  <dgm:constrLst/>
+                  <dgm:ruleLst/>
+                  <dgm:forEach name="Name102" ref="rep2a"/>
+                </dgm:layoutNode>
+                <dgm:layoutNode name="hierChild5">
+                  <dgm:choose name="Name103">
+                    <dgm:if name="Name104" func="var" arg="dir" op="equ" val="norm">
+                      <dgm:alg type="hierChild">
+                        <dgm:param type="chAlign" val="l"/>
+                        <dgm:param type="linDir" val="fromL"/>
+                        <dgm:param type="secChAlign" val="t"/>
+                        <dgm:param type="secLinDir" val="fromT"/>
+                      </dgm:alg>
+                    </dgm:if>
+                    <dgm:else name="Name105">
+                      <dgm:alg type="hierChild">
+                        <dgm:param type="chAlign" val="l"/>
+                        <dgm:param type="linDir" val="fromR"/>
+                        <dgm:param type="secChAlign" val="t"/>
+                        <dgm:param type="secLinDir" val="fromT"/>
+                      </dgm:alg>
+                    </dgm:else>
+                  </dgm:choose>
+                  <dgm:shape xmlns:r="http://schemas.openxmlformats.org/officeDocument/2006/relationships" r:blip="">
+                    <dgm:adjLst/>
+                  </dgm:shape>
+                  <dgm:presOf/>
+                  <dgm:constrLst/>
+                  <dgm:ruleLst/>
+                  <dgm:forEach name="Name106" ref="rep2b"/>
+                </dgm:layoutNode>
+              </dgm:layoutNode>
+            </dgm:forEach>
+          </dgm:layoutNode>
+          <dgm:layoutNode name="hierChild3">
+            <dgm:choose name="Name107">
+              <dgm:if name="Name108" func="var" arg="dir" op="equ" val="norm">
+                <dgm:alg type="hierChild">
+                  <dgm:param type="chAlign" val="l"/>
+                  <dgm:param type="linDir" val="fromL"/>
+                  <dgm:param type="secChAlign" val="t"/>
+                  <dgm:param type="secLinDir" val="fromT"/>
+                </dgm:alg>
+              </dgm:if>
+              <dgm:else name="Name109">
+                <dgm:alg type="hierChild">
+                  <dgm:param type="chAlign" val="l"/>
+                  <dgm:param type="linDir" val="fromR"/>
+                  <dgm:param type="secChAlign" val="t"/>
+                  <dgm:param type="secLinDir" val="fromT"/>
+                </dgm:alg>
+              </dgm:else>
+            </dgm:choose>
+            <dgm:shape xmlns:r="http://schemas.openxmlformats.org/officeDocument/2006/relationships" r:blip="">
+              <dgm:adjLst/>
+            </dgm:shape>
+            <dgm:presOf/>
+            <dgm:constrLst/>
+            <dgm:ruleLst/>
+            <dgm:forEach name="rep2b" axis="ch" ptType="asst">
+              <dgm:forEach name="Name110" axis="precedSib" ptType="parTrans" st="-1" cnt="1">
+                <dgm:layoutNode name="Name111">
+                  <dgm:alg type="conn">
+                    <dgm:param type="connRout" val="bend"/>
+                    <dgm:param type="dim" val="1D"/>
+                    <dgm:param type="endSty" val="noArr"/>
+                    <dgm:param type="begPts" val="bCtr"/>
+                    <dgm:param type="endPts" val="midL midR"/>
+                  </dgm:alg>
+                  <dgm:shape xmlns:r="http://schemas.openxmlformats.org/officeDocument/2006/relationships" type="conn" r:blip="" zOrderOff="-99999">
+                    <dgm:adjLst/>
+                  </dgm:shape>
+                  <dgm:presOf axis="self"/>
+                  <dgm:constrLst>
+                    <dgm:constr type="begPad"/>
+                    <dgm:constr type="endPad"/>
+                  </dgm:constrLst>
+                  <dgm:ruleLst/>
+                </dgm:layoutNode>
+              </dgm:forEach>
+              <dgm:layoutNode name="hierRoot3">
+                <dgm:varLst>
+                  <dgm:hierBranch val="init"/>
+                </dgm:varLst>
+                <dgm:choose name="Name112">
+                  <dgm:if name="Name113" func="var" arg="hierBranch" op="equ" val="l">
+                    <dgm:alg type="hierRoot">
+                      <dgm:param type="hierAlign" val="tR"/>
+                    </dgm:alg>
+                    <dgm:shape xmlns:r="http://schemas.openxmlformats.org/officeDocument/2006/relationships" r:blip="">
+                      <dgm:adjLst/>
+                    </dgm:shape>
+                    <dgm:presOf/>
+                    <dgm:constrLst>
+                      <dgm:constr type="alignOff" val="0.65"/>
+                    </dgm:constrLst>
+                  </dgm:if>
+                  <dgm:if name="Name114" func="var" arg="hierBranch" op="equ" val="r">
+                    <dgm:alg type="hierRoot">
+                      <dgm:param type="hierAlign" val="tL"/>
+                    </dgm:alg>
+                    <dgm:shape xmlns:r="http://schemas.openxmlformats.org/officeDocument/2006/relationships" r:blip="">
+                      <dgm:adjLst/>
+                    </dgm:shape>
+                    <dgm:presOf/>
+                    <dgm:constrLst>
+                      <dgm:constr type="alignOff" val="0.65"/>
+                    </dgm:constrLst>
+                  </dgm:if>
+                  <dgm:if name="Name115" func="var" arg="hierBranch" op="equ" val="hang">
+                    <dgm:alg type="hierRoot"/>
+                    <dgm:shape xmlns:r="http://schemas.openxmlformats.org/officeDocument/2006/relationships" r:blip="">
+                      <dgm:adjLst/>
+                    </dgm:shape>
+                    <dgm:presOf/>
+                    <dgm:constrLst>
+                      <dgm:constr type="alignOff" val="0.65"/>
+                    </dgm:constrLst>
+                  </dgm:if>
+                  <dgm:if name="Name116" func="var" arg="hierBranch" op="equ" val="std">
+                    <dgm:alg type="hierRoot"/>
+                    <dgm:shape xmlns:r="http://schemas.openxmlformats.org/officeDocument/2006/relationships" r:blip="">
+                      <dgm:adjLst/>
+                    </dgm:shape>
+                    <dgm:presOf/>
+                    <dgm:constrLst>
+                      <dgm:constr type="alignOff"/>
+                      <dgm:constr type="bendDist" for="des" ptType="parTrans" refType="sp" fact="0.5"/>
+                    </dgm:constrLst>
+                  </dgm:if>
+                  <dgm:if name="Name117" func="var" arg="hierBranch" op="equ" val="init">
+                    <dgm:choose name="Name118">
+                      <dgm:if name="Name119" axis="des" func="maxDepth" op="lte" val="1">
+                        <dgm:alg type="hierRoot">
+                          <dgm:param type="hierAlign" val="tL"/>
+                        </dgm:alg>
+                        <dgm:shape xmlns:r="http://schemas.openxmlformats.org/officeDocument/2006/relationships" r:blip="">
+                          <dgm:adjLst/>
+                        </dgm:shape>
+                        <dgm:presOf/>
+                        <dgm:constrLst>
+                          <dgm:constr type="alignOff" val="0.65"/>
+                        </dgm:constrLst>
+                      </dgm:if>
+                      <dgm:else name="Name120">
+                        <dgm:alg type="hierRoot"/>
+                        <dgm:shape xmlns:r="http://schemas.openxmlformats.org/officeDocument/2006/relationships" r:blip="">
+                          <dgm:adjLst/>
+                        </dgm:shape>
+                        <dgm:presOf/>
+                        <dgm:constrLst>
+                          <dgm:constr type="alignOff"/>
+                          <dgm:constr type="bendDist" for="des" ptType="parTrans" refType="sp" fact="0.5"/>
+                        </dgm:constrLst>
+                      </dgm:else>
+                    </dgm:choose>
+                  </dgm:if>
+                  <dgm:else name="Name121"/>
+                </dgm:choose>
+                <dgm:ruleLst/>
+                <dgm:layoutNode name="rootComposite3">
+                  <dgm:alg type="composite"/>
+                  <dgm:shape xmlns:r="http://schemas.openxmlformats.org/officeDocument/2006/relationships" r:blip="">
+                    <dgm:adjLst/>
+                  </dgm:shape>
+                  <dgm:presOf axis="self" ptType="node" cnt="1"/>
+                  <dgm:choose name="Name122">
+                    <dgm:if name="Name123" func="var" arg="hierBranch" op="equ" val="init">
+                      <dgm:constrLst>
+                        <dgm:constr type="l" for="ch" forName="rootText3"/>
+                        <dgm:constr type="t" for="ch" forName="rootText3"/>
+                        <dgm:constr type="w" for="ch" forName="rootText3" refType="w"/>
+                        <dgm:constr type="h" for="ch" forName="rootText3" refType="h"/>
+                        <dgm:constr type="l" for="ch" forName="rootConnector3"/>
+                        <dgm:constr type="t" for="ch" forName="rootConnector3"/>
+                        <dgm:constr type="w" for="ch" forName="rootConnector3" refType="w" refFor="ch" refForName="rootText3" fact="0.2"/>
+                        <dgm:constr type="h" for="ch" forName="rootConnector3" refType="h" refFor="ch" refForName="rootText3"/>
+                      </dgm:constrLst>
+                    </dgm:if>
+                    <dgm:if name="Name124" func="var" arg="hierBranch" op="equ" val="l">
+                      <dgm:constrLst>
+                        <dgm:constr type="l" for="ch" forName="rootText3"/>
+                        <dgm:constr type="t" for="ch" forName="rootText3"/>
+                        <dgm:constr type="w" for="ch" forName="rootText3" refType="w"/>
+                        <dgm:constr type="h" for="ch" forName="rootText3" refType="h"/>
+                        <dgm:constr type="r" for="ch" forName="rootConnector3" refType="w"/>
+                        <dgm:constr type="t" for="ch" forName="rootConnector3"/>
+                        <dgm:constr type="w" for="ch" forName="rootConnector3" refType="w" refFor="ch" refForName="rootText3" fact="0.2"/>
+                        <dgm:constr type="h" for="ch" forName="rootConnector3" refType="h" refFor="ch" refForName="rootText3"/>
+                      </dgm:constrLst>
+                    </dgm:if>
+                    <dgm:if name="Name125" func="var" arg="hierBranch" op="equ" val="r">
+                      <dgm:constrLst>
+                        <dgm:constr type="l" for="ch" forName="rootText3"/>
+                        <dgm:constr type="t" for="ch" forName="rootText3"/>
+                        <dgm:constr type="w" for="ch" forName="rootText3" refType="w"/>
+                        <dgm:constr type="h" for="ch" forName="rootText3" refType="h"/>
+                        <dgm:constr type="l" for="ch" forName="rootConnector3"/>
+                        <dgm:constr type="t" for="ch" forName="rootConnector3"/>
+                        <dgm:constr type="w" for="ch" forName="rootConnector3" refType="w" refFor="ch" refForName="rootText3" fact="0.2"/>
+                        <dgm:constr type="h" for="ch" forName="rootConnector3" refType="h" refFor="ch" refForName="rootText3"/>
+                      </dgm:constrLst>
+                    </dgm:if>
+                    <dgm:else name="Name126">
+                      <dgm:constrLst>
+                        <dgm:constr type="l" for="ch" forName="rootText3"/>
+                        <dgm:constr type="t" for="ch" forName="rootText3"/>
+                        <dgm:constr type="w" for="ch" forName="rootText3" refType="w"/>
+                        <dgm:constr type="h" for="ch" forName="rootText3" refType="h"/>
+                        <dgm:constr type="r" for="ch" forName="rootConnector3" refType="w"/>
+                        <dgm:constr type="t" for="ch" forName="rootConnector3"/>
+                        <dgm:constr type="w" for="ch" forName="rootConnector3" refType="w" refFor="ch" refForName="rootText3" fact="0.2"/>
+                        <dgm:constr type="h" for="ch" forName="rootConnector3" refType="h" refFor="ch" refForName="rootText3"/>
+                      </dgm:constrLst>
+                    </dgm:else>
+                  </dgm:choose>
+                  <dgm:ruleLst/>
+                  <dgm:layoutNode name="rootText3">
+                    <dgm:varLst>
+                      <dgm:chPref val="3"/>
+                    </dgm:varLst>
+                    <dgm:alg type="tx"/>
+                    <dgm:shape xmlns:r="http://schemas.openxmlformats.org/officeDocument/2006/relationships" type="rect" r:blip="">
+                      <dgm:adjLst/>
+                    </dgm:shape>
+                    <dgm:presOf axis="self" ptType="node" cnt="1"/>
+                    <dgm:constrLst>
+                      <dgm:constr type="primFontSz" val="65"/>
+                      <dgm:constr type="lMarg" refType="primFontSz" fact="0.05"/>
+                      <dgm:constr type="rMarg" refType="primFontSz" fact="0.05"/>
+                      <dgm:constr type="tMarg" refType="primFontSz" fact="0.05"/>
+                      <dgm:constr type="bMarg" refType="primFontSz" fact="0.05"/>
+                    </dgm:constrLst>
+                    <dgm:ruleLst>
+                      <dgm:rule type="primFontSz" val="5" fact="NaN" max="NaN"/>
+                    </dgm:ruleLst>
+                  </dgm:layoutNode>
+                  <dgm:layoutNode name="rootConnector3" moveWith="rootText1">
+                    <dgm:alg type="sp"/>
+                    <dgm:shape xmlns:r="http://schemas.openxmlformats.org/officeDocument/2006/relationships" type="rect" r:blip="" hideGeom="1">
+                      <dgm:adjLst/>
+                    </dgm:shape>
+                    <dgm:presOf axis="self" ptType="node" cnt="1"/>
+                    <dgm:constrLst/>
+                    <dgm:ruleLst/>
+                  </dgm:layoutNode>
+                </dgm:layoutNode>
+                <dgm:layoutNode name="hierChild6">
+                  <dgm:choose name="Name127">
+                    <dgm:if name="Name128" func="var" arg="hierBranch" op="equ" val="l">
+                      <dgm:alg type="hierChild">
+                        <dgm:param type="chAlign" val="r"/>
+                        <dgm:param type="linDir" val="fromT"/>
+                      </dgm:alg>
+                    </dgm:if>
+                    <dgm:if name="Name129" func="var" arg="hierBranch" op="equ" val="r">
+                      <dgm:alg type="hierChild">
+                        <dgm:param type="chAlign" val="l"/>
+                        <dgm:param type="linDir" val="fromT"/>
+                      </dgm:alg>
+                    </dgm:if>
+                    <dgm:if name="Name130" func="var" arg="hierBranch" op="equ" val="hang">
+                      <dgm:choose name="Name131">
+                        <dgm:if name="Name132" func="var" arg="dir" op="equ" val="norm">
+                          <dgm:alg type="hierChild">
+                            <dgm:param type="chAlign" val="l"/>
+                            <dgm:param type="linDir" val="fromL"/>
+                            <dgm:param type="secChAlign" val="t"/>
+                            <dgm:param type="secLinDir" val="fromT"/>
+                          </dgm:alg>
+                        </dgm:if>
+                        <dgm:else name="Name133">
+                          <dgm:alg type="hierChild">
+                            <dgm:param type="chAlign" val="l"/>
+                            <dgm:param type="linDir" val="fromR"/>
+                            <dgm:param type="secChAlign" val="t"/>
+                            <dgm:param type="secLinDir" val="fromT"/>
+                          </dgm:alg>
+                        </dgm:else>
+                      </dgm:choose>
+                    </dgm:if>
+                    <dgm:if name="Name134" func="var" arg="hierBranch" op="equ" val="std">
+                      <dgm:choose name="Name135">
+                        <dgm:if name="Name136" func="var" arg="dir" op="equ" val="norm">
+                          <dgm:alg type="hierChild"/>
+                        </dgm:if>
+                        <dgm:else name="Name137">
+                          <dgm:alg type="hierChild">
+                            <dgm:param type="linDir" val="fromR"/>
+                          </dgm:alg>
+                        </dgm:else>
+                      </dgm:choose>
+                    </dgm:if>
+                    <dgm:if name="Name138" func="var" arg="hierBranch" op="equ" val="init">
+                      <dgm:choose name="Name139">
+                        <dgm:if name="Name140" axis="des" func="maxDepth" op="lte" val="1">
+                          <dgm:alg type="hierChild">
+                            <dgm:param type="chAlign" val="l"/>
+                            <dgm:param type="linDir" val="fromT"/>
+                          </dgm:alg>
+                        </dgm:if>
+                        <dgm:else name="Name141">
+                          <dgm:alg type="hierChild"/>
+                        </dgm:else>
+                      </dgm:choose>
+                    </dgm:if>
+                    <dgm:else name="Name142"/>
+                  </dgm:choose>
+                  <dgm:shape xmlns:r="http://schemas.openxmlformats.org/officeDocument/2006/relationships" r:blip="">
+                    <dgm:adjLst/>
+                  </dgm:shape>
+                  <dgm:presOf/>
+                  <dgm:constrLst/>
+                  <dgm:ruleLst/>
+                  <dgm:forEach name="Name143" ref="rep2a"/>
+                </dgm:layoutNode>
+                <dgm:layoutNode name="hierChild7">
+                  <dgm:choose name="Name144">
+                    <dgm:if name="Name145" func="var" arg="dir" op="equ" val="norm">
+                      <dgm:alg type="hierChild">
+                        <dgm:param type="chAlign" val="l"/>
+                        <dgm:param type="linDir" val="fromL"/>
+                        <dgm:param type="secChAlign" val="t"/>
+                        <dgm:param type="secLinDir" val="fromT"/>
+                      </dgm:alg>
+                    </dgm:if>
+                    <dgm:else name="Name146">
+                      <dgm:alg type="hierChild">
+                        <dgm:param type="chAlign" val="l"/>
+                        <dgm:param type="linDir" val="fromR"/>
+                        <dgm:param type="secChAlign" val="t"/>
+                        <dgm:param type="secLinDir" val="fromT"/>
+                      </dgm:alg>
+                    </dgm:else>
+                  </dgm:choose>
+                  <dgm:shape xmlns:r="http://schemas.openxmlformats.org/officeDocument/2006/relationships" r:blip="">
+                    <dgm:adjLst/>
+                  </dgm:shape>
+                  <dgm:presOf/>
+                  <dgm:constrLst/>
+                  <dgm:ruleLst/>
+                  <dgm:forEach name="Name147" ref="rep2b"/>
+                </dgm:layoutNode>
+              </dgm:layoutNode>
+            </dgm:forEach>
+          </dgm:layoutNode>
+        </dgm:layoutNode>
+      </dgm:forEach>
+    </dgm:forEach>
+  </dgm:layoutNode>
+</dgm:layoutDef>
+</file>
+
+<file path=ppt/diagrams/layout10.xml><?xml version="1.0" encoding="utf-8"?>
 <dgm:layoutDef xmlns:dgm="http://schemas.openxmlformats.org/drawingml/2006/diagram" xmlns:a="http://schemas.openxmlformats.org/drawingml/2006/main" uniqueId="urn:microsoft.com/office/officeart/2005/8/layout/orgChart1">
   <dgm:title val=""/>
   <dgm:desc val=""/>
@@ -25334,7 +30441,2187 @@
 </dgm:layoutDef>
 </file>
 
+<file path=ppt/diagrams/layout9.xml><?xml version="1.0" encoding="utf-8"?>
+<dgm:layoutDef xmlns:dgm="http://schemas.openxmlformats.org/drawingml/2006/diagram" xmlns:a="http://schemas.openxmlformats.org/drawingml/2006/main" uniqueId="urn:microsoft.com/office/officeart/2005/8/layout/orgChart1">
+  <dgm:title val=""/>
+  <dgm:desc val=""/>
+  <dgm:catLst>
+    <dgm:cat type="hierarchy" pri="1000"/>
+    <dgm:cat type="convert" pri="6000"/>
+  </dgm:catLst>
+  <dgm:sampData>
+    <dgm:dataModel>
+      <dgm:ptLst>
+        <dgm:pt modelId="0" type="doc"/>
+        <dgm:pt modelId="1">
+          <dgm:prSet phldr="1"/>
+        </dgm:pt>
+        <dgm:pt modelId="2" type="asst">
+          <dgm:prSet phldr="1"/>
+        </dgm:pt>
+        <dgm:pt modelId="3">
+          <dgm:prSet phldr="1"/>
+        </dgm:pt>
+        <dgm:pt modelId="4">
+          <dgm:prSet phldr="1"/>
+        </dgm:pt>
+        <dgm:pt modelId="5">
+          <dgm:prSet phldr="1"/>
+        </dgm:pt>
+      </dgm:ptLst>
+      <dgm:cxnLst>
+        <dgm:cxn modelId="5" srcId="0" destId="1" srcOrd="0" destOrd="0"/>
+        <dgm:cxn modelId="6" srcId="1" destId="2" srcOrd="0" destOrd="0"/>
+        <dgm:cxn modelId="7" srcId="1" destId="3" srcOrd="1" destOrd="0"/>
+        <dgm:cxn modelId="8" srcId="1" destId="4" srcOrd="2" destOrd="0"/>
+        <dgm:cxn modelId="9" srcId="1" destId="5" srcOrd="3" destOrd="0"/>
+      </dgm:cxnLst>
+      <dgm:bg/>
+      <dgm:whole/>
+    </dgm:dataModel>
+  </dgm:sampData>
+  <dgm:styleData>
+    <dgm:dataModel>
+      <dgm:ptLst>
+        <dgm:pt modelId="0" type="doc"/>
+        <dgm:pt modelId="1"/>
+        <dgm:pt modelId="12"/>
+        <dgm:pt modelId="13"/>
+      </dgm:ptLst>
+      <dgm:cxnLst>
+        <dgm:cxn modelId="2" srcId="0" destId="1" srcOrd="0" destOrd="0"/>
+        <dgm:cxn modelId="16" srcId="1" destId="12" srcOrd="1" destOrd="0"/>
+        <dgm:cxn modelId="17" srcId="1" destId="13" srcOrd="2" destOrd="0"/>
+      </dgm:cxnLst>
+      <dgm:bg/>
+      <dgm:whole/>
+    </dgm:dataModel>
+  </dgm:styleData>
+  <dgm:clrData>
+    <dgm:dataModel>
+      <dgm:ptLst>
+        <dgm:pt modelId="0" type="doc"/>
+        <dgm:pt modelId="1"/>
+        <dgm:pt modelId="11" type="asst"/>
+        <dgm:pt modelId="12"/>
+        <dgm:pt modelId="13"/>
+        <dgm:pt modelId="14"/>
+      </dgm:ptLst>
+      <dgm:cxnLst>
+        <dgm:cxn modelId="2" srcId="0" destId="1" srcOrd="0" destOrd="0"/>
+        <dgm:cxn modelId="15" srcId="1" destId="11" srcOrd="0" destOrd="0"/>
+        <dgm:cxn modelId="16" srcId="1" destId="12" srcOrd="1" destOrd="0"/>
+        <dgm:cxn modelId="17" srcId="1" destId="13" srcOrd="2" destOrd="0"/>
+        <dgm:cxn modelId="18" srcId="1" destId="14" srcOrd="2" destOrd="0"/>
+      </dgm:cxnLst>
+      <dgm:bg/>
+      <dgm:whole/>
+    </dgm:dataModel>
+  </dgm:clrData>
+  <dgm:layoutNode name="hierChild1">
+    <dgm:varLst>
+      <dgm:orgChart val="1"/>
+      <dgm:chPref val="1"/>
+      <dgm:dir/>
+      <dgm:animOne val="branch"/>
+      <dgm:animLvl val="lvl"/>
+      <dgm:resizeHandles/>
+    </dgm:varLst>
+    <dgm:choose name="Name0">
+      <dgm:if name="Name1" func="var" arg="dir" op="equ" val="norm">
+        <dgm:alg type="hierChild">
+          <dgm:param type="linDir" val="fromL"/>
+        </dgm:alg>
+      </dgm:if>
+      <dgm:else name="Name2">
+        <dgm:alg type="hierChild">
+          <dgm:param type="linDir" val="fromR"/>
+        </dgm:alg>
+      </dgm:else>
+    </dgm:choose>
+    <dgm:shape xmlns:r="http://schemas.openxmlformats.org/officeDocument/2006/relationships" r:blip="">
+      <dgm:adjLst/>
+    </dgm:shape>
+    <dgm:presOf/>
+    <dgm:constrLst>
+      <dgm:constr type="w" for="des" forName="rootComposite1" refType="w" fact="10"/>
+      <dgm:constr type="h" for="des" forName="rootComposite1" refType="w" refFor="des" refForName="rootComposite1" fact="0.5"/>
+      <dgm:constr type="w" for="des" forName="rootComposite" refType="w" fact="10"/>
+      <dgm:constr type="h" for="des" forName="rootComposite" refType="w" refFor="des" refForName="rootComposite1" fact="0.5"/>
+      <dgm:constr type="w" for="des" forName="rootComposite3" refType="w" fact="10"/>
+      <dgm:constr type="h" for="des" forName="rootComposite3" refType="w" refFor="des" refForName="rootComposite1" fact="0.5"/>
+      <dgm:constr type="primFontSz" for="des" ptType="node" op="equ"/>
+      <dgm:constr type="sp" for="des" op="equ"/>
+      <dgm:constr type="sp" for="des" forName="hierRoot1" refType="w" refFor="des" refForName="rootComposite1" fact="0.21"/>
+      <dgm:constr type="sp" for="des" forName="hierRoot2" refType="sp" refFor="des" refForName="hierRoot1"/>
+      <dgm:constr type="sp" for="des" forName="hierRoot3" refType="sp" refFor="des" refForName="hierRoot1"/>
+      <dgm:constr type="sibSp" refType="w" refFor="des" refForName="rootComposite1" fact="0.21"/>
+      <dgm:constr type="sibSp" for="des" forName="hierChild2" refType="sibSp"/>
+      <dgm:constr type="sibSp" for="des" forName="hierChild3" refType="sibSp"/>
+      <dgm:constr type="sibSp" for="des" forName="hierChild4" refType="sibSp"/>
+      <dgm:constr type="sibSp" for="des" forName="hierChild5" refType="sibSp"/>
+      <dgm:constr type="sibSp" for="des" forName="hierChild6" refType="sibSp"/>
+      <dgm:constr type="sibSp" for="des" forName="hierChild7" refType="sibSp"/>
+      <dgm:constr type="secSibSp" refType="w" refFor="des" refForName="rootComposite1" fact="0.21"/>
+      <dgm:constr type="secSibSp" for="des" forName="hierChild2" refType="secSibSp"/>
+      <dgm:constr type="secSibSp" for="des" forName="hierChild3" refType="secSibSp"/>
+      <dgm:constr type="secSibSp" for="des" forName="hierChild4" refType="secSibSp"/>
+      <dgm:constr type="secSibSp" for="des" forName="hierChild5" refType="secSibSp"/>
+      <dgm:constr type="secSibSp" for="des" forName="hierChild6" refType="secSibSp"/>
+      <dgm:constr type="secSibSp" for="des" forName="hierChild7" refType="secSibSp"/>
+    </dgm:constrLst>
+    <dgm:ruleLst/>
+    <dgm:forEach name="Name3" axis="ch">
+      <dgm:forEach name="Name4" axis="self" ptType="node">
+        <dgm:layoutNode name="hierRoot1">
+          <dgm:varLst>
+            <dgm:hierBranch val="init"/>
+          </dgm:varLst>
+          <dgm:choose name="Name5">
+            <dgm:if name="Name6" func="var" arg="hierBranch" op="equ" val="l">
+              <dgm:choose name="Name7">
+                <dgm:if name="Name8" axis="ch" ptType="asst" func="cnt" op="gte" val="1">
+                  <dgm:alg type="hierRoot">
+                    <dgm:param type="hierAlign" val="tR"/>
+                  </dgm:alg>
+                  <dgm:constrLst>
+                    <dgm:constr type="alignOff" val="0.65"/>
+                  </dgm:constrLst>
+                </dgm:if>
+                <dgm:else name="Name9">
+                  <dgm:alg type="hierRoot">
+                    <dgm:param type="hierAlign" val="tR"/>
+                  </dgm:alg>
+                  <dgm:constrLst>
+                    <dgm:constr type="alignOff" val="0.25"/>
+                  </dgm:constrLst>
+                </dgm:else>
+              </dgm:choose>
+            </dgm:if>
+            <dgm:if name="Name10" func="var" arg="hierBranch" op="equ" val="r">
+              <dgm:choose name="Name11">
+                <dgm:if name="Name12" axis="ch" ptType="asst" func="cnt" op="gte" val="1">
+                  <dgm:alg type="hierRoot">
+                    <dgm:param type="hierAlign" val="tL"/>
+                  </dgm:alg>
+                  <dgm:constrLst>
+                    <dgm:constr type="alignOff" val="0.65"/>
+                  </dgm:constrLst>
+                </dgm:if>
+                <dgm:else name="Name13">
+                  <dgm:alg type="hierRoot">
+                    <dgm:param type="hierAlign" val="tL"/>
+                  </dgm:alg>
+                  <dgm:constrLst>
+                    <dgm:constr type="alignOff" val="0.25"/>
+                  </dgm:constrLst>
+                </dgm:else>
+              </dgm:choose>
+            </dgm:if>
+            <dgm:if name="Name14" func="var" arg="hierBranch" op="equ" val="hang">
+              <dgm:alg type="hierRoot"/>
+              <dgm:constrLst>
+                <dgm:constr type="alignOff" val="0.65"/>
+              </dgm:constrLst>
+            </dgm:if>
+            <dgm:else name="Name15">
+              <dgm:alg type="hierRoot"/>
+              <dgm:constrLst>
+                <dgm:constr type="alignOff"/>
+                <dgm:constr type="bendDist" for="des" ptType="parTrans" refType="sp" fact="0.5"/>
+              </dgm:constrLst>
+            </dgm:else>
+          </dgm:choose>
+          <dgm:shape xmlns:r="http://schemas.openxmlformats.org/officeDocument/2006/relationships" r:blip="">
+            <dgm:adjLst/>
+          </dgm:shape>
+          <dgm:presOf/>
+          <dgm:ruleLst/>
+          <dgm:layoutNode name="rootComposite1">
+            <dgm:alg type="composite"/>
+            <dgm:shape xmlns:r="http://schemas.openxmlformats.org/officeDocument/2006/relationships" r:blip="">
+              <dgm:adjLst/>
+            </dgm:shape>
+            <dgm:presOf axis="self" ptType="node" cnt="1"/>
+            <dgm:choose name="Name16">
+              <dgm:if name="Name17" func="var" arg="hierBranch" op="equ" val="init">
+                <dgm:constrLst>
+                  <dgm:constr type="l" for="ch" forName="rootText1"/>
+                  <dgm:constr type="t" for="ch" forName="rootText1"/>
+                  <dgm:constr type="w" for="ch" forName="rootText1" refType="w"/>
+                  <dgm:constr type="h" for="ch" forName="rootText1" refType="h"/>
+                  <dgm:constr type="l" for="ch" forName="rootConnector1"/>
+                  <dgm:constr type="t" for="ch" forName="rootConnector1"/>
+                  <dgm:constr type="w" for="ch" forName="rootConnector1" refType="w" refFor="ch" refForName="rootText1" fact="0.2"/>
+                  <dgm:constr type="h" for="ch" forName="rootConnector1" refType="h" refFor="ch" refForName="rootText1"/>
+                </dgm:constrLst>
+              </dgm:if>
+              <dgm:if name="Name18" func="var" arg="hierBranch" op="equ" val="l">
+                <dgm:constrLst>
+                  <dgm:constr type="l" for="ch" forName="rootText1"/>
+                  <dgm:constr type="t" for="ch" forName="rootText1"/>
+                  <dgm:constr type="w" for="ch" forName="rootText1" refType="w"/>
+                  <dgm:constr type="h" for="ch" forName="rootText1" refType="h"/>
+                  <dgm:constr type="r" for="ch" forName="rootConnector1" refType="w"/>
+                  <dgm:constr type="t" for="ch" forName="rootConnector1"/>
+                  <dgm:constr type="w" for="ch" forName="rootConnector1" refType="w" refFor="ch" refForName="rootText1" fact="0.2"/>
+                  <dgm:constr type="h" for="ch" forName="rootConnector1" refType="h" refFor="ch" refForName="rootText1"/>
+                </dgm:constrLst>
+              </dgm:if>
+              <dgm:if name="Name19" func="var" arg="hierBranch" op="equ" val="r">
+                <dgm:constrLst>
+                  <dgm:constr type="l" for="ch" forName="rootText1"/>
+                  <dgm:constr type="t" for="ch" forName="rootText1"/>
+                  <dgm:constr type="w" for="ch" forName="rootText1" refType="w"/>
+                  <dgm:constr type="h" for="ch" forName="rootText1" refType="h"/>
+                  <dgm:constr type="l" for="ch" forName="rootConnector1"/>
+                  <dgm:constr type="t" for="ch" forName="rootConnector1"/>
+                  <dgm:constr type="w" for="ch" forName="rootConnector1" refType="w" refFor="ch" refForName="rootText1" fact="0.2"/>
+                  <dgm:constr type="h" for="ch" forName="rootConnector1" refType="h" refFor="ch" refForName="rootText1"/>
+                </dgm:constrLst>
+              </dgm:if>
+              <dgm:else name="Name20">
+                <dgm:constrLst>
+                  <dgm:constr type="l" for="ch" forName="rootText1"/>
+                  <dgm:constr type="t" for="ch" forName="rootText1"/>
+                  <dgm:constr type="w" for="ch" forName="rootText1" refType="w"/>
+                  <dgm:constr type="h" for="ch" forName="rootText1" refType="h"/>
+                  <dgm:constr type="r" for="ch" forName="rootConnector1" refType="w"/>
+                  <dgm:constr type="t" for="ch" forName="rootConnector1"/>
+                  <dgm:constr type="w" for="ch" forName="rootConnector1" refType="w" refFor="ch" refForName="rootText1" fact="0.2"/>
+                  <dgm:constr type="h" for="ch" forName="rootConnector1" refType="h" refFor="ch" refForName="rootText1"/>
+                </dgm:constrLst>
+              </dgm:else>
+            </dgm:choose>
+            <dgm:ruleLst/>
+            <dgm:layoutNode name="rootText1" styleLbl="node0">
+              <dgm:varLst>
+                <dgm:chPref val="3"/>
+              </dgm:varLst>
+              <dgm:alg type="tx"/>
+              <dgm:shape xmlns:r="http://schemas.openxmlformats.org/officeDocument/2006/relationships" type="rect" r:blip="">
+                <dgm:adjLst/>
+              </dgm:shape>
+              <dgm:presOf axis="self" ptType="node" cnt="1"/>
+              <dgm:constrLst>
+                <dgm:constr type="primFontSz" val="65"/>
+                <dgm:constr type="lMarg" refType="primFontSz" fact="0.05"/>
+                <dgm:constr type="rMarg" refType="primFontSz" fact="0.05"/>
+                <dgm:constr type="tMarg" refType="primFontSz" fact="0.05"/>
+                <dgm:constr type="bMarg" refType="primFontSz" fact="0.05"/>
+              </dgm:constrLst>
+              <dgm:ruleLst>
+                <dgm:rule type="primFontSz" val="5" fact="NaN" max="NaN"/>
+              </dgm:ruleLst>
+            </dgm:layoutNode>
+            <dgm:layoutNode name="rootConnector1" moveWith="rootText1">
+              <dgm:alg type="sp"/>
+              <dgm:shape xmlns:r="http://schemas.openxmlformats.org/officeDocument/2006/relationships" type="rect" r:blip="" hideGeom="1">
+                <dgm:adjLst/>
+              </dgm:shape>
+              <dgm:presOf axis="self" ptType="node" cnt="1"/>
+              <dgm:constrLst/>
+              <dgm:ruleLst/>
+            </dgm:layoutNode>
+          </dgm:layoutNode>
+          <dgm:layoutNode name="hierChild2">
+            <dgm:choose name="Name21">
+              <dgm:if name="Name22" func="var" arg="hierBranch" op="equ" val="l">
+                <dgm:alg type="hierChild">
+                  <dgm:param type="chAlign" val="r"/>
+                  <dgm:param type="linDir" val="fromT"/>
+                </dgm:alg>
+              </dgm:if>
+              <dgm:if name="Name23" func="var" arg="hierBranch" op="equ" val="r">
+                <dgm:alg type="hierChild">
+                  <dgm:param type="chAlign" val="l"/>
+                  <dgm:param type="linDir" val="fromT"/>
+                </dgm:alg>
+              </dgm:if>
+              <dgm:if name="Name24" func="var" arg="hierBranch" op="equ" val="hang">
+                <dgm:choose name="Name25">
+                  <dgm:if name="Name26" func="var" arg="dir" op="equ" val="norm">
+                    <dgm:alg type="hierChild">
+                      <dgm:param type="chAlign" val="l"/>
+                      <dgm:param type="linDir" val="fromL"/>
+                      <dgm:param type="secChAlign" val="t"/>
+                      <dgm:param type="secLinDir" val="fromT"/>
+                    </dgm:alg>
+                  </dgm:if>
+                  <dgm:else name="Name27">
+                    <dgm:alg type="hierChild">
+                      <dgm:param type="chAlign" val="l"/>
+                      <dgm:param type="linDir" val="fromR"/>
+                      <dgm:param type="secChAlign" val="t"/>
+                      <dgm:param type="secLinDir" val="fromT"/>
+                    </dgm:alg>
+                  </dgm:else>
+                </dgm:choose>
+              </dgm:if>
+              <dgm:else name="Name28">
+                <dgm:choose name="Name29">
+                  <dgm:if name="Name30" func="var" arg="dir" op="equ" val="norm">
+                    <dgm:alg type="hierChild"/>
+                  </dgm:if>
+                  <dgm:else name="Name31">
+                    <dgm:alg type="hierChild">
+                      <dgm:param type="linDir" val="fromR"/>
+                    </dgm:alg>
+                  </dgm:else>
+                </dgm:choose>
+              </dgm:else>
+            </dgm:choose>
+            <dgm:shape xmlns:r="http://schemas.openxmlformats.org/officeDocument/2006/relationships" r:blip="">
+              <dgm:adjLst/>
+            </dgm:shape>
+            <dgm:presOf/>
+            <dgm:constrLst/>
+            <dgm:ruleLst/>
+            <dgm:forEach name="rep2a" axis="ch" ptType="nonAsst">
+              <dgm:forEach name="Name32" axis="precedSib" ptType="parTrans" st="-1" cnt="1">
+                <dgm:choose name="Name33">
+                  <dgm:if name="Name34" func="var" arg="hierBranch" op="equ" val="std">
+                    <dgm:layoutNode name="Name35">
+                      <dgm:alg type="conn">
+                        <dgm:param type="connRout" val="bend"/>
+                        <dgm:param type="dim" val="1D"/>
+                        <dgm:param type="endSty" val="noArr"/>
+                        <dgm:param type="begPts" val="bCtr"/>
+                        <dgm:param type="endPts" val="tCtr"/>
+                        <dgm:param type="bendPt" val="end"/>
+                      </dgm:alg>
+                      <dgm:shape xmlns:r="http://schemas.openxmlformats.org/officeDocument/2006/relationships" type="conn" r:blip="" zOrderOff="-99999">
+                        <dgm:adjLst/>
+                      </dgm:shape>
+                      <dgm:presOf axis="self"/>
+                      <dgm:constrLst>
+                        <dgm:constr type="begPad"/>
+                        <dgm:constr type="endPad"/>
+                      </dgm:constrLst>
+                      <dgm:ruleLst/>
+                    </dgm:layoutNode>
+                  </dgm:if>
+                  <dgm:if name="Name36" func="var" arg="hierBranch" op="equ" val="init">
+                    <dgm:layoutNode name="Name37">
+                      <dgm:choose name="Name38">
+                        <dgm:if name="Name39" axis="self" func="depth" op="lte" val="2">
+                          <dgm:alg type="conn">
+                            <dgm:param type="connRout" val="bend"/>
+                            <dgm:param type="dim" val="1D"/>
+                            <dgm:param type="endSty" val="noArr"/>
+                            <dgm:param type="begPts" val="bCtr"/>
+                            <dgm:param type="endPts" val="tCtr"/>
+                            <dgm:param type="bendPt" val="end"/>
+                          </dgm:alg>
+                        </dgm:if>
+                        <dgm:else name="Name40">
+                          <dgm:choose name="Name41">
+                            <dgm:if name="Name42" axis="par des" func="maxDepth" op="lte" val="1">
+                              <dgm:choose name="Name43">
+                                <dgm:if name="Name44" axis="par ch" ptType="node asst" func="cnt" op="gte" val="1">
+                                  <dgm:alg type="conn">
+                                    <dgm:param type="connRout" val="bend"/>
+                                    <dgm:param type="dim" val="1D"/>
+                                    <dgm:param type="endSty" val="noArr"/>
+                                    <dgm:param type="begPts" val="bCtr"/>
+                                    <dgm:param type="endPts" val="midL midR"/>
+                                  </dgm:alg>
+                                </dgm:if>
+                                <dgm:else name="Name45">
+                                  <dgm:alg type="conn">
+                                    <dgm:param type="connRout" val="bend"/>
+                                    <dgm:param type="dim" val="1D"/>
+                                    <dgm:param type="endSty" val="noArr"/>
+                                    <dgm:param type="begPts" val="bCtr"/>
+                                    <dgm:param type="endPts" val="midL midR"/>
+                                    <dgm:param type="srcNode" val="rootConnector"/>
+                                  </dgm:alg>
+                                </dgm:else>
+                              </dgm:choose>
+                            </dgm:if>
+                            <dgm:else name="Name46">
+                              <dgm:alg type="conn">
+                                <dgm:param type="connRout" val="bend"/>
+                                <dgm:param type="dim" val="1D"/>
+                                <dgm:param type="endSty" val="noArr"/>
+                                <dgm:param type="begPts" val="bCtr"/>
+                                <dgm:param type="endPts" val="tCtr"/>
+                                <dgm:param type="bendPt" val="end"/>
+                              </dgm:alg>
+                            </dgm:else>
+                          </dgm:choose>
+                        </dgm:else>
+                      </dgm:choose>
+                      <dgm:shape xmlns:r="http://schemas.openxmlformats.org/officeDocument/2006/relationships" type="conn" r:blip="" zOrderOff="-99999">
+                        <dgm:adjLst/>
+                      </dgm:shape>
+                      <dgm:presOf axis="self"/>
+                      <dgm:constrLst>
+                        <dgm:constr type="begPad"/>
+                        <dgm:constr type="endPad"/>
+                      </dgm:constrLst>
+                      <dgm:ruleLst/>
+                    </dgm:layoutNode>
+                  </dgm:if>
+                  <dgm:if name="Name47" func="var" arg="hierBranch" op="equ" val="hang">
+                    <dgm:layoutNode name="Name48">
+                      <dgm:alg type="conn">
+                        <dgm:param type="connRout" val="bend"/>
+                        <dgm:param type="dim" val="1D"/>
+                        <dgm:param type="endSty" val="noArr"/>
+                        <dgm:param type="begPts" val="bCtr"/>
+                        <dgm:param type="endPts" val="midL midR"/>
+                      </dgm:alg>
+                      <dgm:shape xmlns:r="http://schemas.openxmlformats.org/officeDocument/2006/relationships" type="conn" r:blip="" zOrderOff="-99999">
+                        <dgm:adjLst/>
+                      </dgm:shape>
+                      <dgm:presOf axis="self"/>
+                      <dgm:constrLst>
+                        <dgm:constr type="begPad"/>
+                        <dgm:constr type="endPad"/>
+                      </dgm:constrLst>
+                      <dgm:ruleLst/>
+                    </dgm:layoutNode>
+                  </dgm:if>
+                  <dgm:else name="Name49">
+                    <dgm:layoutNode name="Name50">
+                      <dgm:choose name="Name51">
+                        <dgm:if name="Name52" axis="self" func="depth" op="lte" val="2">
+                          <dgm:choose name="Name53">
+                            <dgm:if name="Name54" axis="par ch" ptType="node asst" func="cnt" op="gte" val="1">
+                              <dgm:alg type="conn">
+                                <dgm:param type="connRout" val="bend"/>
+                                <dgm:param type="dim" val="1D"/>
+                                <dgm:param type="endSty" val="noArr"/>
+                                <dgm:param type="begPts" val="bCtr"/>
+                                <dgm:param type="endPts" val="midL midR"/>
+                              </dgm:alg>
+                            </dgm:if>
+                            <dgm:else name="Name55">
+                              <dgm:alg type="conn">
+                                <dgm:param type="connRout" val="bend"/>
+                                <dgm:param type="dim" val="1D"/>
+                                <dgm:param type="endSty" val="noArr"/>
+                                <dgm:param type="begPts" val="bCtr"/>
+                                <dgm:param type="endPts" val="midL midR"/>
+                                <dgm:param type="srcNode" val="rootConnector1"/>
+                              </dgm:alg>
+                            </dgm:else>
+                          </dgm:choose>
+                        </dgm:if>
+                        <dgm:else name="Name56">
+                          <dgm:choose name="Name57">
+                            <dgm:if name="Name58" axis="par ch" ptType="node asst" func="cnt" op="gte" val="1">
+                              <dgm:alg type="conn">
+                                <dgm:param type="connRout" val="bend"/>
+                                <dgm:param type="dim" val="1D"/>
+                                <dgm:param type="endSty" val="noArr"/>
+                                <dgm:param type="begPts" val="bCtr"/>
+                                <dgm:param type="endPts" val="midL midR"/>
+                              </dgm:alg>
+                            </dgm:if>
+                            <dgm:else name="Name59">
+                              <dgm:alg type="conn">
+                                <dgm:param type="connRout" val="bend"/>
+                                <dgm:param type="dim" val="1D"/>
+                                <dgm:param type="endSty" val="noArr"/>
+                                <dgm:param type="begPts" val="bCtr"/>
+                                <dgm:param type="endPts" val="midL midR"/>
+                                <dgm:param type="srcNode" val="rootConnector"/>
+                              </dgm:alg>
+                            </dgm:else>
+                          </dgm:choose>
+                        </dgm:else>
+                      </dgm:choose>
+                      <dgm:shape xmlns:r="http://schemas.openxmlformats.org/officeDocument/2006/relationships" type="conn" r:blip="" zOrderOff="-99999">
+                        <dgm:adjLst/>
+                      </dgm:shape>
+                      <dgm:presOf axis="self"/>
+                      <dgm:constrLst>
+                        <dgm:constr type="begPad"/>
+                        <dgm:constr type="endPad"/>
+                      </dgm:constrLst>
+                      <dgm:ruleLst/>
+                    </dgm:layoutNode>
+                  </dgm:else>
+                </dgm:choose>
+              </dgm:forEach>
+              <dgm:layoutNode name="hierRoot2">
+                <dgm:varLst>
+                  <dgm:hierBranch val="init"/>
+                </dgm:varLst>
+                <dgm:choose name="Name60">
+                  <dgm:if name="Name61" func="var" arg="hierBranch" op="equ" val="l">
+                    <dgm:choose name="Name62">
+                      <dgm:if name="Name63" axis="ch" ptType="asst" func="cnt" op="gte" val="1">
+                        <dgm:alg type="hierRoot">
+                          <dgm:param type="hierAlign" val="tR"/>
+                        </dgm:alg>
+                        <dgm:shape xmlns:r="http://schemas.openxmlformats.org/officeDocument/2006/relationships" r:blip="">
+                          <dgm:adjLst/>
+                        </dgm:shape>
+                        <dgm:presOf/>
+                        <dgm:constrLst>
+                          <dgm:constr type="alignOff" val="0.65"/>
+                        </dgm:constrLst>
+                      </dgm:if>
+                      <dgm:else name="Name64">
+                        <dgm:alg type="hierRoot">
+                          <dgm:param type="hierAlign" val="tR"/>
+                        </dgm:alg>
+                        <dgm:shape xmlns:r="http://schemas.openxmlformats.org/officeDocument/2006/relationships" r:blip="">
+                          <dgm:adjLst/>
+                        </dgm:shape>
+                        <dgm:presOf/>
+                        <dgm:constrLst>
+                          <dgm:constr type="alignOff" val="0.25"/>
+                        </dgm:constrLst>
+                      </dgm:else>
+                    </dgm:choose>
+                  </dgm:if>
+                  <dgm:if name="Name65" func="var" arg="hierBranch" op="equ" val="r">
+                    <dgm:choose name="Name66">
+                      <dgm:if name="Name67" axis="ch" ptType="asst" func="cnt" op="gte" val="1">
+                        <dgm:alg type="hierRoot">
+                          <dgm:param type="hierAlign" val="tL"/>
+                        </dgm:alg>
+                        <dgm:shape xmlns:r="http://schemas.openxmlformats.org/officeDocument/2006/relationships" r:blip="">
+                          <dgm:adjLst/>
+                        </dgm:shape>
+                        <dgm:presOf/>
+                        <dgm:constrLst>
+                          <dgm:constr type="alignOff" val="0.65"/>
+                        </dgm:constrLst>
+                      </dgm:if>
+                      <dgm:else name="Name68">
+                        <dgm:alg type="hierRoot">
+                          <dgm:param type="hierAlign" val="tL"/>
+                        </dgm:alg>
+                        <dgm:shape xmlns:r="http://schemas.openxmlformats.org/officeDocument/2006/relationships" r:blip="">
+                          <dgm:adjLst/>
+                        </dgm:shape>
+                        <dgm:presOf/>
+                        <dgm:constrLst>
+                          <dgm:constr type="alignOff" val="0.25"/>
+                        </dgm:constrLst>
+                      </dgm:else>
+                    </dgm:choose>
+                  </dgm:if>
+                  <dgm:if name="Name69" func="var" arg="hierBranch" op="equ" val="std">
+                    <dgm:alg type="hierRoot"/>
+                    <dgm:shape xmlns:r="http://schemas.openxmlformats.org/officeDocument/2006/relationships" r:blip="">
+                      <dgm:adjLst/>
+                    </dgm:shape>
+                    <dgm:presOf/>
+                    <dgm:constrLst>
+                      <dgm:constr type="alignOff"/>
+                      <dgm:constr type="bendDist" for="des" ptType="parTrans" refType="sp" fact="0.5"/>
+                    </dgm:constrLst>
+                  </dgm:if>
+                  <dgm:if name="Name70" func="var" arg="hierBranch" op="equ" val="init">
+                    <dgm:choose name="Name71">
+                      <dgm:if name="Name72" axis="des" func="maxDepth" op="lte" val="1">
+                        <dgm:choose name="Name73">
+                          <dgm:if name="Name74" axis="ch" ptType="asst" func="cnt" op="gte" val="1">
+                            <dgm:alg type="hierRoot">
+                              <dgm:param type="hierAlign" val="tL"/>
+                            </dgm:alg>
+                            <dgm:shape xmlns:r="http://schemas.openxmlformats.org/officeDocument/2006/relationships" r:blip="">
+                              <dgm:adjLst/>
+                            </dgm:shape>
+                            <dgm:presOf/>
+                            <dgm:constrLst>
+                              <dgm:constr type="alignOff" val="0.65"/>
+                            </dgm:constrLst>
+                          </dgm:if>
+                          <dgm:else name="Name75">
+                            <dgm:alg type="hierRoot">
+                              <dgm:param type="hierAlign" val="tL"/>
+                            </dgm:alg>
+                            <dgm:shape xmlns:r="http://schemas.openxmlformats.org/officeDocument/2006/relationships" r:blip="">
+                              <dgm:adjLst/>
+                            </dgm:shape>
+                            <dgm:presOf/>
+                            <dgm:constrLst>
+                              <dgm:constr type="alignOff" val="0.25"/>
+                            </dgm:constrLst>
+                          </dgm:else>
+                        </dgm:choose>
+                      </dgm:if>
+                      <dgm:else name="Name76">
+                        <dgm:alg type="hierRoot"/>
+                        <dgm:shape xmlns:r="http://schemas.openxmlformats.org/officeDocument/2006/relationships" r:blip="">
+                          <dgm:adjLst/>
+                        </dgm:shape>
+                        <dgm:presOf/>
+                        <dgm:constrLst>
+                          <dgm:constr type="alignOff"/>
+                          <dgm:constr type="bendDist" for="des" ptType="parTrans" refType="sp" fact="0.5"/>
+                        </dgm:constrLst>
+                      </dgm:else>
+                    </dgm:choose>
+                  </dgm:if>
+                  <dgm:else name="Name77">
+                    <dgm:alg type="hierRoot"/>
+                    <dgm:shape xmlns:r="http://schemas.openxmlformats.org/officeDocument/2006/relationships" r:blip="">
+                      <dgm:adjLst/>
+                    </dgm:shape>
+                    <dgm:presOf/>
+                    <dgm:constrLst>
+                      <dgm:constr type="alignOff" val="0.65"/>
+                    </dgm:constrLst>
+                  </dgm:else>
+                </dgm:choose>
+                <dgm:ruleLst/>
+                <dgm:layoutNode name="rootComposite">
+                  <dgm:alg type="composite"/>
+                  <dgm:shape xmlns:r="http://schemas.openxmlformats.org/officeDocument/2006/relationships" r:blip="">
+                    <dgm:adjLst/>
+                  </dgm:shape>
+                  <dgm:presOf axis="self" ptType="node" cnt="1"/>
+                  <dgm:choose name="Name78">
+                    <dgm:if name="Name79" func="var" arg="hierBranch" op="equ" val="init">
+                      <dgm:constrLst>
+                        <dgm:constr type="l" for="ch" forName="rootText"/>
+                        <dgm:constr type="t" for="ch" forName="rootText"/>
+                        <dgm:constr type="w" for="ch" forName="rootText" refType="w"/>
+                        <dgm:constr type="h" for="ch" forName="rootText" refType="h"/>
+                        <dgm:constr type="l" for="ch" forName="rootConnector"/>
+                        <dgm:constr type="t" for="ch" forName="rootConnector"/>
+                        <dgm:constr type="w" for="ch" forName="rootConnector" refType="w" refFor="ch" refForName="rootText" fact="0.2"/>
+                        <dgm:constr type="h" for="ch" forName="rootConnector" refType="h" refFor="ch" refForName="rootText"/>
+                      </dgm:constrLst>
+                    </dgm:if>
+                    <dgm:if name="Name80" func="var" arg="hierBranch" op="equ" val="l">
+                      <dgm:constrLst>
+                        <dgm:constr type="l" for="ch" forName="rootText"/>
+                        <dgm:constr type="t" for="ch" forName="rootText"/>
+                        <dgm:constr type="w" for="ch" forName="rootText" refType="w"/>
+                        <dgm:constr type="h" for="ch" forName="rootText" refType="h"/>
+                        <dgm:constr type="r" for="ch" forName="rootConnector" refType="w"/>
+                        <dgm:constr type="t" for="ch" forName="rootConnector"/>
+                        <dgm:constr type="w" for="ch" forName="rootConnector" refType="w" refFor="ch" refForName="rootText" fact="0.2"/>
+                        <dgm:constr type="h" for="ch" forName="rootConnector" refType="h" refFor="ch" refForName="rootText"/>
+                      </dgm:constrLst>
+                    </dgm:if>
+                    <dgm:if name="Name81" func="var" arg="hierBranch" op="equ" val="r">
+                      <dgm:constrLst>
+                        <dgm:constr type="l" for="ch" forName="rootText"/>
+                        <dgm:constr type="t" for="ch" forName="rootText"/>
+                        <dgm:constr type="w" for="ch" forName="rootText" refType="w"/>
+                        <dgm:constr type="h" for="ch" forName="rootText" refType="h"/>
+                        <dgm:constr type="l" for="ch" forName="rootConnector"/>
+                        <dgm:constr type="t" for="ch" forName="rootConnector"/>
+                        <dgm:constr type="w" for="ch" forName="rootConnector" refType="w" refFor="ch" refForName="rootText" fact="0.2"/>
+                        <dgm:constr type="h" for="ch" forName="rootConnector" refType="h" refFor="ch" refForName="rootText"/>
+                      </dgm:constrLst>
+                    </dgm:if>
+                    <dgm:else name="Name82">
+                      <dgm:constrLst>
+                        <dgm:constr type="l" for="ch" forName="rootText"/>
+                        <dgm:constr type="t" for="ch" forName="rootText"/>
+                        <dgm:constr type="w" for="ch" forName="rootText" refType="w"/>
+                        <dgm:constr type="h" for="ch" forName="rootText" refType="h"/>
+                        <dgm:constr type="r" for="ch" forName="rootConnector" refType="w"/>
+                        <dgm:constr type="t" for="ch" forName="rootConnector"/>
+                        <dgm:constr type="w" for="ch" forName="rootConnector" refType="w" refFor="ch" refForName="rootText" fact="0.2"/>
+                        <dgm:constr type="h" for="ch" forName="rootConnector" refType="h" refFor="ch" refForName="rootText"/>
+                      </dgm:constrLst>
+                    </dgm:else>
+                  </dgm:choose>
+                  <dgm:ruleLst/>
+                  <dgm:layoutNode name="rootText">
+                    <dgm:varLst>
+                      <dgm:chPref val="3"/>
+                    </dgm:varLst>
+                    <dgm:alg type="tx"/>
+                    <dgm:shape xmlns:r="http://schemas.openxmlformats.org/officeDocument/2006/relationships" type="rect" r:blip="">
+                      <dgm:adjLst/>
+                    </dgm:shape>
+                    <dgm:presOf axis="self" ptType="node" cnt="1"/>
+                    <dgm:constrLst>
+                      <dgm:constr type="primFontSz" val="65"/>
+                      <dgm:constr type="lMarg" refType="primFontSz" fact="0.05"/>
+                      <dgm:constr type="rMarg" refType="primFontSz" fact="0.05"/>
+                      <dgm:constr type="tMarg" refType="primFontSz" fact="0.05"/>
+                      <dgm:constr type="bMarg" refType="primFontSz" fact="0.05"/>
+                    </dgm:constrLst>
+                    <dgm:ruleLst>
+                      <dgm:rule type="primFontSz" val="5" fact="NaN" max="NaN"/>
+                    </dgm:ruleLst>
+                  </dgm:layoutNode>
+                  <dgm:layoutNode name="rootConnector" moveWith="rootText">
+                    <dgm:alg type="sp"/>
+                    <dgm:shape xmlns:r="http://schemas.openxmlformats.org/officeDocument/2006/relationships" type="rect" r:blip="" hideGeom="1">
+                      <dgm:adjLst/>
+                    </dgm:shape>
+                    <dgm:presOf axis="self" ptType="node" cnt="1"/>
+                    <dgm:constrLst/>
+                    <dgm:ruleLst/>
+                  </dgm:layoutNode>
+                </dgm:layoutNode>
+                <dgm:layoutNode name="hierChild4">
+                  <dgm:choose name="Name83">
+                    <dgm:if name="Name84" func="var" arg="hierBranch" op="equ" val="l">
+                      <dgm:alg type="hierChild">
+                        <dgm:param type="chAlign" val="r"/>
+                        <dgm:param type="linDir" val="fromT"/>
+                      </dgm:alg>
+                    </dgm:if>
+                    <dgm:if name="Name85" func="var" arg="hierBranch" op="equ" val="r">
+                      <dgm:alg type="hierChild">
+                        <dgm:param type="chAlign" val="l"/>
+                        <dgm:param type="linDir" val="fromT"/>
+                      </dgm:alg>
+                    </dgm:if>
+                    <dgm:if name="Name86" func="var" arg="hierBranch" op="equ" val="hang">
+                      <dgm:choose name="Name87">
+                        <dgm:if name="Name88" func="var" arg="dir" op="equ" val="norm">
+                          <dgm:alg type="hierChild">
+                            <dgm:param type="chAlign" val="l"/>
+                            <dgm:param type="linDir" val="fromL"/>
+                            <dgm:param type="secChAlign" val="t"/>
+                            <dgm:param type="secLinDir" val="fromT"/>
+                          </dgm:alg>
+                        </dgm:if>
+                        <dgm:else name="Name89">
+                          <dgm:alg type="hierChild">
+                            <dgm:param type="chAlign" val="l"/>
+                            <dgm:param type="linDir" val="fromR"/>
+                            <dgm:param type="secChAlign" val="t"/>
+                            <dgm:param type="secLinDir" val="fromT"/>
+                          </dgm:alg>
+                        </dgm:else>
+                      </dgm:choose>
+                    </dgm:if>
+                    <dgm:if name="Name90" func="var" arg="hierBranch" op="equ" val="std">
+                      <dgm:choose name="Name91">
+                        <dgm:if name="Name92" func="var" arg="dir" op="equ" val="norm">
+                          <dgm:alg type="hierChild"/>
+                        </dgm:if>
+                        <dgm:else name="Name93">
+                          <dgm:alg type="hierChild">
+                            <dgm:param type="linDir" val="fromR"/>
+                          </dgm:alg>
+                        </dgm:else>
+                      </dgm:choose>
+                    </dgm:if>
+                    <dgm:if name="Name94" func="var" arg="hierBranch" op="equ" val="init">
+                      <dgm:choose name="Name95">
+                        <dgm:if name="Name96" axis="des" func="maxDepth" op="lte" val="1">
+                          <dgm:alg type="hierChild">
+                            <dgm:param type="chAlign" val="l"/>
+                            <dgm:param type="linDir" val="fromT"/>
+                          </dgm:alg>
+                        </dgm:if>
+                        <dgm:else name="Name97">
+                          <dgm:choose name="Name98">
+                            <dgm:if name="Name99" func="var" arg="dir" op="equ" val="norm">
+                              <dgm:alg type="hierChild"/>
+                            </dgm:if>
+                            <dgm:else name="Name100">
+                              <dgm:alg type="hierChild">
+                                <dgm:param type="linDir" val="fromR"/>
+                              </dgm:alg>
+                            </dgm:else>
+                          </dgm:choose>
+                        </dgm:else>
+                      </dgm:choose>
+                    </dgm:if>
+                    <dgm:else name="Name101"/>
+                  </dgm:choose>
+                  <dgm:shape xmlns:r="http://schemas.openxmlformats.org/officeDocument/2006/relationships" r:blip="">
+                    <dgm:adjLst/>
+                  </dgm:shape>
+                  <dgm:presOf/>
+                  <dgm:constrLst/>
+                  <dgm:ruleLst/>
+                  <dgm:forEach name="Name102" ref="rep2a"/>
+                </dgm:layoutNode>
+                <dgm:layoutNode name="hierChild5">
+                  <dgm:choose name="Name103">
+                    <dgm:if name="Name104" func="var" arg="dir" op="equ" val="norm">
+                      <dgm:alg type="hierChild">
+                        <dgm:param type="chAlign" val="l"/>
+                        <dgm:param type="linDir" val="fromL"/>
+                        <dgm:param type="secChAlign" val="t"/>
+                        <dgm:param type="secLinDir" val="fromT"/>
+                      </dgm:alg>
+                    </dgm:if>
+                    <dgm:else name="Name105">
+                      <dgm:alg type="hierChild">
+                        <dgm:param type="chAlign" val="l"/>
+                        <dgm:param type="linDir" val="fromR"/>
+                        <dgm:param type="secChAlign" val="t"/>
+                        <dgm:param type="secLinDir" val="fromT"/>
+                      </dgm:alg>
+                    </dgm:else>
+                  </dgm:choose>
+                  <dgm:shape xmlns:r="http://schemas.openxmlformats.org/officeDocument/2006/relationships" r:blip="">
+                    <dgm:adjLst/>
+                  </dgm:shape>
+                  <dgm:presOf/>
+                  <dgm:constrLst/>
+                  <dgm:ruleLst/>
+                  <dgm:forEach name="Name106" ref="rep2b"/>
+                </dgm:layoutNode>
+              </dgm:layoutNode>
+            </dgm:forEach>
+          </dgm:layoutNode>
+          <dgm:layoutNode name="hierChild3">
+            <dgm:choose name="Name107">
+              <dgm:if name="Name108" func="var" arg="dir" op="equ" val="norm">
+                <dgm:alg type="hierChild">
+                  <dgm:param type="chAlign" val="l"/>
+                  <dgm:param type="linDir" val="fromL"/>
+                  <dgm:param type="secChAlign" val="t"/>
+                  <dgm:param type="secLinDir" val="fromT"/>
+                </dgm:alg>
+              </dgm:if>
+              <dgm:else name="Name109">
+                <dgm:alg type="hierChild">
+                  <dgm:param type="chAlign" val="l"/>
+                  <dgm:param type="linDir" val="fromR"/>
+                  <dgm:param type="secChAlign" val="t"/>
+                  <dgm:param type="secLinDir" val="fromT"/>
+                </dgm:alg>
+              </dgm:else>
+            </dgm:choose>
+            <dgm:shape xmlns:r="http://schemas.openxmlformats.org/officeDocument/2006/relationships" r:blip="">
+              <dgm:adjLst/>
+            </dgm:shape>
+            <dgm:presOf/>
+            <dgm:constrLst/>
+            <dgm:ruleLst/>
+            <dgm:forEach name="rep2b" axis="ch" ptType="asst">
+              <dgm:forEach name="Name110" axis="precedSib" ptType="parTrans" st="-1" cnt="1">
+                <dgm:layoutNode name="Name111">
+                  <dgm:alg type="conn">
+                    <dgm:param type="connRout" val="bend"/>
+                    <dgm:param type="dim" val="1D"/>
+                    <dgm:param type="endSty" val="noArr"/>
+                    <dgm:param type="begPts" val="bCtr"/>
+                    <dgm:param type="endPts" val="midL midR"/>
+                  </dgm:alg>
+                  <dgm:shape xmlns:r="http://schemas.openxmlformats.org/officeDocument/2006/relationships" type="conn" r:blip="" zOrderOff="-99999">
+                    <dgm:adjLst/>
+                  </dgm:shape>
+                  <dgm:presOf axis="self"/>
+                  <dgm:constrLst>
+                    <dgm:constr type="begPad"/>
+                    <dgm:constr type="endPad"/>
+                  </dgm:constrLst>
+                  <dgm:ruleLst/>
+                </dgm:layoutNode>
+              </dgm:forEach>
+              <dgm:layoutNode name="hierRoot3">
+                <dgm:varLst>
+                  <dgm:hierBranch val="init"/>
+                </dgm:varLst>
+                <dgm:choose name="Name112">
+                  <dgm:if name="Name113" func="var" arg="hierBranch" op="equ" val="l">
+                    <dgm:alg type="hierRoot">
+                      <dgm:param type="hierAlign" val="tR"/>
+                    </dgm:alg>
+                    <dgm:shape xmlns:r="http://schemas.openxmlformats.org/officeDocument/2006/relationships" r:blip="">
+                      <dgm:adjLst/>
+                    </dgm:shape>
+                    <dgm:presOf/>
+                    <dgm:constrLst>
+                      <dgm:constr type="alignOff" val="0.65"/>
+                    </dgm:constrLst>
+                  </dgm:if>
+                  <dgm:if name="Name114" func="var" arg="hierBranch" op="equ" val="r">
+                    <dgm:alg type="hierRoot">
+                      <dgm:param type="hierAlign" val="tL"/>
+                    </dgm:alg>
+                    <dgm:shape xmlns:r="http://schemas.openxmlformats.org/officeDocument/2006/relationships" r:blip="">
+                      <dgm:adjLst/>
+                    </dgm:shape>
+                    <dgm:presOf/>
+                    <dgm:constrLst>
+                      <dgm:constr type="alignOff" val="0.65"/>
+                    </dgm:constrLst>
+                  </dgm:if>
+                  <dgm:if name="Name115" func="var" arg="hierBranch" op="equ" val="hang">
+                    <dgm:alg type="hierRoot"/>
+                    <dgm:shape xmlns:r="http://schemas.openxmlformats.org/officeDocument/2006/relationships" r:blip="">
+                      <dgm:adjLst/>
+                    </dgm:shape>
+                    <dgm:presOf/>
+                    <dgm:constrLst>
+                      <dgm:constr type="alignOff" val="0.65"/>
+                    </dgm:constrLst>
+                  </dgm:if>
+                  <dgm:if name="Name116" func="var" arg="hierBranch" op="equ" val="std">
+                    <dgm:alg type="hierRoot"/>
+                    <dgm:shape xmlns:r="http://schemas.openxmlformats.org/officeDocument/2006/relationships" r:blip="">
+                      <dgm:adjLst/>
+                    </dgm:shape>
+                    <dgm:presOf/>
+                    <dgm:constrLst>
+                      <dgm:constr type="alignOff"/>
+                      <dgm:constr type="bendDist" for="des" ptType="parTrans" refType="sp" fact="0.5"/>
+                    </dgm:constrLst>
+                  </dgm:if>
+                  <dgm:if name="Name117" func="var" arg="hierBranch" op="equ" val="init">
+                    <dgm:choose name="Name118">
+                      <dgm:if name="Name119" axis="des" func="maxDepth" op="lte" val="1">
+                        <dgm:alg type="hierRoot">
+                          <dgm:param type="hierAlign" val="tL"/>
+                        </dgm:alg>
+                        <dgm:shape xmlns:r="http://schemas.openxmlformats.org/officeDocument/2006/relationships" r:blip="">
+                          <dgm:adjLst/>
+                        </dgm:shape>
+                        <dgm:presOf/>
+                        <dgm:constrLst>
+                          <dgm:constr type="alignOff" val="0.65"/>
+                        </dgm:constrLst>
+                      </dgm:if>
+                      <dgm:else name="Name120">
+                        <dgm:alg type="hierRoot"/>
+                        <dgm:shape xmlns:r="http://schemas.openxmlformats.org/officeDocument/2006/relationships" r:blip="">
+                          <dgm:adjLst/>
+                        </dgm:shape>
+                        <dgm:presOf/>
+                        <dgm:constrLst>
+                          <dgm:constr type="alignOff"/>
+                          <dgm:constr type="bendDist" for="des" ptType="parTrans" refType="sp" fact="0.5"/>
+                        </dgm:constrLst>
+                      </dgm:else>
+                    </dgm:choose>
+                  </dgm:if>
+                  <dgm:else name="Name121"/>
+                </dgm:choose>
+                <dgm:ruleLst/>
+                <dgm:layoutNode name="rootComposite3">
+                  <dgm:alg type="composite"/>
+                  <dgm:shape xmlns:r="http://schemas.openxmlformats.org/officeDocument/2006/relationships" r:blip="">
+                    <dgm:adjLst/>
+                  </dgm:shape>
+                  <dgm:presOf axis="self" ptType="node" cnt="1"/>
+                  <dgm:choose name="Name122">
+                    <dgm:if name="Name123" func="var" arg="hierBranch" op="equ" val="init">
+                      <dgm:constrLst>
+                        <dgm:constr type="l" for="ch" forName="rootText3"/>
+                        <dgm:constr type="t" for="ch" forName="rootText3"/>
+                        <dgm:constr type="w" for="ch" forName="rootText3" refType="w"/>
+                        <dgm:constr type="h" for="ch" forName="rootText3" refType="h"/>
+                        <dgm:constr type="l" for="ch" forName="rootConnector3"/>
+                        <dgm:constr type="t" for="ch" forName="rootConnector3"/>
+                        <dgm:constr type="w" for="ch" forName="rootConnector3" refType="w" refFor="ch" refForName="rootText3" fact="0.2"/>
+                        <dgm:constr type="h" for="ch" forName="rootConnector3" refType="h" refFor="ch" refForName="rootText3"/>
+                      </dgm:constrLst>
+                    </dgm:if>
+                    <dgm:if name="Name124" func="var" arg="hierBranch" op="equ" val="l">
+                      <dgm:constrLst>
+                        <dgm:constr type="l" for="ch" forName="rootText3"/>
+                        <dgm:constr type="t" for="ch" forName="rootText3"/>
+                        <dgm:constr type="w" for="ch" forName="rootText3" refType="w"/>
+                        <dgm:constr type="h" for="ch" forName="rootText3" refType="h"/>
+                        <dgm:constr type="r" for="ch" forName="rootConnector3" refType="w"/>
+                        <dgm:constr type="t" for="ch" forName="rootConnector3"/>
+                        <dgm:constr type="w" for="ch" forName="rootConnector3" refType="w" refFor="ch" refForName="rootText3" fact="0.2"/>
+                        <dgm:constr type="h" for="ch" forName="rootConnector3" refType="h" refFor="ch" refForName="rootText3"/>
+                      </dgm:constrLst>
+                    </dgm:if>
+                    <dgm:if name="Name125" func="var" arg="hierBranch" op="equ" val="r">
+                      <dgm:constrLst>
+                        <dgm:constr type="l" for="ch" forName="rootText3"/>
+                        <dgm:constr type="t" for="ch" forName="rootText3"/>
+                        <dgm:constr type="w" for="ch" forName="rootText3" refType="w"/>
+                        <dgm:constr type="h" for="ch" forName="rootText3" refType="h"/>
+                        <dgm:constr type="l" for="ch" forName="rootConnector3"/>
+                        <dgm:constr type="t" for="ch" forName="rootConnector3"/>
+                        <dgm:constr type="w" for="ch" forName="rootConnector3" refType="w" refFor="ch" refForName="rootText3" fact="0.2"/>
+                        <dgm:constr type="h" for="ch" forName="rootConnector3" refType="h" refFor="ch" refForName="rootText3"/>
+                      </dgm:constrLst>
+                    </dgm:if>
+                    <dgm:else name="Name126">
+                      <dgm:constrLst>
+                        <dgm:constr type="l" for="ch" forName="rootText3"/>
+                        <dgm:constr type="t" for="ch" forName="rootText3"/>
+                        <dgm:constr type="w" for="ch" forName="rootText3" refType="w"/>
+                        <dgm:constr type="h" for="ch" forName="rootText3" refType="h"/>
+                        <dgm:constr type="r" for="ch" forName="rootConnector3" refType="w"/>
+                        <dgm:constr type="t" for="ch" forName="rootConnector3"/>
+                        <dgm:constr type="w" for="ch" forName="rootConnector3" refType="w" refFor="ch" refForName="rootText3" fact="0.2"/>
+                        <dgm:constr type="h" for="ch" forName="rootConnector3" refType="h" refFor="ch" refForName="rootText3"/>
+                      </dgm:constrLst>
+                    </dgm:else>
+                  </dgm:choose>
+                  <dgm:ruleLst/>
+                  <dgm:layoutNode name="rootText3">
+                    <dgm:varLst>
+                      <dgm:chPref val="3"/>
+                    </dgm:varLst>
+                    <dgm:alg type="tx"/>
+                    <dgm:shape xmlns:r="http://schemas.openxmlformats.org/officeDocument/2006/relationships" type="rect" r:blip="">
+                      <dgm:adjLst/>
+                    </dgm:shape>
+                    <dgm:presOf axis="self" ptType="node" cnt="1"/>
+                    <dgm:constrLst>
+                      <dgm:constr type="primFontSz" val="65"/>
+                      <dgm:constr type="lMarg" refType="primFontSz" fact="0.05"/>
+                      <dgm:constr type="rMarg" refType="primFontSz" fact="0.05"/>
+                      <dgm:constr type="tMarg" refType="primFontSz" fact="0.05"/>
+                      <dgm:constr type="bMarg" refType="primFontSz" fact="0.05"/>
+                    </dgm:constrLst>
+                    <dgm:ruleLst>
+                      <dgm:rule type="primFontSz" val="5" fact="NaN" max="NaN"/>
+                    </dgm:ruleLst>
+                  </dgm:layoutNode>
+                  <dgm:layoutNode name="rootConnector3" moveWith="rootText1">
+                    <dgm:alg type="sp"/>
+                    <dgm:shape xmlns:r="http://schemas.openxmlformats.org/officeDocument/2006/relationships" type="rect" r:blip="" hideGeom="1">
+                      <dgm:adjLst/>
+                    </dgm:shape>
+                    <dgm:presOf axis="self" ptType="node" cnt="1"/>
+                    <dgm:constrLst/>
+                    <dgm:ruleLst/>
+                  </dgm:layoutNode>
+                </dgm:layoutNode>
+                <dgm:layoutNode name="hierChild6">
+                  <dgm:choose name="Name127">
+                    <dgm:if name="Name128" func="var" arg="hierBranch" op="equ" val="l">
+                      <dgm:alg type="hierChild">
+                        <dgm:param type="chAlign" val="r"/>
+                        <dgm:param type="linDir" val="fromT"/>
+                      </dgm:alg>
+                    </dgm:if>
+                    <dgm:if name="Name129" func="var" arg="hierBranch" op="equ" val="r">
+                      <dgm:alg type="hierChild">
+                        <dgm:param type="chAlign" val="l"/>
+                        <dgm:param type="linDir" val="fromT"/>
+                      </dgm:alg>
+                    </dgm:if>
+                    <dgm:if name="Name130" func="var" arg="hierBranch" op="equ" val="hang">
+                      <dgm:choose name="Name131">
+                        <dgm:if name="Name132" func="var" arg="dir" op="equ" val="norm">
+                          <dgm:alg type="hierChild">
+                            <dgm:param type="chAlign" val="l"/>
+                            <dgm:param type="linDir" val="fromL"/>
+                            <dgm:param type="secChAlign" val="t"/>
+                            <dgm:param type="secLinDir" val="fromT"/>
+                          </dgm:alg>
+                        </dgm:if>
+                        <dgm:else name="Name133">
+                          <dgm:alg type="hierChild">
+                            <dgm:param type="chAlign" val="l"/>
+                            <dgm:param type="linDir" val="fromR"/>
+                            <dgm:param type="secChAlign" val="t"/>
+                            <dgm:param type="secLinDir" val="fromT"/>
+                          </dgm:alg>
+                        </dgm:else>
+                      </dgm:choose>
+                    </dgm:if>
+                    <dgm:if name="Name134" func="var" arg="hierBranch" op="equ" val="std">
+                      <dgm:choose name="Name135">
+                        <dgm:if name="Name136" func="var" arg="dir" op="equ" val="norm">
+                          <dgm:alg type="hierChild"/>
+                        </dgm:if>
+                        <dgm:else name="Name137">
+                          <dgm:alg type="hierChild">
+                            <dgm:param type="linDir" val="fromR"/>
+                          </dgm:alg>
+                        </dgm:else>
+                      </dgm:choose>
+                    </dgm:if>
+                    <dgm:if name="Name138" func="var" arg="hierBranch" op="equ" val="init">
+                      <dgm:choose name="Name139">
+                        <dgm:if name="Name140" axis="des" func="maxDepth" op="lte" val="1">
+                          <dgm:alg type="hierChild">
+                            <dgm:param type="chAlign" val="l"/>
+                            <dgm:param type="linDir" val="fromT"/>
+                          </dgm:alg>
+                        </dgm:if>
+                        <dgm:else name="Name141">
+                          <dgm:alg type="hierChild"/>
+                        </dgm:else>
+                      </dgm:choose>
+                    </dgm:if>
+                    <dgm:else name="Name142"/>
+                  </dgm:choose>
+                  <dgm:shape xmlns:r="http://schemas.openxmlformats.org/officeDocument/2006/relationships" r:blip="">
+                    <dgm:adjLst/>
+                  </dgm:shape>
+                  <dgm:presOf/>
+                  <dgm:constrLst/>
+                  <dgm:ruleLst/>
+                  <dgm:forEach name="Name143" ref="rep2a"/>
+                </dgm:layoutNode>
+                <dgm:layoutNode name="hierChild7">
+                  <dgm:choose name="Name144">
+                    <dgm:if name="Name145" func="var" arg="dir" op="equ" val="norm">
+                      <dgm:alg type="hierChild">
+                        <dgm:param type="chAlign" val="l"/>
+                        <dgm:param type="linDir" val="fromL"/>
+                        <dgm:param type="secChAlign" val="t"/>
+                        <dgm:param type="secLinDir" val="fromT"/>
+                      </dgm:alg>
+                    </dgm:if>
+                    <dgm:else name="Name146">
+                      <dgm:alg type="hierChild">
+                        <dgm:param type="chAlign" val="l"/>
+                        <dgm:param type="linDir" val="fromR"/>
+                        <dgm:param type="secChAlign" val="t"/>
+                        <dgm:param type="secLinDir" val="fromT"/>
+                      </dgm:alg>
+                    </dgm:else>
+                  </dgm:choose>
+                  <dgm:shape xmlns:r="http://schemas.openxmlformats.org/officeDocument/2006/relationships" r:blip="">
+                    <dgm:adjLst/>
+                  </dgm:shape>
+                  <dgm:presOf/>
+                  <dgm:constrLst/>
+                  <dgm:ruleLst/>
+                  <dgm:forEach name="Name147" ref="rep2b"/>
+                </dgm:layoutNode>
+              </dgm:layoutNode>
+            </dgm:forEach>
+          </dgm:layoutNode>
+        </dgm:layoutNode>
+      </dgm:forEach>
+    </dgm:forEach>
+  </dgm:layoutNode>
+</dgm:layoutDef>
+</file>
+
 <file path=ppt/diagrams/quickStyle1.xml><?xml version="1.0" encoding="utf-8"?>
+<dgm:styleDef xmlns:dgm="http://schemas.openxmlformats.org/drawingml/2006/diagram" xmlns:a="http://schemas.openxmlformats.org/drawingml/2006/main" uniqueId="urn:microsoft.com/office/officeart/2005/8/quickstyle/simple1">
+  <dgm:title val=""/>
+  <dgm:desc val=""/>
+  <dgm:catLst>
+    <dgm:cat type="simple" pri="10100"/>
+  </dgm:catLst>
+  <dgm:scene3d>
+    <a:camera prst="orthographicFront"/>
+    <a:lightRig rig="threePt" dir="t"/>
+  </dgm:scene3d>
+  <dgm:styleLbl name="node0">
+    <dgm:scene3d>
+      <a:camera prst="orthographicFront"/>
+      <a:lightRig rig="threePt" dir="t"/>
+    </dgm:scene3d>
+    <dgm:sp3d/>
+    <dgm:txPr/>
+    <dgm:style>
+      <a:lnRef idx="2">
+        <a:scrgbClr r="0" g="0" b="0"/>
+      </a:lnRef>
+      <a:fillRef idx="1">
+        <a:scrgbClr r="0" g="0" b="0"/>
+      </a:fillRef>
+      <a:effectRef idx="0">
+        <a:scrgbClr r="0" g="0" b="0"/>
+      </a:effectRef>
+      <a:fontRef idx="minor">
+        <a:schemeClr val="lt1"/>
+      </a:fontRef>
+    </dgm:style>
+  </dgm:styleLbl>
+  <dgm:styleLbl name="lnNode1">
+    <dgm:scene3d>
+      <a:camera prst="orthographicFront"/>
+      <a:lightRig rig="threePt" dir="t"/>
+    </dgm:scene3d>
+    <dgm:sp3d/>
+    <dgm:txPr/>
+    <dgm:style>
+      <a:lnRef idx="2">
+        <a:scrgbClr r="0" g="0" b="0"/>
+      </a:lnRef>
+      <a:fillRef idx="1">
+        <a:scrgbClr r="0" g="0" b="0"/>
+      </a:fillRef>
+      <a:effectRef idx="0">
+        <a:scrgbClr r="0" g="0" b="0"/>
+      </a:effectRef>
+      <a:fontRef idx="minor">
+        <a:schemeClr val="lt1"/>
+      </a:fontRef>
+    </dgm:style>
+  </dgm:styleLbl>
+  <dgm:styleLbl name="vennNode1">
+    <dgm:scene3d>
+      <a:camera prst="orthographicFront"/>
+      <a:lightRig rig="threePt" dir="t"/>
+    </dgm:scene3d>
+    <dgm:sp3d/>
+    <dgm:txPr/>
+    <dgm:style>
+      <a:lnRef idx="2">
+        <a:scrgbClr r="0" g="0" b="0"/>
+      </a:lnRef>
+      <a:fillRef idx="1">
+        <a:scrgbClr r="0" g="0" b="0"/>
+      </a:fillRef>
+      <a:effectRef idx="0">
+        <a:scrgbClr r="0" g="0" b="0"/>
+      </a:effectRef>
+      <a:fontRef idx="minor">
+        <a:schemeClr val="tx1"/>
+      </a:fontRef>
+    </dgm:style>
+  </dgm:styleLbl>
+  <dgm:styleLbl name="alignNode1">
+    <dgm:scene3d>
+      <a:camera prst="orthographicFront"/>
+      <a:lightRig rig="threePt" dir="t"/>
+    </dgm:scene3d>
+    <dgm:sp3d/>
+    <dgm:txPr/>
+    <dgm:style>
+      <a:lnRef idx="2">
+        <a:scrgbClr r="0" g="0" b="0"/>
+      </a:lnRef>
+      <a:fillRef idx="1">
+        <a:scrgbClr r="0" g="0" b="0"/>
+      </a:fillRef>
+      <a:effectRef idx="0">
+        <a:scrgbClr r="0" g="0" b="0"/>
+      </a:effectRef>
+      <a:fontRef idx="minor">
+        <a:schemeClr val="lt1"/>
+      </a:fontRef>
+    </dgm:style>
+  </dgm:styleLbl>
+  <dgm:styleLbl name="node1">
+    <dgm:scene3d>
+      <a:camera prst="orthographicFront"/>
+      <a:lightRig rig="threePt" dir="t"/>
+    </dgm:scene3d>
+    <dgm:sp3d/>
+    <dgm:txPr/>
+    <dgm:style>
+      <a:lnRef idx="2">
+        <a:scrgbClr r="0" g="0" b="0"/>
+      </a:lnRef>
+      <a:fillRef idx="1">
+        <a:scrgbClr r="0" g="0" b="0"/>
+      </a:fillRef>
+      <a:effectRef idx="0">
+        <a:scrgbClr r="0" g="0" b="0"/>
+      </a:effectRef>
+      <a:fontRef idx="minor">
+        <a:schemeClr val="lt1"/>
+      </a:fontRef>
+    </dgm:style>
+  </dgm:styleLbl>
+  <dgm:styleLbl name="node2">
+    <dgm:scene3d>
+      <a:camera prst="orthographicFront"/>
+      <a:lightRig rig="threePt" dir="t"/>
+    </dgm:scene3d>
+    <dgm:sp3d/>
+    <dgm:txPr/>
+    <dgm:style>
+      <a:lnRef idx="2">
+        <a:scrgbClr r="0" g="0" b="0"/>
+      </a:lnRef>
+      <a:fillRef idx="1">
+        <a:scrgbClr r="0" g="0" b="0"/>
+      </a:fillRef>
+      <a:effectRef idx="0">
+        <a:scrgbClr r="0" g="0" b="0"/>
+      </a:effectRef>
+      <a:fontRef idx="minor">
+        <a:schemeClr val="lt1"/>
+      </a:fontRef>
+    </dgm:style>
+  </dgm:styleLbl>
+  <dgm:styleLbl name="node3">
+    <dgm:scene3d>
+      <a:camera prst="orthographicFront"/>
+      <a:lightRig rig="threePt" dir="t"/>
+    </dgm:scene3d>
+    <dgm:sp3d/>
+    <dgm:txPr/>
+    <dgm:style>
+      <a:lnRef idx="2">
+        <a:scrgbClr r="0" g="0" b="0"/>
+      </a:lnRef>
+      <a:fillRef idx="1">
+        <a:scrgbClr r="0" g="0" b="0"/>
+      </a:fillRef>
+      <a:effectRef idx="0">
+        <a:scrgbClr r="0" g="0" b="0"/>
+      </a:effectRef>
+      <a:fontRef idx="minor">
+        <a:schemeClr val="lt1"/>
+      </a:fontRef>
+    </dgm:style>
+  </dgm:styleLbl>
+  <dgm:styleLbl name="node4">
+    <dgm:scene3d>
+      <a:camera prst="orthographicFront"/>
+      <a:lightRig rig="threePt" dir="t"/>
+    </dgm:scene3d>
+    <dgm:sp3d/>
+    <dgm:txPr/>
+    <dgm:style>
+      <a:lnRef idx="2">
+        <a:scrgbClr r="0" g="0" b="0"/>
+      </a:lnRef>
+      <a:fillRef idx="1">
+        <a:scrgbClr r="0" g="0" b="0"/>
+      </a:fillRef>
+      <a:effectRef idx="0">
+        <a:scrgbClr r="0" g="0" b="0"/>
+      </a:effectRef>
+      <a:fontRef idx="minor">
+        <a:schemeClr val="lt1"/>
+      </a:fontRef>
+    </dgm:style>
+  </dgm:styleLbl>
+  <dgm:styleLbl name="fgImgPlace1">
+    <dgm:scene3d>
+      <a:camera prst="orthographicFront"/>
+      <a:lightRig rig="threePt" dir="t"/>
+    </dgm:scene3d>
+    <dgm:sp3d/>
+    <dgm:txPr/>
+    <dgm:style>
+      <a:lnRef idx="2">
+        <a:scrgbClr r="0" g="0" b="0"/>
+      </a:lnRef>
+      <a:fillRef idx="1">
+        <a:scrgbClr r="0" g="0" b="0"/>
+      </a:fillRef>
+      <a:effectRef idx="0">
+        <a:scrgbClr r="0" g="0" b="0"/>
+      </a:effectRef>
+      <a:fontRef idx="minor"/>
+    </dgm:style>
+  </dgm:styleLbl>
+  <dgm:styleLbl name="alignImgPlace1">
+    <dgm:scene3d>
+      <a:camera prst="orthographicFront"/>
+      <a:lightRig rig="threePt" dir="t"/>
+    </dgm:scene3d>
+    <dgm:sp3d/>
+    <dgm:txPr/>
+    <dgm:style>
+      <a:lnRef idx="2">
+        <a:scrgbClr r="0" g="0" b="0"/>
+      </a:lnRef>
+      <a:fillRef idx="1">
+        <a:scrgbClr r="0" g="0" b="0"/>
+      </a:fillRef>
+      <a:effectRef idx="0">
+        <a:scrgbClr r="0" g="0" b="0"/>
+      </a:effectRef>
+      <a:fontRef idx="minor"/>
+    </dgm:style>
+  </dgm:styleLbl>
+  <dgm:styleLbl name="bgImgPlace1">
+    <dgm:scene3d>
+      <a:camera prst="orthographicFront"/>
+      <a:lightRig rig="threePt" dir="t"/>
+    </dgm:scene3d>
+    <dgm:sp3d/>
+    <dgm:txPr/>
+    <dgm:style>
+      <a:lnRef idx="2">
+        <a:scrgbClr r="0" g="0" b="0"/>
+      </a:lnRef>
+      <a:fillRef idx="1">
+        <a:scrgbClr r="0" g="0" b="0"/>
+      </a:fillRef>
+      <a:effectRef idx="0">
+        <a:scrgbClr r="0" g="0" b="0"/>
+      </a:effectRef>
+      <a:fontRef idx="minor"/>
+    </dgm:style>
+  </dgm:styleLbl>
+  <dgm:styleLbl name="sibTrans2D1">
+    <dgm:scene3d>
+      <a:camera prst="orthographicFront"/>
+      <a:lightRig rig="threePt" dir="t"/>
+    </dgm:scene3d>
+    <dgm:sp3d/>
+    <dgm:txPr/>
+    <dgm:style>
+      <a:lnRef idx="0">
+        <a:scrgbClr r="0" g="0" b="0"/>
+      </a:lnRef>
+      <a:fillRef idx="1">
+        <a:scrgbClr r="0" g="0" b="0"/>
+      </a:fillRef>
+      <a:effectRef idx="0">
+        <a:scrgbClr r="0" g="0" b="0"/>
+      </a:effectRef>
+      <a:fontRef idx="minor">
+        <a:schemeClr val="lt1"/>
+      </a:fontRef>
+    </dgm:style>
+  </dgm:styleLbl>
+  <dgm:styleLbl name="fgSibTrans2D1">
+    <dgm:scene3d>
+      <a:camera prst="orthographicFront"/>
+      <a:lightRig rig="threePt" dir="t"/>
+    </dgm:scene3d>
+    <dgm:sp3d/>
+    <dgm:txPr/>
+    <dgm:style>
+      <a:lnRef idx="0">
+        <a:scrgbClr r="0" g="0" b="0"/>
+      </a:lnRef>
+      <a:fillRef idx="1">
+        <a:scrgbClr r="0" g="0" b="0"/>
+      </a:fillRef>
+      <a:effectRef idx="0">
+        <a:scrgbClr r="0" g="0" b="0"/>
+      </a:effectRef>
+      <a:fontRef idx="minor">
+        <a:schemeClr val="lt1"/>
+      </a:fontRef>
+    </dgm:style>
+  </dgm:styleLbl>
+  <dgm:styleLbl name="bgSibTrans2D1">
+    <dgm:scene3d>
+      <a:camera prst="orthographicFront"/>
+      <a:lightRig rig="threePt" dir="t"/>
+    </dgm:scene3d>
+    <dgm:sp3d/>
+    <dgm:txPr/>
+    <dgm:style>
+      <a:lnRef idx="0">
+        <a:scrgbClr r="0" g="0" b="0"/>
+      </a:lnRef>
+      <a:fillRef idx="1">
+        <a:scrgbClr r="0" g="0" b="0"/>
+      </a:fillRef>
+      <a:effectRef idx="0">
+        <a:scrgbClr r="0" g="0" b="0"/>
+      </a:effectRef>
+      <a:fontRef idx="minor">
+        <a:schemeClr val="lt1"/>
+      </a:fontRef>
+    </dgm:style>
+  </dgm:styleLbl>
+  <dgm:styleLbl name="sibTrans1D1">
+    <dgm:scene3d>
+      <a:camera prst="orthographicFront"/>
+      <a:lightRig rig="threePt" dir="t"/>
+    </dgm:scene3d>
+    <dgm:sp3d/>
+    <dgm:txPr/>
+    <dgm:style>
+      <a:lnRef idx="1">
+        <a:scrgbClr r="0" g="0" b="0"/>
+      </a:lnRef>
+      <a:fillRef idx="0">
+        <a:scrgbClr r="0" g="0" b="0"/>
+      </a:fillRef>
+      <a:effectRef idx="0">
+        <a:scrgbClr r="0" g="0" b="0"/>
+      </a:effectRef>
+      <a:fontRef idx="minor"/>
+    </dgm:style>
+  </dgm:styleLbl>
+  <dgm:styleLbl name="callout">
+    <dgm:scene3d>
+      <a:camera prst="orthographicFront"/>
+      <a:lightRig rig="threePt" dir="t"/>
+    </dgm:scene3d>
+    <dgm:sp3d/>
+    <dgm:txPr/>
+    <dgm:style>
+      <a:lnRef idx="2">
+        <a:scrgbClr r="0" g="0" b="0"/>
+      </a:lnRef>
+      <a:fillRef idx="1">
+        <a:scrgbClr r="0" g="0" b="0"/>
+      </a:fillRef>
+      <a:effectRef idx="0">
+        <a:scrgbClr r="0" g="0" b="0"/>
+      </a:effectRef>
+      <a:fontRef idx="minor"/>
+    </dgm:style>
+  </dgm:styleLbl>
+  <dgm:styleLbl name="asst0">
+    <dgm:scene3d>
+      <a:camera prst="orthographicFront"/>
+      <a:lightRig rig="threePt" dir="t"/>
+    </dgm:scene3d>
+    <dgm:sp3d/>
+    <dgm:txPr/>
+    <dgm:style>
+      <a:lnRef idx="2">
+        <a:scrgbClr r="0" g="0" b="0"/>
+      </a:lnRef>
+      <a:fillRef idx="1">
+        <a:scrgbClr r="0" g="0" b="0"/>
+      </a:fillRef>
+      <a:effectRef idx="0">
+        <a:scrgbClr r="0" g="0" b="0"/>
+      </a:effectRef>
+      <a:fontRef idx="minor">
+        <a:schemeClr val="lt1"/>
+      </a:fontRef>
+    </dgm:style>
+  </dgm:styleLbl>
+  <dgm:styleLbl name="asst1">
+    <dgm:scene3d>
+      <a:camera prst="orthographicFront"/>
+      <a:lightRig rig="threePt" dir="t"/>
+    </dgm:scene3d>
+    <dgm:sp3d/>
+    <dgm:txPr/>
+    <dgm:style>
+      <a:lnRef idx="2">
+        <a:scrgbClr r="0" g="0" b="0"/>
+      </a:lnRef>
+      <a:fillRef idx="1">
+        <a:scrgbClr r="0" g="0" b="0"/>
+      </a:fillRef>
+      <a:effectRef idx="0">
+        <a:scrgbClr r="0" g="0" b="0"/>
+      </a:effectRef>
+      <a:fontRef idx="minor">
+        <a:schemeClr val="lt1"/>
+      </a:fontRef>
+    </dgm:style>
+  </dgm:styleLbl>
+  <dgm:styleLbl name="asst2">
+    <dgm:scene3d>
+      <a:camera prst="orthographicFront"/>
+      <a:lightRig rig="threePt" dir="t"/>
+    </dgm:scene3d>
+    <dgm:sp3d/>
+    <dgm:txPr/>
+    <dgm:style>
+      <a:lnRef idx="2">
+        <a:scrgbClr r="0" g="0" b="0"/>
+      </a:lnRef>
+      <a:fillRef idx="1">
+        <a:scrgbClr r="0" g="0" b="0"/>
+      </a:fillRef>
+      <a:effectRef idx="0">
+        <a:scrgbClr r="0" g="0" b="0"/>
+      </a:effectRef>
+      <a:fontRef idx="minor">
+        <a:schemeClr val="lt1"/>
+      </a:fontRef>
+    </dgm:style>
+  </dgm:styleLbl>
+  <dgm:styleLbl name="asst3">
+    <dgm:scene3d>
+      <a:camera prst="orthographicFront"/>
+      <a:lightRig rig="threePt" dir="t"/>
+    </dgm:scene3d>
+    <dgm:sp3d/>
+    <dgm:txPr/>
+    <dgm:style>
+      <a:lnRef idx="2">
+        <a:scrgbClr r="0" g="0" b="0"/>
+      </a:lnRef>
+      <a:fillRef idx="1">
+        <a:scrgbClr r="0" g="0" b="0"/>
+      </a:fillRef>
+      <a:effectRef idx="0">
+        <a:scrgbClr r="0" g="0" b="0"/>
+      </a:effectRef>
+      <a:fontRef idx="minor">
+        <a:schemeClr val="lt1"/>
+      </a:fontRef>
+    </dgm:style>
+  </dgm:styleLbl>
+  <dgm:styleLbl name="asst4">
+    <dgm:scene3d>
+      <a:camera prst="orthographicFront"/>
+      <a:lightRig rig="threePt" dir="t"/>
+    </dgm:scene3d>
+    <dgm:sp3d/>
+    <dgm:txPr/>
+    <dgm:style>
+      <a:lnRef idx="2">
+        <a:scrgbClr r="0" g="0" b="0"/>
+      </a:lnRef>
+      <a:fillRef idx="1">
+        <a:scrgbClr r="0" g="0" b="0"/>
+      </a:fillRef>
+      <a:effectRef idx="0">
+        <a:scrgbClr r="0" g="0" b="0"/>
+      </a:effectRef>
+      <a:fontRef idx="minor">
+        <a:schemeClr val="lt1"/>
+      </a:fontRef>
+    </dgm:style>
+  </dgm:styleLbl>
+  <dgm:styleLbl name="parChTrans2D1">
+    <dgm:scene3d>
+      <a:camera prst="orthographicFront"/>
+      <a:lightRig rig="threePt" dir="t"/>
+    </dgm:scene3d>
+    <dgm:sp3d/>
+    <dgm:txPr/>
+    <dgm:style>
+      <a:lnRef idx="2">
+        <a:scrgbClr r="0" g="0" b="0"/>
+      </a:lnRef>
+      <a:fillRef idx="1">
+        <a:scrgbClr r="0" g="0" b="0"/>
+      </a:fillRef>
+      <a:effectRef idx="0">
+        <a:scrgbClr r="0" g="0" b="0"/>
+      </a:effectRef>
+      <a:fontRef idx="minor">
+        <a:schemeClr val="lt1"/>
+      </a:fontRef>
+    </dgm:style>
+  </dgm:styleLbl>
+  <dgm:styleLbl name="parChTrans2D2">
+    <dgm:scene3d>
+      <a:camera prst="orthographicFront"/>
+      <a:lightRig rig="threePt" dir="t"/>
+    </dgm:scene3d>
+    <dgm:sp3d/>
+    <dgm:txPr/>
+    <dgm:style>
+      <a:lnRef idx="2">
+        <a:scrgbClr r="0" g="0" b="0"/>
+      </a:lnRef>
+      <a:fillRef idx="1">
+        <a:scrgbClr r="0" g="0" b="0"/>
+      </a:fillRef>
+      <a:effectRef idx="0">
+        <a:scrgbClr r="0" g="0" b="0"/>
+      </a:effectRef>
+      <a:fontRef idx="minor">
+        <a:schemeClr val="lt1"/>
+      </a:fontRef>
+    </dgm:style>
+  </dgm:styleLbl>
+  <dgm:styleLbl name="parChTrans2D3">
+    <dgm:scene3d>
+      <a:camera prst="orthographicFront"/>
+      <a:lightRig rig="threePt" dir="t"/>
+    </dgm:scene3d>
+    <dgm:sp3d/>
+    <dgm:txPr/>
+    <dgm:style>
+      <a:lnRef idx="2">
+        <a:scrgbClr r="0" g="0" b="0"/>
+      </a:lnRef>
+      <a:fillRef idx="1">
+        <a:scrgbClr r="0" g="0" b="0"/>
+      </a:fillRef>
+      <a:effectRef idx="0">
+        <a:scrgbClr r="0" g="0" b="0"/>
+      </a:effectRef>
+      <a:fontRef idx="minor">
+        <a:schemeClr val="lt1"/>
+      </a:fontRef>
+    </dgm:style>
+  </dgm:styleLbl>
+  <dgm:styleLbl name="parChTrans2D4">
+    <dgm:scene3d>
+      <a:camera prst="orthographicFront"/>
+      <a:lightRig rig="threePt" dir="t"/>
+    </dgm:scene3d>
+    <dgm:sp3d/>
+    <dgm:txPr/>
+    <dgm:style>
+      <a:lnRef idx="2">
+        <a:scrgbClr r="0" g="0" b="0"/>
+      </a:lnRef>
+      <a:fillRef idx="1">
+        <a:scrgbClr r="0" g="0" b="0"/>
+      </a:fillRef>
+      <a:effectRef idx="0">
+        <a:scrgbClr r="0" g="0" b="0"/>
+      </a:effectRef>
+      <a:fontRef idx="minor">
+        <a:schemeClr val="lt1"/>
+      </a:fontRef>
+    </dgm:style>
+  </dgm:styleLbl>
+  <dgm:styleLbl name="parChTrans1D1">
+    <dgm:scene3d>
+      <a:camera prst="orthographicFront"/>
+      <a:lightRig rig="threePt" dir="t"/>
+    </dgm:scene3d>
+    <dgm:sp3d/>
+    <dgm:txPr/>
+    <dgm:style>
+      <a:lnRef idx="2">
+        <a:scrgbClr r="0" g="0" b="0"/>
+      </a:lnRef>
+      <a:fillRef idx="0">
+        <a:scrgbClr r="0" g="0" b="0"/>
+      </a:fillRef>
+      <a:effectRef idx="0">
+        <a:scrgbClr r="0" g="0" b="0"/>
+      </a:effectRef>
+      <a:fontRef idx="minor"/>
+    </dgm:style>
+  </dgm:styleLbl>
+  <dgm:styleLbl name="parChTrans1D2">
+    <dgm:scene3d>
+      <a:camera prst="orthographicFront"/>
+      <a:lightRig rig="threePt" dir="t"/>
+    </dgm:scene3d>
+    <dgm:sp3d/>
+    <dgm:txPr/>
+    <dgm:style>
+      <a:lnRef idx="2">
+        <a:scrgbClr r="0" g="0" b="0"/>
+      </a:lnRef>
+      <a:fillRef idx="0">
+        <a:scrgbClr r="0" g="0" b="0"/>
+      </a:fillRef>
+      <a:effectRef idx="0">
+        <a:scrgbClr r="0" g="0" b="0"/>
+      </a:effectRef>
+      <a:fontRef idx="minor"/>
+    </dgm:style>
+  </dgm:styleLbl>
+  <dgm:styleLbl name="parChTrans1D3">
+    <dgm:scene3d>
+      <a:camera prst="orthographicFront"/>
+      <a:lightRig rig="threePt" dir="t"/>
+    </dgm:scene3d>
+    <dgm:sp3d/>
+    <dgm:txPr/>
+    <dgm:style>
+      <a:lnRef idx="2">
+        <a:scrgbClr r="0" g="0" b="0"/>
+      </a:lnRef>
+      <a:fillRef idx="0">
+        <a:scrgbClr r="0" g="0" b="0"/>
+      </a:fillRef>
+      <a:effectRef idx="0">
+        <a:scrgbClr r="0" g="0" b="0"/>
+      </a:effectRef>
+      <a:fontRef idx="minor"/>
+    </dgm:style>
+  </dgm:styleLbl>
+  <dgm:styleLbl name="parChTrans1D4">
+    <dgm:scene3d>
+      <a:camera prst="orthographicFront"/>
+      <a:lightRig rig="threePt" dir="t"/>
+    </dgm:scene3d>
+    <dgm:sp3d/>
+    <dgm:txPr/>
+    <dgm:style>
+      <a:lnRef idx="2">
+        <a:scrgbClr r="0" g="0" b="0"/>
+      </a:lnRef>
+      <a:fillRef idx="0">
+        <a:scrgbClr r="0" g="0" b="0"/>
+      </a:fillRef>
+      <a:effectRef idx="0">
+        <a:scrgbClr r="0" g="0" b="0"/>
+      </a:effectRef>
+      <a:fontRef idx="minor"/>
+    </dgm:style>
+  </dgm:styleLbl>
+  <dgm:styleLbl name="fgAcc1">
+    <dgm:scene3d>
+      <a:camera prst="orthographicFront"/>
+      <a:lightRig rig="threePt" dir="t"/>
+    </dgm:scene3d>
+    <dgm:sp3d/>
+    <dgm:txPr/>
+    <dgm:style>
+      <a:lnRef idx="2">
+        <a:scrgbClr r="0" g="0" b="0"/>
+      </a:lnRef>
+      <a:fillRef idx="1">
+        <a:scrgbClr r="0" g="0" b="0"/>
+      </a:fillRef>
+      <a:effectRef idx="0">
+        <a:scrgbClr r="0" g="0" b="0"/>
+      </a:effectRef>
+      <a:fontRef idx="minor"/>
+    </dgm:style>
+  </dgm:styleLbl>
+  <dgm:styleLbl name="conFgAcc1">
+    <dgm:scene3d>
+      <a:camera prst="orthographicFront"/>
+      <a:lightRig rig="threePt" dir="t"/>
+    </dgm:scene3d>
+    <dgm:sp3d/>
+    <dgm:txPr/>
+    <dgm:style>
+      <a:lnRef idx="2">
+        <a:scrgbClr r="0" g="0" b="0"/>
+      </a:lnRef>
+      <a:fillRef idx="1">
+        <a:scrgbClr r="0" g="0" b="0"/>
+      </a:fillRef>
+      <a:effectRef idx="0">
+        <a:scrgbClr r="0" g="0" b="0"/>
+      </a:effectRef>
+      <a:fontRef idx="minor"/>
+    </dgm:style>
+  </dgm:styleLbl>
+  <dgm:styleLbl name="alignAcc1">
+    <dgm:scene3d>
+      <a:camera prst="orthographicFront"/>
+      <a:lightRig rig="threePt" dir="t"/>
+    </dgm:scene3d>
+    <dgm:sp3d/>
+    <dgm:txPr/>
+    <dgm:style>
+      <a:lnRef idx="2">
+        <a:scrgbClr r="0" g="0" b="0"/>
+      </a:lnRef>
+      <a:fillRef idx="1">
+        <a:scrgbClr r="0" g="0" b="0"/>
+      </a:fillRef>
+      <a:effectRef idx="0">
+        <a:scrgbClr r="0" g="0" b="0"/>
+      </a:effectRef>
+      <a:fontRef idx="minor"/>
+    </dgm:style>
+  </dgm:styleLbl>
+  <dgm:styleLbl name="trAlignAcc1">
+    <dgm:scene3d>
+      <a:camera prst="orthographicFront"/>
+      <a:lightRig rig="threePt" dir="t"/>
+    </dgm:scene3d>
+    <dgm:sp3d/>
+    <dgm:txPr/>
+    <dgm:style>
+      <a:lnRef idx="1">
+        <a:scrgbClr r="0" g="0" b="0"/>
+      </a:lnRef>
+      <a:fillRef idx="1">
+        <a:scrgbClr r="0" g="0" b="0"/>
+      </a:fillRef>
+      <a:effectRef idx="0">
+        <a:scrgbClr r="0" g="0" b="0"/>
+      </a:effectRef>
+      <a:fontRef idx="minor"/>
+    </dgm:style>
+  </dgm:styleLbl>
+  <dgm:styleLbl name="bgAcc1">
+    <dgm:scene3d>
+      <a:camera prst="orthographicFront"/>
+      <a:lightRig rig="threePt" dir="t"/>
+    </dgm:scene3d>
+    <dgm:sp3d/>
+    <dgm:txPr/>
+    <dgm:style>
+      <a:lnRef idx="2">
+        <a:scrgbClr r="0" g="0" b="0"/>
+      </a:lnRef>
+      <a:fillRef idx="1">
+        <a:scrgbClr r="0" g="0" b="0"/>
+      </a:fillRef>
+      <a:effectRef idx="0">
+        <a:scrgbClr r="0" g="0" b="0"/>
+      </a:effectRef>
+      <a:fontRef idx="minor"/>
+    </dgm:style>
+  </dgm:styleLbl>
+  <dgm:styleLbl name="solidFgAcc1">
+    <dgm:scene3d>
+      <a:camera prst="orthographicFront"/>
+      <a:lightRig rig="threePt" dir="t"/>
+    </dgm:scene3d>
+    <dgm:sp3d/>
+    <dgm:txPr/>
+    <dgm:style>
+      <a:lnRef idx="2">
+        <a:scrgbClr r="0" g="0" b="0"/>
+      </a:lnRef>
+      <a:fillRef idx="1">
+        <a:scrgbClr r="0" g="0" b="0"/>
+      </a:fillRef>
+      <a:effectRef idx="0">
+        <a:scrgbClr r="0" g="0" b="0"/>
+      </a:effectRef>
+      <a:fontRef idx="minor"/>
+    </dgm:style>
+  </dgm:styleLbl>
+  <dgm:styleLbl name="solidAlignAcc1">
+    <dgm:scene3d>
+      <a:camera prst="orthographicFront"/>
+      <a:lightRig rig="threePt" dir="t"/>
+    </dgm:scene3d>
+    <dgm:sp3d/>
+    <dgm:txPr/>
+    <dgm:style>
+      <a:lnRef idx="2">
+        <a:scrgbClr r="0" g="0" b="0"/>
+      </a:lnRef>
+      <a:fillRef idx="1">
+        <a:scrgbClr r="0" g="0" b="0"/>
+      </a:fillRef>
+      <a:effectRef idx="0">
+        <a:scrgbClr r="0" g="0" b="0"/>
+      </a:effectRef>
+      <a:fontRef idx="minor"/>
+    </dgm:style>
+  </dgm:styleLbl>
+  <dgm:styleLbl name="solidBgAcc1">
+    <dgm:scene3d>
+      <a:camera prst="orthographicFront"/>
+      <a:lightRig rig="threePt" dir="t"/>
+    </dgm:scene3d>
+    <dgm:sp3d/>
+    <dgm:txPr/>
+    <dgm:style>
+      <a:lnRef idx="2">
+        <a:scrgbClr r="0" g="0" b="0"/>
+      </a:lnRef>
+      <a:fillRef idx="1">
+        <a:scrgbClr r="0" g="0" b="0"/>
+      </a:fillRef>
+      <a:effectRef idx="0">
+        <a:scrgbClr r="0" g="0" b="0"/>
+      </a:effectRef>
+      <a:fontRef idx="minor"/>
+    </dgm:style>
+  </dgm:styleLbl>
+  <dgm:styleLbl name="fgAccFollowNode1">
+    <dgm:scene3d>
+      <a:camera prst="orthographicFront"/>
+      <a:lightRig rig="threePt" dir="t"/>
+    </dgm:scene3d>
+    <dgm:sp3d/>
+    <dgm:txPr/>
+    <dgm:style>
+      <a:lnRef idx="2">
+        <a:scrgbClr r="0" g="0" b="0"/>
+      </a:lnRef>
+      <a:fillRef idx="1">
+        <a:scrgbClr r="0" g="0" b="0"/>
+      </a:fillRef>
+      <a:effectRef idx="0">
+        <a:scrgbClr r="0" g="0" b="0"/>
+      </a:effectRef>
+      <a:fontRef idx="minor"/>
+    </dgm:style>
+  </dgm:styleLbl>
+  <dgm:styleLbl name="alignAccFollowNode1">
+    <dgm:scene3d>
+      <a:camera prst="orthographicFront"/>
+      <a:lightRig rig="threePt" dir="t"/>
+    </dgm:scene3d>
+    <dgm:sp3d/>
+    <dgm:txPr/>
+    <dgm:style>
+      <a:lnRef idx="2">
+        <a:scrgbClr r="0" g="0" b="0"/>
+      </a:lnRef>
+      <a:fillRef idx="1">
+        <a:scrgbClr r="0" g="0" b="0"/>
+      </a:fillRef>
+      <a:effectRef idx="0">
+        <a:scrgbClr r="0" g="0" b="0"/>
+      </a:effectRef>
+      <a:fontRef idx="minor"/>
+    </dgm:style>
+  </dgm:styleLbl>
+  <dgm:styleLbl name="bgAccFollowNode1">
+    <dgm:scene3d>
+      <a:camera prst="orthographicFront"/>
+      <a:lightRig rig="threePt" dir="t"/>
+    </dgm:scene3d>
+    <dgm:sp3d/>
+    <dgm:txPr/>
+    <dgm:style>
+      <a:lnRef idx="2">
+        <a:scrgbClr r="0" g="0" b="0"/>
+      </a:lnRef>
+      <a:fillRef idx="1">
+        <a:scrgbClr r="0" g="0" b="0"/>
+      </a:fillRef>
+      <a:effectRef idx="0">
+        <a:scrgbClr r="0" g="0" b="0"/>
+      </a:effectRef>
+      <a:fontRef idx="minor"/>
+    </dgm:style>
+  </dgm:styleLbl>
+  <dgm:styleLbl name="fgAcc0">
+    <dgm:scene3d>
+      <a:camera prst="orthographicFront"/>
+      <a:lightRig rig="threePt" dir="t"/>
+    </dgm:scene3d>
+    <dgm:sp3d/>
+    <dgm:txPr/>
+    <dgm:style>
+      <a:lnRef idx="2">
+        <a:scrgbClr r="0" g="0" b="0"/>
+      </a:lnRef>
+      <a:fillRef idx="1">
+        <a:scrgbClr r="0" g="0" b="0"/>
+      </a:fillRef>
+      <a:effectRef idx="0">
+        <a:scrgbClr r="0" g="0" b="0"/>
+      </a:effectRef>
+      <a:fontRef idx="minor"/>
+    </dgm:style>
+  </dgm:styleLbl>
+  <dgm:styleLbl name="fgAcc2">
+    <dgm:scene3d>
+      <a:camera prst="orthographicFront"/>
+      <a:lightRig rig="threePt" dir="t"/>
+    </dgm:scene3d>
+    <dgm:sp3d/>
+    <dgm:txPr/>
+    <dgm:style>
+      <a:lnRef idx="2">
+        <a:scrgbClr r="0" g="0" b="0"/>
+      </a:lnRef>
+      <a:fillRef idx="1">
+        <a:scrgbClr r="0" g="0" b="0"/>
+      </a:fillRef>
+      <a:effectRef idx="0">
+        <a:scrgbClr r="0" g="0" b="0"/>
+      </a:effectRef>
+      <a:fontRef idx="minor"/>
+    </dgm:style>
+  </dgm:styleLbl>
+  <dgm:styleLbl name="fgAcc3">
+    <dgm:scene3d>
+      <a:camera prst="orthographicFront"/>
+      <a:lightRig rig="threePt" dir="t"/>
+    </dgm:scene3d>
+    <dgm:sp3d/>
+    <dgm:txPr/>
+    <dgm:style>
+      <a:lnRef idx="2">
+        <a:scrgbClr r="0" g="0" b="0"/>
+      </a:lnRef>
+      <a:fillRef idx="1">
+        <a:scrgbClr r="0" g="0" b="0"/>
+      </a:fillRef>
+      <a:effectRef idx="0">
+        <a:scrgbClr r="0" g="0" b="0"/>
+      </a:effectRef>
+      <a:fontRef idx="minor"/>
+    </dgm:style>
+  </dgm:styleLbl>
+  <dgm:styleLbl name="fgAcc4">
+    <dgm:scene3d>
+      <a:camera prst="orthographicFront"/>
+      <a:lightRig rig="threePt" dir="t"/>
+    </dgm:scene3d>
+    <dgm:sp3d/>
+    <dgm:txPr/>
+    <dgm:style>
+      <a:lnRef idx="2">
+        <a:scrgbClr r="0" g="0" b="0"/>
+      </a:lnRef>
+      <a:fillRef idx="1">
+        <a:scrgbClr r="0" g="0" b="0"/>
+      </a:fillRef>
+      <a:effectRef idx="0">
+        <a:scrgbClr r="0" g="0" b="0"/>
+      </a:effectRef>
+      <a:fontRef idx="minor"/>
+    </dgm:style>
+  </dgm:styleLbl>
+  <dgm:styleLbl name="bgShp">
+    <dgm:scene3d>
+      <a:camera prst="orthographicFront"/>
+      <a:lightRig rig="threePt" dir="t"/>
+    </dgm:scene3d>
+    <dgm:sp3d/>
+    <dgm:txPr/>
+    <dgm:style>
+      <a:lnRef idx="0">
+        <a:scrgbClr r="0" g="0" b="0"/>
+      </a:lnRef>
+      <a:fillRef idx="1">
+        <a:scrgbClr r="0" g="0" b="0"/>
+      </a:fillRef>
+      <a:effectRef idx="0">
+        <a:scrgbClr r="0" g="0" b="0"/>
+      </a:effectRef>
+      <a:fontRef idx="minor"/>
+    </dgm:style>
+  </dgm:styleLbl>
+  <dgm:styleLbl name="dkBgShp">
+    <dgm:scene3d>
+      <a:camera prst="orthographicFront"/>
+      <a:lightRig rig="threePt" dir="t"/>
+    </dgm:scene3d>
+    <dgm:sp3d/>
+    <dgm:txPr/>
+    <dgm:style>
+      <a:lnRef idx="0">
+        <a:scrgbClr r="0" g="0" b="0"/>
+      </a:lnRef>
+      <a:fillRef idx="1">
+        <a:scrgbClr r="0" g="0" b="0"/>
+      </a:fillRef>
+      <a:effectRef idx="0">
+        <a:scrgbClr r="0" g="0" b="0"/>
+      </a:effectRef>
+      <a:fontRef idx="minor"/>
+    </dgm:style>
+  </dgm:styleLbl>
+  <dgm:styleLbl name="trBgShp">
+    <dgm:scene3d>
+      <a:camera prst="orthographicFront"/>
+      <a:lightRig rig="threePt" dir="t"/>
+    </dgm:scene3d>
+    <dgm:sp3d/>
+    <dgm:txPr/>
+    <dgm:style>
+      <a:lnRef idx="0">
+        <a:scrgbClr r="0" g="0" b="0"/>
+      </a:lnRef>
+      <a:fillRef idx="1">
+        <a:scrgbClr r="0" g="0" b="0"/>
+      </a:fillRef>
+      <a:effectRef idx="0">
+        <a:scrgbClr r="0" g="0" b="0"/>
+      </a:effectRef>
+      <a:fontRef idx="minor"/>
+    </dgm:style>
+  </dgm:styleLbl>
+  <dgm:styleLbl name="fgShp">
+    <dgm:scene3d>
+      <a:camera prst="orthographicFront"/>
+      <a:lightRig rig="threePt" dir="t"/>
+    </dgm:scene3d>
+    <dgm:sp3d/>
+    <dgm:txPr/>
+    <dgm:style>
+      <a:lnRef idx="2">
+        <a:scrgbClr r="0" g="0" b="0"/>
+      </a:lnRef>
+      <a:fillRef idx="1">
+        <a:scrgbClr r="0" g="0" b="0"/>
+      </a:fillRef>
+      <a:effectRef idx="0">
+        <a:scrgbClr r="0" g="0" b="0"/>
+      </a:effectRef>
+      <a:fontRef idx="minor"/>
+    </dgm:style>
+  </dgm:styleLbl>
+  <dgm:styleLbl name="revTx">
+    <dgm:scene3d>
+      <a:camera prst="orthographicFront"/>
+      <a:lightRig rig="threePt" dir="t"/>
+    </dgm:scene3d>
+    <dgm:sp3d/>
+    <dgm:txPr/>
+    <dgm:style>
+      <a:lnRef idx="0">
+        <a:scrgbClr r="0" g="0" b="0"/>
+      </a:lnRef>
+      <a:fillRef idx="0">
+        <a:scrgbClr r="0" g="0" b="0"/>
+      </a:fillRef>
+      <a:effectRef idx="0">
+        <a:scrgbClr r="0" g="0" b="0"/>
+      </a:effectRef>
+      <a:fontRef idx="minor"/>
+    </dgm:style>
+  </dgm:styleLbl>
+</dgm:styleDef>
+</file>
+
+<file path=ppt/diagrams/quickStyle10.xml><?xml version="1.0" encoding="utf-8"?>
 <dgm:styleDef xmlns:dgm="http://schemas.openxmlformats.org/drawingml/2006/diagram" xmlns:a="http://schemas.openxmlformats.org/drawingml/2006/main" uniqueId="urn:microsoft.com/office/officeart/2005/8/quickstyle/simple1">
   <dgm:title val=""/>
   <dgm:desc val=""/>
@@ -32573,6 +39860,1040 @@
 </file>
 
 <file path=ppt/diagrams/quickStyle8.xml><?xml version="1.0" encoding="utf-8"?>
+<dgm:styleDef xmlns:dgm="http://schemas.openxmlformats.org/drawingml/2006/diagram" xmlns:a="http://schemas.openxmlformats.org/drawingml/2006/main" uniqueId="urn:microsoft.com/office/officeart/2005/8/quickstyle/simple1">
+  <dgm:title val=""/>
+  <dgm:desc val=""/>
+  <dgm:catLst>
+    <dgm:cat type="simple" pri="10100"/>
+  </dgm:catLst>
+  <dgm:scene3d>
+    <a:camera prst="orthographicFront"/>
+    <a:lightRig rig="threePt" dir="t"/>
+  </dgm:scene3d>
+  <dgm:styleLbl name="node0">
+    <dgm:scene3d>
+      <a:camera prst="orthographicFront"/>
+      <a:lightRig rig="threePt" dir="t"/>
+    </dgm:scene3d>
+    <dgm:sp3d/>
+    <dgm:txPr/>
+    <dgm:style>
+      <a:lnRef idx="2">
+        <a:scrgbClr r="0" g="0" b="0"/>
+      </a:lnRef>
+      <a:fillRef idx="1">
+        <a:scrgbClr r="0" g="0" b="0"/>
+      </a:fillRef>
+      <a:effectRef idx="0">
+        <a:scrgbClr r="0" g="0" b="0"/>
+      </a:effectRef>
+      <a:fontRef idx="minor">
+        <a:schemeClr val="lt1"/>
+      </a:fontRef>
+    </dgm:style>
+  </dgm:styleLbl>
+  <dgm:styleLbl name="lnNode1">
+    <dgm:scene3d>
+      <a:camera prst="orthographicFront"/>
+      <a:lightRig rig="threePt" dir="t"/>
+    </dgm:scene3d>
+    <dgm:sp3d/>
+    <dgm:txPr/>
+    <dgm:style>
+      <a:lnRef idx="2">
+        <a:scrgbClr r="0" g="0" b="0"/>
+      </a:lnRef>
+      <a:fillRef idx="1">
+        <a:scrgbClr r="0" g="0" b="0"/>
+      </a:fillRef>
+      <a:effectRef idx="0">
+        <a:scrgbClr r="0" g="0" b="0"/>
+      </a:effectRef>
+      <a:fontRef idx="minor">
+        <a:schemeClr val="lt1"/>
+      </a:fontRef>
+    </dgm:style>
+  </dgm:styleLbl>
+  <dgm:styleLbl name="vennNode1">
+    <dgm:scene3d>
+      <a:camera prst="orthographicFront"/>
+      <a:lightRig rig="threePt" dir="t"/>
+    </dgm:scene3d>
+    <dgm:sp3d/>
+    <dgm:txPr/>
+    <dgm:style>
+      <a:lnRef idx="2">
+        <a:scrgbClr r="0" g="0" b="0"/>
+      </a:lnRef>
+      <a:fillRef idx="1">
+        <a:scrgbClr r="0" g="0" b="0"/>
+      </a:fillRef>
+      <a:effectRef idx="0">
+        <a:scrgbClr r="0" g="0" b="0"/>
+      </a:effectRef>
+      <a:fontRef idx="minor">
+        <a:schemeClr val="tx1"/>
+      </a:fontRef>
+    </dgm:style>
+  </dgm:styleLbl>
+  <dgm:styleLbl name="alignNode1">
+    <dgm:scene3d>
+      <a:camera prst="orthographicFront"/>
+      <a:lightRig rig="threePt" dir="t"/>
+    </dgm:scene3d>
+    <dgm:sp3d/>
+    <dgm:txPr/>
+    <dgm:style>
+      <a:lnRef idx="2">
+        <a:scrgbClr r="0" g="0" b="0"/>
+      </a:lnRef>
+      <a:fillRef idx="1">
+        <a:scrgbClr r="0" g="0" b="0"/>
+      </a:fillRef>
+      <a:effectRef idx="0">
+        <a:scrgbClr r="0" g="0" b="0"/>
+      </a:effectRef>
+      <a:fontRef idx="minor">
+        <a:schemeClr val="lt1"/>
+      </a:fontRef>
+    </dgm:style>
+  </dgm:styleLbl>
+  <dgm:styleLbl name="node1">
+    <dgm:scene3d>
+      <a:camera prst="orthographicFront"/>
+      <a:lightRig rig="threePt" dir="t"/>
+    </dgm:scene3d>
+    <dgm:sp3d/>
+    <dgm:txPr/>
+    <dgm:style>
+      <a:lnRef idx="2">
+        <a:scrgbClr r="0" g="0" b="0"/>
+      </a:lnRef>
+      <a:fillRef idx="1">
+        <a:scrgbClr r="0" g="0" b="0"/>
+      </a:fillRef>
+      <a:effectRef idx="0">
+        <a:scrgbClr r="0" g="0" b="0"/>
+      </a:effectRef>
+      <a:fontRef idx="minor">
+        <a:schemeClr val="lt1"/>
+      </a:fontRef>
+    </dgm:style>
+  </dgm:styleLbl>
+  <dgm:styleLbl name="node2">
+    <dgm:scene3d>
+      <a:camera prst="orthographicFront"/>
+      <a:lightRig rig="threePt" dir="t"/>
+    </dgm:scene3d>
+    <dgm:sp3d/>
+    <dgm:txPr/>
+    <dgm:style>
+      <a:lnRef idx="2">
+        <a:scrgbClr r="0" g="0" b="0"/>
+      </a:lnRef>
+      <a:fillRef idx="1">
+        <a:scrgbClr r="0" g="0" b="0"/>
+      </a:fillRef>
+      <a:effectRef idx="0">
+        <a:scrgbClr r="0" g="0" b="0"/>
+      </a:effectRef>
+      <a:fontRef idx="minor">
+        <a:schemeClr val="lt1"/>
+      </a:fontRef>
+    </dgm:style>
+  </dgm:styleLbl>
+  <dgm:styleLbl name="node3">
+    <dgm:scene3d>
+      <a:camera prst="orthographicFront"/>
+      <a:lightRig rig="threePt" dir="t"/>
+    </dgm:scene3d>
+    <dgm:sp3d/>
+    <dgm:txPr/>
+    <dgm:style>
+      <a:lnRef idx="2">
+        <a:scrgbClr r="0" g="0" b="0"/>
+      </a:lnRef>
+      <a:fillRef idx="1">
+        <a:scrgbClr r="0" g="0" b="0"/>
+      </a:fillRef>
+      <a:effectRef idx="0">
+        <a:scrgbClr r="0" g="0" b="0"/>
+      </a:effectRef>
+      <a:fontRef idx="minor">
+        <a:schemeClr val="lt1"/>
+      </a:fontRef>
+    </dgm:style>
+  </dgm:styleLbl>
+  <dgm:styleLbl name="node4">
+    <dgm:scene3d>
+      <a:camera prst="orthographicFront"/>
+      <a:lightRig rig="threePt" dir="t"/>
+    </dgm:scene3d>
+    <dgm:sp3d/>
+    <dgm:txPr/>
+    <dgm:style>
+      <a:lnRef idx="2">
+        <a:scrgbClr r="0" g="0" b="0"/>
+      </a:lnRef>
+      <a:fillRef idx="1">
+        <a:scrgbClr r="0" g="0" b="0"/>
+      </a:fillRef>
+      <a:effectRef idx="0">
+        <a:scrgbClr r="0" g="0" b="0"/>
+      </a:effectRef>
+      <a:fontRef idx="minor">
+        <a:schemeClr val="lt1"/>
+      </a:fontRef>
+    </dgm:style>
+  </dgm:styleLbl>
+  <dgm:styleLbl name="fgImgPlace1">
+    <dgm:scene3d>
+      <a:camera prst="orthographicFront"/>
+      <a:lightRig rig="threePt" dir="t"/>
+    </dgm:scene3d>
+    <dgm:sp3d/>
+    <dgm:txPr/>
+    <dgm:style>
+      <a:lnRef idx="2">
+        <a:scrgbClr r="0" g="0" b="0"/>
+      </a:lnRef>
+      <a:fillRef idx="1">
+        <a:scrgbClr r="0" g="0" b="0"/>
+      </a:fillRef>
+      <a:effectRef idx="0">
+        <a:scrgbClr r="0" g="0" b="0"/>
+      </a:effectRef>
+      <a:fontRef idx="minor"/>
+    </dgm:style>
+  </dgm:styleLbl>
+  <dgm:styleLbl name="alignImgPlace1">
+    <dgm:scene3d>
+      <a:camera prst="orthographicFront"/>
+      <a:lightRig rig="threePt" dir="t"/>
+    </dgm:scene3d>
+    <dgm:sp3d/>
+    <dgm:txPr/>
+    <dgm:style>
+      <a:lnRef idx="2">
+        <a:scrgbClr r="0" g="0" b="0"/>
+      </a:lnRef>
+      <a:fillRef idx="1">
+        <a:scrgbClr r="0" g="0" b="0"/>
+      </a:fillRef>
+      <a:effectRef idx="0">
+        <a:scrgbClr r="0" g="0" b="0"/>
+      </a:effectRef>
+      <a:fontRef idx="minor"/>
+    </dgm:style>
+  </dgm:styleLbl>
+  <dgm:styleLbl name="bgImgPlace1">
+    <dgm:scene3d>
+      <a:camera prst="orthographicFront"/>
+      <a:lightRig rig="threePt" dir="t"/>
+    </dgm:scene3d>
+    <dgm:sp3d/>
+    <dgm:txPr/>
+    <dgm:style>
+      <a:lnRef idx="2">
+        <a:scrgbClr r="0" g="0" b="0"/>
+      </a:lnRef>
+      <a:fillRef idx="1">
+        <a:scrgbClr r="0" g="0" b="0"/>
+      </a:fillRef>
+      <a:effectRef idx="0">
+        <a:scrgbClr r="0" g="0" b="0"/>
+      </a:effectRef>
+      <a:fontRef idx="minor"/>
+    </dgm:style>
+  </dgm:styleLbl>
+  <dgm:styleLbl name="sibTrans2D1">
+    <dgm:scene3d>
+      <a:camera prst="orthographicFront"/>
+      <a:lightRig rig="threePt" dir="t"/>
+    </dgm:scene3d>
+    <dgm:sp3d/>
+    <dgm:txPr/>
+    <dgm:style>
+      <a:lnRef idx="0">
+        <a:scrgbClr r="0" g="0" b="0"/>
+      </a:lnRef>
+      <a:fillRef idx="1">
+        <a:scrgbClr r="0" g="0" b="0"/>
+      </a:fillRef>
+      <a:effectRef idx="0">
+        <a:scrgbClr r="0" g="0" b="0"/>
+      </a:effectRef>
+      <a:fontRef idx="minor">
+        <a:schemeClr val="lt1"/>
+      </a:fontRef>
+    </dgm:style>
+  </dgm:styleLbl>
+  <dgm:styleLbl name="fgSibTrans2D1">
+    <dgm:scene3d>
+      <a:camera prst="orthographicFront"/>
+      <a:lightRig rig="threePt" dir="t"/>
+    </dgm:scene3d>
+    <dgm:sp3d/>
+    <dgm:txPr/>
+    <dgm:style>
+      <a:lnRef idx="0">
+        <a:scrgbClr r="0" g="0" b="0"/>
+      </a:lnRef>
+      <a:fillRef idx="1">
+        <a:scrgbClr r="0" g="0" b="0"/>
+      </a:fillRef>
+      <a:effectRef idx="0">
+        <a:scrgbClr r="0" g="0" b="0"/>
+      </a:effectRef>
+      <a:fontRef idx="minor">
+        <a:schemeClr val="lt1"/>
+      </a:fontRef>
+    </dgm:style>
+  </dgm:styleLbl>
+  <dgm:styleLbl name="bgSibTrans2D1">
+    <dgm:scene3d>
+      <a:camera prst="orthographicFront"/>
+      <a:lightRig rig="threePt" dir="t"/>
+    </dgm:scene3d>
+    <dgm:sp3d/>
+    <dgm:txPr/>
+    <dgm:style>
+      <a:lnRef idx="0">
+        <a:scrgbClr r="0" g="0" b="0"/>
+      </a:lnRef>
+      <a:fillRef idx="1">
+        <a:scrgbClr r="0" g="0" b="0"/>
+      </a:fillRef>
+      <a:effectRef idx="0">
+        <a:scrgbClr r="0" g="0" b="0"/>
+      </a:effectRef>
+      <a:fontRef idx="minor">
+        <a:schemeClr val="lt1"/>
+      </a:fontRef>
+    </dgm:style>
+  </dgm:styleLbl>
+  <dgm:styleLbl name="sibTrans1D1">
+    <dgm:scene3d>
+      <a:camera prst="orthographicFront"/>
+      <a:lightRig rig="threePt" dir="t"/>
+    </dgm:scene3d>
+    <dgm:sp3d/>
+    <dgm:txPr/>
+    <dgm:style>
+      <a:lnRef idx="1">
+        <a:scrgbClr r="0" g="0" b="0"/>
+      </a:lnRef>
+      <a:fillRef idx="0">
+        <a:scrgbClr r="0" g="0" b="0"/>
+      </a:fillRef>
+      <a:effectRef idx="0">
+        <a:scrgbClr r="0" g="0" b="0"/>
+      </a:effectRef>
+      <a:fontRef idx="minor"/>
+    </dgm:style>
+  </dgm:styleLbl>
+  <dgm:styleLbl name="callout">
+    <dgm:scene3d>
+      <a:camera prst="orthographicFront"/>
+      <a:lightRig rig="threePt" dir="t"/>
+    </dgm:scene3d>
+    <dgm:sp3d/>
+    <dgm:txPr/>
+    <dgm:style>
+      <a:lnRef idx="2">
+        <a:scrgbClr r="0" g="0" b="0"/>
+      </a:lnRef>
+      <a:fillRef idx="1">
+        <a:scrgbClr r="0" g="0" b="0"/>
+      </a:fillRef>
+      <a:effectRef idx="0">
+        <a:scrgbClr r="0" g="0" b="0"/>
+      </a:effectRef>
+      <a:fontRef idx="minor"/>
+    </dgm:style>
+  </dgm:styleLbl>
+  <dgm:styleLbl name="asst0">
+    <dgm:scene3d>
+      <a:camera prst="orthographicFront"/>
+      <a:lightRig rig="threePt" dir="t"/>
+    </dgm:scene3d>
+    <dgm:sp3d/>
+    <dgm:txPr/>
+    <dgm:style>
+      <a:lnRef idx="2">
+        <a:scrgbClr r="0" g="0" b="0"/>
+      </a:lnRef>
+      <a:fillRef idx="1">
+        <a:scrgbClr r="0" g="0" b="0"/>
+      </a:fillRef>
+      <a:effectRef idx="0">
+        <a:scrgbClr r="0" g="0" b="0"/>
+      </a:effectRef>
+      <a:fontRef idx="minor">
+        <a:schemeClr val="lt1"/>
+      </a:fontRef>
+    </dgm:style>
+  </dgm:styleLbl>
+  <dgm:styleLbl name="asst1">
+    <dgm:scene3d>
+      <a:camera prst="orthographicFront"/>
+      <a:lightRig rig="threePt" dir="t"/>
+    </dgm:scene3d>
+    <dgm:sp3d/>
+    <dgm:txPr/>
+    <dgm:style>
+      <a:lnRef idx="2">
+        <a:scrgbClr r="0" g="0" b="0"/>
+      </a:lnRef>
+      <a:fillRef idx="1">
+        <a:scrgbClr r="0" g="0" b="0"/>
+      </a:fillRef>
+      <a:effectRef idx="0">
+        <a:scrgbClr r="0" g="0" b="0"/>
+      </a:effectRef>
+      <a:fontRef idx="minor">
+        <a:schemeClr val="lt1"/>
+      </a:fontRef>
+    </dgm:style>
+  </dgm:styleLbl>
+  <dgm:styleLbl name="asst2">
+    <dgm:scene3d>
+      <a:camera prst="orthographicFront"/>
+      <a:lightRig rig="threePt" dir="t"/>
+    </dgm:scene3d>
+    <dgm:sp3d/>
+    <dgm:txPr/>
+    <dgm:style>
+      <a:lnRef idx="2">
+        <a:scrgbClr r="0" g="0" b="0"/>
+      </a:lnRef>
+      <a:fillRef idx="1">
+        <a:scrgbClr r="0" g="0" b="0"/>
+      </a:fillRef>
+      <a:effectRef idx="0">
+        <a:scrgbClr r="0" g="0" b="0"/>
+      </a:effectRef>
+      <a:fontRef idx="minor">
+        <a:schemeClr val="lt1"/>
+      </a:fontRef>
+    </dgm:style>
+  </dgm:styleLbl>
+  <dgm:styleLbl name="asst3">
+    <dgm:scene3d>
+      <a:camera prst="orthographicFront"/>
+      <a:lightRig rig="threePt" dir="t"/>
+    </dgm:scene3d>
+    <dgm:sp3d/>
+    <dgm:txPr/>
+    <dgm:style>
+      <a:lnRef idx="2">
+        <a:scrgbClr r="0" g="0" b="0"/>
+      </a:lnRef>
+      <a:fillRef idx="1">
+        <a:scrgbClr r="0" g="0" b="0"/>
+      </a:fillRef>
+      <a:effectRef idx="0">
+        <a:scrgbClr r="0" g="0" b="0"/>
+      </a:effectRef>
+      <a:fontRef idx="minor">
+        <a:schemeClr val="lt1"/>
+      </a:fontRef>
+    </dgm:style>
+  </dgm:styleLbl>
+  <dgm:styleLbl name="asst4">
+    <dgm:scene3d>
+      <a:camera prst="orthographicFront"/>
+      <a:lightRig rig="threePt" dir="t"/>
+    </dgm:scene3d>
+    <dgm:sp3d/>
+    <dgm:txPr/>
+    <dgm:style>
+      <a:lnRef idx="2">
+        <a:scrgbClr r="0" g="0" b="0"/>
+      </a:lnRef>
+      <a:fillRef idx="1">
+        <a:scrgbClr r="0" g="0" b="0"/>
+      </a:fillRef>
+      <a:effectRef idx="0">
+        <a:scrgbClr r="0" g="0" b="0"/>
+      </a:effectRef>
+      <a:fontRef idx="minor">
+        <a:schemeClr val="lt1"/>
+      </a:fontRef>
+    </dgm:style>
+  </dgm:styleLbl>
+  <dgm:styleLbl name="parChTrans2D1">
+    <dgm:scene3d>
+      <a:camera prst="orthographicFront"/>
+      <a:lightRig rig="threePt" dir="t"/>
+    </dgm:scene3d>
+    <dgm:sp3d/>
+    <dgm:txPr/>
+    <dgm:style>
+      <a:lnRef idx="2">
+        <a:scrgbClr r="0" g="0" b="0"/>
+      </a:lnRef>
+      <a:fillRef idx="1">
+        <a:scrgbClr r="0" g="0" b="0"/>
+      </a:fillRef>
+      <a:effectRef idx="0">
+        <a:scrgbClr r="0" g="0" b="0"/>
+      </a:effectRef>
+      <a:fontRef idx="minor">
+        <a:schemeClr val="lt1"/>
+      </a:fontRef>
+    </dgm:style>
+  </dgm:styleLbl>
+  <dgm:styleLbl name="parChTrans2D2">
+    <dgm:scene3d>
+      <a:camera prst="orthographicFront"/>
+      <a:lightRig rig="threePt" dir="t"/>
+    </dgm:scene3d>
+    <dgm:sp3d/>
+    <dgm:txPr/>
+    <dgm:style>
+      <a:lnRef idx="2">
+        <a:scrgbClr r="0" g="0" b="0"/>
+      </a:lnRef>
+      <a:fillRef idx="1">
+        <a:scrgbClr r="0" g="0" b="0"/>
+      </a:fillRef>
+      <a:effectRef idx="0">
+        <a:scrgbClr r="0" g="0" b="0"/>
+      </a:effectRef>
+      <a:fontRef idx="minor">
+        <a:schemeClr val="lt1"/>
+      </a:fontRef>
+    </dgm:style>
+  </dgm:styleLbl>
+  <dgm:styleLbl name="parChTrans2D3">
+    <dgm:scene3d>
+      <a:camera prst="orthographicFront"/>
+      <a:lightRig rig="threePt" dir="t"/>
+    </dgm:scene3d>
+    <dgm:sp3d/>
+    <dgm:txPr/>
+    <dgm:style>
+      <a:lnRef idx="2">
+        <a:scrgbClr r="0" g="0" b="0"/>
+      </a:lnRef>
+      <a:fillRef idx="1">
+        <a:scrgbClr r="0" g="0" b="0"/>
+      </a:fillRef>
+      <a:effectRef idx="0">
+        <a:scrgbClr r="0" g="0" b="0"/>
+      </a:effectRef>
+      <a:fontRef idx="minor">
+        <a:schemeClr val="lt1"/>
+      </a:fontRef>
+    </dgm:style>
+  </dgm:styleLbl>
+  <dgm:styleLbl name="parChTrans2D4">
+    <dgm:scene3d>
+      <a:camera prst="orthographicFront"/>
+      <a:lightRig rig="threePt" dir="t"/>
+    </dgm:scene3d>
+    <dgm:sp3d/>
+    <dgm:txPr/>
+    <dgm:style>
+      <a:lnRef idx="2">
+        <a:scrgbClr r="0" g="0" b="0"/>
+      </a:lnRef>
+      <a:fillRef idx="1">
+        <a:scrgbClr r="0" g="0" b="0"/>
+      </a:fillRef>
+      <a:effectRef idx="0">
+        <a:scrgbClr r="0" g="0" b="0"/>
+      </a:effectRef>
+      <a:fontRef idx="minor">
+        <a:schemeClr val="lt1"/>
+      </a:fontRef>
+    </dgm:style>
+  </dgm:styleLbl>
+  <dgm:styleLbl name="parChTrans1D1">
+    <dgm:scene3d>
+      <a:camera prst="orthographicFront"/>
+      <a:lightRig rig="threePt" dir="t"/>
+    </dgm:scene3d>
+    <dgm:sp3d/>
+    <dgm:txPr/>
+    <dgm:style>
+      <a:lnRef idx="2">
+        <a:scrgbClr r="0" g="0" b="0"/>
+      </a:lnRef>
+      <a:fillRef idx="0">
+        <a:scrgbClr r="0" g="0" b="0"/>
+      </a:fillRef>
+      <a:effectRef idx="0">
+        <a:scrgbClr r="0" g="0" b="0"/>
+      </a:effectRef>
+      <a:fontRef idx="minor"/>
+    </dgm:style>
+  </dgm:styleLbl>
+  <dgm:styleLbl name="parChTrans1D2">
+    <dgm:scene3d>
+      <a:camera prst="orthographicFront"/>
+      <a:lightRig rig="threePt" dir="t"/>
+    </dgm:scene3d>
+    <dgm:sp3d/>
+    <dgm:txPr/>
+    <dgm:style>
+      <a:lnRef idx="2">
+        <a:scrgbClr r="0" g="0" b="0"/>
+      </a:lnRef>
+      <a:fillRef idx="0">
+        <a:scrgbClr r="0" g="0" b="0"/>
+      </a:fillRef>
+      <a:effectRef idx="0">
+        <a:scrgbClr r="0" g="0" b="0"/>
+      </a:effectRef>
+      <a:fontRef idx="minor"/>
+    </dgm:style>
+  </dgm:styleLbl>
+  <dgm:styleLbl name="parChTrans1D3">
+    <dgm:scene3d>
+      <a:camera prst="orthographicFront"/>
+      <a:lightRig rig="threePt" dir="t"/>
+    </dgm:scene3d>
+    <dgm:sp3d/>
+    <dgm:txPr/>
+    <dgm:style>
+      <a:lnRef idx="2">
+        <a:scrgbClr r="0" g="0" b="0"/>
+      </a:lnRef>
+      <a:fillRef idx="0">
+        <a:scrgbClr r="0" g="0" b="0"/>
+      </a:fillRef>
+      <a:effectRef idx="0">
+        <a:scrgbClr r="0" g="0" b="0"/>
+      </a:effectRef>
+      <a:fontRef idx="minor"/>
+    </dgm:style>
+  </dgm:styleLbl>
+  <dgm:styleLbl name="parChTrans1D4">
+    <dgm:scene3d>
+      <a:camera prst="orthographicFront"/>
+      <a:lightRig rig="threePt" dir="t"/>
+    </dgm:scene3d>
+    <dgm:sp3d/>
+    <dgm:txPr/>
+    <dgm:style>
+      <a:lnRef idx="2">
+        <a:scrgbClr r="0" g="0" b="0"/>
+      </a:lnRef>
+      <a:fillRef idx="0">
+        <a:scrgbClr r="0" g="0" b="0"/>
+      </a:fillRef>
+      <a:effectRef idx="0">
+        <a:scrgbClr r="0" g="0" b="0"/>
+      </a:effectRef>
+      <a:fontRef idx="minor"/>
+    </dgm:style>
+  </dgm:styleLbl>
+  <dgm:styleLbl name="fgAcc1">
+    <dgm:scene3d>
+      <a:camera prst="orthographicFront"/>
+      <a:lightRig rig="threePt" dir="t"/>
+    </dgm:scene3d>
+    <dgm:sp3d/>
+    <dgm:txPr/>
+    <dgm:style>
+      <a:lnRef idx="2">
+        <a:scrgbClr r="0" g="0" b="0"/>
+      </a:lnRef>
+      <a:fillRef idx="1">
+        <a:scrgbClr r="0" g="0" b="0"/>
+      </a:fillRef>
+      <a:effectRef idx="0">
+        <a:scrgbClr r="0" g="0" b="0"/>
+      </a:effectRef>
+      <a:fontRef idx="minor"/>
+    </dgm:style>
+  </dgm:styleLbl>
+  <dgm:styleLbl name="conFgAcc1">
+    <dgm:scene3d>
+      <a:camera prst="orthographicFront"/>
+      <a:lightRig rig="threePt" dir="t"/>
+    </dgm:scene3d>
+    <dgm:sp3d/>
+    <dgm:txPr/>
+    <dgm:style>
+      <a:lnRef idx="2">
+        <a:scrgbClr r="0" g="0" b="0"/>
+      </a:lnRef>
+      <a:fillRef idx="1">
+        <a:scrgbClr r="0" g="0" b="0"/>
+      </a:fillRef>
+      <a:effectRef idx="0">
+        <a:scrgbClr r="0" g="0" b="0"/>
+      </a:effectRef>
+      <a:fontRef idx="minor"/>
+    </dgm:style>
+  </dgm:styleLbl>
+  <dgm:styleLbl name="alignAcc1">
+    <dgm:scene3d>
+      <a:camera prst="orthographicFront"/>
+      <a:lightRig rig="threePt" dir="t"/>
+    </dgm:scene3d>
+    <dgm:sp3d/>
+    <dgm:txPr/>
+    <dgm:style>
+      <a:lnRef idx="2">
+        <a:scrgbClr r="0" g="0" b="0"/>
+      </a:lnRef>
+      <a:fillRef idx="1">
+        <a:scrgbClr r="0" g="0" b="0"/>
+      </a:fillRef>
+      <a:effectRef idx="0">
+        <a:scrgbClr r="0" g="0" b="0"/>
+      </a:effectRef>
+      <a:fontRef idx="minor"/>
+    </dgm:style>
+  </dgm:styleLbl>
+  <dgm:styleLbl name="trAlignAcc1">
+    <dgm:scene3d>
+      <a:camera prst="orthographicFront"/>
+      <a:lightRig rig="threePt" dir="t"/>
+    </dgm:scene3d>
+    <dgm:sp3d/>
+    <dgm:txPr/>
+    <dgm:style>
+      <a:lnRef idx="1">
+        <a:scrgbClr r="0" g="0" b="0"/>
+      </a:lnRef>
+      <a:fillRef idx="1">
+        <a:scrgbClr r="0" g="0" b="0"/>
+      </a:fillRef>
+      <a:effectRef idx="0">
+        <a:scrgbClr r="0" g="0" b="0"/>
+      </a:effectRef>
+      <a:fontRef idx="minor"/>
+    </dgm:style>
+  </dgm:styleLbl>
+  <dgm:styleLbl name="bgAcc1">
+    <dgm:scene3d>
+      <a:camera prst="orthographicFront"/>
+      <a:lightRig rig="threePt" dir="t"/>
+    </dgm:scene3d>
+    <dgm:sp3d/>
+    <dgm:txPr/>
+    <dgm:style>
+      <a:lnRef idx="2">
+        <a:scrgbClr r="0" g="0" b="0"/>
+      </a:lnRef>
+      <a:fillRef idx="1">
+        <a:scrgbClr r="0" g="0" b="0"/>
+      </a:fillRef>
+      <a:effectRef idx="0">
+        <a:scrgbClr r="0" g="0" b="0"/>
+      </a:effectRef>
+      <a:fontRef idx="minor"/>
+    </dgm:style>
+  </dgm:styleLbl>
+  <dgm:styleLbl name="solidFgAcc1">
+    <dgm:scene3d>
+      <a:camera prst="orthographicFront"/>
+      <a:lightRig rig="threePt" dir="t"/>
+    </dgm:scene3d>
+    <dgm:sp3d/>
+    <dgm:txPr/>
+    <dgm:style>
+      <a:lnRef idx="2">
+        <a:scrgbClr r="0" g="0" b="0"/>
+      </a:lnRef>
+      <a:fillRef idx="1">
+        <a:scrgbClr r="0" g="0" b="0"/>
+      </a:fillRef>
+      <a:effectRef idx="0">
+        <a:scrgbClr r="0" g="0" b="0"/>
+      </a:effectRef>
+      <a:fontRef idx="minor"/>
+    </dgm:style>
+  </dgm:styleLbl>
+  <dgm:styleLbl name="solidAlignAcc1">
+    <dgm:scene3d>
+      <a:camera prst="orthographicFront"/>
+      <a:lightRig rig="threePt" dir="t"/>
+    </dgm:scene3d>
+    <dgm:sp3d/>
+    <dgm:txPr/>
+    <dgm:style>
+      <a:lnRef idx="2">
+        <a:scrgbClr r="0" g="0" b="0"/>
+      </a:lnRef>
+      <a:fillRef idx="1">
+        <a:scrgbClr r="0" g="0" b="0"/>
+      </a:fillRef>
+      <a:effectRef idx="0">
+        <a:scrgbClr r="0" g="0" b="0"/>
+      </a:effectRef>
+      <a:fontRef idx="minor"/>
+    </dgm:style>
+  </dgm:styleLbl>
+  <dgm:styleLbl name="solidBgAcc1">
+    <dgm:scene3d>
+      <a:camera prst="orthographicFront"/>
+      <a:lightRig rig="threePt" dir="t"/>
+    </dgm:scene3d>
+    <dgm:sp3d/>
+    <dgm:txPr/>
+    <dgm:style>
+      <a:lnRef idx="2">
+        <a:scrgbClr r="0" g="0" b="0"/>
+      </a:lnRef>
+      <a:fillRef idx="1">
+        <a:scrgbClr r="0" g="0" b="0"/>
+      </a:fillRef>
+      <a:effectRef idx="0">
+        <a:scrgbClr r="0" g="0" b="0"/>
+      </a:effectRef>
+      <a:fontRef idx="minor"/>
+    </dgm:style>
+  </dgm:styleLbl>
+  <dgm:styleLbl name="fgAccFollowNode1">
+    <dgm:scene3d>
+      <a:camera prst="orthographicFront"/>
+      <a:lightRig rig="threePt" dir="t"/>
+    </dgm:scene3d>
+    <dgm:sp3d/>
+    <dgm:txPr/>
+    <dgm:style>
+      <a:lnRef idx="2">
+        <a:scrgbClr r="0" g="0" b="0"/>
+      </a:lnRef>
+      <a:fillRef idx="1">
+        <a:scrgbClr r="0" g="0" b="0"/>
+      </a:fillRef>
+      <a:effectRef idx="0">
+        <a:scrgbClr r="0" g="0" b="0"/>
+      </a:effectRef>
+      <a:fontRef idx="minor"/>
+    </dgm:style>
+  </dgm:styleLbl>
+  <dgm:styleLbl name="alignAccFollowNode1">
+    <dgm:scene3d>
+      <a:camera prst="orthographicFront"/>
+      <a:lightRig rig="threePt" dir="t"/>
+    </dgm:scene3d>
+    <dgm:sp3d/>
+    <dgm:txPr/>
+    <dgm:style>
+      <a:lnRef idx="2">
+        <a:scrgbClr r="0" g="0" b="0"/>
+      </a:lnRef>
+      <a:fillRef idx="1">
+        <a:scrgbClr r="0" g="0" b="0"/>
+      </a:fillRef>
+      <a:effectRef idx="0">
+        <a:scrgbClr r="0" g="0" b="0"/>
+      </a:effectRef>
+      <a:fontRef idx="minor"/>
+    </dgm:style>
+  </dgm:styleLbl>
+  <dgm:styleLbl name="bgAccFollowNode1">
+    <dgm:scene3d>
+      <a:camera prst="orthographicFront"/>
+      <a:lightRig rig="threePt" dir="t"/>
+    </dgm:scene3d>
+    <dgm:sp3d/>
+    <dgm:txPr/>
+    <dgm:style>
+      <a:lnRef idx="2">
+        <a:scrgbClr r="0" g="0" b="0"/>
+      </a:lnRef>
+      <a:fillRef idx="1">
+        <a:scrgbClr r="0" g="0" b="0"/>
+      </a:fillRef>
+      <a:effectRef idx="0">
+        <a:scrgbClr r="0" g="0" b="0"/>
+      </a:effectRef>
+      <a:fontRef idx="minor"/>
+    </dgm:style>
+  </dgm:styleLbl>
+  <dgm:styleLbl name="fgAcc0">
+    <dgm:scene3d>
+      <a:camera prst="orthographicFront"/>
+      <a:lightRig rig="threePt" dir="t"/>
+    </dgm:scene3d>
+    <dgm:sp3d/>
+    <dgm:txPr/>
+    <dgm:style>
+      <a:lnRef idx="2">
+        <a:scrgbClr r="0" g="0" b="0"/>
+      </a:lnRef>
+      <a:fillRef idx="1">
+        <a:scrgbClr r="0" g="0" b="0"/>
+      </a:fillRef>
+      <a:effectRef idx="0">
+        <a:scrgbClr r="0" g="0" b="0"/>
+      </a:effectRef>
+      <a:fontRef idx="minor"/>
+    </dgm:style>
+  </dgm:styleLbl>
+  <dgm:styleLbl name="fgAcc2">
+    <dgm:scene3d>
+      <a:camera prst="orthographicFront"/>
+      <a:lightRig rig="threePt" dir="t"/>
+    </dgm:scene3d>
+    <dgm:sp3d/>
+    <dgm:txPr/>
+    <dgm:style>
+      <a:lnRef idx="2">
+        <a:scrgbClr r="0" g="0" b="0"/>
+      </a:lnRef>
+      <a:fillRef idx="1">
+        <a:scrgbClr r="0" g="0" b="0"/>
+      </a:fillRef>
+      <a:effectRef idx="0">
+        <a:scrgbClr r="0" g="0" b="0"/>
+      </a:effectRef>
+      <a:fontRef idx="minor"/>
+    </dgm:style>
+  </dgm:styleLbl>
+  <dgm:styleLbl name="fgAcc3">
+    <dgm:scene3d>
+      <a:camera prst="orthographicFront"/>
+      <a:lightRig rig="threePt" dir="t"/>
+    </dgm:scene3d>
+    <dgm:sp3d/>
+    <dgm:txPr/>
+    <dgm:style>
+      <a:lnRef idx="2">
+        <a:scrgbClr r="0" g="0" b="0"/>
+      </a:lnRef>
+      <a:fillRef idx="1">
+        <a:scrgbClr r="0" g="0" b="0"/>
+      </a:fillRef>
+      <a:effectRef idx="0">
+        <a:scrgbClr r="0" g="0" b="0"/>
+      </a:effectRef>
+      <a:fontRef idx="minor"/>
+    </dgm:style>
+  </dgm:styleLbl>
+  <dgm:styleLbl name="fgAcc4">
+    <dgm:scene3d>
+      <a:camera prst="orthographicFront"/>
+      <a:lightRig rig="threePt" dir="t"/>
+    </dgm:scene3d>
+    <dgm:sp3d/>
+    <dgm:txPr/>
+    <dgm:style>
+      <a:lnRef idx="2">
+        <a:scrgbClr r="0" g="0" b="0"/>
+      </a:lnRef>
+      <a:fillRef idx="1">
+        <a:scrgbClr r="0" g="0" b="0"/>
+      </a:fillRef>
+      <a:effectRef idx="0">
+        <a:scrgbClr r="0" g="0" b="0"/>
+      </a:effectRef>
+      <a:fontRef idx="minor"/>
+    </dgm:style>
+  </dgm:styleLbl>
+  <dgm:styleLbl name="bgShp">
+    <dgm:scene3d>
+      <a:camera prst="orthographicFront"/>
+      <a:lightRig rig="threePt" dir="t"/>
+    </dgm:scene3d>
+    <dgm:sp3d/>
+    <dgm:txPr/>
+    <dgm:style>
+      <a:lnRef idx="0">
+        <a:scrgbClr r="0" g="0" b="0"/>
+      </a:lnRef>
+      <a:fillRef idx="1">
+        <a:scrgbClr r="0" g="0" b="0"/>
+      </a:fillRef>
+      <a:effectRef idx="0">
+        <a:scrgbClr r="0" g="0" b="0"/>
+      </a:effectRef>
+      <a:fontRef idx="minor"/>
+    </dgm:style>
+  </dgm:styleLbl>
+  <dgm:styleLbl name="dkBgShp">
+    <dgm:scene3d>
+      <a:camera prst="orthographicFront"/>
+      <a:lightRig rig="threePt" dir="t"/>
+    </dgm:scene3d>
+    <dgm:sp3d/>
+    <dgm:txPr/>
+    <dgm:style>
+      <a:lnRef idx="0">
+        <a:scrgbClr r="0" g="0" b="0"/>
+      </a:lnRef>
+      <a:fillRef idx="1">
+        <a:scrgbClr r="0" g="0" b="0"/>
+      </a:fillRef>
+      <a:effectRef idx="0">
+        <a:scrgbClr r="0" g="0" b="0"/>
+      </a:effectRef>
+      <a:fontRef idx="minor"/>
+    </dgm:style>
+  </dgm:styleLbl>
+  <dgm:styleLbl name="trBgShp">
+    <dgm:scene3d>
+      <a:camera prst="orthographicFront"/>
+      <a:lightRig rig="threePt" dir="t"/>
+    </dgm:scene3d>
+    <dgm:sp3d/>
+    <dgm:txPr/>
+    <dgm:style>
+      <a:lnRef idx="0">
+        <a:scrgbClr r="0" g="0" b="0"/>
+      </a:lnRef>
+      <a:fillRef idx="1">
+        <a:scrgbClr r="0" g="0" b="0"/>
+      </a:fillRef>
+      <a:effectRef idx="0">
+        <a:scrgbClr r="0" g="0" b="0"/>
+      </a:effectRef>
+      <a:fontRef idx="minor"/>
+    </dgm:style>
+  </dgm:styleLbl>
+  <dgm:styleLbl name="fgShp">
+    <dgm:scene3d>
+      <a:camera prst="orthographicFront"/>
+      <a:lightRig rig="threePt" dir="t"/>
+    </dgm:scene3d>
+    <dgm:sp3d/>
+    <dgm:txPr/>
+    <dgm:style>
+      <a:lnRef idx="2">
+        <a:scrgbClr r="0" g="0" b="0"/>
+      </a:lnRef>
+      <a:fillRef idx="1">
+        <a:scrgbClr r="0" g="0" b="0"/>
+      </a:fillRef>
+      <a:effectRef idx="0">
+        <a:scrgbClr r="0" g="0" b="0"/>
+      </a:effectRef>
+      <a:fontRef idx="minor"/>
+    </dgm:style>
+  </dgm:styleLbl>
+  <dgm:styleLbl name="revTx">
+    <dgm:scene3d>
+      <a:camera prst="orthographicFront"/>
+      <a:lightRig rig="threePt" dir="t"/>
+    </dgm:scene3d>
+    <dgm:sp3d/>
+    <dgm:txPr/>
+    <dgm:style>
+      <a:lnRef idx="0">
+        <a:scrgbClr r="0" g="0" b="0"/>
+      </a:lnRef>
+      <a:fillRef idx="0">
+        <a:scrgbClr r="0" g="0" b="0"/>
+      </a:fillRef>
+      <a:effectRef idx="0">
+        <a:scrgbClr r="0" g="0" b="0"/>
+      </a:effectRef>
+      <a:fontRef idx="minor"/>
+    </dgm:style>
+  </dgm:styleLbl>
+</dgm:styleDef>
+</file>
+
+<file path=ppt/diagrams/quickStyle9.xml><?xml version="1.0" encoding="utf-8"?>
 <dgm:styleDef xmlns:dgm="http://schemas.openxmlformats.org/drawingml/2006/diagram" xmlns:a="http://schemas.openxmlformats.org/drawingml/2006/main" uniqueId="urn:microsoft.com/office/officeart/2005/8/quickstyle/simple1">
   <dgm:title val=""/>
   <dgm:desc val=""/>
@@ -33737,7 +42058,7 @@
           <a:p>
             <a:fld id="{FC2CAC82-AB94-49C4-8E1A-742407D08EF9}" type="datetimeFigureOut">
               <a:rPr lang="en-US" smtClean="0"/>
-              <a:t>5/4/2017</a:t>
+              <a:t>5/6/2017</a:t>
             </a:fld>
             <a:endParaRPr lang="en-US"/>
           </a:p>
@@ -33907,7 +42228,7 @@
           <a:p>
             <a:fld id="{FC2CAC82-AB94-49C4-8E1A-742407D08EF9}" type="datetimeFigureOut">
               <a:rPr lang="en-US" smtClean="0"/>
-              <a:t>5/4/2017</a:t>
+              <a:t>5/6/2017</a:t>
             </a:fld>
             <a:endParaRPr lang="en-US"/>
           </a:p>
@@ -34087,7 +42408,7 @@
           <a:p>
             <a:fld id="{FC2CAC82-AB94-49C4-8E1A-742407D08EF9}" type="datetimeFigureOut">
               <a:rPr lang="en-US" smtClean="0"/>
-              <a:t>5/4/2017</a:t>
+              <a:t>5/6/2017</a:t>
             </a:fld>
             <a:endParaRPr lang="en-US"/>
           </a:p>
@@ -34257,7 +42578,7 @@
           <a:p>
             <a:fld id="{FC2CAC82-AB94-49C4-8E1A-742407D08EF9}" type="datetimeFigureOut">
               <a:rPr lang="en-US" smtClean="0"/>
-              <a:t>5/4/2017</a:t>
+              <a:t>5/6/2017</a:t>
             </a:fld>
             <a:endParaRPr lang="en-US"/>
           </a:p>
@@ -34503,7 +42824,7 @@
           <a:p>
             <a:fld id="{FC2CAC82-AB94-49C4-8E1A-742407D08EF9}" type="datetimeFigureOut">
               <a:rPr lang="en-US" smtClean="0"/>
-              <a:t>5/4/2017</a:t>
+              <a:t>5/6/2017</a:t>
             </a:fld>
             <a:endParaRPr lang="en-US"/>
           </a:p>
@@ -34735,7 +43056,7 @@
           <a:p>
             <a:fld id="{FC2CAC82-AB94-49C4-8E1A-742407D08EF9}" type="datetimeFigureOut">
               <a:rPr lang="en-US" smtClean="0"/>
-              <a:t>5/4/2017</a:t>
+              <a:t>5/6/2017</a:t>
             </a:fld>
             <a:endParaRPr lang="en-US"/>
           </a:p>
@@ -35102,7 +43423,7 @@
           <a:p>
             <a:fld id="{FC2CAC82-AB94-49C4-8E1A-742407D08EF9}" type="datetimeFigureOut">
               <a:rPr lang="en-US" smtClean="0"/>
-              <a:t>5/4/2017</a:t>
+              <a:t>5/6/2017</a:t>
             </a:fld>
             <a:endParaRPr lang="en-US"/>
           </a:p>
@@ -35220,7 +43541,7 @@
           <a:p>
             <a:fld id="{FC2CAC82-AB94-49C4-8E1A-742407D08EF9}" type="datetimeFigureOut">
               <a:rPr lang="en-US" smtClean="0"/>
-              <a:t>5/4/2017</a:t>
+              <a:t>5/6/2017</a:t>
             </a:fld>
             <a:endParaRPr lang="en-US"/>
           </a:p>
@@ -35315,7 +43636,7 @@
           <a:p>
             <a:fld id="{FC2CAC82-AB94-49C4-8E1A-742407D08EF9}" type="datetimeFigureOut">
               <a:rPr lang="en-US" smtClean="0"/>
-              <a:t>5/4/2017</a:t>
+              <a:t>5/6/2017</a:t>
             </a:fld>
             <a:endParaRPr lang="en-US"/>
           </a:p>
@@ -35592,7 +43913,7 @@
           <a:p>
             <a:fld id="{FC2CAC82-AB94-49C4-8E1A-742407D08EF9}" type="datetimeFigureOut">
               <a:rPr lang="en-US" smtClean="0"/>
-              <a:t>5/4/2017</a:t>
+              <a:t>5/6/2017</a:t>
             </a:fld>
             <a:endParaRPr lang="en-US"/>
           </a:p>
@@ -35845,7 +44166,7 @@
           <a:p>
             <a:fld id="{FC2CAC82-AB94-49C4-8E1A-742407D08EF9}" type="datetimeFigureOut">
               <a:rPr lang="en-US" smtClean="0"/>
-              <a:t>5/4/2017</a:t>
+              <a:t>5/6/2017</a:t>
             </a:fld>
             <a:endParaRPr lang="en-US"/>
           </a:p>
@@ -36058,7 +44379,7 @@
           <a:p>
             <a:fld id="{FC2CAC82-AB94-49C4-8E1A-742407D08EF9}" type="datetimeFigureOut">
               <a:rPr lang="en-US" smtClean="0"/>
-              <a:t>5/4/2017</a:t>
+              <a:t>5/6/2017</a:t>
             </a:fld>
             <a:endParaRPr lang="en-US"/>
           </a:p>
@@ -36686,6 +45007,13 @@
   <p:clrMapOvr>
     <a:masterClrMapping/>
   </p:clrMapOvr>
+  <p:timing>
+    <p:tnLst>
+      <p:par>
+        <p:cTn id="1" dur="indefinite" restart="never" nodeType="tmRoot"/>
+      </p:par>
+    </p:tnLst>
+  </p:timing>
 </p:sld>
 </file>
 
@@ -36997,6 +45325,213 @@
 </p:sld>
 </file>
 
+<file path=ppt/slides/slide4.xml><?xml version="1.0" encoding="utf-8"?>
+<p:sld xmlns:a="http://schemas.openxmlformats.org/drawingml/2006/main" xmlns:r="http://schemas.openxmlformats.org/officeDocument/2006/relationships" xmlns:p="http://schemas.openxmlformats.org/presentationml/2006/main">
+  <p:cSld>
+    <p:spTree>
+      <p:nvGrpSpPr>
+        <p:cNvPr id="1" name=""/>
+        <p:cNvGrpSpPr/>
+        <p:nvPr/>
+      </p:nvGrpSpPr>
+      <p:grpSpPr>
+        <a:xfrm>
+          <a:off x="0" y="0"/>
+          <a:ext cx="0" cy="0"/>
+          <a:chOff x="0" y="0"/>
+          <a:chExt cx="0" cy="0"/>
+        </a:xfrm>
+      </p:grpSpPr>
+      <p:sp>
+        <p:nvSpPr>
+          <p:cNvPr id="7" name="Oval 6"/>
+          <p:cNvSpPr/>
+          <p:nvPr/>
+        </p:nvSpPr>
+        <p:spPr>
+          <a:xfrm>
+            <a:off x="7075115" y="1459523"/>
+            <a:ext cx="2292364" cy="2074984"/>
+          </a:xfrm>
+          <a:prstGeom prst="ellipse">
+            <a:avLst/>
+          </a:prstGeom>
+        </p:spPr>
+        <p:style>
+          <a:lnRef idx="2">
+            <a:schemeClr val="dk1"/>
+          </a:lnRef>
+          <a:fillRef idx="1">
+            <a:schemeClr val="lt1"/>
+          </a:fillRef>
+          <a:effectRef idx="0">
+            <a:schemeClr val="dk1"/>
+          </a:effectRef>
+          <a:fontRef idx="minor">
+            <a:schemeClr val="dk1"/>
+          </a:fontRef>
+        </p:style>
+        <p:txBody>
+          <a:bodyPr rtlCol="0" anchor="t"/>
+          <a:lstStyle/>
+          <a:p>
+            <a:pPr algn="ctr"/>
+            <a:r>
+              <a:rPr lang="en-US" dirty="0" smtClean="0"/>
+              <a:t>Context 2</a:t>
+            </a:r>
+            <a:endParaRPr lang="en-US" dirty="0"/>
+          </a:p>
+        </p:txBody>
+      </p:sp>
+      <p:sp>
+        <p:nvSpPr>
+          <p:cNvPr id="6" name="Oval 5"/>
+          <p:cNvSpPr/>
+          <p:nvPr/>
+        </p:nvSpPr>
+        <p:spPr>
+          <a:xfrm>
+            <a:off x="2743199" y="1459523"/>
+            <a:ext cx="2292364" cy="2074984"/>
+          </a:xfrm>
+          <a:prstGeom prst="ellipse">
+            <a:avLst/>
+          </a:prstGeom>
+        </p:spPr>
+        <p:style>
+          <a:lnRef idx="2">
+            <a:schemeClr val="dk1"/>
+          </a:lnRef>
+          <a:fillRef idx="1">
+            <a:schemeClr val="lt1"/>
+          </a:fillRef>
+          <a:effectRef idx="0">
+            <a:schemeClr val="dk1"/>
+          </a:effectRef>
+          <a:fontRef idx="minor">
+            <a:schemeClr val="dk1"/>
+          </a:fontRef>
+        </p:style>
+        <p:txBody>
+          <a:bodyPr rtlCol="0" anchor="t"/>
+          <a:lstStyle/>
+          <a:p>
+            <a:pPr algn="ctr"/>
+            <a:r>
+              <a:rPr lang="en-US" dirty="0" smtClean="0"/>
+              <a:t>Context 1</a:t>
+            </a:r>
+            <a:endParaRPr lang="en-US" dirty="0"/>
+          </a:p>
+        </p:txBody>
+      </p:sp>
+      <p:graphicFrame>
+        <p:nvGraphicFramePr>
+          <p:cNvPr id="4" name="Diagram 3"/>
+          <p:cNvGraphicFramePr/>
+          <p:nvPr>
+            <p:extLst>
+              <p:ext uri="{D42A27DB-BD31-4B8C-83A1-F6EECF244321}">
+                <p14:modId xmlns:p14="http://schemas.microsoft.com/office/powerpoint/2010/main" val="1781671662"/>
+              </p:ext>
+            </p:extLst>
+          </p:nvPr>
+        </p:nvGraphicFramePr>
+        <p:xfrm>
+          <a:off x="3333262" y="2003344"/>
+          <a:ext cx="1124438" cy="1003625"/>
+        </p:xfrm>
+        <a:graphic>
+          <a:graphicData uri="http://schemas.openxmlformats.org/drawingml/2006/diagram">
+            <dgm:relIds xmlns:dgm="http://schemas.openxmlformats.org/drawingml/2006/diagram" xmlns:r="http://schemas.openxmlformats.org/officeDocument/2006/relationships" r:dm="rId2" r:lo="rId3" r:qs="rId4" r:cs="rId5"/>
+          </a:graphicData>
+        </a:graphic>
+      </p:graphicFrame>
+      <p:graphicFrame>
+        <p:nvGraphicFramePr>
+          <p:cNvPr id="5" name="Diagram 4"/>
+          <p:cNvGraphicFramePr/>
+          <p:nvPr>
+            <p:extLst>
+              <p:ext uri="{D42A27DB-BD31-4B8C-83A1-F6EECF244321}">
+                <p14:modId xmlns:p14="http://schemas.microsoft.com/office/powerpoint/2010/main" val="3690711189"/>
+              </p:ext>
+            </p:extLst>
+          </p:nvPr>
+        </p:nvGraphicFramePr>
+        <p:xfrm>
+          <a:off x="7659078" y="2003344"/>
+          <a:ext cx="1124438" cy="1003625"/>
+        </p:xfrm>
+        <a:graphic>
+          <a:graphicData uri="http://schemas.openxmlformats.org/drawingml/2006/diagram">
+            <dgm:relIds xmlns:dgm="http://schemas.openxmlformats.org/drawingml/2006/diagram" xmlns:r="http://schemas.openxmlformats.org/officeDocument/2006/relationships" r:dm="rId7" r:lo="rId8" r:qs="rId9" r:cs="rId10"/>
+          </a:graphicData>
+        </a:graphic>
+      </p:graphicFrame>
+      <p:sp>
+        <p:nvSpPr>
+          <p:cNvPr id="8" name="Rectangle 7"/>
+          <p:cNvSpPr/>
+          <p:nvPr/>
+        </p:nvSpPr>
+        <p:spPr>
+          <a:xfrm>
+            <a:off x="3495668" y="4299439"/>
+            <a:ext cx="5287848" cy="378069"/>
+          </a:xfrm>
+          <a:prstGeom prst="rect">
+            <a:avLst/>
+          </a:prstGeom>
+        </p:spPr>
+        <p:style>
+          <a:lnRef idx="0">
+            <a:schemeClr val="accent6"/>
+          </a:lnRef>
+          <a:fillRef idx="3">
+            <a:schemeClr val="accent6"/>
+          </a:fillRef>
+          <a:effectRef idx="3">
+            <a:schemeClr val="accent6"/>
+          </a:effectRef>
+          <a:fontRef idx="minor">
+            <a:schemeClr val="lt1"/>
+          </a:fontRef>
+        </p:style>
+        <p:txBody>
+          <a:bodyPr rtlCol="0" anchor="ctr"/>
+          <a:lstStyle/>
+          <a:p>
+            <a:pPr algn="ctr"/>
+            <a:r>
+              <a:rPr lang="en-US" dirty="0" smtClean="0"/>
+              <a:t>Event Bus</a:t>
+            </a:r>
+            <a:endParaRPr lang="en-US" dirty="0"/>
+          </a:p>
+        </p:txBody>
+      </p:sp>
+    </p:spTree>
+    <p:extLst>
+      <p:ext uri="{BB962C8B-B14F-4D97-AF65-F5344CB8AC3E}">
+        <p14:creationId xmlns:p14="http://schemas.microsoft.com/office/powerpoint/2010/main" val="3136875601"/>
+      </p:ext>
+    </p:extLst>
+  </p:cSld>
+  <p:clrMapOvr>
+    <a:masterClrMapping/>
+  </p:clrMapOvr>
+  <p:timing>
+    <p:tnLst>
+      <p:par>
+        <p:cTn id="1" dur="indefinite" restart="never" nodeType="tmRoot"/>
+      </p:par>
+    </p:tnLst>
+  </p:timing>
+</p:sld>
+</file>
+
 <file path=ppt/theme/theme1.xml><?xml version="1.0" encoding="utf-8"?>
 <a:theme xmlns:a="http://schemas.openxmlformats.org/drawingml/2006/main" name="Office Theme">
   <a:themeElements>

--- a/src/DomainModeling/DomainModelingGraphics.pptx
+++ b/src/DomainModeling/DomainModelingGraphics.pptx
@@ -9187,13 +9187,13 @@
   </dgm:ptLst>
   <dgm:cxnLst>
     <dgm:cxn modelId="{02B6F750-652E-43EB-BC73-60DD6D6AAFA1}" type="presOf" srcId="{76B7127C-A954-4D6D-8E78-16A76AF5BD01}" destId="{68D7B0CB-B276-4213-8E97-7EF993DB122A}" srcOrd="0" destOrd="0" presId="urn:microsoft.com/office/officeart/2005/8/layout/orgChart1"/>
+    <dgm:cxn modelId="{7C2B6467-B561-4F13-B229-3687889CEAF2}" type="presOf" srcId="{E0C605CD-CF0C-4C9B-A87E-4BC4D356A21F}" destId="{20299A4B-1C69-4B86-8EDE-B88B470CE39C}" srcOrd="0" destOrd="0" presId="urn:microsoft.com/office/officeart/2005/8/layout/orgChart1"/>
     <dgm:cxn modelId="{4784228B-4A76-466B-BF4C-951F53B18AFE}" type="presOf" srcId="{029D4ADE-ED8D-4EA1-B9D4-89C7D7A1CDF1}" destId="{FB5FBBDF-B528-46EF-93B5-58A27D0E33BC}" srcOrd="0" destOrd="0" presId="urn:microsoft.com/office/officeart/2005/8/layout/orgChart1"/>
-    <dgm:cxn modelId="{7C2B6467-B561-4F13-B229-3687889CEAF2}" type="presOf" srcId="{E0C605CD-CF0C-4C9B-A87E-4BC4D356A21F}" destId="{20299A4B-1C69-4B86-8EDE-B88B470CE39C}" srcOrd="0" destOrd="0" presId="urn:microsoft.com/office/officeart/2005/8/layout/orgChart1"/>
     <dgm:cxn modelId="{81CA0C0B-7BB2-4640-B240-37FAE8F26BBC}" type="presOf" srcId="{5CD6EE36-BB0F-4305-A635-C2AEE05DF3B6}" destId="{F4595A86-4A99-4355-B61E-798C3365A643}" srcOrd="0" destOrd="0" presId="urn:microsoft.com/office/officeart/2005/8/layout/orgChart1"/>
     <dgm:cxn modelId="{589FA468-510D-41CB-8F3C-E90CF2074B53}" srcId="{E0C605CD-CF0C-4C9B-A87E-4BC4D356A21F}" destId="{029D4ADE-ED8D-4EA1-B9D4-89C7D7A1CDF1}" srcOrd="0" destOrd="0" parTransId="{AF16EA6B-7353-4053-A135-07D5836EE08B}" sibTransId="{E5E6B07E-DFD2-4A52-A3C7-23294CB3EE12}"/>
     <dgm:cxn modelId="{2BFE0C14-7874-4A8D-A07F-122A9625F0B3}" srcId="{5CD6EE36-BB0F-4305-A635-C2AEE05DF3B6}" destId="{E0C605CD-CF0C-4C9B-A87E-4BC4D356A21F}" srcOrd="0" destOrd="0" parTransId="{6983BF6D-1D80-417E-8ED1-A1DF5D5B2E1E}" sibTransId="{9CD3DFB9-087F-42D2-ABB1-99F2A9A2C875}"/>
+    <dgm:cxn modelId="{7381BD28-9710-4E21-97DC-D789FBEE763F}" type="presOf" srcId="{395FDB1D-246A-45B3-948C-1C5D437152BB}" destId="{24DDB095-FDEE-41F1-A6F8-2C94B55D2D06}" srcOrd="1" destOrd="0" presId="urn:microsoft.com/office/officeart/2005/8/layout/orgChart1"/>
     <dgm:cxn modelId="{04C7D9EC-737F-4D8A-A1FD-51683358D3C3}" type="presOf" srcId="{5713D143-9C47-4964-892D-3632FD3CF851}" destId="{EF82E21C-3DC8-4557-B814-29CE3E8DA8F5}" srcOrd="0" destOrd="0" presId="urn:microsoft.com/office/officeart/2005/8/layout/orgChart1"/>
-    <dgm:cxn modelId="{7381BD28-9710-4E21-97DC-D789FBEE763F}" type="presOf" srcId="{395FDB1D-246A-45B3-948C-1C5D437152BB}" destId="{24DDB095-FDEE-41F1-A6F8-2C94B55D2D06}" srcOrd="1" destOrd="0" presId="urn:microsoft.com/office/officeart/2005/8/layout/orgChart1"/>
     <dgm:cxn modelId="{78645725-E35B-41CA-B6B0-B24853644587}" type="presOf" srcId="{AF16EA6B-7353-4053-A135-07D5836EE08B}" destId="{D82AF006-7F10-44F4-A3F3-6DA0C2FBB56E}" srcOrd="0" destOrd="0" presId="urn:microsoft.com/office/officeart/2005/8/layout/orgChart1"/>
     <dgm:cxn modelId="{81F14BB1-5649-47E2-B4C8-1B2204C7660B}" srcId="{E0C605CD-CF0C-4C9B-A87E-4BC4D356A21F}" destId="{160A9CD8-29DE-4ADF-9B27-7AD569DBEA9A}" srcOrd="1" destOrd="0" parTransId="{1660B795-AC76-42B9-97AF-E76912E5E9F6}" sibTransId="{EBC58C13-B814-478D-96A0-FACB09FCE087}"/>
     <dgm:cxn modelId="{CE342535-2BD2-408F-B5EE-1814801A0AE4}" type="presOf" srcId="{78EA2BC9-6CD8-4B48-AF0B-C37E5AC58610}" destId="{1DBE5C34-578E-4FAC-A8A3-EB01CBEC9231}" srcOrd="1" destOrd="0" presId="urn:microsoft.com/office/officeart/2005/8/layout/orgChart1"/>
@@ -13667,13 +13667,13 @@
   </dgm:ptLst>
   <dgm:cxnLst>
     <dgm:cxn modelId="{02B6F750-652E-43EB-BC73-60DD6D6AAFA1}" type="presOf" srcId="{76B7127C-A954-4D6D-8E78-16A76AF5BD01}" destId="{68D7B0CB-B276-4213-8E97-7EF993DB122A}" srcOrd="0" destOrd="0" presId="urn:microsoft.com/office/officeart/2005/8/layout/orgChart1"/>
+    <dgm:cxn modelId="{7C2B6467-B561-4F13-B229-3687889CEAF2}" type="presOf" srcId="{E0C605CD-CF0C-4C9B-A87E-4BC4D356A21F}" destId="{20299A4B-1C69-4B86-8EDE-B88B470CE39C}" srcOrd="0" destOrd="0" presId="urn:microsoft.com/office/officeart/2005/8/layout/orgChart1"/>
     <dgm:cxn modelId="{4784228B-4A76-466B-BF4C-951F53B18AFE}" type="presOf" srcId="{029D4ADE-ED8D-4EA1-B9D4-89C7D7A1CDF1}" destId="{FB5FBBDF-B528-46EF-93B5-58A27D0E33BC}" srcOrd="0" destOrd="0" presId="urn:microsoft.com/office/officeart/2005/8/layout/orgChart1"/>
-    <dgm:cxn modelId="{7C2B6467-B561-4F13-B229-3687889CEAF2}" type="presOf" srcId="{E0C605CD-CF0C-4C9B-A87E-4BC4D356A21F}" destId="{20299A4B-1C69-4B86-8EDE-B88B470CE39C}" srcOrd="0" destOrd="0" presId="urn:microsoft.com/office/officeart/2005/8/layout/orgChart1"/>
     <dgm:cxn modelId="{81CA0C0B-7BB2-4640-B240-37FAE8F26BBC}" type="presOf" srcId="{5CD6EE36-BB0F-4305-A635-C2AEE05DF3B6}" destId="{F4595A86-4A99-4355-B61E-798C3365A643}" srcOrd="0" destOrd="0" presId="urn:microsoft.com/office/officeart/2005/8/layout/orgChart1"/>
     <dgm:cxn modelId="{589FA468-510D-41CB-8F3C-E90CF2074B53}" srcId="{E0C605CD-CF0C-4C9B-A87E-4BC4D356A21F}" destId="{029D4ADE-ED8D-4EA1-B9D4-89C7D7A1CDF1}" srcOrd="0" destOrd="0" parTransId="{AF16EA6B-7353-4053-A135-07D5836EE08B}" sibTransId="{E5E6B07E-DFD2-4A52-A3C7-23294CB3EE12}"/>
     <dgm:cxn modelId="{2BFE0C14-7874-4A8D-A07F-122A9625F0B3}" srcId="{5CD6EE36-BB0F-4305-A635-C2AEE05DF3B6}" destId="{E0C605CD-CF0C-4C9B-A87E-4BC4D356A21F}" srcOrd="0" destOrd="0" parTransId="{6983BF6D-1D80-417E-8ED1-A1DF5D5B2E1E}" sibTransId="{9CD3DFB9-087F-42D2-ABB1-99F2A9A2C875}"/>
+    <dgm:cxn modelId="{7381BD28-9710-4E21-97DC-D789FBEE763F}" type="presOf" srcId="{395FDB1D-246A-45B3-948C-1C5D437152BB}" destId="{24DDB095-FDEE-41F1-A6F8-2C94B55D2D06}" srcOrd="1" destOrd="0" presId="urn:microsoft.com/office/officeart/2005/8/layout/orgChart1"/>
     <dgm:cxn modelId="{04C7D9EC-737F-4D8A-A1FD-51683358D3C3}" type="presOf" srcId="{5713D143-9C47-4964-892D-3632FD3CF851}" destId="{EF82E21C-3DC8-4557-B814-29CE3E8DA8F5}" srcOrd="0" destOrd="0" presId="urn:microsoft.com/office/officeart/2005/8/layout/orgChart1"/>
-    <dgm:cxn modelId="{7381BD28-9710-4E21-97DC-D789FBEE763F}" type="presOf" srcId="{395FDB1D-246A-45B3-948C-1C5D437152BB}" destId="{24DDB095-FDEE-41F1-A6F8-2C94B55D2D06}" srcOrd="1" destOrd="0" presId="urn:microsoft.com/office/officeart/2005/8/layout/orgChart1"/>
     <dgm:cxn modelId="{78645725-E35B-41CA-B6B0-B24853644587}" type="presOf" srcId="{AF16EA6B-7353-4053-A135-07D5836EE08B}" destId="{D82AF006-7F10-44F4-A3F3-6DA0C2FBB56E}" srcOrd="0" destOrd="0" presId="urn:microsoft.com/office/officeart/2005/8/layout/orgChart1"/>
     <dgm:cxn modelId="{81F14BB1-5649-47E2-B4C8-1B2204C7660B}" srcId="{E0C605CD-CF0C-4C9B-A87E-4BC4D356A21F}" destId="{160A9CD8-29DE-4ADF-9B27-7AD569DBEA9A}" srcOrd="1" destOrd="0" parTransId="{1660B795-AC76-42B9-97AF-E76912E5E9F6}" sibTransId="{EBC58C13-B814-478D-96A0-FACB09FCE087}"/>
     <dgm:cxn modelId="{CE342535-2BD2-408F-B5EE-1814801A0AE4}" type="presOf" srcId="{78EA2BC9-6CD8-4B48-AF0B-C37E5AC58610}" destId="{1DBE5C34-578E-4FAC-A8A3-EB01CBEC9231}" srcOrd="1" destOrd="0" presId="urn:microsoft.com/office/officeart/2005/8/layout/orgChart1"/>
@@ -42058,7 +42058,7 @@
           <a:p>
             <a:fld id="{FC2CAC82-AB94-49C4-8E1A-742407D08EF9}" type="datetimeFigureOut">
               <a:rPr lang="en-US" smtClean="0"/>
-              <a:t>5/6/2017</a:t>
+              <a:t>5/13/2017</a:t>
             </a:fld>
             <a:endParaRPr lang="en-US"/>
           </a:p>
@@ -42228,7 +42228,7 @@
           <a:p>
             <a:fld id="{FC2CAC82-AB94-49C4-8E1A-742407D08EF9}" type="datetimeFigureOut">
               <a:rPr lang="en-US" smtClean="0"/>
-              <a:t>5/6/2017</a:t>
+              <a:t>5/13/2017</a:t>
             </a:fld>
             <a:endParaRPr lang="en-US"/>
           </a:p>
@@ -42408,7 +42408,7 @@
           <a:p>
             <a:fld id="{FC2CAC82-AB94-49C4-8E1A-742407D08EF9}" type="datetimeFigureOut">
               <a:rPr lang="en-US" smtClean="0"/>
-              <a:t>5/6/2017</a:t>
+              <a:t>5/13/2017</a:t>
             </a:fld>
             <a:endParaRPr lang="en-US"/>
           </a:p>
@@ -42578,7 +42578,7 @@
           <a:p>
             <a:fld id="{FC2CAC82-AB94-49C4-8E1A-742407D08EF9}" type="datetimeFigureOut">
               <a:rPr lang="en-US" smtClean="0"/>
-              <a:t>5/6/2017</a:t>
+              <a:t>5/13/2017</a:t>
             </a:fld>
             <a:endParaRPr lang="en-US"/>
           </a:p>
@@ -42824,7 +42824,7 @@
           <a:p>
             <a:fld id="{FC2CAC82-AB94-49C4-8E1A-742407D08EF9}" type="datetimeFigureOut">
               <a:rPr lang="en-US" smtClean="0"/>
-              <a:t>5/6/2017</a:t>
+              <a:t>5/13/2017</a:t>
             </a:fld>
             <a:endParaRPr lang="en-US"/>
           </a:p>
@@ -43056,7 +43056,7 @@
           <a:p>
             <a:fld id="{FC2CAC82-AB94-49C4-8E1A-742407D08EF9}" type="datetimeFigureOut">
               <a:rPr lang="en-US" smtClean="0"/>
-              <a:t>5/6/2017</a:t>
+              <a:t>5/13/2017</a:t>
             </a:fld>
             <a:endParaRPr lang="en-US"/>
           </a:p>
@@ -43423,7 +43423,7 @@
           <a:p>
             <a:fld id="{FC2CAC82-AB94-49C4-8E1A-742407D08EF9}" type="datetimeFigureOut">
               <a:rPr lang="en-US" smtClean="0"/>
-              <a:t>5/6/2017</a:t>
+              <a:t>5/13/2017</a:t>
             </a:fld>
             <a:endParaRPr lang="en-US"/>
           </a:p>
@@ -43541,7 +43541,7 @@
           <a:p>
             <a:fld id="{FC2CAC82-AB94-49C4-8E1A-742407D08EF9}" type="datetimeFigureOut">
               <a:rPr lang="en-US" smtClean="0"/>
-              <a:t>5/6/2017</a:t>
+              <a:t>5/13/2017</a:t>
             </a:fld>
             <a:endParaRPr lang="en-US"/>
           </a:p>
@@ -43636,7 +43636,7 @@
           <a:p>
             <a:fld id="{FC2CAC82-AB94-49C4-8E1A-742407D08EF9}" type="datetimeFigureOut">
               <a:rPr lang="en-US" smtClean="0"/>
-              <a:t>5/6/2017</a:t>
+              <a:t>5/13/2017</a:t>
             </a:fld>
             <a:endParaRPr lang="en-US"/>
           </a:p>
@@ -43913,7 +43913,7 @@
           <a:p>
             <a:fld id="{FC2CAC82-AB94-49C4-8E1A-742407D08EF9}" type="datetimeFigureOut">
               <a:rPr lang="en-US" smtClean="0"/>
-              <a:t>5/6/2017</a:t>
+              <a:t>5/13/2017</a:t>
             </a:fld>
             <a:endParaRPr lang="en-US"/>
           </a:p>
@@ -44166,7 +44166,7 @@
           <a:p>
             <a:fld id="{FC2CAC82-AB94-49C4-8E1A-742407D08EF9}" type="datetimeFigureOut">
               <a:rPr lang="en-US" smtClean="0"/>
-              <a:t>5/6/2017</a:t>
+              <a:t>5/13/2017</a:t>
             </a:fld>
             <a:endParaRPr lang="en-US"/>
           </a:p>
@@ -44379,7 +44379,7 @@
           <a:p>
             <a:fld id="{FC2CAC82-AB94-49C4-8E1A-742407D08EF9}" type="datetimeFigureOut">
               <a:rPr lang="en-US" smtClean="0"/>
-              <a:t>5/6/2017</a:t>
+              <a:t>5/13/2017</a:t>
             </a:fld>
             <a:endParaRPr lang="en-US"/>
           </a:p>
@@ -45344,6 +45344,86 @@
       </p:grpSpPr>
       <p:sp>
         <p:nvSpPr>
+          <p:cNvPr id="10" name="Can 9"/>
+          <p:cNvSpPr/>
+          <p:nvPr/>
+        </p:nvSpPr>
+        <p:spPr>
+          <a:xfrm>
+            <a:off x="9180795" y="1671190"/>
+            <a:ext cx="478665" cy="491719"/>
+          </a:xfrm>
+          <a:prstGeom prst="can">
+            <a:avLst/>
+          </a:prstGeom>
+        </p:spPr>
+        <p:style>
+          <a:lnRef idx="2">
+            <a:schemeClr val="accent1">
+              <a:shade val="50000"/>
+            </a:schemeClr>
+          </a:lnRef>
+          <a:fillRef idx="1">
+            <a:schemeClr val="accent1"/>
+          </a:fillRef>
+          <a:effectRef idx="0">
+            <a:schemeClr val="accent1"/>
+          </a:effectRef>
+          <a:fontRef idx="minor">
+            <a:schemeClr val="lt1"/>
+          </a:fontRef>
+        </p:style>
+        <p:txBody>
+          <a:bodyPr rtlCol="0" anchor="t"/>
+          <a:lstStyle/>
+          <a:p>
+            <a:pPr algn="ctr"/>
+            <a:endParaRPr lang="en-US" dirty="0"/>
+          </a:p>
+        </p:txBody>
+      </p:sp>
+      <p:sp>
+        <p:nvSpPr>
+          <p:cNvPr id="9" name="Can 8"/>
+          <p:cNvSpPr/>
+          <p:nvPr/>
+        </p:nvSpPr>
+        <p:spPr>
+          <a:xfrm>
+            <a:off x="4845829" y="1627228"/>
+            <a:ext cx="478665" cy="491719"/>
+          </a:xfrm>
+          <a:prstGeom prst="can">
+            <a:avLst/>
+          </a:prstGeom>
+        </p:spPr>
+        <p:style>
+          <a:lnRef idx="2">
+            <a:schemeClr val="accent1">
+              <a:shade val="50000"/>
+            </a:schemeClr>
+          </a:lnRef>
+          <a:fillRef idx="1">
+            <a:schemeClr val="accent1"/>
+          </a:fillRef>
+          <a:effectRef idx="0">
+            <a:schemeClr val="accent1"/>
+          </a:effectRef>
+          <a:fontRef idx="minor">
+            <a:schemeClr val="lt1"/>
+          </a:fontRef>
+        </p:style>
+        <p:txBody>
+          <a:bodyPr rtlCol="0" anchor="t"/>
+          <a:lstStyle/>
+          <a:p>
+            <a:pPr algn="ctr"/>
+            <a:endParaRPr lang="en-US" dirty="0"/>
+          </a:p>
+        </p:txBody>
+      </p:sp>
+      <p:sp>
+        <p:nvSpPr>
           <p:cNvPr id="7" name="Oval 6"/>
           <p:cNvSpPr/>
           <p:nvPr/>
@@ -45378,7 +45458,7 @@
             <a:pPr algn="ctr"/>
             <a:r>
               <a:rPr lang="en-US" dirty="0" smtClean="0"/>
-              <a:t>Context 2</a:t>
+              <a:t>Customer</a:t>
             </a:r>
             <a:endParaRPr lang="en-US" dirty="0"/>
           </a:p>
@@ -45420,7 +45500,7 @@
             <a:pPr algn="ctr"/>
             <a:r>
               <a:rPr lang="en-US" dirty="0" smtClean="0"/>
-              <a:t>Context 1</a:t>
+              <a:t>Order</a:t>
             </a:r>
             <a:endParaRPr lang="en-US" dirty="0"/>
           </a:p>
